--- a/Presentation/MillGates.pptx
+++ b/Presentation/MillGates.pptx
@@ -5,7 +5,7 @@
     <p:sldMasterId id="2147483661" r:id="rId1"/>
   </p:sldMasterIdLst>
   <p:notesMasterIdLst>
-    <p:notesMasterId r:id="rId13"/>
+    <p:notesMasterId r:id="rId14"/>
   </p:notesMasterIdLst>
   <p:sldIdLst>
     <p:sldId id="256" r:id="rId2"/>
@@ -19,30 +19,31 @@
     <p:sldId id="289" r:id="rId10"/>
     <p:sldId id="288" r:id="rId11"/>
     <p:sldId id="287" r:id="rId12"/>
+    <p:sldId id="293" r:id="rId13"/>
   </p:sldIdLst>
   <p:sldSz cx="9144000" cy="5143500" type="screen16x9"/>
   <p:notesSz cx="6858000" cy="9144000"/>
   <p:embeddedFontLst>
     <p:embeddedFont>
-      <p:font typeface="Nunito Sans" panose="020B0604020202020204" charset="0"/>
-      <p:regular r:id="rId14"/>
-      <p:bold r:id="rId15"/>
-      <p:italic r:id="rId16"/>
-      <p:boldItalic r:id="rId17"/>
-    </p:embeddedFont>
-    <p:embeddedFont>
       <p:font typeface="Calibri" panose="020F0502020204030204" pitchFamily="34" charset="0"/>
-      <p:regular r:id="rId18"/>
-      <p:bold r:id="rId19"/>
-      <p:italic r:id="rId20"/>
-      <p:boldItalic r:id="rId21"/>
+      <p:regular r:id="rId15"/>
+      <p:bold r:id="rId16"/>
+      <p:italic r:id="rId17"/>
+      <p:boldItalic r:id="rId18"/>
     </p:embeddedFont>
     <p:embeddedFont>
       <p:font typeface="Georgia" panose="02040502050405020303" pitchFamily="18" charset="0"/>
-      <p:regular r:id="rId22"/>
-      <p:bold r:id="rId23"/>
-      <p:italic r:id="rId24"/>
-      <p:boldItalic r:id="rId25"/>
+      <p:regular r:id="rId19"/>
+      <p:bold r:id="rId20"/>
+      <p:italic r:id="rId21"/>
+      <p:boldItalic r:id="rId22"/>
+    </p:embeddedFont>
+    <p:embeddedFont>
+      <p:font typeface="Nunito Sans" panose="020B0604020202020204" charset="0"/>
+      <p:regular r:id="rId23"/>
+      <p:bold r:id="rId24"/>
+      <p:italic r:id="rId25"/>
+      <p:boldItalic r:id="rId26"/>
     </p:embeddedFont>
   </p:embeddedFontLst>
   <p:defaultTextStyle>
@@ -280,10 +281,6 @@
     </p:ext>
   </p:extLst>
 </p:presentation>
-</file>
-
-<file path=ppt/revisionInfo.xml><?xml version="1.0" encoding="utf-8"?>
-<p1510:revInfo xmlns:a="http://schemas.openxmlformats.org/drawingml/2006/main" xmlns:r="http://schemas.openxmlformats.org/officeDocument/2006/relationships" xmlns:p1510="http://schemas.microsoft.com/office/powerpoint/2015/10/main"/>
 </file>
 
 <file path=ppt/notesMasters/notesMaster1.xml><?xml version="1.0" encoding="utf-8"?>
@@ -1127,6 +1124,72 @@
 </p:notes>
 </file>
 
+<file path=ppt/notesSlides/notesSlide12.xml><?xml version="1.0" encoding="utf-8"?>
+<p:notes xmlns:a="http://schemas.openxmlformats.org/drawingml/2006/main" xmlns:r="http://schemas.openxmlformats.org/officeDocument/2006/relationships" xmlns:p="http://schemas.openxmlformats.org/presentationml/2006/main">
+  <p:cSld>
+    <p:spTree>
+      <p:nvGrpSpPr>
+        <p:cNvPr id="1" name=""/>
+        <p:cNvGrpSpPr/>
+        <p:nvPr/>
+      </p:nvGrpSpPr>
+      <p:grpSpPr>
+        <a:xfrm>
+          <a:off x="0" y="0"/>
+          <a:ext cx="0" cy="0"/>
+          <a:chOff x="0" y="0"/>
+          <a:chExt cx="0" cy="0"/>
+        </a:xfrm>
+      </p:grpSpPr>
+      <p:sp>
+        <p:nvSpPr>
+          <p:cNvPr id="2" name="Segnaposto immagine diapositiva 1"/>
+          <p:cNvSpPr>
+            <a:spLocks noGrp="1" noRot="1" noChangeAspect="1"/>
+          </p:cNvSpPr>
+          <p:nvPr>
+            <p:ph type="sldImg"/>
+          </p:nvPr>
+        </p:nvSpPr>
+        <p:spPr>
+          <a:xfrm>
+            <a:off x="381000" y="685800"/>
+            <a:ext cx="6096000" cy="3429000"/>
+          </a:xfrm>
+        </p:spPr>
+      </p:sp>
+      <p:sp>
+        <p:nvSpPr>
+          <p:cNvPr id="3" name="Segnaposto note 2"/>
+          <p:cNvSpPr>
+            <a:spLocks noGrp="1"/>
+          </p:cNvSpPr>
+          <p:nvPr>
+            <p:ph type="body" idx="1"/>
+          </p:nvPr>
+        </p:nvSpPr>
+        <p:spPr/>
+        <p:txBody>
+          <a:bodyPr/>
+          <a:lstStyle/>
+          <a:p>
+            <a:endParaRPr lang="it-IT" dirty="0"/>
+          </a:p>
+        </p:txBody>
+      </p:sp>
+    </p:spTree>
+    <p:extLst>
+      <p:ext uri="{BB962C8B-B14F-4D97-AF65-F5344CB8AC3E}">
+        <p14:creationId xmlns:p14="http://schemas.microsoft.com/office/powerpoint/2010/main" val="2709310558"/>
+      </p:ext>
+    </p:extLst>
+  </p:cSld>
+  <p:clrMapOvr>
+    <a:masterClrMapping/>
+  </p:clrMapOvr>
+</p:notes>
+</file>
+
 <file path=ppt/notesSlides/notesSlide2.xml><?xml version="1.0" encoding="utf-8"?>
 <p:notes xmlns:a="http://schemas.openxmlformats.org/drawingml/2006/main" xmlns:r="http://schemas.openxmlformats.org/officeDocument/2006/relationships" xmlns:p="http://schemas.openxmlformats.org/presentationml/2006/main" showMasterSp="0" showMasterPhAnim="0">
   <p:cSld>
@@ -3661,7 +3724,7 @@
             </a:pPr>
             <a:fld id="{00000000-1234-1234-1234-123412341234}" type="slidenum">
               <a:rPr lang="en"/>
-              <a:t>‹#›</a:t>
+              <a:t>‹N›</a:t>
             </a:fld>
             <a:endParaRPr/>
           </a:p>
@@ -4366,7 +4429,7 @@
             </a:pPr>
             <a:fld id="{00000000-1234-1234-1234-123412341234}" type="slidenum">
               <a:rPr lang="en"/>
-              <a:t>‹#›</a:t>
+              <a:t>‹N›</a:t>
             </a:fld>
             <a:endParaRPr/>
           </a:p>
@@ -5062,7 +5125,7 @@
             </a:pPr>
             <a:fld id="{00000000-1234-1234-1234-123412341234}" type="slidenum">
               <a:rPr lang="en"/>
-              <a:t>‹#›</a:t>
+              <a:t>‹N›</a:t>
             </a:fld>
             <a:endParaRPr/>
           </a:p>
@@ -5790,7 +5853,7 @@
             </a:pPr>
             <a:fld id="{00000000-1234-1234-1234-123412341234}" type="slidenum">
               <a:rPr lang="en"/>
-              <a:t>‹#›</a:t>
+              <a:t>‹N›</a:t>
             </a:fld>
             <a:endParaRPr/>
           </a:p>
@@ -6483,7 +6546,7 @@
             </a:pPr>
             <a:fld id="{00000000-1234-1234-1234-123412341234}" type="slidenum">
               <a:rPr lang="en"/>
-              <a:t>‹#›</a:t>
+              <a:t>‹N›</a:t>
             </a:fld>
             <a:endParaRPr/>
           </a:p>
@@ -7497,8 +7560,8 @@
         </p:nvSpPr>
         <p:spPr>
           <a:xfrm>
-            <a:off x="234450" y="575500"/>
-            <a:ext cx="2046300" cy="3981000"/>
+            <a:off x="-1" y="575500"/>
+            <a:ext cx="2573867" cy="931567"/>
           </a:xfrm>
           <a:prstGeom prst="rect">
             <a:avLst/>
@@ -7510,7 +7573,7 @@
           </a:bodyPr>
           <a:lstStyle/>
           <a:p>
-            <a:pPr marL="0" lvl="0" indent="0">
+            <a:pPr marL="0" lvl="0" indent="0" algn="ctr">
               <a:spcBef>
                 <a:spcPts val="0"/>
               </a:spcBef>
@@ -7599,8 +7662,8 @@
         </p:nvSpPr>
         <p:spPr>
           <a:xfrm>
-            <a:off x="2737837" y="575500"/>
-            <a:ext cx="6230983" cy="3785652"/>
+            <a:off x="3005667" y="575500"/>
+            <a:ext cx="5765801" cy="3785652"/>
           </a:xfrm>
           <a:prstGeom prst="rect">
             <a:avLst/>
@@ -7613,7 +7676,7 @@
           </a:bodyPr>
           <a:lstStyle/>
           <a:p>
-            <a:pPr>
+            <a:pPr algn="just">
               <a:lnSpc>
                 <a:spcPct val="150000"/>
               </a:lnSpc>
@@ -7640,13 +7703,13 @@
               <a:rPr lang="en-GB" sz="1600" dirty="0">
                 <a:latin typeface="Nunito Sans" panose="020B0604020202020204" charset="0"/>
               </a:rPr>
-              <a:t> serve di </a:t>
+              <a:t> serve di una </a:t>
             </a:r>
             <a:r>
               <a:rPr lang="en-GB" sz="1600" dirty="0" err="1">
                 <a:latin typeface="Nunito Sans" panose="020B0604020202020204" charset="0"/>
               </a:rPr>
-              <a:t>una</a:t>
+              <a:t>tabella</a:t>
             </a:r>
             <a:r>
               <a:rPr lang="en-GB" sz="1600" dirty="0">
@@ -7658,7 +7721,7 @@
               <a:rPr lang="en-GB" sz="1600" dirty="0" err="1">
                 <a:latin typeface="Nunito Sans" panose="020B0604020202020204" charset="0"/>
               </a:rPr>
-              <a:t>tabella</a:t>
+              <a:t>delle</a:t>
             </a:r>
             <a:r>
               <a:rPr lang="en-GB" sz="1600" dirty="0">
@@ -7670,37 +7733,25 @@
               <a:rPr lang="en-GB" sz="1600" dirty="0" err="1">
                 <a:latin typeface="Nunito Sans" panose="020B0604020202020204" charset="0"/>
               </a:rPr>
-              <a:t>delle</a:t>
+              <a:t>trasposizioni</a:t>
             </a:r>
             <a:r>
               <a:rPr lang="en-GB" sz="1600" dirty="0">
                 <a:latin typeface="Nunito Sans" panose="020B0604020202020204" charset="0"/>
               </a:rPr>
-              <a:t> </a:t>
+              <a:t>, </a:t>
             </a:r>
             <a:r>
               <a:rPr lang="en-GB" sz="1600" dirty="0" err="1">
                 <a:latin typeface="Nunito Sans" panose="020B0604020202020204" charset="0"/>
               </a:rPr>
-              <a:t>trasposizioni</a:t>
+              <a:t>alle</a:t>
             </a:r>
             <a:r>
               <a:rPr lang="en-GB" sz="1600" dirty="0">
                 <a:latin typeface="Nunito Sans" panose="020B0604020202020204" charset="0"/>
               </a:rPr>
-              <a:t>, </a:t>
-            </a:r>
-            <a:r>
-              <a:rPr lang="en-GB" sz="1600" dirty="0" err="1">
-                <a:latin typeface="Nunito Sans" panose="020B0604020202020204" charset="0"/>
-              </a:rPr>
-              <a:t>alle</a:t>
-            </a:r>
-            <a:r>
-              <a:rPr lang="en-GB" sz="1600" dirty="0">
-                <a:latin typeface="Nunito Sans" panose="020B0604020202020204" charset="0"/>
-              </a:rPr>
-              <a:t> cui entry </a:t>
+              <a:t> cui entries </a:t>
             </a:r>
             <a:r>
               <a:rPr lang="en-GB" sz="1600" dirty="0" err="1">
@@ -7776,7 +7827,7 @@
             </a:r>
           </a:p>
           <a:p>
-            <a:pPr>
+            <a:pPr algn="just">
               <a:lnSpc>
                 <a:spcPct val="150000"/>
               </a:lnSpc>
@@ -7786,7 +7837,7 @@
             </a:endParaRPr>
           </a:p>
           <a:p>
-            <a:pPr>
+            <a:pPr algn="just">
               <a:lnSpc>
                 <a:spcPct val="150000"/>
               </a:lnSpc>
@@ -7877,7 +7928,7 @@
             </a:r>
           </a:p>
           <a:p>
-            <a:pPr>
+            <a:pPr algn="just">
               <a:lnSpc>
                 <a:spcPct val="150000"/>
               </a:lnSpc>
@@ -7887,7 +7938,7 @@
             </a:endParaRPr>
           </a:p>
           <a:p>
-            <a:pPr>
+            <a:pPr algn="just">
               <a:lnSpc>
                 <a:spcPct val="150000"/>
               </a:lnSpc>
@@ -7897,7 +7948,7 @@
             </a:endParaRPr>
           </a:p>
           <a:p>
-            <a:pPr>
+            <a:pPr algn="just">
               <a:lnSpc>
                 <a:spcPct val="150000"/>
               </a:lnSpc>
@@ -7907,7 +7958,7 @@
             </a:endParaRPr>
           </a:p>
           <a:p>
-            <a:pPr>
+            <a:pPr algn="just">
               <a:lnSpc>
                 <a:spcPct val="150000"/>
               </a:lnSpc>
@@ -7917,7 +7968,7 @@
             </a:endParaRPr>
           </a:p>
           <a:p>
-            <a:pPr>
+            <a:pPr algn="just">
               <a:lnSpc>
                 <a:spcPct val="150000"/>
               </a:lnSpc>
@@ -7927,7 +7978,7 @@
             </a:endParaRPr>
           </a:p>
           <a:p>
-            <a:pPr>
+            <a:pPr algn="just">
               <a:lnSpc>
                 <a:spcPct val="150000"/>
               </a:lnSpc>
@@ -8016,13 +8067,13 @@
           <p:nvPr>
             <p:extLst>
               <p:ext uri="{D42A27DB-BD31-4B8C-83A1-F6EECF244321}">
-                <p14:modId xmlns:p14="http://schemas.microsoft.com/office/powerpoint/2010/main" val="107718024"/>
+                <p14:modId xmlns:p14="http://schemas.microsoft.com/office/powerpoint/2010/main" val="3939056654"/>
               </p:ext>
             </p:extLst>
           </p:nvPr>
         </p:nvGraphicFramePr>
         <p:xfrm>
-          <a:off x="3994858" y="2566000"/>
+          <a:off x="4061283" y="2571750"/>
           <a:ext cx="3716940" cy="956991"/>
         </p:xfrm>
         <a:graphic>
@@ -8071,16 +8122,16 @@
                     <a:p>
                       <a:pPr algn="ctr"/>
                       <a:r>
-                        <a:rPr lang="en-GB" dirty="0">
-                          <a:latin typeface="Nunito Sans" panose="020B0604020202020204" charset="0"/>
-                        </a:rPr>
-                        <a:t>STATE H</a:t>
-                      </a:r>
-                      <a:r>
                         <a:rPr lang="it-IT" dirty="0">
                           <a:latin typeface="Nunito Sans" panose="020B0604020202020204" charset="0"/>
                         </a:rPr>
-                        <a:t>ASH</a:t>
+                        <a:t>state </a:t>
+                      </a:r>
+                      <a:r>
+                        <a:rPr lang="it-IT" dirty="0" err="1">
+                          <a:latin typeface="Nunito Sans" panose="020B0604020202020204" charset="0"/>
+                        </a:rPr>
+                        <a:t>hash</a:t>
                       </a:r>
                       <a:endParaRPr lang="en-GB" dirty="0">
                         <a:latin typeface="Nunito Sans" panose="020B0604020202020204" charset="0"/>
@@ -8123,7 +8174,7 @@
                         <a:rPr lang="en-GB" dirty="0">
                           <a:latin typeface="Nunito Sans" panose="020B0604020202020204" charset="0"/>
                         </a:rPr>
-                        <a:t>DEPTH</a:t>
+                        <a:t>depth</a:t>
                       </a:r>
                       <a:endParaRPr lang="it-IT" dirty="0">
                         <a:latin typeface="Nunito Sans" panose="020B0604020202020204" charset="0"/>
@@ -8205,10 +8256,10 @@
                     <a:lstStyle/>
                     <a:p>
                       <a:r>
-                        <a:rPr lang="en-GB" dirty="0">
+                        <a:rPr lang="en-GB" dirty="0" err="1">
                           <a:latin typeface="Nunito Sans" panose="020B0604020202020204" charset="0"/>
                         </a:rPr>
-                        <a:t>ENTRYFLAG</a:t>
+                        <a:t>entryflag</a:t>
                       </a:r>
                       <a:endParaRPr lang="it-IT" dirty="0">
                         <a:latin typeface="Nunito Sans" panose="020B0604020202020204" charset="0"/>
@@ -8293,7 +8344,7 @@
                         <a:rPr lang="en-GB" dirty="0">
                           <a:latin typeface="Nunito Sans" panose="020B0604020202020204" charset="0"/>
                         </a:rPr>
-                        <a:t>VALUE</a:t>
+                        <a:t>value</a:t>
                       </a:r>
                       <a:endParaRPr lang="it-IT" dirty="0">
                         <a:latin typeface="Nunito Sans" panose="020B0604020202020204" charset="0"/>
@@ -8379,8 +8430,8 @@
         </p:nvSpPr>
         <p:spPr>
           <a:xfrm>
-            <a:off x="234450" y="575500"/>
-            <a:ext cx="2046300" cy="3981000"/>
+            <a:off x="-1" y="575500"/>
+            <a:ext cx="2571295" cy="553056"/>
           </a:xfrm>
           <a:prstGeom prst="rect">
             <a:avLst/>
@@ -8392,7 +8443,7 @@
           </a:bodyPr>
           <a:lstStyle/>
           <a:p>
-            <a:pPr marL="0" lvl="0" indent="0">
+            <a:pPr marL="0" lvl="0" indent="0" algn="ctr">
               <a:spcBef>
                 <a:spcPts val="0"/>
               </a:spcBef>
@@ -9289,6 +9340,120 @@
 </p:sld>
 </file>
 
+<file path=ppt/slides/slide12.xml><?xml version="1.0" encoding="utf-8"?>
+<p:sld xmlns:a="http://schemas.openxmlformats.org/drawingml/2006/main" xmlns:r="http://schemas.openxmlformats.org/officeDocument/2006/relationships" xmlns:p="http://schemas.openxmlformats.org/presentationml/2006/main" showMasterSp="0">
+  <p:cSld>
+    <p:bg>
+      <p:bgPr>
+        <a:solidFill>
+          <a:schemeClr val="bg1"/>
+        </a:solidFill>
+        <a:effectLst/>
+      </p:bgPr>
+    </p:bg>
+    <p:spTree>
+      <p:nvGrpSpPr>
+        <p:cNvPr id="1" name=""/>
+        <p:cNvGrpSpPr/>
+        <p:nvPr/>
+      </p:nvGrpSpPr>
+      <p:grpSpPr>
+        <a:xfrm>
+          <a:off x="0" y="0"/>
+          <a:ext cx="0" cy="0"/>
+          <a:chOff x="0" y="0"/>
+          <a:chExt cx="0" cy="0"/>
+        </a:xfrm>
+      </p:grpSpPr>
+      <p:sp>
+        <p:nvSpPr>
+          <p:cNvPr id="3" name="Segnaposto testo 2">
+            <a:extLst>
+              <a:ext uri="{FF2B5EF4-FFF2-40B4-BE49-F238E27FC236}">
+                <a16:creationId xmlns:a16="http://schemas.microsoft.com/office/drawing/2014/main" id="{DC914F52-EFA0-48F1-9CD2-9E19DFE9A2CD}"/>
+              </a:ext>
+            </a:extLst>
+          </p:cNvPr>
+          <p:cNvSpPr>
+            <a:spLocks noGrp="1"/>
+          </p:cNvSpPr>
+          <p:nvPr>
+            <p:ph type="body" idx="1"/>
+          </p:nvPr>
+        </p:nvSpPr>
+        <p:spPr>
+          <a:xfrm>
+            <a:off x="0" y="1967850"/>
+            <a:ext cx="9144000" cy="1207800"/>
+          </a:xfrm>
+        </p:spPr>
+        <p:txBody>
+          <a:bodyPr/>
+          <a:lstStyle/>
+          <a:p>
+            <a:pPr marL="127000" indent="0" algn="ctr">
+              <a:buNone/>
+            </a:pPr>
+            <a:r>
+              <a:rPr lang="it-IT" sz="4200" b="1" dirty="0">
+                <a:latin typeface="Nunito Sans" panose="020B0604020202020204" charset="0"/>
+              </a:rPr>
+              <a:t>GRAZIE PER L’ATTENZIONE</a:t>
+            </a:r>
+          </a:p>
+        </p:txBody>
+      </p:sp>
+      <p:sp>
+        <p:nvSpPr>
+          <p:cNvPr id="4" name="Segnaposto numero diapositiva 3">
+            <a:extLst>
+              <a:ext uri="{FF2B5EF4-FFF2-40B4-BE49-F238E27FC236}">
+                <a16:creationId xmlns:a16="http://schemas.microsoft.com/office/drawing/2014/main" id="{EE03904A-6A03-4B2D-AFC0-0EB4E5C8212C}"/>
+              </a:ext>
+            </a:extLst>
+          </p:cNvPr>
+          <p:cNvSpPr>
+            <a:spLocks noGrp="1"/>
+          </p:cNvSpPr>
+          <p:nvPr>
+            <p:ph type="sldNum" idx="12"/>
+          </p:nvPr>
+        </p:nvSpPr>
+        <p:spPr/>
+        <p:txBody>
+          <a:bodyPr/>
+          <a:lstStyle/>
+          <a:p>
+            <a:pPr marL="0" lvl="0" indent="0">
+              <a:spcBef>
+                <a:spcPts val="0"/>
+              </a:spcBef>
+              <a:spcAft>
+                <a:spcPts val="0"/>
+              </a:spcAft>
+              <a:buNone/>
+            </a:pPr>
+            <a:fld id="{00000000-1234-1234-1234-123412341234}" type="slidenum">
+              <a:rPr lang="it-IT" smtClean="0"/>
+              <a:t>12</a:t>
+            </a:fld>
+            <a:endParaRPr lang="it-IT"/>
+          </a:p>
+        </p:txBody>
+      </p:sp>
+    </p:spTree>
+    <p:extLst>
+      <p:ext uri="{BB962C8B-B14F-4D97-AF65-F5344CB8AC3E}">
+        <p14:creationId xmlns:p14="http://schemas.microsoft.com/office/powerpoint/2010/main" val="3811220983"/>
+      </p:ext>
+    </p:extLst>
+  </p:cSld>
+  <p:clrMapOvr>
+    <a:masterClrMapping/>
+  </p:clrMapOvr>
+</p:sld>
+</file>
+
 <file path=ppt/slides/slide2.xml><?xml version="1.0" encoding="utf-8"?>
 <p:sld xmlns:a="http://schemas.openxmlformats.org/drawingml/2006/main" xmlns:r="http://schemas.openxmlformats.org/officeDocument/2006/relationships" xmlns:p="http://schemas.openxmlformats.org/presentationml/2006/main">
   <p:cSld>
@@ -9318,8 +9483,8 @@
         </p:nvSpPr>
         <p:spPr>
           <a:xfrm>
-            <a:off x="234450" y="575500"/>
-            <a:ext cx="2046300" cy="3981000"/>
+            <a:off x="0" y="575500"/>
+            <a:ext cx="2582874" cy="880767"/>
           </a:xfrm>
           <a:prstGeom prst="rect">
             <a:avLst/>
@@ -9331,6 +9496,7 @@
           </a:bodyPr>
           <a:lstStyle/>
           <a:p>
+            <a:pPr algn="ctr"/>
             <a:r>
               <a:rPr lang="en-GB" dirty="0" err="1"/>
               <a:t>Linguaggio</a:t>
@@ -9367,7 +9533,7 @@
         <p:spPr>
           <a:xfrm>
             <a:off x="2753834" y="287079"/>
-            <a:ext cx="5802950" cy="3454321"/>
+            <a:ext cx="5802950" cy="1782521"/>
           </a:xfrm>
           <a:prstGeom prst="rect">
             <a:avLst/>
@@ -9471,21 +9637,6 @@
               </a:rPr>
               <a:t> [1].</a:t>
             </a:r>
-          </a:p>
-          <a:p>
-            <a:pPr marL="342900" indent="-342900">
-              <a:buClr>
-                <a:schemeClr val="bg2"/>
-              </a:buClr>
-              <a:buSzPct val="100000"/>
-              <a:buFont typeface="Arial" panose="020B0604020202020204" pitchFamily="34" charset="0"/>
-              <a:buChar char="•"/>
-            </a:pPr>
-            <a:endParaRPr lang="en-GB" sz="2000" dirty="0">
-              <a:solidFill>
-                <a:schemeClr val="bg2"/>
-              </a:solidFill>
-            </a:endParaRPr>
           </a:p>
           <a:p>
             <a:pPr marL="342900" indent="-342900" algn="just">
@@ -9608,7 +9759,7 @@
         </p:nvGrpSpPr>
         <p:grpSpPr>
           <a:xfrm>
-            <a:off x="2889724" y="3073899"/>
+            <a:off x="2889723" y="2435378"/>
             <a:ext cx="5838020" cy="946298"/>
             <a:chOff x="2718764" y="3741397"/>
             <a:chExt cx="5838020" cy="946298"/>
@@ -10081,7 +10232,7 @@
         </p:nvSpPr>
         <p:spPr>
           <a:xfrm>
-            <a:off x="6615001" y="3319265"/>
+            <a:off x="6615000" y="2680744"/>
             <a:ext cx="422163" cy="148448"/>
           </a:xfrm>
           <a:prstGeom prst="rightArrow">
@@ -10158,8 +10309,8 @@
         </p:nvSpPr>
         <p:spPr>
           <a:xfrm>
-            <a:off x="234450" y="575500"/>
-            <a:ext cx="2046300" cy="3981000"/>
+            <a:off x="1" y="575500"/>
+            <a:ext cx="2573866" cy="880767"/>
           </a:xfrm>
           <a:prstGeom prst="rect">
             <a:avLst/>
@@ -10171,13 +10322,14 @@
           </a:bodyPr>
           <a:lstStyle/>
           <a:p>
+            <a:pPr algn="ctr"/>
             <a:r>
               <a:rPr lang="en-GB" dirty="0" err="1"/>
               <a:t>Intermediario</a:t>
             </a:r>
             <a:r>
               <a:rPr lang="en-GB" dirty="0"/>
-              <a:t> JAVA</a:t>
+              <a:t> Java</a:t>
             </a:r>
             <a:br>
               <a:rPr lang="en-GB" dirty="0"/>
@@ -10198,8 +10350,8 @@
         </p:nvSpPr>
         <p:spPr>
           <a:xfrm>
-            <a:off x="2753834" y="287079"/>
-            <a:ext cx="5802950" cy="3454321"/>
+            <a:off x="2753834" y="287080"/>
+            <a:ext cx="5802950" cy="2104925"/>
           </a:xfrm>
           <a:prstGeom prst="rect">
             <a:avLst/>
@@ -10211,7 +10363,7 @@
           </a:bodyPr>
           <a:lstStyle/>
           <a:p>
-            <a:pPr marL="342900" indent="-342900">
+            <a:pPr marL="342900" indent="-342900" algn="just">
               <a:buClr>
                 <a:schemeClr val="bg2"/>
               </a:buClr>
@@ -10333,7 +10485,7 @@
             </a:r>
           </a:p>
           <a:p>
-            <a:pPr marL="342900" indent="-342900">
+            <a:pPr marL="342900" indent="-342900" algn="just">
               <a:buClr>
                 <a:schemeClr val="bg2"/>
               </a:buClr>
@@ -10485,29 +10637,6 @@
               </a:rPr>
               <a:t>.</a:t>
             </a:r>
-          </a:p>
-          <a:p>
-            <a:pPr marL="0" lvl="0" indent="0" rtl="0">
-              <a:spcBef>
-                <a:spcPts val="600"/>
-              </a:spcBef>
-              <a:spcAft>
-                <a:spcPts val="0"/>
-              </a:spcAft>
-              <a:buNone/>
-            </a:pPr>
-            <a:endParaRPr lang="en-GB" dirty="0"/>
-          </a:p>
-          <a:p>
-            <a:pPr marL="0" lvl="0" indent="0" rtl="0">
-              <a:spcBef>
-                <a:spcPts val="600"/>
-              </a:spcBef>
-              <a:spcAft>
-                <a:spcPts val="0"/>
-              </a:spcAft>
-              <a:buNone/>
-            </a:pPr>
             <a:endParaRPr lang="en-GB" dirty="0"/>
           </a:p>
         </p:txBody>
@@ -10568,7 +10697,7 @@
         </p:nvGrpSpPr>
         <p:grpSpPr>
           <a:xfrm>
-            <a:off x="2753156" y="2710990"/>
+            <a:off x="2939422" y="2751495"/>
             <a:ext cx="5805477" cy="1979810"/>
             <a:chOff x="2751306" y="2782389"/>
             <a:chExt cx="5805477" cy="1979810"/>
@@ -10625,10 +10754,17 @@
             <a:p>
               <a:pPr algn="ctr"/>
               <a:r>
-                <a:rPr lang="en-GB" sz="1800" dirty="0"/>
+                <a:rPr lang="en-GB" sz="1550" dirty="0"/>
+                <a:t>Agent</a:t>
+              </a:r>
+            </a:p>
+            <a:p>
+              <a:pPr algn="ctr"/>
+              <a:r>
+                <a:rPr lang="en-GB" sz="1550" dirty="0"/>
                 <a:t>C++</a:t>
               </a:r>
-              <a:endParaRPr lang="it-IT" sz="1800" dirty="0"/>
+              <a:endParaRPr lang="it-IT" sz="1550" dirty="0"/>
             </a:p>
           </p:txBody>
         </p:sp>
@@ -10683,10 +10819,17 @@
             <a:p>
               <a:pPr algn="ctr"/>
               <a:r>
-                <a:rPr lang="en-GB" sz="1800" dirty="0"/>
+                <a:rPr lang="en-GB" sz="1550" dirty="0"/>
                 <a:t>MW</a:t>
               </a:r>
-              <a:endParaRPr lang="it-IT" sz="1800" dirty="0"/>
+            </a:p>
+            <a:p>
+              <a:pPr algn="ctr"/>
+              <a:r>
+                <a:rPr lang="en-GB" sz="1550" dirty="0"/>
+                <a:t>Java</a:t>
+              </a:r>
+              <a:endParaRPr lang="it-IT" sz="1550" dirty="0"/>
             </a:p>
           </p:txBody>
         </p:sp>
@@ -10758,8 +10901,8 @@
           </p:nvSpPr>
           <p:spPr>
             <a:xfrm>
-              <a:off x="4128656" y="2902587"/>
-              <a:ext cx="849282" cy="369332"/>
+              <a:off x="3599561" y="2902587"/>
+              <a:ext cx="1636747" cy="369332"/>
             </a:xfrm>
             <a:prstGeom prst="rect">
               <a:avLst/>
@@ -10772,6 +10915,7 @@
             </a:bodyPr>
             <a:lstStyle/>
             <a:p>
+              <a:pPr algn="ctr"/>
               <a:r>
                 <a:rPr lang="en-GB" sz="1800" dirty="0">
                   <a:latin typeface="Nunito Sans" panose="020B0604020202020204" charset="0"/>
@@ -10798,8 +10942,8 @@
           </p:nvSpPr>
           <p:spPr>
             <a:xfrm>
-              <a:off x="4123259" y="3811373"/>
-              <a:ext cx="854679" cy="369332"/>
+              <a:off x="3591393" y="3811373"/>
+              <a:ext cx="1636747" cy="369332"/>
             </a:xfrm>
             <a:prstGeom prst="rect">
               <a:avLst/>
@@ -10812,6 +10956,7 @@
             </a:bodyPr>
             <a:lstStyle/>
             <a:p>
+              <a:pPr algn="ctr"/>
               <a:r>
                 <a:rPr lang="en-GB" sz="1800" dirty="0">
                   <a:latin typeface="Nunito Sans" panose="020B0604020202020204" charset="0"/>
@@ -10838,8 +10983,8 @@
           </p:nvSpPr>
           <p:spPr>
             <a:xfrm>
-              <a:off x="6196563" y="2902587"/>
-              <a:ext cx="1508902" cy="369332"/>
+              <a:off x="6079949" y="2902587"/>
+              <a:ext cx="1690602" cy="369332"/>
             </a:xfrm>
             <a:prstGeom prst="rect">
               <a:avLst/>
@@ -10852,6 +10997,7 @@
             </a:bodyPr>
             <a:lstStyle/>
             <a:p>
+              <a:pPr algn="ctr"/>
               <a:r>
                 <a:rPr lang="en-GB" sz="1800" dirty="0">
                   <a:latin typeface="Nunito Sans" panose="020B0604020202020204" charset="0"/>
@@ -10878,8 +11024,8 @@
           </p:nvSpPr>
           <p:spPr>
             <a:xfrm>
-              <a:off x="6332679" y="3746256"/>
-              <a:ext cx="974946" cy="369332"/>
+              <a:off x="6079949" y="3804332"/>
+              <a:ext cx="1627553" cy="369332"/>
             </a:xfrm>
             <a:prstGeom prst="rect">
               <a:avLst/>
@@ -10892,6 +11038,7 @@
             </a:bodyPr>
             <a:lstStyle/>
             <a:p>
+              <a:pPr algn="ctr"/>
               <a:r>
                 <a:rPr lang="en-GB" sz="1800" dirty="0">
                   <a:latin typeface="Nunito Sans" panose="020B0604020202020204" charset="0"/>
@@ -11117,10 +11264,17 @@
             <a:p>
               <a:pPr algn="ctr"/>
               <a:r>
-                <a:rPr lang="en-GB" sz="1800" dirty="0" err="1"/>
-                <a:t>Serv</a:t>
+                <a:rPr lang="en-GB" sz="1550" dirty="0"/>
+                <a:t>Server</a:t>
               </a:r>
-              <a:endParaRPr lang="it-IT" sz="1800" dirty="0"/>
+            </a:p>
+            <a:p>
+              <a:pPr algn="ctr"/>
+              <a:r>
+                <a:rPr lang="en-GB" sz="1550" dirty="0"/>
+                <a:t>Java</a:t>
+              </a:r>
+              <a:endParaRPr lang="it-IT" sz="1550" dirty="0"/>
             </a:p>
           </p:txBody>
         </p:sp>
@@ -11167,8 +11321,8 @@
         </p:nvSpPr>
         <p:spPr>
           <a:xfrm>
-            <a:off x="234450" y="575500"/>
-            <a:ext cx="2046300" cy="3981000"/>
+            <a:off x="1" y="575500"/>
+            <a:ext cx="2573866" cy="499767"/>
           </a:xfrm>
           <a:prstGeom prst="rect">
             <a:avLst/>
@@ -11180,7 +11334,7 @@
           </a:bodyPr>
           <a:lstStyle/>
           <a:p>
-            <a:pPr marL="0" lvl="0" indent="0">
+            <a:pPr marL="0" lvl="0" indent="0" algn="ctr">
               <a:spcBef>
                 <a:spcPts val="0"/>
               </a:spcBef>
@@ -11297,6 +11451,7 @@
           </a:bodyPr>
           <a:lstStyle/>
           <a:p>
+            <a:pPr algn="ctr"/>
             <a:r>
               <a:rPr lang="en-GB" sz="1600" dirty="0" err="1">
                 <a:solidFill>
@@ -11667,8 +11822,8 @@
         </p:nvSpPr>
         <p:spPr>
           <a:xfrm>
-            <a:off x="234450" y="575500"/>
-            <a:ext cx="2046300" cy="3981000"/>
+            <a:off x="1" y="575500"/>
+            <a:ext cx="2573866" cy="525167"/>
           </a:xfrm>
           <a:prstGeom prst="rect">
             <a:avLst/>
@@ -11680,7 +11835,7 @@
           </a:bodyPr>
           <a:lstStyle/>
           <a:p>
-            <a:pPr marL="0" lvl="0" indent="0">
+            <a:pPr marL="0" lvl="0" indent="0" algn="ctr">
               <a:spcBef>
                 <a:spcPts val="0"/>
               </a:spcBef>
@@ -11797,6 +11952,7 @@
           </a:bodyPr>
           <a:lstStyle/>
           <a:p>
+            <a:pPr algn="ctr"/>
             <a:r>
               <a:rPr lang="en-GB" sz="1600" dirty="0" err="1">
                 <a:solidFill>
@@ -12172,8 +12328,8 @@
         </p:nvSpPr>
         <p:spPr>
           <a:xfrm>
-            <a:off x="234450" y="575500"/>
-            <a:ext cx="2046300" cy="3981000"/>
+            <a:off x="-1" y="575500"/>
+            <a:ext cx="2582333" cy="559033"/>
           </a:xfrm>
           <a:prstGeom prst="rect">
             <a:avLst/>
@@ -12185,7 +12341,7 @@
           </a:bodyPr>
           <a:lstStyle/>
           <a:p>
-            <a:pPr marL="0" lvl="0" indent="0">
+            <a:pPr marL="0" lvl="0" indent="0" algn="ctr">
               <a:spcBef>
                 <a:spcPts val="0"/>
               </a:spcBef>
@@ -12302,6 +12458,7 @@
           </a:bodyPr>
           <a:lstStyle/>
           <a:p>
+            <a:pPr algn="ctr"/>
             <a:r>
               <a:rPr lang="en-GB" sz="1600" dirty="0" err="1">
                 <a:solidFill>
@@ -12735,8 +12892,8 @@
         </p:nvSpPr>
         <p:spPr>
           <a:xfrm>
-            <a:off x="724459" y="902836"/>
-            <a:ext cx="2046300" cy="502056"/>
+            <a:off x="724458" y="902836"/>
+            <a:ext cx="2327085" cy="502056"/>
           </a:xfrm>
           <a:prstGeom prst="rect">
             <a:avLst/>
@@ -12748,7 +12905,7 @@
           </a:bodyPr>
           <a:lstStyle/>
           <a:p>
-            <a:pPr marL="0" lvl="0" indent="0">
+            <a:pPr marL="0" lvl="0" indent="0" algn="ctr">
               <a:spcBef>
                 <a:spcPts val="0"/>
               </a:spcBef>
@@ -12782,7 +12939,7 @@
         <p:spPr>
           <a:xfrm>
             <a:off x="724459" y="1524465"/>
-            <a:ext cx="2453229" cy="838367"/>
+            <a:ext cx="2453229" cy="705073"/>
           </a:xfrm>
           <a:prstGeom prst="rect">
             <a:avLst/>
@@ -12794,7 +12951,7 @@
           </a:bodyPr>
           <a:lstStyle/>
           <a:p>
-            <a:pPr marL="0" lvl="0" indent="0">
+            <a:pPr marL="0" lvl="0" indent="0" algn="just">
               <a:spcBef>
                 <a:spcPts val="600"/>
               </a:spcBef>
@@ -13405,8 +13562,8 @@
         </p:nvSpPr>
         <p:spPr>
           <a:xfrm>
-            <a:off x="234450" y="575500"/>
-            <a:ext cx="2046300" cy="3981000"/>
+            <a:off x="-1" y="575500"/>
+            <a:ext cx="2550347" cy="880076"/>
           </a:xfrm>
           <a:prstGeom prst="rect">
             <a:avLst/>
@@ -13418,7 +13575,7 @@
           </a:bodyPr>
           <a:lstStyle/>
           <a:p>
-            <a:pPr marL="0" lvl="0" indent="0">
+            <a:pPr marL="0" lvl="0" indent="0" algn="ctr">
               <a:spcBef>
                 <a:spcPts val="0"/>
               </a:spcBef>
@@ -14337,8 +14494,8 @@
         </p:nvSpPr>
         <p:spPr>
           <a:xfrm>
-            <a:off x="156755" y="575500"/>
-            <a:ext cx="2455816" cy="3981000"/>
+            <a:off x="0" y="575500"/>
+            <a:ext cx="2573867" cy="948500"/>
           </a:xfrm>
           <a:prstGeom prst="rect">
             <a:avLst/>
@@ -14350,7 +14507,7 @@
           </a:bodyPr>
           <a:lstStyle/>
           <a:p>
-            <a:pPr marL="0" lvl="0" indent="0">
+            <a:pPr marL="0" lvl="0" indent="0" algn="ctr">
               <a:spcBef>
                 <a:spcPts val="0"/>
               </a:spcBef>
@@ -14439,8 +14596,8 @@
         </p:nvSpPr>
         <p:spPr>
           <a:xfrm>
-            <a:off x="2737837" y="575500"/>
-            <a:ext cx="6230983" cy="5755422"/>
+            <a:off x="2954868" y="575500"/>
+            <a:ext cx="5867400" cy="3908762"/>
           </a:xfrm>
           <a:prstGeom prst="rect">
             <a:avLst/>
@@ -14767,19 +14924,7 @@
               <a:rPr lang="en-GB" sz="1600" dirty="0">
                 <a:latin typeface="Nunito Sans" panose="020B0604020202020204" charset="0"/>
               </a:rPr>
-              <a:t> a </a:t>
-            </a:r>
-            <a:r>
-              <a:rPr lang="en-GB" sz="1600" dirty="0" err="1">
-                <a:latin typeface="Nunito Sans" panose="020B0604020202020204" charset="0"/>
-              </a:rPr>
-              <a:t>una</a:t>
-            </a:r>
-            <a:r>
-              <a:rPr lang="en-GB" sz="1600" dirty="0">
-                <a:latin typeface="Nunito Sans" panose="020B0604020202020204" charset="0"/>
-              </a:rPr>
-              <a:t> </a:t>
+              <a:t> a una </a:t>
             </a:r>
             <a:r>
               <a:rPr lang="en-GB" sz="1600" dirty="0" err="1">
@@ -14891,51 +15036,13 @@
             </a:r>
           </a:p>
           <a:p>
-            <a:pPr algn="just">
-              <a:lnSpc>
-                <a:spcPct val="150000"/>
-              </a:lnSpc>
-            </a:pPr>
+            <a:pPr algn="just"/>
             <a:endParaRPr lang="en-GB" sz="1600" dirty="0">
               <a:latin typeface="Nunito Sans" panose="020B0604020202020204" charset="0"/>
             </a:endParaRPr>
           </a:p>
           <a:p>
-            <a:endParaRPr lang="en-GB" sz="1600" dirty="0">
-              <a:latin typeface="Nunito Sans" panose="020B0604020202020204" charset="0"/>
-            </a:endParaRPr>
-          </a:p>
-          <a:p>
-            <a:endParaRPr lang="en-GB" sz="1600" dirty="0">
-              <a:latin typeface="Nunito Sans" panose="020B0604020202020204" charset="0"/>
-            </a:endParaRPr>
-          </a:p>
-          <a:p>
-            <a:endParaRPr lang="en-GB" sz="1600" dirty="0">
-              <a:latin typeface="Nunito Sans" panose="020B0604020202020204" charset="0"/>
-            </a:endParaRPr>
-          </a:p>
-          <a:p>
-            <a:endParaRPr lang="en-GB" sz="1600" dirty="0">
-              <a:latin typeface="Nunito Sans" panose="020B0604020202020204" charset="0"/>
-            </a:endParaRPr>
-          </a:p>
-          <a:p>
-            <a:endParaRPr lang="en-GB" sz="1600" dirty="0">
-              <a:latin typeface="Nunito Sans" panose="020B0604020202020204" charset="0"/>
-            </a:endParaRPr>
-          </a:p>
-          <a:p>
-            <a:endParaRPr lang="en-GB" sz="1600" dirty="0">
-              <a:latin typeface="Nunito Sans" panose="020B0604020202020204" charset="0"/>
-            </a:endParaRPr>
-          </a:p>
-          <a:p>
-            <a:endParaRPr lang="en-GB" sz="1600" dirty="0">
-              <a:latin typeface="Nunito Sans" panose="020B0604020202020204" charset="0"/>
-            </a:endParaRPr>
-          </a:p>
-          <a:p>
+            <a:pPr algn="just"/>
             <a:endParaRPr lang="en-GB" sz="1600" dirty="0">
               <a:latin typeface="Nunito Sans" panose="020B0604020202020204" charset="0"/>
             </a:endParaRPr>
@@ -14957,13 +15064,13 @@
           <p:nvPr>
             <p:extLst>
               <p:ext uri="{D42A27DB-BD31-4B8C-83A1-F6EECF244321}">
-                <p14:modId xmlns:p14="http://schemas.microsoft.com/office/powerpoint/2010/main" val="2058912988"/>
+                <p14:modId xmlns:p14="http://schemas.microsoft.com/office/powerpoint/2010/main" val="1876658352"/>
               </p:ext>
             </p:extLst>
           </p:nvPr>
         </p:nvGraphicFramePr>
         <p:xfrm>
-          <a:off x="3994858" y="2035254"/>
+          <a:off x="3994858" y="1950587"/>
           <a:ext cx="3716940" cy="318997"/>
         </p:xfrm>
         <a:graphic>

--- a/Presentation/MillGates.pptx
+++ b/Presentation/MillGates.pptx
@@ -814,7 +814,7 @@
               </a:spcAft>
               <a:buNone/>
             </a:pPr>
-            <a:endParaRPr/>
+            <a:endParaRPr dirty="0"/>
           </a:p>
         </p:txBody>
       </p:sp>
@@ -1580,75 +1580,11 @@
             </a:pPr>
             <a:r>
               <a:rPr lang="en-GB" dirty="0" err="1"/>
-              <a:t>disaccoppiamento</a:t>
+              <a:t>struttura</a:t>
             </a:r>
             <a:r>
               <a:rPr lang="en-GB" dirty="0"/>
-              <a:t>: </a:t>
-            </a:r>
-            <a:r>
-              <a:rPr lang="en-GB" dirty="0" err="1"/>
-              <a:t>il</a:t>
-            </a:r>
-            <a:r>
-              <a:rPr lang="en-GB" dirty="0"/>
-              <a:t> </a:t>
-            </a:r>
-            <a:r>
-              <a:rPr lang="en-GB" dirty="0" err="1"/>
-              <a:t>formato</a:t>
-            </a:r>
-            <a:r>
-              <a:rPr lang="en-GB" dirty="0"/>
-              <a:t> </a:t>
-            </a:r>
-            <a:r>
-              <a:rPr lang="en-GB" dirty="0" err="1"/>
-              <a:t>della</a:t>
-            </a:r>
-            <a:r>
-              <a:rPr lang="en-GB" dirty="0"/>
-              <a:t> </a:t>
-            </a:r>
-            <a:r>
-              <a:rPr lang="en-GB" dirty="0" err="1"/>
-              <a:t>stringa</a:t>
-            </a:r>
-            <a:r>
-              <a:rPr lang="en-GB" dirty="0"/>
-              <a:t> </a:t>
-            </a:r>
-            <a:r>
-              <a:rPr lang="en-GB" dirty="0" err="1"/>
-              <a:t>inviata</a:t>
-            </a:r>
-            <a:r>
-              <a:rPr lang="en-GB" dirty="0"/>
-              <a:t> </a:t>
-            </a:r>
-            <a:r>
-              <a:rPr lang="en-GB" dirty="0" err="1"/>
-              <a:t>all’agent</a:t>
-            </a:r>
-            <a:r>
-              <a:rPr lang="en-GB" dirty="0"/>
-              <a:t> non </a:t>
-            </a:r>
-            <a:r>
-              <a:rPr lang="en-GB" dirty="0" err="1"/>
-              <a:t>dipende</a:t>
-            </a:r>
-            <a:r>
-              <a:rPr lang="en-GB" dirty="0"/>
-              <a:t> </a:t>
-            </a:r>
-            <a:r>
-              <a:rPr lang="en-GB" dirty="0" err="1"/>
-              <a:t>dalla</a:t>
-            </a:r>
-            <a:r>
-              <a:rPr lang="en-GB" dirty="0"/>
-              <a:t> </a:t>
+              <a:t> proxy: due encoder (</a:t>
             </a:r>
             <a:r>
               <a:rPr lang="en-GB" dirty="0" err="1"/>
@@ -1656,28 +1592,39 @@
             </a:r>
             <a:r>
               <a:rPr lang="en-GB" dirty="0"/>
-              <a:t> </a:t>
+              <a:t> OWB – </a:t>
             </a:r>
             <a:r>
               <a:rPr lang="en-GB" dirty="0" err="1"/>
-              <a:t>dello</a:t>
+              <a:t>rappresentazione</a:t>
             </a:r>
             <a:r>
               <a:rPr lang="en-GB" dirty="0"/>
-              <a:t> </a:t>
-            </a:r>
-            <a:r>
-              <a:rPr lang="en-GB" dirty="0" err="1"/>
-              <a:t>stato</a:t>
-            </a:r>
-            <a:r>
-              <a:rPr lang="en-GB" dirty="0"/>
-              <a:t> </a:t>
-            </a:r>
-            <a:r>
-              <a:rPr lang="en-GB" dirty="0" err="1"/>
-              <a:t>nell’agent</a:t>
-            </a:r>
+              <a:t> a1Oa4Ba7W)</a:t>
+            </a:r>
+          </a:p>
+          <a:p>
+            <a:pPr marL="0" lvl="0" indent="0">
+              <a:spcBef>
+                <a:spcPts val="0"/>
+              </a:spcBef>
+              <a:spcAft>
+                <a:spcPts val="0"/>
+              </a:spcAft>
+              <a:buNone/>
+            </a:pPr>
+            <a:endParaRPr lang="en-GB" dirty="0"/>
+          </a:p>
+          <a:p>
+            <a:pPr marL="0" lvl="0" indent="0">
+              <a:spcBef>
+                <a:spcPts val="0"/>
+              </a:spcBef>
+              <a:spcAft>
+                <a:spcPts val="0"/>
+              </a:spcAft>
+              <a:buNone/>
+            </a:pPr>
             <a:endParaRPr lang="en-GB" dirty="0"/>
           </a:p>
           <a:p>
@@ -1837,7 +1784,35 @@
             </a:r>
             <a:r>
               <a:rPr lang="en-GB" dirty="0" err="1"/>
-              <a:t>sul</a:t>
+              <a:t>su</a:t>
+            </a:r>
+            <a:r>
+              <a:rPr lang="en-GB" dirty="0"/>
+              <a:t>:</a:t>
+            </a:r>
+          </a:p>
+          <a:p>
+            <a:pPr marL="171450" lvl="0" indent="-171450">
+              <a:spcBef>
+                <a:spcPts val="0"/>
+              </a:spcBef>
+              <a:spcAft>
+                <a:spcPts val="0"/>
+              </a:spcAft>
+              <a:buFontTx/>
+              <a:buChar char="-"/>
+            </a:pPr>
+            <a:r>
+              <a:rPr lang="en-GB" dirty="0" err="1"/>
+              <a:t>numero</a:t>
+            </a:r>
+            <a:r>
+              <a:rPr lang="en-GB" dirty="0"/>
+              <a:t> di </a:t>
+            </a:r>
+            <a:r>
+              <a:rPr lang="en-GB" dirty="0" err="1"/>
+              <a:t>pedine</a:t>
             </a:r>
             <a:r>
               <a:rPr lang="en-GB" dirty="0"/>
@@ -1845,6 +1820,34 @@
             </a:r>
             <a:r>
               <a:rPr lang="en-GB" dirty="0" err="1"/>
+              <a:t>ancora</a:t>
+            </a:r>
+            <a:r>
+              <a:rPr lang="en-GB" dirty="0"/>
+              <a:t> da </a:t>
+            </a:r>
+            <a:r>
+              <a:rPr lang="en-GB" dirty="0" err="1"/>
+              <a:t>giocare</a:t>
+            </a:r>
+            <a:r>
+              <a:rPr lang="en-GB" dirty="0"/>
+              <a:t>;</a:t>
+            </a:r>
+          </a:p>
+          <a:p>
+            <a:pPr marL="171450" lvl="0" indent="-171450">
+              <a:spcBef>
+                <a:spcPts val="0"/>
+              </a:spcBef>
+              <a:spcAft>
+                <a:spcPts val="0"/>
+              </a:spcAft>
+              <a:buFontTx/>
+              <a:buChar char="-"/>
+            </a:pPr>
+            <a:r>
+              <a:rPr lang="en-GB" dirty="0" err="1"/>
               <a:t>numero</a:t>
             </a:r>
             <a:r>
@@ -1855,7 +1858,159 @@
               <a:rPr lang="en-GB" dirty="0" err="1"/>
               <a:t>pedine</a:t>
             </a:r>
-            <a:endParaRPr dirty="0"/>
+            <a:r>
+              <a:rPr lang="en-GB" dirty="0"/>
+              <a:t> </a:t>
+            </a:r>
+            <a:r>
+              <a:rPr lang="en-GB" dirty="0" err="1"/>
+              <a:t>sulla</a:t>
+            </a:r>
+            <a:r>
+              <a:rPr lang="en-GB" dirty="0"/>
+              <a:t> </a:t>
+            </a:r>
+            <a:r>
+              <a:rPr lang="en-GB" dirty="0" err="1"/>
+              <a:t>scacchiera</a:t>
+            </a:r>
+            <a:r>
+              <a:rPr lang="en-GB" dirty="0"/>
+              <a:t> (</a:t>
+            </a:r>
+            <a:r>
+              <a:rPr lang="en-GB" dirty="0" err="1"/>
+              <a:t>checkersOnBoard</a:t>
+            </a:r>
+            <a:r>
+              <a:rPr lang="en-GB" dirty="0"/>
+              <a:t>);</a:t>
+            </a:r>
+          </a:p>
+          <a:p>
+            <a:pPr marL="171450" lvl="0" indent="-171450">
+              <a:spcBef>
+                <a:spcPts val="0"/>
+              </a:spcBef>
+              <a:spcAft>
+                <a:spcPts val="0"/>
+              </a:spcAft>
+              <a:buFontTx/>
+              <a:buChar char="-"/>
+            </a:pPr>
+            <a:r>
+              <a:rPr lang="en-GB" dirty="0"/>
+              <a:t>player e </a:t>
+            </a:r>
+            <a:r>
+              <a:rPr lang="en-GB" dirty="0" err="1"/>
+              <a:t>morrisLastTurn</a:t>
+            </a:r>
+            <a:r>
+              <a:rPr lang="en-GB" dirty="0"/>
+              <a:t> </a:t>
+            </a:r>
+          </a:p>
+          <a:p>
+            <a:pPr marL="0" lvl="0" indent="0">
+              <a:spcBef>
+                <a:spcPts val="0"/>
+              </a:spcBef>
+              <a:spcAft>
+                <a:spcPts val="0"/>
+              </a:spcAft>
+              <a:buNone/>
+            </a:pPr>
+            <a:r>
+              <a:rPr lang="en-GB" dirty="0" err="1"/>
+              <a:t>Motivi</a:t>
+            </a:r>
+            <a:r>
+              <a:rPr lang="en-GB" dirty="0"/>
+              <a:t> </a:t>
+            </a:r>
+            <a:r>
+              <a:rPr lang="en-GB" dirty="0" err="1"/>
+              <a:t>rappresentazione</a:t>
+            </a:r>
+            <a:r>
+              <a:rPr lang="en-GB" dirty="0"/>
+              <a:t> a </a:t>
+            </a:r>
+            <a:r>
+              <a:rPr lang="en-GB" dirty="0" err="1"/>
+              <a:t>cubo</a:t>
+            </a:r>
+            <a:r>
+              <a:rPr lang="en-GB" dirty="0"/>
+              <a:t>:</a:t>
+            </a:r>
+          </a:p>
+          <a:p>
+            <a:pPr marL="171450" lvl="0" indent="-171450">
+              <a:spcBef>
+                <a:spcPts val="0"/>
+              </a:spcBef>
+              <a:spcAft>
+                <a:spcPts val="0"/>
+              </a:spcAft>
+              <a:buFontTx/>
+              <a:buChar char="-"/>
+            </a:pPr>
+            <a:r>
+              <a:rPr lang="en-GB" dirty="0" err="1"/>
+              <a:t>più</a:t>
+            </a:r>
+            <a:r>
+              <a:rPr lang="en-GB" dirty="0"/>
+              <a:t> semplice </a:t>
+            </a:r>
+            <a:r>
+              <a:rPr lang="en-GB" dirty="0" err="1"/>
+              <a:t>individuare</a:t>
+            </a:r>
+            <a:r>
+              <a:rPr lang="en-GB" dirty="0"/>
+              <a:t> </a:t>
+            </a:r>
+            <a:r>
+              <a:rPr lang="en-GB" dirty="0" err="1"/>
+              <a:t>morris</a:t>
+            </a:r>
+            <a:endParaRPr lang="en-GB" dirty="0"/>
+          </a:p>
+          <a:p>
+            <a:pPr marL="171450" lvl="0" indent="-171450">
+              <a:spcBef>
+                <a:spcPts val="0"/>
+              </a:spcBef>
+              <a:spcAft>
+                <a:spcPts val="0"/>
+              </a:spcAft>
+              <a:buFontTx/>
+              <a:buChar char="-"/>
+            </a:pPr>
+            <a:r>
+              <a:rPr lang="en-GB" dirty="0" err="1"/>
+              <a:t>calcolare</a:t>
+            </a:r>
+            <a:r>
+              <a:rPr lang="en-GB" dirty="0"/>
+              <a:t> le </a:t>
+            </a:r>
+            <a:r>
+              <a:rPr lang="en-GB" dirty="0" err="1"/>
+              <a:t>azioni</a:t>
+            </a:r>
+            <a:r>
+              <a:rPr lang="en-GB" dirty="0"/>
+              <a:t> </a:t>
+            </a:r>
+            <a:r>
+              <a:rPr lang="en-GB" dirty="0" err="1"/>
+              <a:t>valide</a:t>
+            </a:r>
+            <a:endParaRPr lang="en-GB" dirty="0"/>
           </a:p>
         </p:txBody>
       </p:sp>
@@ -1997,7 +2152,35 @@
             </a:r>
             <a:r>
               <a:rPr lang="en-GB" dirty="0" err="1"/>
-              <a:t>sul</a:t>
+              <a:t>su</a:t>
+            </a:r>
+            <a:r>
+              <a:rPr lang="en-GB" dirty="0"/>
+              <a:t>:</a:t>
+            </a:r>
+          </a:p>
+          <a:p>
+            <a:pPr marL="171450" lvl="0" indent="-171450">
+              <a:spcBef>
+                <a:spcPts val="0"/>
+              </a:spcBef>
+              <a:spcAft>
+                <a:spcPts val="0"/>
+              </a:spcAft>
+              <a:buFontTx/>
+              <a:buChar char="-"/>
+            </a:pPr>
+            <a:r>
+              <a:rPr lang="en-GB" dirty="0" err="1"/>
+              <a:t>numero</a:t>
+            </a:r>
+            <a:r>
+              <a:rPr lang="en-GB" dirty="0"/>
+              <a:t> di </a:t>
+            </a:r>
+            <a:r>
+              <a:rPr lang="en-GB" dirty="0" err="1"/>
+              <a:t>pedine</a:t>
             </a:r>
             <a:r>
               <a:rPr lang="en-GB" dirty="0"/>
@@ -2005,6 +2188,34 @@
             </a:r>
             <a:r>
               <a:rPr lang="en-GB" dirty="0" err="1"/>
+              <a:t>ancora</a:t>
+            </a:r>
+            <a:r>
+              <a:rPr lang="en-GB" dirty="0"/>
+              <a:t> da </a:t>
+            </a:r>
+            <a:r>
+              <a:rPr lang="en-GB" dirty="0" err="1"/>
+              <a:t>giocare</a:t>
+            </a:r>
+            <a:r>
+              <a:rPr lang="en-GB" dirty="0"/>
+              <a:t>;</a:t>
+            </a:r>
+          </a:p>
+          <a:p>
+            <a:pPr marL="171450" lvl="0" indent="-171450">
+              <a:spcBef>
+                <a:spcPts val="0"/>
+              </a:spcBef>
+              <a:spcAft>
+                <a:spcPts val="0"/>
+              </a:spcAft>
+              <a:buFontTx/>
+              <a:buChar char="-"/>
+            </a:pPr>
+            <a:r>
+              <a:rPr lang="en-GB" dirty="0" err="1"/>
               <a:t>numero</a:t>
             </a:r>
             <a:r>
@@ -2015,7 +2226,159 @@
               <a:rPr lang="en-GB" dirty="0" err="1"/>
               <a:t>pedine</a:t>
             </a:r>
-            <a:endParaRPr dirty="0"/>
+            <a:r>
+              <a:rPr lang="en-GB" dirty="0"/>
+              <a:t> </a:t>
+            </a:r>
+            <a:r>
+              <a:rPr lang="en-GB" dirty="0" err="1"/>
+              <a:t>sulla</a:t>
+            </a:r>
+            <a:r>
+              <a:rPr lang="en-GB" dirty="0"/>
+              <a:t> </a:t>
+            </a:r>
+            <a:r>
+              <a:rPr lang="en-GB" dirty="0" err="1"/>
+              <a:t>scacchiera</a:t>
+            </a:r>
+            <a:r>
+              <a:rPr lang="en-GB" dirty="0"/>
+              <a:t> (</a:t>
+            </a:r>
+            <a:r>
+              <a:rPr lang="en-GB" dirty="0" err="1"/>
+              <a:t>checkersOnBoard</a:t>
+            </a:r>
+            <a:r>
+              <a:rPr lang="en-GB" dirty="0"/>
+              <a:t>);</a:t>
+            </a:r>
+          </a:p>
+          <a:p>
+            <a:pPr marL="171450" lvl="0" indent="-171450">
+              <a:spcBef>
+                <a:spcPts val="0"/>
+              </a:spcBef>
+              <a:spcAft>
+                <a:spcPts val="0"/>
+              </a:spcAft>
+              <a:buFontTx/>
+              <a:buChar char="-"/>
+            </a:pPr>
+            <a:r>
+              <a:rPr lang="en-GB" dirty="0"/>
+              <a:t>player e </a:t>
+            </a:r>
+            <a:r>
+              <a:rPr lang="en-GB" dirty="0" err="1"/>
+              <a:t>morrisLastTurn</a:t>
+            </a:r>
+            <a:r>
+              <a:rPr lang="en-GB" dirty="0"/>
+              <a:t> </a:t>
+            </a:r>
+          </a:p>
+          <a:p>
+            <a:pPr marL="0" lvl="0" indent="0">
+              <a:spcBef>
+                <a:spcPts val="0"/>
+              </a:spcBef>
+              <a:spcAft>
+                <a:spcPts val="0"/>
+              </a:spcAft>
+              <a:buNone/>
+            </a:pPr>
+            <a:r>
+              <a:rPr lang="en-GB" dirty="0" err="1"/>
+              <a:t>Motivi</a:t>
+            </a:r>
+            <a:r>
+              <a:rPr lang="en-GB" dirty="0"/>
+              <a:t> </a:t>
+            </a:r>
+            <a:r>
+              <a:rPr lang="en-GB" dirty="0" err="1"/>
+              <a:t>rappresentazione</a:t>
+            </a:r>
+            <a:r>
+              <a:rPr lang="en-GB" dirty="0"/>
+              <a:t> a </a:t>
+            </a:r>
+            <a:r>
+              <a:rPr lang="en-GB" dirty="0" err="1"/>
+              <a:t>cubo</a:t>
+            </a:r>
+            <a:r>
+              <a:rPr lang="en-GB" dirty="0"/>
+              <a:t>:</a:t>
+            </a:r>
+          </a:p>
+          <a:p>
+            <a:pPr marL="171450" lvl="0" indent="-171450">
+              <a:spcBef>
+                <a:spcPts val="0"/>
+              </a:spcBef>
+              <a:spcAft>
+                <a:spcPts val="0"/>
+              </a:spcAft>
+              <a:buFontTx/>
+              <a:buChar char="-"/>
+            </a:pPr>
+            <a:r>
+              <a:rPr lang="en-GB" dirty="0" err="1"/>
+              <a:t>più</a:t>
+            </a:r>
+            <a:r>
+              <a:rPr lang="en-GB" dirty="0"/>
+              <a:t> semplice </a:t>
+            </a:r>
+            <a:r>
+              <a:rPr lang="en-GB" dirty="0" err="1"/>
+              <a:t>individuare</a:t>
+            </a:r>
+            <a:r>
+              <a:rPr lang="en-GB" dirty="0"/>
+              <a:t> </a:t>
+            </a:r>
+            <a:r>
+              <a:rPr lang="en-GB" dirty="0" err="1"/>
+              <a:t>morris</a:t>
+            </a:r>
+            <a:endParaRPr lang="en-GB" dirty="0"/>
+          </a:p>
+          <a:p>
+            <a:pPr marL="171450" lvl="0" indent="-171450">
+              <a:spcBef>
+                <a:spcPts val="0"/>
+              </a:spcBef>
+              <a:spcAft>
+                <a:spcPts val="0"/>
+              </a:spcAft>
+              <a:buFontTx/>
+              <a:buChar char="-"/>
+            </a:pPr>
+            <a:r>
+              <a:rPr lang="en-GB" dirty="0" err="1"/>
+              <a:t>calcolare</a:t>
+            </a:r>
+            <a:r>
+              <a:rPr lang="en-GB" dirty="0"/>
+              <a:t> le </a:t>
+            </a:r>
+            <a:r>
+              <a:rPr lang="en-GB" dirty="0" err="1"/>
+              <a:t>azioni</a:t>
+            </a:r>
+            <a:r>
+              <a:rPr lang="en-GB" dirty="0"/>
+              <a:t> </a:t>
+            </a:r>
+            <a:r>
+              <a:rPr lang="en-GB" dirty="0" err="1"/>
+              <a:t>valide</a:t>
+            </a:r>
+            <a:endParaRPr lang="en-GB" dirty="0"/>
           </a:p>
         </p:txBody>
       </p:sp>
@@ -2177,8 +2540,8 @@
               <a:spcAft>
                 <a:spcPts val="0"/>
               </a:spcAft>
-              <a:buFont typeface="Wingdings" panose="05000000000000000000" pitchFamily="2" charset="2"/>
-              <a:buChar char="Ø"/>
+              <a:buFontTx/>
+              <a:buChar char="-"/>
             </a:pPr>
             <a:r>
               <a:rPr lang="en-GB" dirty="0" err="1"/>
@@ -2186,7 +2549,7 @@
             </a:r>
             <a:r>
               <a:rPr lang="en-GB" dirty="0"/>
-              <a:t> </a:t>
+              <a:t> di </a:t>
             </a:r>
             <a:r>
               <a:rPr lang="en-GB" dirty="0" err="1"/>
@@ -2198,7 +2561,162 @@
             </a:r>
             <a:r>
               <a:rPr lang="en-GB" dirty="0" err="1"/>
-              <a:t>giocate</a:t>
+              <a:t>ancora</a:t>
+            </a:r>
+            <a:r>
+              <a:rPr lang="en-GB" dirty="0"/>
+              <a:t> da </a:t>
+            </a:r>
+            <a:r>
+              <a:rPr lang="en-GB" dirty="0" err="1"/>
+              <a:t>giocare</a:t>
+            </a:r>
+            <a:r>
+              <a:rPr lang="en-GB" dirty="0"/>
+              <a:t>;</a:t>
+            </a:r>
+          </a:p>
+          <a:p>
+            <a:pPr marL="171450" lvl="0" indent="-171450">
+              <a:spcBef>
+                <a:spcPts val="0"/>
+              </a:spcBef>
+              <a:spcAft>
+                <a:spcPts val="0"/>
+              </a:spcAft>
+              <a:buFontTx/>
+              <a:buChar char="-"/>
+            </a:pPr>
+            <a:r>
+              <a:rPr lang="en-GB" dirty="0" err="1"/>
+              <a:t>numero</a:t>
+            </a:r>
+            <a:r>
+              <a:rPr lang="en-GB" dirty="0"/>
+              <a:t> di </a:t>
+            </a:r>
+            <a:r>
+              <a:rPr lang="en-GB" dirty="0" err="1"/>
+              <a:t>pedine</a:t>
+            </a:r>
+            <a:r>
+              <a:rPr lang="en-GB" dirty="0"/>
+              <a:t> </a:t>
+            </a:r>
+            <a:r>
+              <a:rPr lang="en-GB" dirty="0" err="1"/>
+              <a:t>sulla</a:t>
+            </a:r>
+            <a:r>
+              <a:rPr lang="en-GB" dirty="0"/>
+              <a:t> </a:t>
+            </a:r>
+            <a:r>
+              <a:rPr lang="en-GB" dirty="0" err="1"/>
+              <a:t>scacchiera</a:t>
+            </a:r>
+            <a:r>
+              <a:rPr lang="en-GB" dirty="0"/>
+              <a:t> (</a:t>
+            </a:r>
+            <a:r>
+              <a:rPr lang="en-GB" dirty="0" err="1"/>
+              <a:t>checkersOnBoard</a:t>
+            </a:r>
+            <a:r>
+              <a:rPr lang="en-GB" dirty="0"/>
+              <a:t>);</a:t>
+            </a:r>
+          </a:p>
+          <a:p>
+            <a:pPr marL="171450" lvl="0" indent="-171450">
+              <a:spcBef>
+                <a:spcPts val="0"/>
+              </a:spcBef>
+              <a:spcAft>
+                <a:spcPts val="0"/>
+              </a:spcAft>
+              <a:buFontTx/>
+              <a:buChar char="-"/>
+            </a:pPr>
+            <a:r>
+              <a:rPr lang="en-GB" dirty="0"/>
+              <a:t>player e </a:t>
+            </a:r>
+            <a:r>
+              <a:rPr lang="en-GB" dirty="0" err="1"/>
+              <a:t>morrisLastTurn</a:t>
+            </a:r>
+            <a:r>
+              <a:rPr lang="en-GB" dirty="0"/>
+              <a:t> </a:t>
+            </a:r>
+          </a:p>
+          <a:p>
+            <a:pPr marL="0" lvl="0" indent="0">
+              <a:spcBef>
+                <a:spcPts val="0"/>
+              </a:spcBef>
+              <a:spcAft>
+                <a:spcPts val="0"/>
+              </a:spcAft>
+              <a:buNone/>
+            </a:pPr>
+            <a:r>
+              <a:rPr lang="en-GB" dirty="0" err="1"/>
+              <a:t>Motivi</a:t>
+            </a:r>
+            <a:r>
+              <a:rPr lang="en-GB" dirty="0"/>
+              <a:t> </a:t>
+            </a:r>
+            <a:r>
+              <a:rPr lang="en-GB" dirty="0" err="1"/>
+              <a:t>rappresentazione</a:t>
+            </a:r>
+            <a:r>
+              <a:rPr lang="en-GB" dirty="0"/>
+              <a:t> a </a:t>
+            </a:r>
+            <a:r>
+              <a:rPr lang="en-GB" dirty="0" err="1"/>
+              <a:t>cubo</a:t>
+            </a:r>
+            <a:r>
+              <a:rPr lang="en-GB" dirty="0"/>
+              <a:t>:</a:t>
+            </a:r>
+          </a:p>
+          <a:p>
+            <a:pPr marL="171450" lvl="0" indent="-171450">
+              <a:spcBef>
+                <a:spcPts val="0"/>
+              </a:spcBef>
+              <a:spcAft>
+                <a:spcPts val="0"/>
+              </a:spcAft>
+              <a:buFontTx/>
+              <a:buChar char="-"/>
+            </a:pPr>
+            <a:r>
+              <a:rPr lang="en-GB" dirty="0" err="1"/>
+              <a:t>più</a:t>
+            </a:r>
+            <a:r>
+              <a:rPr lang="en-GB" dirty="0"/>
+              <a:t> semplice </a:t>
+            </a:r>
+            <a:r>
+              <a:rPr lang="en-GB" dirty="0" err="1"/>
+              <a:t>individuare</a:t>
+            </a:r>
+            <a:r>
+              <a:rPr lang="en-GB" dirty="0"/>
+              <a:t> </a:t>
+            </a:r>
+            <a:r>
+              <a:rPr lang="en-GB" dirty="0" err="1"/>
+              <a:t>morris</a:t>
             </a:r>
             <a:endParaRPr lang="en-GB" dirty="0"/>
           </a:p>
@@ -2210,12 +2728,20 @@
               <a:spcAft>
                 <a:spcPts val="0"/>
               </a:spcAft>
-              <a:buFont typeface="Wingdings" panose="05000000000000000000" pitchFamily="2" charset="2"/>
-              <a:buChar char="Ø"/>
+              <a:buFontTx/>
+              <a:buChar char="-"/>
             </a:pPr>
             <a:r>
               <a:rPr lang="en-GB" dirty="0" err="1"/>
-              <a:t>numero</a:t>
+              <a:t>calcolare</a:t>
+            </a:r>
+            <a:r>
+              <a:rPr lang="en-GB" dirty="0"/>
+              <a:t> le </a:t>
+            </a:r>
+            <a:r>
+              <a:rPr lang="en-GB" dirty="0" err="1"/>
+              <a:t>azioni</a:t>
             </a:r>
             <a:r>
               <a:rPr lang="en-GB" dirty="0"/>
@@ -2223,50 +2749,9 @@
             </a:r>
             <a:r>
               <a:rPr lang="en-GB" dirty="0" err="1"/>
-              <a:t>pedine</a:t>
-            </a:r>
-            <a:r>
-              <a:rPr lang="en-GB" dirty="0"/>
-              <a:t> da </a:t>
-            </a:r>
-            <a:r>
-              <a:rPr lang="en-GB" dirty="0" err="1"/>
-              <a:t>giocare</a:t>
+              <a:t>valide</a:t>
             </a:r>
             <a:endParaRPr lang="en-GB" dirty="0"/>
-          </a:p>
-          <a:p>
-            <a:pPr marL="171450" lvl="0" indent="-171450">
-              <a:spcBef>
-                <a:spcPts val="0"/>
-              </a:spcBef>
-              <a:spcAft>
-                <a:spcPts val="0"/>
-              </a:spcAft>
-              <a:buFont typeface="Wingdings" panose="05000000000000000000" pitchFamily="2" charset="2"/>
-              <a:buChar char="Ø"/>
-            </a:pPr>
-            <a:r>
-              <a:rPr lang="en-GB" dirty="0" err="1"/>
-              <a:t>morris</a:t>
-            </a:r>
-            <a:r>
-              <a:rPr lang="en-GB" dirty="0"/>
-              <a:t> last turn e current player</a:t>
-            </a:r>
-          </a:p>
-          <a:p>
-            <a:pPr marL="171450" lvl="0" indent="-171450">
-              <a:spcBef>
-                <a:spcPts val="0"/>
-              </a:spcBef>
-              <a:spcAft>
-                <a:spcPts val="0"/>
-              </a:spcAft>
-              <a:buFont typeface="Wingdings" panose="05000000000000000000" pitchFamily="2" charset="2"/>
-              <a:buChar char="Ø"/>
-            </a:pPr>
-            <a:endParaRPr dirty="0"/>
           </a:p>
         </p:txBody>
       </p:sp>
@@ -7269,7 +7754,7 @@
           </a:blip>
           <a:srcRect/>
           <a:stretch>
-            <a:fillRect l="50000" t="5000" b="5000"/>
+            <a:fillRect l="3000" t="-32000" r="-3000" b="-18000"/>
           </a:stretch>
         </a:blipFill>
         <a:effectLst/>
@@ -9501,18 +9986,6 @@
               <a:rPr lang="en-GB" dirty="0" err="1"/>
               <a:t>Linguaggio</a:t>
             </a:r>
-            <a:r>
-              <a:rPr lang="en-GB" dirty="0"/>
-              <a:t> e </a:t>
-            </a:r>
-            <a:r>
-              <a:rPr lang="en-GB" dirty="0" err="1"/>
-              <a:t>architettura</a:t>
-            </a:r>
-            <a:r>
-              <a:rPr lang="en-GB" dirty="0"/>
-              <a:t> </a:t>
-            </a:r>
             <a:br>
               <a:rPr lang="en-GB" dirty="0"/>
             </a:br>
@@ -9532,8 +10005,8 @@
         </p:nvSpPr>
         <p:spPr>
           <a:xfrm>
-            <a:off x="2753834" y="287079"/>
-            <a:ext cx="5802950" cy="1782521"/>
+            <a:off x="2753834" y="287080"/>
+            <a:ext cx="5662034" cy="3988588"/>
           </a:xfrm>
           <a:prstGeom prst="rect">
             <a:avLst/>
@@ -9545,97 +10018,16 @@
           </a:bodyPr>
           <a:lstStyle/>
           <a:p>
-            <a:pPr marL="342900" indent="-342900" algn="just">
+            <a:pPr marL="0" indent="0" algn="just">
               <a:buClr>
                 <a:schemeClr val="bg2"/>
               </a:buClr>
               <a:buSzPct val="100000"/>
-              <a:buFont typeface="Arial" panose="020B0604020202020204" pitchFamily="34" charset="0"/>
-              <a:buChar char="•"/>
+              <a:buNone/>
             </a:pPr>
             <a:r>
-              <a:rPr lang="en-GB" sz="2000" dirty="0"/>
-              <a:t>C++ </a:t>
-            </a:r>
-            <a:r>
-              <a:rPr lang="en-GB" sz="2000" dirty="0" err="1">
-                <a:solidFill>
-                  <a:schemeClr val="bg2"/>
-                </a:solidFill>
-              </a:rPr>
-              <a:t>garantisce</a:t>
-            </a:r>
-            <a:r>
-              <a:rPr lang="en-GB" sz="2000" dirty="0">
-                <a:solidFill>
-                  <a:schemeClr val="bg2"/>
-                </a:solidFill>
-              </a:rPr>
-              <a:t> la </a:t>
-            </a:r>
-            <a:r>
-              <a:rPr lang="en-GB" sz="2000" dirty="0" err="1">
-                <a:solidFill>
-                  <a:schemeClr val="bg2"/>
-                </a:solidFill>
-              </a:rPr>
-              <a:t>maggiore</a:t>
-            </a:r>
-            <a:r>
-              <a:rPr lang="en-GB" sz="2000" dirty="0">
-                <a:solidFill>
-                  <a:schemeClr val="bg2"/>
-                </a:solidFill>
-              </a:rPr>
-              <a:t> </a:t>
-            </a:r>
-            <a:r>
-              <a:rPr lang="en-GB" sz="2000" dirty="0" err="1">
-                <a:solidFill>
-                  <a:schemeClr val="bg2"/>
-                </a:solidFill>
-              </a:rPr>
-              <a:t>velocità</a:t>
-            </a:r>
-            <a:r>
-              <a:rPr lang="en-GB" sz="2000" dirty="0">
-                <a:solidFill>
-                  <a:schemeClr val="bg2"/>
-                </a:solidFill>
-              </a:rPr>
-              <a:t> di </a:t>
-            </a:r>
-            <a:r>
-              <a:rPr lang="en-GB" sz="2000" dirty="0" err="1">
-                <a:solidFill>
-                  <a:schemeClr val="bg2"/>
-                </a:solidFill>
-              </a:rPr>
-              <a:t>esecuzione</a:t>
-            </a:r>
-            <a:r>
-              <a:rPr lang="en-GB" sz="2000" dirty="0">
-                <a:solidFill>
-                  <a:schemeClr val="bg2"/>
-                </a:solidFill>
-              </a:rPr>
-              <a:t> </a:t>
-            </a:r>
-            <a:r>
-              <a:rPr lang="en-GB" sz="2000" dirty="0" err="1">
-                <a:solidFill>
-                  <a:schemeClr val="bg2"/>
-                </a:solidFill>
-              </a:rPr>
-              <a:t>possibile</a:t>
-            </a:r>
-            <a:r>
-              <a:rPr lang="en-GB" sz="2000" dirty="0">
-                <a:solidFill>
-                  <a:schemeClr val="bg2"/>
-                </a:solidFill>
-              </a:rPr>
-              <a:t> [1].</a:t>
+              <a:rPr lang="en-GB" sz="2000" b="1" dirty="0"/>
+              <a:t>Pro</a:t>
             </a:r>
           </a:p>
           <a:p>
@@ -9648,58 +10040,317 @@
               <a:buChar char="•"/>
             </a:pPr>
             <a:r>
-              <a:rPr lang="en-GB" sz="2000" dirty="0" err="1"/>
-              <a:t>L’agent</a:t>
-            </a:r>
-            <a:r>
               <a:rPr lang="en-GB" sz="2000" dirty="0"/>
-              <a:t> C++ </a:t>
-            </a:r>
-            <a:r>
-              <a:rPr lang="en-GB" sz="2000" dirty="0" err="1"/>
-              <a:t>dialoga</a:t>
-            </a:r>
-            <a:r>
-              <a:rPr lang="en-GB" sz="2000" dirty="0"/>
-              <a:t> con </a:t>
-            </a:r>
-            <a:r>
-              <a:rPr lang="en-GB" sz="2000" dirty="0" err="1"/>
-              <a:t>il</a:t>
-            </a:r>
-            <a:r>
-              <a:rPr lang="en-GB" sz="2000" dirty="0"/>
-              <a:t> server </a:t>
-            </a:r>
-            <a:r>
-              <a:rPr lang="en-GB" sz="2000" dirty="0" err="1"/>
-              <a:t>attraverso</a:t>
-            </a:r>
-            <a:r>
-              <a:rPr lang="en-GB" sz="2000" dirty="0"/>
-              <a:t> un </a:t>
-            </a:r>
-            <a:r>
-              <a:rPr lang="en-GB" sz="2000" dirty="0" err="1"/>
-              <a:t>intermediario</a:t>
-            </a:r>
-            <a:r>
-              <a:rPr lang="en-GB" sz="2000" dirty="0"/>
-              <a:t> Java</a:t>
-            </a:r>
-            <a:endParaRPr sz="2000" dirty="0"/>
+              <a:t>C++ </a:t>
+            </a:r>
+            <a:r>
+              <a:rPr lang="en-GB" sz="2000" dirty="0" err="1">
+                <a:solidFill>
+                  <a:schemeClr val="bg2"/>
+                </a:solidFill>
+              </a:rPr>
+              <a:t>consente</a:t>
+            </a:r>
+            <a:r>
+              <a:rPr lang="en-GB" sz="2000" dirty="0">
+                <a:solidFill>
+                  <a:schemeClr val="bg2"/>
+                </a:solidFill>
+              </a:rPr>
+              <a:t> di </a:t>
+            </a:r>
+            <a:r>
+              <a:rPr lang="en-GB" sz="2000" dirty="0" err="1">
+                <a:solidFill>
+                  <a:schemeClr val="bg2"/>
+                </a:solidFill>
+              </a:rPr>
+              <a:t>ottenere</a:t>
+            </a:r>
+            <a:r>
+              <a:rPr lang="en-GB" sz="2000" dirty="0">
+                <a:solidFill>
+                  <a:schemeClr val="bg2"/>
+                </a:solidFill>
+              </a:rPr>
+              <a:t> </a:t>
+            </a:r>
+            <a:r>
+              <a:rPr lang="en-GB" sz="2000" dirty="0" err="1">
+                <a:solidFill>
+                  <a:schemeClr val="bg2"/>
+                </a:solidFill>
+              </a:rPr>
+              <a:t>mediamente</a:t>
+            </a:r>
+            <a:r>
+              <a:rPr lang="en-GB" sz="2000" dirty="0">
+                <a:solidFill>
+                  <a:schemeClr val="bg2"/>
+                </a:solidFill>
+              </a:rPr>
+              <a:t> </a:t>
+            </a:r>
+            <a:r>
+              <a:rPr lang="en-GB" sz="2000" dirty="0" err="1">
+                <a:solidFill>
+                  <a:schemeClr val="bg2"/>
+                </a:solidFill>
+              </a:rPr>
+              <a:t>migliori</a:t>
+            </a:r>
+            <a:r>
+              <a:rPr lang="en-GB" sz="2000" dirty="0">
+                <a:solidFill>
+                  <a:schemeClr val="bg2"/>
+                </a:solidFill>
+              </a:rPr>
+              <a:t> performance rispetto a </a:t>
+            </a:r>
+            <a:r>
+              <a:rPr lang="en-GB" sz="2000" dirty="0" err="1">
+                <a:solidFill>
+                  <a:schemeClr val="bg2"/>
+                </a:solidFill>
+              </a:rPr>
+              <a:t>linguaggi</a:t>
+            </a:r>
+            <a:r>
+              <a:rPr lang="en-GB" sz="2000" dirty="0">
+                <a:solidFill>
+                  <a:schemeClr val="bg2"/>
+                </a:solidFill>
+              </a:rPr>
+              <a:t> (semi-)</a:t>
+            </a:r>
+            <a:r>
+              <a:rPr lang="en-GB" sz="2000" dirty="0" err="1">
+                <a:solidFill>
+                  <a:schemeClr val="bg2"/>
+                </a:solidFill>
+              </a:rPr>
+              <a:t>interpretati</a:t>
+            </a:r>
+            <a:r>
+              <a:rPr lang="en-GB" sz="2000" dirty="0">
+                <a:solidFill>
+                  <a:schemeClr val="bg2"/>
+                </a:solidFill>
+              </a:rPr>
+              <a:t> [1].</a:t>
+            </a:r>
           </a:p>
           <a:p>
-            <a:pPr marL="0" lvl="0" indent="0" rtl="0">
-              <a:spcBef>
-                <a:spcPts val="600"/>
-              </a:spcBef>
-              <a:spcAft>
-                <a:spcPts val="0"/>
-              </a:spcAft>
-              <a:buNone/>
+            <a:pPr marL="342900" indent="-342900" algn="just">
+              <a:buClr>
+                <a:schemeClr val="bg2"/>
+              </a:buClr>
+              <a:buSzPct val="100000"/>
+              <a:buFont typeface="Arial" panose="020B0604020202020204" pitchFamily="34" charset="0"/>
+              <a:buChar char="•"/>
             </a:pPr>
-            <a:endParaRPr dirty="0"/>
+            <a:endParaRPr lang="en-GB" sz="2000" dirty="0">
+              <a:solidFill>
+                <a:schemeClr val="bg2"/>
+              </a:solidFill>
+            </a:endParaRPr>
+          </a:p>
+          <a:p>
+            <a:pPr marL="0" indent="0" algn="just">
+              <a:buClr>
+                <a:schemeClr val="bg2"/>
+              </a:buClr>
+              <a:buSzPct val="100000"/>
+              <a:buNone/>
+            </a:pPr>
+            <a:r>
+              <a:rPr lang="en-GB" sz="2000" b="1" dirty="0" err="1">
+                <a:solidFill>
+                  <a:schemeClr val="bg2"/>
+                </a:solidFill>
+              </a:rPr>
+              <a:t>Contro</a:t>
+            </a:r>
+            <a:endParaRPr lang="en-GB" sz="2000" b="1" dirty="0"/>
+          </a:p>
+          <a:p>
+            <a:pPr marL="342900" indent="-342900" algn="just">
+              <a:buClr>
+                <a:schemeClr val="bg2"/>
+              </a:buClr>
+              <a:buSzPct val="100000"/>
+              <a:buFont typeface="Arial" panose="020B0604020202020204" pitchFamily="34" charset="0"/>
+              <a:buChar char="•"/>
+            </a:pPr>
+            <a:r>
+              <a:rPr lang="en-GB" sz="2000" dirty="0" err="1">
+                <a:solidFill>
+                  <a:schemeClr val="bg2"/>
+                </a:solidFill>
+              </a:rPr>
+              <a:t>Maggiori</a:t>
+            </a:r>
+            <a:r>
+              <a:rPr lang="en-GB" sz="2000" dirty="0">
+                <a:solidFill>
+                  <a:schemeClr val="bg2"/>
+                </a:solidFill>
+              </a:rPr>
+              <a:t> </a:t>
+            </a:r>
+            <a:r>
+              <a:rPr lang="en-GB" sz="2000" dirty="0" err="1">
+                <a:solidFill>
+                  <a:schemeClr val="bg2"/>
+                </a:solidFill>
+              </a:rPr>
+              <a:t>difficoltà</a:t>
+            </a:r>
+            <a:r>
+              <a:rPr lang="en-GB" sz="2000" dirty="0">
+                <a:solidFill>
+                  <a:schemeClr val="bg2"/>
+                </a:solidFill>
+              </a:rPr>
+              <a:t> </a:t>
+            </a:r>
+            <a:r>
+              <a:rPr lang="en-GB" sz="2000" dirty="0" err="1">
+                <a:solidFill>
+                  <a:schemeClr val="bg2"/>
+                </a:solidFill>
+              </a:rPr>
+              <a:t>nel</a:t>
+            </a:r>
+            <a:r>
+              <a:rPr lang="en-GB" sz="2000" dirty="0">
+                <a:solidFill>
+                  <a:schemeClr val="bg2"/>
+                </a:solidFill>
+              </a:rPr>
+              <a:t> </a:t>
+            </a:r>
+            <a:r>
+              <a:rPr lang="en-GB" sz="2000" dirty="0" err="1">
+                <a:solidFill>
+                  <a:schemeClr val="bg2"/>
+                </a:solidFill>
+              </a:rPr>
+              <a:t>processo</a:t>
+            </a:r>
+            <a:r>
+              <a:rPr lang="en-GB" sz="2000" dirty="0">
+                <a:solidFill>
+                  <a:schemeClr val="bg2"/>
+                </a:solidFill>
+              </a:rPr>
+              <a:t> di </a:t>
+            </a:r>
+            <a:r>
+              <a:rPr lang="en-GB" sz="2000" dirty="0" err="1">
+                <a:solidFill>
+                  <a:schemeClr val="bg2"/>
+                </a:solidFill>
+              </a:rPr>
+              <a:t>sviluppo</a:t>
+            </a:r>
+            <a:endParaRPr lang="en-GB" sz="2000" dirty="0">
+              <a:solidFill>
+                <a:schemeClr val="bg2"/>
+              </a:solidFill>
+            </a:endParaRPr>
+          </a:p>
+          <a:p>
+            <a:pPr marL="342900" indent="-342900" algn="just">
+              <a:buClr>
+                <a:schemeClr val="bg2"/>
+              </a:buClr>
+              <a:buSzPct val="100000"/>
+              <a:buFont typeface="Arial" panose="020B0604020202020204" pitchFamily="34" charset="0"/>
+              <a:buChar char="•"/>
+            </a:pPr>
+            <a:r>
+              <a:rPr lang="en-GB" sz="2000" dirty="0" err="1">
+                <a:solidFill>
+                  <a:schemeClr val="bg2"/>
+                </a:solidFill>
+              </a:rPr>
+              <a:t>Necessità</a:t>
+            </a:r>
+            <a:r>
+              <a:rPr lang="en-GB" sz="2000" dirty="0">
+                <a:solidFill>
+                  <a:schemeClr val="bg2"/>
+                </a:solidFill>
+              </a:rPr>
+              <a:t> di un proxy Java</a:t>
+            </a:r>
+          </a:p>
+          <a:p>
+            <a:pPr marL="342900" indent="-342900" algn="just">
+              <a:buClr>
+                <a:schemeClr val="bg2"/>
+              </a:buClr>
+              <a:buSzPct val="100000"/>
+              <a:buFont typeface="Arial" panose="020B0604020202020204" pitchFamily="34" charset="0"/>
+              <a:buChar char="•"/>
+            </a:pPr>
+            <a:r>
+              <a:rPr lang="en-GB" sz="2000" dirty="0" err="1">
+                <a:solidFill>
+                  <a:schemeClr val="bg2"/>
+                </a:solidFill>
+              </a:rPr>
+              <a:t>Portabilità</a:t>
+            </a:r>
+            <a:endParaRPr lang="en-GB" sz="2000" dirty="0">
+              <a:solidFill>
+                <a:schemeClr val="bg2"/>
+              </a:solidFill>
+            </a:endParaRPr>
+          </a:p>
+          <a:p>
+            <a:pPr marL="0" indent="0" algn="just">
+              <a:buClr>
+                <a:schemeClr val="bg2"/>
+              </a:buClr>
+              <a:buSzPct val="100000"/>
+              <a:buNone/>
+            </a:pPr>
+            <a:endParaRPr lang="en-GB" sz="2000" b="1" dirty="0">
+              <a:solidFill>
+                <a:schemeClr val="bg2"/>
+              </a:solidFill>
+            </a:endParaRPr>
+          </a:p>
+          <a:p>
+            <a:pPr marL="0" indent="0" algn="just">
+              <a:buClr>
+                <a:schemeClr val="bg2"/>
+              </a:buClr>
+              <a:buSzPct val="100000"/>
+              <a:buNone/>
+            </a:pPr>
+            <a:endParaRPr lang="en-GB" sz="2000" b="1" dirty="0">
+              <a:solidFill>
+                <a:schemeClr val="bg2"/>
+              </a:solidFill>
+            </a:endParaRPr>
+          </a:p>
+          <a:p>
+            <a:pPr marL="342900" indent="-342900" algn="just">
+              <a:buClr>
+                <a:schemeClr val="bg2"/>
+              </a:buClr>
+              <a:buSzPct val="100000"/>
+              <a:buFont typeface="Arial" panose="020B0604020202020204" pitchFamily="34" charset="0"/>
+              <a:buChar char="•"/>
+            </a:pPr>
+            <a:endParaRPr lang="en-GB" sz="2000" dirty="0">
+              <a:solidFill>
+                <a:schemeClr val="bg2"/>
+              </a:solidFill>
+            </a:endParaRPr>
           </a:p>
         </p:txBody>
       </p:sp>
@@ -9745,412 +10396,12 @@
           </a:p>
         </p:txBody>
       </p:sp>
-      <p:grpSp>
-        <p:nvGrpSpPr>
-          <p:cNvPr id="23" name="Group 22">
+      <p:sp>
+        <p:nvSpPr>
+          <p:cNvPr id="14" name="TextBox 24">
             <a:extLst>
               <a:ext uri="{FF2B5EF4-FFF2-40B4-BE49-F238E27FC236}">
-                <a16:creationId xmlns:a16="http://schemas.microsoft.com/office/drawing/2014/main" id="{97500594-2020-4009-8177-DDB5EC2D2678}"/>
-              </a:ext>
-            </a:extLst>
-          </p:cNvPr>
-          <p:cNvGrpSpPr/>
-          <p:nvPr/>
-        </p:nvGrpSpPr>
-        <p:grpSpPr>
-          <a:xfrm>
-            <a:off x="2889723" y="2435378"/>
-            <a:ext cx="5838020" cy="946298"/>
-            <a:chOff x="2718764" y="3741397"/>
-            <a:chExt cx="5838020" cy="946298"/>
-          </a:xfrm>
-        </p:grpSpPr>
-        <p:sp>
-          <p:nvSpPr>
-            <p:cNvPr id="6" name="Rectangle: Rounded Corners 5">
-              <a:extLst>
-                <a:ext uri="{FF2B5EF4-FFF2-40B4-BE49-F238E27FC236}">
-                  <a16:creationId xmlns:a16="http://schemas.microsoft.com/office/drawing/2014/main" id="{AE4DCEDB-1F5A-4A57-A716-6DE28580D171}"/>
-                </a:ext>
-              </a:extLst>
-            </p:cNvPr>
-            <p:cNvSpPr/>
-            <p:nvPr/>
-          </p:nvSpPr>
-          <p:spPr>
-            <a:xfrm>
-              <a:off x="6866207" y="3741398"/>
-              <a:ext cx="1690577" cy="946297"/>
-            </a:xfrm>
-            <a:prstGeom prst="roundRect">
-              <a:avLst/>
-            </a:prstGeom>
-            <a:solidFill>
-              <a:srgbClr val="F67031"/>
-            </a:solidFill>
-            <a:ln>
-              <a:solidFill>
-                <a:schemeClr val="bg1"/>
-              </a:solidFill>
-            </a:ln>
-          </p:spPr>
-          <p:style>
-            <a:lnRef idx="2">
-              <a:schemeClr val="accent1">
-                <a:shade val="50000"/>
-              </a:schemeClr>
-            </a:lnRef>
-            <a:fillRef idx="1">
-              <a:schemeClr val="accent1"/>
-            </a:fillRef>
-            <a:effectRef idx="0">
-              <a:schemeClr val="accent1"/>
-            </a:effectRef>
-            <a:fontRef idx="minor">
-              <a:schemeClr val="lt1"/>
-            </a:fontRef>
-          </p:style>
-          <p:txBody>
-            <a:bodyPr rtlCol="0" anchor="ctr"/>
-            <a:lstStyle/>
-            <a:p>
-              <a:pPr algn="ctr"/>
-              <a:r>
-                <a:rPr lang="en-GB" sz="1600" dirty="0">
-                  <a:latin typeface="Nunito Sans" panose="020B0604020202020204" charset="0"/>
-                </a:rPr>
-                <a:t>Server</a:t>
-              </a:r>
-            </a:p>
-            <a:p>
-              <a:pPr algn="ctr"/>
-              <a:r>
-                <a:rPr lang="en-GB" sz="1600" dirty="0">
-                  <a:latin typeface="Nunito Sans" panose="020B0604020202020204" charset="0"/>
-                </a:rPr>
-                <a:t>Java</a:t>
-              </a:r>
-              <a:endParaRPr lang="it-IT" dirty="0"/>
-            </a:p>
-          </p:txBody>
-        </p:sp>
-        <p:sp>
-          <p:nvSpPr>
-            <p:cNvPr id="12" name="Rectangle: Rounded Corners 11">
-              <a:extLst>
-                <a:ext uri="{FF2B5EF4-FFF2-40B4-BE49-F238E27FC236}">
-                  <a16:creationId xmlns:a16="http://schemas.microsoft.com/office/drawing/2014/main" id="{7AE6108E-85D3-48C0-B8F0-2F105D87A345}"/>
-                </a:ext>
-              </a:extLst>
-            </p:cNvPr>
-            <p:cNvSpPr/>
-            <p:nvPr/>
-          </p:nvSpPr>
-          <p:spPr>
-            <a:xfrm>
-              <a:off x="2718764" y="3741397"/>
-              <a:ext cx="1690577" cy="946297"/>
-            </a:xfrm>
-            <a:prstGeom prst="roundRect">
-              <a:avLst/>
-            </a:prstGeom>
-            <a:solidFill>
-              <a:srgbClr val="F67031"/>
-            </a:solidFill>
-            <a:ln>
-              <a:solidFill>
-                <a:schemeClr val="bg1"/>
-              </a:solidFill>
-            </a:ln>
-          </p:spPr>
-          <p:style>
-            <a:lnRef idx="2">
-              <a:schemeClr val="accent1">
-                <a:shade val="50000"/>
-              </a:schemeClr>
-            </a:lnRef>
-            <a:fillRef idx="1">
-              <a:schemeClr val="accent1"/>
-            </a:fillRef>
-            <a:effectRef idx="0">
-              <a:schemeClr val="accent1"/>
-            </a:effectRef>
-            <a:fontRef idx="minor">
-              <a:schemeClr val="lt1"/>
-            </a:fontRef>
-          </p:style>
-          <p:txBody>
-            <a:bodyPr rtlCol="0" anchor="ctr"/>
-            <a:lstStyle/>
-            <a:p>
-              <a:pPr algn="ctr"/>
-              <a:r>
-                <a:rPr lang="en-GB" sz="1600" dirty="0" err="1">
-                  <a:latin typeface="Nunito Sans" panose="020B0604020202020204" charset="0"/>
-                </a:rPr>
-                <a:t>MillGatesAgent</a:t>
-              </a:r>
-              <a:endParaRPr lang="en-GB" sz="1600" dirty="0">
-                <a:latin typeface="Nunito Sans" panose="020B0604020202020204" charset="0"/>
-              </a:endParaRPr>
-            </a:p>
-            <a:p>
-              <a:pPr algn="ctr"/>
-              <a:r>
-                <a:rPr lang="en-GB" sz="1600" dirty="0">
-                  <a:latin typeface="Nunito Sans" panose="020B0604020202020204" charset="0"/>
-                </a:rPr>
-                <a:t>C++</a:t>
-              </a:r>
-              <a:endParaRPr lang="it-IT" sz="1600" dirty="0">
-                <a:latin typeface="Nunito Sans" panose="020B0604020202020204" charset="0"/>
-              </a:endParaRPr>
-            </a:p>
-          </p:txBody>
-        </p:sp>
-        <p:sp>
-          <p:nvSpPr>
-            <p:cNvPr id="13" name="Rectangle: Rounded Corners 12">
-              <a:extLst>
-                <a:ext uri="{FF2B5EF4-FFF2-40B4-BE49-F238E27FC236}">
-                  <a16:creationId xmlns:a16="http://schemas.microsoft.com/office/drawing/2014/main" id="{842B110B-5931-42BC-BB15-BEEECA29E8AE}"/>
-                </a:ext>
-              </a:extLst>
-            </p:cNvPr>
-            <p:cNvSpPr/>
-            <p:nvPr/>
-          </p:nvSpPr>
-          <p:spPr>
-            <a:xfrm>
-              <a:off x="4792485" y="3741397"/>
-              <a:ext cx="1690577" cy="946297"/>
-            </a:xfrm>
-            <a:prstGeom prst="roundRect">
-              <a:avLst/>
-            </a:prstGeom>
-            <a:solidFill>
-              <a:srgbClr val="F67031"/>
-            </a:solidFill>
-            <a:ln>
-              <a:solidFill>
-                <a:schemeClr val="bg1"/>
-              </a:solidFill>
-            </a:ln>
-          </p:spPr>
-          <p:style>
-            <a:lnRef idx="2">
-              <a:schemeClr val="accent1">
-                <a:shade val="50000"/>
-              </a:schemeClr>
-            </a:lnRef>
-            <a:fillRef idx="1">
-              <a:schemeClr val="accent1"/>
-            </a:fillRef>
-            <a:effectRef idx="0">
-              <a:schemeClr val="accent1"/>
-            </a:effectRef>
-            <a:fontRef idx="minor">
-              <a:schemeClr val="lt1"/>
-            </a:fontRef>
-          </p:style>
-          <p:txBody>
-            <a:bodyPr rtlCol="0" anchor="ctr"/>
-            <a:lstStyle/>
-            <a:p>
-              <a:pPr algn="ctr"/>
-              <a:r>
-                <a:rPr lang="en-GB" sz="1600" dirty="0" err="1">
-                  <a:latin typeface="Nunito Sans" panose="020B0604020202020204" charset="0"/>
-                </a:rPr>
-                <a:t>MillGatesMW</a:t>
-              </a:r>
-              <a:endParaRPr lang="en-GB" sz="1800" dirty="0">
-                <a:latin typeface="Nunito Sans" panose="020B0604020202020204" charset="0"/>
-              </a:endParaRPr>
-            </a:p>
-            <a:p>
-              <a:pPr algn="ctr"/>
-              <a:r>
-                <a:rPr lang="en-GB" sz="1600" dirty="0">
-                  <a:latin typeface="Nunito Sans" panose="020B0604020202020204" charset="0"/>
-                </a:rPr>
-                <a:t>Java</a:t>
-              </a:r>
-              <a:endParaRPr lang="it-IT" sz="1200" dirty="0">
-                <a:latin typeface="Nunito Sans" panose="020B0604020202020204" charset="0"/>
-              </a:endParaRPr>
-            </a:p>
-          </p:txBody>
-        </p:sp>
-        <p:sp>
-          <p:nvSpPr>
-            <p:cNvPr id="22" name="Arrow: Right 21">
-              <a:extLst>
-                <a:ext uri="{FF2B5EF4-FFF2-40B4-BE49-F238E27FC236}">
-                  <a16:creationId xmlns:a16="http://schemas.microsoft.com/office/drawing/2014/main" id="{15F7F257-C939-43AB-9B9C-063721B842ED}"/>
-                </a:ext>
-              </a:extLst>
-            </p:cNvPr>
-            <p:cNvSpPr/>
-            <p:nvPr/>
-          </p:nvSpPr>
-          <p:spPr>
-            <a:xfrm>
-              <a:off x="4370321" y="3966352"/>
-              <a:ext cx="422163" cy="148448"/>
-            </a:xfrm>
-            <a:prstGeom prst="rightArrow">
-              <a:avLst/>
-            </a:prstGeom>
-            <a:solidFill>
-              <a:schemeClr val="bg1"/>
-            </a:solidFill>
-            <a:ln>
-              <a:solidFill>
-                <a:srgbClr val="F67031"/>
-              </a:solidFill>
-            </a:ln>
-          </p:spPr>
-          <p:style>
-            <a:lnRef idx="2">
-              <a:schemeClr val="accent1">
-                <a:shade val="50000"/>
-              </a:schemeClr>
-            </a:lnRef>
-            <a:fillRef idx="1">
-              <a:schemeClr val="accent1"/>
-            </a:fillRef>
-            <a:effectRef idx="0">
-              <a:schemeClr val="accent1"/>
-            </a:effectRef>
-            <a:fontRef idx="minor">
-              <a:schemeClr val="lt1"/>
-            </a:fontRef>
-          </p:style>
-          <p:txBody>
-            <a:bodyPr rtlCol="0" anchor="ctr"/>
-            <a:lstStyle/>
-            <a:p>
-              <a:pPr algn="ctr"/>
-              <a:endParaRPr lang="it-IT"/>
-            </a:p>
-          </p:txBody>
-        </p:sp>
-        <p:sp>
-          <p:nvSpPr>
-            <p:cNvPr id="29" name="Arrow: Right 28">
-              <a:extLst>
-                <a:ext uri="{FF2B5EF4-FFF2-40B4-BE49-F238E27FC236}">
-                  <a16:creationId xmlns:a16="http://schemas.microsoft.com/office/drawing/2014/main" id="{4CEF0B33-4B1F-4861-B23A-87EF9CFFD7D6}"/>
-                </a:ext>
-              </a:extLst>
-            </p:cNvPr>
-            <p:cNvSpPr/>
-            <p:nvPr/>
-          </p:nvSpPr>
-          <p:spPr>
-            <a:xfrm rot="10800000">
-              <a:off x="6458527" y="4265560"/>
-              <a:ext cx="422163" cy="148448"/>
-            </a:xfrm>
-            <a:prstGeom prst="rightArrow">
-              <a:avLst/>
-            </a:prstGeom>
-            <a:solidFill>
-              <a:schemeClr val="bg1"/>
-            </a:solidFill>
-            <a:ln>
-              <a:solidFill>
-                <a:srgbClr val="F67031"/>
-              </a:solidFill>
-            </a:ln>
-          </p:spPr>
-          <p:style>
-            <a:lnRef idx="2">
-              <a:schemeClr val="accent1">
-                <a:shade val="50000"/>
-              </a:schemeClr>
-            </a:lnRef>
-            <a:fillRef idx="1">
-              <a:schemeClr val="accent1"/>
-            </a:fillRef>
-            <a:effectRef idx="0">
-              <a:schemeClr val="accent1"/>
-            </a:effectRef>
-            <a:fontRef idx="minor">
-              <a:schemeClr val="lt1"/>
-            </a:fontRef>
-          </p:style>
-          <p:txBody>
-            <a:bodyPr rtlCol="0" anchor="ctr"/>
-            <a:lstStyle/>
-            <a:p>
-              <a:pPr algn="ctr"/>
-              <a:endParaRPr lang="it-IT"/>
-            </a:p>
-          </p:txBody>
-        </p:sp>
-        <p:sp>
-          <p:nvSpPr>
-            <p:cNvPr id="30" name="Arrow: Right 29">
-              <a:extLst>
-                <a:ext uri="{FF2B5EF4-FFF2-40B4-BE49-F238E27FC236}">
-                  <a16:creationId xmlns:a16="http://schemas.microsoft.com/office/drawing/2014/main" id="{9AEB0B45-E9B1-4E71-BE4C-F2EC43600AD6}"/>
-                </a:ext>
-              </a:extLst>
-            </p:cNvPr>
-            <p:cNvSpPr/>
-            <p:nvPr/>
-          </p:nvSpPr>
-          <p:spPr>
-            <a:xfrm rot="10800000">
-              <a:off x="4379779" y="4265561"/>
-              <a:ext cx="422163" cy="148448"/>
-            </a:xfrm>
-            <a:prstGeom prst="rightArrow">
-              <a:avLst/>
-            </a:prstGeom>
-            <a:solidFill>
-              <a:schemeClr val="bg1"/>
-            </a:solidFill>
-            <a:ln>
-              <a:solidFill>
-                <a:srgbClr val="F67031"/>
-              </a:solidFill>
-            </a:ln>
-          </p:spPr>
-          <p:style>
-            <a:lnRef idx="2">
-              <a:schemeClr val="accent1">
-                <a:shade val="50000"/>
-              </a:schemeClr>
-            </a:lnRef>
-            <a:fillRef idx="1">
-              <a:schemeClr val="accent1"/>
-            </a:fillRef>
-            <a:effectRef idx="0">
-              <a:schemeClr val="accent1"/>
-            </a:effectRef>
-            <a:fontRef idx="minor">
-              <a:schemeClr val="lt1"/>
-            </a:fontRef>
-          </p:style>
-          <p:txBody>
-            <a:bodyPr rtlCol="0" anchor="ctr"/>
-            <a:lstStyle/>
-            <a:p>
-              <a:pPr algn="ctr"/>
-              <a:endParaRPr lang="it-IT"/>
-            </a:p>
-          </p:txBody>
-        </p:sp>
-      </p:grpSp>
-      <p:sp>
-        <p:nvSpPr>
-          <p:cNvPr id="25" name="TextBox 24">
-            <a:extLst>
-              <a:ext uri="{FF2B5EF4-FFF2-40B4-BE49-F238E27FC236}">
-                <a16:creationId xmlns:a16="http://schemas.microsoft.com/office/drawing/2014/main" id="{FF90E442-6788-476F-9A54-162C81F8A6AC}"/>
+                <a16:creationId xmlns:a16="http://schemas.microsoft.com/office/drawing/2014/main" id="{3FFCA72D-A483-481C-A240-736EDC9DD43E}"/>
               </a:ext>
             </a:extLst>
           </p:cNvPr>
@@ -10215,60 +10466,6 @@
               </a:rPr>
               <a:t>. </a:t>
             </a:r>
-          </a:p>
-        </p:txBody>
-      </p:sp>
-      <p:sp>
-        <p:nvSpPr>
-          <p:cNvPr id="35" name="Arrow: Right 34">
-            <a:extLst>
-              <a:ext uri="{FF2B5EF4-FFF2-40B4-BE49-F238E27FC236}">
-                <a16:creationId xmlns:a16="http://schemas.microsoft.com/office/drawing/2014/main" id="{17F55B80-0677-40B2-995C-B38BD5E88B75}"/>
-              </a:ext>
-            </a:extLst>
-          </p:cNvPr>
-          <p:cNvSpPr/>
-          <p:nvPr/>
-        </p:nvSpPr>
-        <p:spPr>
-          <a:xfrm>
-            <a:off x="6615000" y="2680744"/>
-            <a:ext cx="422163" cy="148448"/>
-          </a:xfrm>
-          <a:prstGeom prst="rightArrow">
-            <a:avLst/>
-          </a:prstGeom>
-          <a:solidFill>
-            <a:schemeClr val="bg1"/>
-          </a:solidFill>
-          <a:ln>
-            <a:solidFill>
-              <a:srgbClr val="F67031"/>
-            </a:solidFill>
-          </a:ln>
-        </p:spPr>
-        <p:style>
-          <a:lnRef idx="2">
-            <a:schemeClr val="accent1">
-              <a:shade val="50000"/>
-            </a:schemeClr>
-          </a:lnRef>
-          <a:fillRef idx="1">
-            <a:schemeClr val="accent1"/>
-          </a:fillRef>
-          <a:effectRef idx="0">
-            <a:schemeClr val="accent1"/>
-          </a:effectRef>
-          <a:fontRef idx="minor">
-            <a:schemeClr val="lt1"/>
-          </a:fontRef>
-        </p:style>
-        <p:txBody>
-          <a:bodyPr rtlCol="0" anchor="ctr"/>
-          <a:lstStyle/>
-          <a:p>
-            <a:pPr algn="ctr"/>
-            <a:endParaRPr lang="it-IT"/>
           </a:p>
         </p:txBody>
       </p:sp>
@@ -10350,8 +10547,8 @@
         </p:nvSpPr>
         <p:spPr>
           <a:xfrm>
-            <a:off x="2753834" y="287080"/>
-            <a:ext cx="5802950" cy="2104925"/>
+            <a:off x="2753834" y="76537"/>
+            <a:ext cx="5802950" cy="2794849"/>
           </a:xfrm>
           <a:prstGeom prst="rect">
             <a:avLst/>
@@ -10372,12 +10569,43 @@
               <a:buChar char="•"/>
             </a:pPr>
             <a:r>
+              <a:rPr lang="it-IT" sz="2000" dirty="0" err="1"/>
+              <a:t>L’agent</a:t>
+            </a:r>
+            <a:r>
+              <a:rPr lang="it-IT" sz="2000" dirty="0"/>
+              <a:t> C++ dialoga con il server attraverso un intermediario Java.</a:t>
+            </a:r>
+            <a:endParaRPr lang="en-GB" sz="2000" dirty="0">
+              <a:solidFill>
+                <a:schemeClr val="bg2"/>
+              </a:solidFill>
+            </a:endParaRPr>
+          </a:p>
+          <a:p>
+            <a:pPr marL="342900" indent="-342900" algn="just">
+              <a:buClr>
+                <a:schemeClr val="bg2"/>
+              </a:buClr>
+              <a:buSzPct val="100000"/>
+              <a:buFont typeface="Arial" panose="020B0604020202020204" pitchFamily="34" charset="0"/>
+              <a:buChar char="•"/>
+            </a:pPr>
+            <a:r>
+              <a:rPr lang="en-GB" sz="2000" dirty="0">
+                <a:solidFill>
+                  <a:schemeClr val="bg2"/>
+                </a:solidFill>
+              </a:rPr>
+              <a:t>Il proxy Java </a:t>
+            </a:r>
+            <a:r>
               <a:rPr lang="en-GB" sz="2000" dirty="0" err="1">
                 <a:solidFill>
                   <a:schemeClr val="bg2"/>
                 </a:solidFill>
               </a:rPr>
-              <a:t>Dialoga</a:t>
+              <a:t>dialoga</a:t>
             </a:r>
             <a:r>
               <a:rPr lang="en-GB" sz="2000" dirty="0">
@@ -10417,23 +10645,7 @@
                   <a:schemeClr val="bg2"/>
                 </a:solidFill>
               </a:rPr>
-              <a:t> </a:t>
-            </a:r>
-            <a:r>
-              <a:rPr lang="en-GB" sz="2000" dirty="0" err="1">
-                <a:solidFill>
-                  <a:schemeClr val="bg2"/>
-                </a:solidFill>
-              </a:rPr>
-              <a:t>una</a:t>
-            </a:r>
-            <a:r>
-              <a:rPr lang="en-GB" sz="2000" dirty="0">
-                <a:solidFill>
-                  <a:schemeClr val="bg2"/>
-                </a:solidFill>
-              </a:rPr>
-              <a:t> </a:t>
+              <a:t> una </a:t>
             </a:r>
             <a:r>
               <a:rPr lang="en-GB" sz="2000" dirty="0" err="1">
@@ -10697,7 +10909,7 @@
         </p:nvGrpSpPr>
         <p:grpSpPr>
           <a:xfrm>
-            <a:off x="2939422" y="2751495"/>
+            <a:off x="2956356" y="2966841"/>
             <a:ext cx="5805477" cy="1979810"/>
             <a:chOff x="2751306" y="2782389"/>
             <a:chExt cx="5805477" cy="1979810"/>
@@ -10820,7 +11032,7 @@
               <a:pPr algn="ctr"/>
               <a:r>
                 <a:rPr lang="en-GB" sz="1550" dirty="0"/>
-                <a:t>MW</a:t>
+                <a:t>Proxy</a:t>
               </a:r>
             </a:p>
             <a:p>
@@ -11437,8 +11649,8 @@
         </p:nvSpPr>
         <p:spPr>
           <a:xfrm>
-            <a:off x="234450" y="1263291"/>
-            <a:ext cx="2153150" cy="3293209"/>
+            <a:off x="-1" y="1263291"/>
+            <a:ext cx="2573865" cy="2800767"/>
           </a:xfrm>
           <a:prstGeom prst="rect">
             <a:avLst/>
@@ -11451,82 +11663,6 @@
           </a:bodyPr>
           <a:lstStyle/>
           <a:p>
-            <a:pPr algn="ctr"/>
-            <a:r>
-              <a:rPr lang="en-GB" sz="1600" dirty="0" err="1">
-                <a:solidFill>
-                  <a:schemeClr val="bg1"/>
-                </a:solidFill>
-                <a:latin typeface="Nunito Sans" panose="020B0604020202020204" charset="0"/>
-              </a:rPr>
-              <a:t>Matrice</a:t>
-            </a:r>
-            <a:r>
-              <a:rPr lang="en-GB" sz="1600" dirty="0">
-                <a:solidFill>
-                  <a:schemeClr val="bg1"/>
-                </a:solidFill>
-                <a:latin typeface="Nunito Sans" panose="020B0604020202020204" charset="0"/>
-              </a:rPr>
-              <a:t> 3x3x3</a:t>
-            </a:r>
-          </a:p>
-          <a:p>
-            <a:endParaRPr lang="en-GB" sz="1600" dirty="0">
-              <a:solidFill>
-                <a:schemeClr val="bg1"/>
-              </a:solidFill>
-              <a:latin typeface="Nunito Sans" panose="020B0604020202020204" charset="0"/>
-            </a:endParaRPr>
-          </a:p>
-          <a:p>
-            <a:r>
-              <a:rPr lang="en-GB" sz="1600" dirty="0">
-                <a:solidFill>
-                  <a:schemeClr val="bg1"/>
-                </a:solidFill>
-                <a:latin typeface="Nunito Sans" panose="020B0604020202020204" charset="0"/>
-              </a:rPr>
-              <a:t>Nelle </a:t>
-            </a:r>
-            <a:r>
-              <a:rPr lang="en-GB" sz="1600" dirty="0" err="1">
-                <a:solidFill>
-                  <a:schemeClr val="bg1"/>
-                </a:solidFill>
-                <a:latin typeface="Nunito Sans" panose="020B0604020202020204" charset="0"/>
-              </a:rPr>
-              <a:t>posizioni</a:t>
-            </a:r>
-            <a:r>
-              <a:rPr lang="en-GB" sz="1600" dirty="0">
-                <a:solidFill>
-                  <a:schemeClr val="bg1"/>
-                </a:solidFill>
-                <a:latin typeface="Nunito Sans" panose="020B0604020202020204" charset="0"/>
-              </a:rPr>
-              <a:t> </a:t>
-            </a:r>
-            <a:r>
-              <a:rPr lang="en-GB" sz="1600" dirty="0" err="1">
-                <a:solidFill>
-                  <a:schemeClr val="bg1"/>
-                </a:solidFill>
-                <a:latin typeface="Nunito Sans" panose="020B0604020202020204" charset="0"/>
-              </a:rPr>
-              <a:t>libere</a:t>
-            </a:r>
-            <a:r>
-              <a:rPr lang="en-GB" sz="1600" dirty="0">
-                <a:solidFill>
-                  <a:schemeClr val="bg1"/>
-                </a:solidFill>
-                <a:latin typeface="Nunito Sans" panose="020B0604020202020204" charset="0"/>
-              </a:rPr>
-              <a:t>:</a:t>
-            </a:r>
-          </a:p>
-          <a:p>
             <a:pPr marL="285750" lvl="0" indent="-285750">
               <a:buClr>
                 <a:schemeClr val="bg1"/>
@@ -11541,7 +11677,7 @@
                 </a:solidFill>
                 <a:latin typeface="Nunito Sans" panose="020B0604020202020204" charset="0"/>
               </a:rPr>
-              <a:t>numero</a:t>
+              <a:t>Cubo</a:t>
             </a:r>
             <a:r>
               <a:rPr lang="en-GB" sz="1600" dirty="0">
@@ -11550,7 +11686,7 @@
                 </a:solidFill>
                 <a:latin typeface="Nunito Sans" panose="020B0604020202020204" charset="0"/>
               </a:rPr>
-              <a:t> </a:t>
+              <a:t> 3x3x3: 27 </a:t>
             </a:r>
             <a:r>
               <a:rPr lang="en-GB" sz="1600" dirty="0" err="1">
@@ -11559,25 +11695,43 @@
                 </a:solidFill>
                 <a:latin typeface="Nunito Sans" panose="020B0604020202020204" charset="0"/>
               </a:rPr>
+              <a:t>posizioni</a:t>
+            </a:r>
+            <a:r>
+              <a:rPr lang="en-GB" sz="1600" dirty="0">
+                <a:solidFill>
+                  <a:schemeClr val="bg1"/>
+                </a:solidFill>
+                <a:latin typeface="Nunito Sans" panose="020B0604020202020204" charset="0"/>
+              </a:rPr>
+              <a:t> di cui 24 </a:t>
+            </a:r>
+            <a:r>
+              <a:rPr lang="en-GB" sz="1600" dirty="0" err="1">
+                <a:solidFill>
+                  <a:schemeClr val="bg1"/>
+                </a:solidFill>
+                <a:latin typeface="Nunito Sans" panose="020B0604020202020204" charset="0"/>
+              </a:rPr>
+              <a:t>utilizzate</a:t>
+            </a:r>
+            <a:r>
+              <a:rPr lang="en-GB" sz="1600" dirty="0">
+                <a:solidFill>
+                  <a:schemeClr val="bg1"/>
+                </a:solidFill>
+                <a:latin typeface="Nunito Sans" panose="020B0604020202020204" charset="0"/>
+              </a:rPr>
+              <a:t> per le </a:t>
+            </a:r>
+            <a:r>
+              <a:rPr lang="en-GB" sz="1600" dirty="0" err="1">
+                <a:solidFill>
+                  <a:schemeClr val="bg1"/>
+                </a:solidFill>
+                <a:latin typeface="Nunito Sans" panose="020B0604020202020204" charset="0"/>
+              </a:rPr>
               <a:t>pedine</a:t>
-            </a:r>
-            <a:r>
-              <a:rPr lang="en-GB" sz="1600" dirty="0">
-                <a:solidFill>
-                  <a:schemeClr val="bg1"/>
-                </a:solidFill>
-                <a:latin typeface="Nunito Sans" panose="020B0604020202020204" charset="0"/>
-              </a:rPr>
-              <a:t> </a:t>
-            </a:r>
-            <a:r>
-              <a:rPr lang="en-GB" sz="1600" dirty="0" err="1">
-                <a:solidFill>
-                  <a:schemeClr val="bg1"/>
-                </a:solidFill>
-                <a:latin typeface="Nunito Sans" panose="020B0604020202020204" charset="0"/>
-              </a:rPr>
-              <a:t>giocate</a:t>
             </a:r>
             <a:endParaRPr lang="en-GB" sz="1600" dirty="0">
               <a:solidFill>
@@ -11628,7 +11782,7 @@
                 </a:solidFill>
                 <a:latin typeface="Nunito Sans" panose="020B0604020202020204" charset="0"/>
               </a:rPr>
-              <a:t> da </a:t>
+              <a:t> </a:t>
             </a:r>
             <a:r>
               <a:rPr lang="en-GB" sz="1600" dirty="0" err="1">
@@ -11637,7 +11791,7 @@
                 </a:solidFill>
                 <a:latin typeface="Nunito Sans" panose="020B0604020202020204" charset="0"/>
               </a:rPr>
-              <a:t>giocare</a:t>
+              <a:t>giocate</a:t>
             </a:r>
             <a:endParaRPr lang="en-GB" sz="1600" dirty="0">
               <a:solidFill>
@@ -11661,6 +11815,66 @@
                 </a:solidFill>
                 <a:latin typeface="Nunito Sans" panose="020B0604020202020204" charset="0"/>
               </a:rPr>
+              <a:t>numero</a:t>
+            </a:r>
+            <a:r>
+              <a:rPr lang="en-GB" sz="1600" dirty="0">
+                <a:solidFill>
+                  <a:schemeClr val="bg1"/>
+                </a:solidFill>
+                <a:latin typeface="Nunito Sans" panose="020B0604020202020204" charset="0"/>
+              </a:rPr>
+              <a:t> </a:t>
+            </a:r>
+            <a:r>
+              <a:rPr lang="en-GB" sz="1600" dirty="0" err="1">
+                <a:solidFill>
+                  <a:schemeClr val="bg1"/>
+                </a:solidFill>
+                <a:latin typeface="Nunito Sans" panose="020B0604020202020204" charset="0"/>
+              </a:rPr>
+              <a:t>pedine</a:t>
+            </a:r>
+            <a:r>
+              <a:rPr lang="en-GB" sz="1600" dirty="0">
+                <a:solidFill>
+                  <a:schemeClr val="bg1"/>
+                </a:solidFill>
+                <a:latin typeface="Nunito Sans" panose="020B0604020202020204" charset="0"/>
+              </a:rPr>
+              <a:t> da </a:t>
+            </a:r>
+            <a:r>
+              <a:rPr lang="en-GB" sz="1600" dirty="0" err="1">
+                <a:solidFill>
+                  <a:schemeClr val="bg1"/>
+                </a:solidFill>
+                <a:latin typeface="Nunito Sans" panose="020B0604020202020204" charset="0"/>
+              </a:rPr>
+              <a:t>giocare</a:t>
+            </a:r>
+            <a:endParaRPr lang="en-GB" sz="1600" dirty="0">
+              <a:solidFill>
+                <a:schemeClr val="bg1"/>
+              </a:solidFill>
+              <a:latin typeface="Nunito Sans" panose="020B0604020202020204" charset="0"/>
+            </a:endParaRPr>
+          </a:p>
+          <a:p>
+            <a:pPr marL="285750" lvl="0" indent="-285750">
+              <a:buClr>
+                <a:schemeClr val="bg1"/>
+              </a:buClr>
+              <a:buFont typeface="Arial" panose="020B0604020202020204" pitchFamily="34" charset="0"/>
+              <a:buChar char="•"/>
+            </a:pPr>
+            <a:r>
+              <a:rPr lang="en-GB" sz="1600" dirty="0" err="1">
+                <a:solidFill>
+                  <a:schemeClr val="bg1"/>
+                </a:solidFill>
+                <a:latin typeface="Nunito Sans" panose="020B0604020202020204" charset="0"/>
+              </a:rPr>
               <a:t>mulino</a:t>
             </a:r>
             <a:r>
@@ -11717,6 +11931,30 @@
               </a:rPr>
               <a:t>turno</a:t>
             </a:r>
+            <a:endParaRPr lang="en-GB" sz="1600" dirty="0">
+              <a:solidFill>
+                <a:schemeClr val="bg1"/>
+              </a:solidFill>
+              <a:latin typeface="Nunito Sans" panose="020B0604020202020204" charset="0"/>
+            </a:endParaRPr>
+          </a:p>
+          <a:p>
+            <a:pPr marL="285750" lvl="0" indent="-285750">
+              <a:buClr>
+                <a:schemeClr val="bg1"/>
+              </a:buClr>
+              <a:buFont typeface="Arial" panose="020B0604020202020204" pitchFamily="34" charset="0"/>
+              <a:buChar char="•"/>
+            </a:pPr>
+            <a:r>
+              <a:rPr lang="en-GB" sz="1600" dirty="0" err="1">
+                <a:solidFill>
+                  <a:schemeClr val="bg1"/>
+                </a:solidFill>
+                <a:latin typeface="Nunito Sans" panose="020B0604020202020204" charset="0"/>
+              </a:rPr>
+              <a:t>giocatore</a:t>
+            </a:r>
             <a:r>
               <a:rPr lang="en-GB" sz="1600" dirty="0">
                 <a:solidFill>
@@ -11724,7 +11962,7 @@
                 </a:solidFill>
                 <a:latin typeface="Nunito Sans" panose="020B0604020202020204" charset="0"/>
               </a:rPr>
-              <a:t> e </a:t>
+              <a:t> </a:t>
             </a:r>
             <a:r>
               <a:rPr lang="en-GB" sz="1600" dirty="0" err="1">
@@ -11733,35 +11971,14 @@
                 </a:solidFill>
                 <a:latin typeface="Nunito Sans" panose="020B0604020202020204" charset="0"/>
               </a:rPr>
-              <a:t>giocatore</a:t>
-            </a:r>
-            <a:r>
-              <a:rPr lang="en-GB" sz="1600" dirty="0">
-                <a:solidFill>
-                  <a:schemeClr val="bg1"/>
-                </a:solidFill>
-                <a:latin typeface="Nunito Sans" panose="020B0604020202020204" charset="0"/>
-              </a:rPr>
-              <a:t> </a:t>
-            </a:r>
-            <a:r>
-              <a:rPr lang="en-GB" sz="1600" dirty="0" err="1">
-                <a:solidFill>
-                  <a:schemeClr val="bg1"/>
-                </a:solidFill>
-                <a:latin typeface="Nunito Sans" panose="020B0604020202020204" charset="0"/>
-              </a:rPr>
               <a:t>corrente</a:t>
             </a:r>
-            <a:r>
-              <a:rPr lang="en-GB" sz="1600" dirty="0">
-                <a:solidFill>
-                  <a:schemeClr val="bg1"/>
-                </a:solidFill>
-                <a:latin typeface="Nunito Sans" panose="020B0604020202020204" charset="0"/>
-              </a:rPr>
-              <a:t>.</a:t>
-            </a:r>
+            <a:endParaRPr lang="en-GB" sz="1600" dirty="0">
+              <a:solidFill>
+                <a:schemeClr val="bg1"/>
+              </a:solidFill>
+              <a:latin typeface="Nunito Sans" panose="020B0604020202020204" charset="0"/>
+            </a:endParaRPr>
           </a:p>
           <a:p>
             <a:endParaRPr lang="en-GB" sz="1600" dirty="0">
@@ -11926,10 +12143,10 @@
       </p:pic>
       <p:sp>
         <p:nvSpPr>
-          <p:cNvPr id="7" name="TextBox 6">
+          <p:cNvPr id="8" name="TextBox 5">
             <a:extLst>
               <a:ext uri="{FF2B5EF4-FFF2-40B4-BE49-F238E27FC236}">
-                <a16:creationId xmlns:a16="http://schemas.microsoft.com/office/drawing/2014/main" id="{8ABF6D59-9907-47F6-871C-BF7F383A5B21}"/>
+                <a16:creationId xmlns:a16="http://schemas.microsoft.com/office/drawing/2014/main" id="{44E2883A-586A-468B-97A5-70828A74AACC}"/>
               </a:ext>
             </a:extLst>
           </p:cNvPr>
@@ -11938,8 +12155,8 @@
         </p:nvSpPr>
         <p:spPr>
           <a:xfrm>
-            <a:off x="234450" y="1263291"/>
-            <a:ext cx="2153150" cy="3293209"/>
+            <a:off x="-1" y="1263291"/>
+            <a:ext cx="2573865" cy="2800767"/>
           </a:xfrm>
           <a:prstGeom prst="rect">
             <a:avLst/>
@@ -11952,82 +12169,6 @@
           </a:bodyPr>
           <a:lstStyle/>
           <a:p>
-            <a:pPr algn="ctr"/>
-            <a:r>
-              <a:rPr lang="en-GB" sz="1600" dirty="0" err="1">
-                <a:solidFill>
-                  <a:schemeClr val="bg1"/>
-                </a:solidFill>
-                <a:latin typeface="Nunito Sans" panose="020B0604020202020204" charset="0"/>
-              </a:rPr>
-              <a:t>Matrice</a:t>
-            </a:r>
-            <a:r>
-              <a:rPr lang="en-GB" sz="1600" dirty="0">
-                <a:solidFill>
-                  <a:schemeClr val="bg1"/>
-                </a:solidFill>
-                <a:latin typeface="Nunito Sans" panose="020B0604020202020204" charset="0"/>
-              </a:rPr>
-              <a:t> 3x3x3</a:t>
-            </a:r>
-          </a:p>
-          <a:p>
-            <a:endParaRPr lang="en-GB" sz="1600" dirty="0">
-              <a:solidFill>
-                <a:schemeClr val="bg1"/>
-              </a:solidFill>
-              <a:latin typeface="Nunito Sans" panose="020B0604020202020204" charset="0"/>
-            </a:endParaRPr>
-          </a:p>
-          <a:p>
-            <a:r>
-              <a:rPr lang="en-GB" sz="1600" dirty="0">
-                <a:solidFill>
-                  <a:schemeClr val="bg1"/>
-                </a:solidFill>
-                <a:latin typeface="Nunito Sans" panose="020B0604020202020204" charset="0"/>
-              </a:rPr>
-              <a:t>Nelle </a:t>
-            </a:r>
-            <a:r>
-              <a:rPr lang="en-GB" sz="1600" dirty="0" err="1">
-                <a:solidFill>
-                  <a:schemeClr val="bg1"/>
-                </a:solidFill>
-                <a:latin typeface="Nunito Sans" panose="020B0604020202020204" charset="0"/>
-              </a:rPr>
-              <a:t>posizioni</a:t>
-            </a:r>
-            <a:r>
-              <a:rPr lang="en-GB" sz="1600" dirty="0">
-                <a:solidFill>
-                  <a:schemeClr val="bg1"/>
-                </a:solidFill>
-                <a:latin typeface="Nunito Sans" panose="020B0604020202020204" charset="0"/>
-              </a:rPr>
-              <a:t> </a:t>
-            </a:r>
-            <a:r>
-              <a:rPr lang="en-GB" sz="1600" dirty="0" err="1">
-                <a:solidFill>
-                  <a:schemeClr val="bg1"/>
-                </a:solidFill>
-                <a:latin typeface="Nunito Sans" panose="020B0604020202020204" charset="0"/>
-              </a:rPr>
-              <a:t>libere</a:t>
-            </a:r>
-            <a:r>
-              <a:rPr lang="en-GB" sz="1600" dirty="0">
-                <a:solidFill>
-                  <a:schemeClr val="bg1"/>
-                </a:solidFill>
-                <a:latin typeface="Nunito Sans" panose="020B0604020202020204" charset="0"/>
-              </a:rPr>
-              <a:t>:</a:t>
-            </a:r>
-          </a:p>
-          <a:p>
             <a:pPr marL="285750" lvl="0" indent="-285750">
               <a:buClr>
                 <a:schemeClr val="bg1"/>
@@ -12042,7 +12183,7 @@
                 </a:solidFill>
                 <a:latin typeface="Nunito Sans" panose="020B0604020202020204" charset="0"/>
               </a:rPr>
-              <a:t>numero</a:t>
+              <a:t>Cubo</a:t>
             </a:r>
             <a:r>
               <a:rPr lang="en-GB" sz="1600" dirty="0">
@@ -12051,7 +12192,7 @@
                 </a:solidFill>
                 <a:latin typeface="Nunito Sans" panose="020B0604020202020204" charset="0"/>
               </a:rPr>
-              <a:t> </a:t>
+              <a:t> 3x3x3: 27 </a:t>
             </a:r>
             <a:r>
               <a:rPr lang="en-GB" sz="1600" dirty="0" err="1">
@@ -12060,25 +12201,43 @@
                 </a:solidFill>
                 <a:latin typeface="Nunito Sans" panose="020B0604020202020204" charset="0"/>
               </a:rPr>
+              <a:t>posizioni</a:t>
+            </a:r>
+            <a:r>
+              <a:rPr lang="en-GB" sz="1600" dirty="0">
+                <a:solidFill>
+                  <a:schemeClr val="bg1"/>
+                </a:solidFill>
+                <a:latin typeface="Nunito Sans" panose="020B0604020202020204" charset="0"/>
+              </a:rPr>
+              <a:t> di cui 24 </a:t>
+            </a:r>
+            <a:r>
+              <a:rPr lang="en-GB" sz="1600" dirty="0" err="1">
+                <a:solidFill>
+                  <a:schemeClr val="bg1"/>
+                </a:solidFill>
+                <a:latin typeface="Nunito Sans" panose="020B0604020202020204" charset="0"/>
+              </a:rPr>
+              <a:t>utilizzate</a:t>
+            </a:r>
+            <a:r>
+              <a:rPr lang="en-GB" sz="1600" dirty="0">
+                <a:solidFill>
+                  <a:schemeClr val="bg1"/>
+                </a:solidFill>
+                <a:latin typeface="Nunito Sans" panose="020B0604020202020204" charset="0"/>
+              </a:rPr>
+              <a:t> per le </a:t>
+            </a:r>
+            <a:r>
+              <a:rPr lang="en-GB" sz="1600" dirty="0" err="1">
+                <a:solidFill>
+                  <a:schemeClr val="bg1"/>
+                </a:solidFill>
+                <a:latin typeface="Nunito Sans" panose="020B0604020202020204" charset="0"/>
+              </a:rPr>
               <a:t>pedine</a:t>
-            </a:r>
-            <a:r>
-              <a:rPr lang="en-GB" sz="1600" dirty="0">
-                <a:solidFill>
-                  <a:schemeClr val="bg1"/>
-                </a:solidFill>
-                <a:latin typeface="Nunito Sans" panose="020B0604020202020204" charset="0"/>
-              </a:rPr>
-              <a:t> </a:t>
-            </a:r>
-            <a:r>
-              <a:rPr lang="en-GB" sz="1600" dirty="0" err="1">
-                <a:solidFill>
-                  <a:schemeClr val="bg1"/>
-                </a:solidFill>
-                <a:latin typeface="Nunito Sans" panose="020B0604020202020204" charset="0"/>
-              </a:rPr>
-              <a:t>giocate</a:t>
             </a:r>
             <a:endParaRPr lang="en-GB" sz="1600" dirty="0">
               <a:solidFill>
@@ -12129,7 +12288,7 @@
                 </a:solidFill>
                 <a:latin typeface="Nunito Sans" panose="020B0604020202020204" charset="0"/>
               </a:rPr>
-              <a:t> da </a:t>
+              <a:t> </a:t>
             </a:r>
             <a:r>
               <a:rPr lang="en-GB" sz="1600" dirty="0" err="1">
@@ -12138,7 +12297,7 @@
                 </a:solidFill>
                 <a:latin typeface="Nunito Sans" panose="020B0604020202020204" charset="0"/>
               </a:rPr>
-              <a:t>giocare</a:t>
+              <a:t>giocate</a:t>
             </a:r>
             <a:endParaRPr lang="en-GB" sz="1600" dirty="0">
               <a:solidFill>
@@ -12162,6 +12321,66 @@
                 </a:solidFill>
                 <a:latin typeface="Nunito Sans" panose="020B0604020202020204" charset="0"/>
               </a:rPr>
+              <a:t>numero</a:t>
+            </a:r>
+            <a:r>
+              <a:rPr lang="en-GB" sz="1600" dirty="0">
+                <a:solidFill>
+                  <a:schemeClr val="bg1"/>
+                </a:solidFill>
+                <a:latin typeface="Nunito Sans" panose="020B0604020202020204" charset="0"/>
+              </a:rPr>
+              <a:t> </a:t>
+            </a:r>
+            <a:r>
+              <a:rPr lang="en-GB" sz="1600" dirty="0" err="1">
+                <a:solidFill>
+                  <a:schemeClr val="bg1"/>
+                </a:solidFill>
+                <a:latin typeface="Nunito Sans" panose="020B0604020202020204" charset="0"/>
+              </a:rPr>
+              <a:t>pedine</a:t>
+            </a:r>
+            <a:r>
+              <a:rPr lang="en-GB" sz="1600" dirty="0">
+                <a:solidFill>
+                  <a:schemeClr val="bg1"/>
+                </a:solidFill>
+                <a:latin typeface="Nunito Sans" panose="020B0604020202020204" charset="0"/>
+              </a:rPr>
+              <a:t> da </a:t>
+            </a:r>
+            <a:r>
+              <a:rPr lang="en-GB" sz="1600" dirty="0" err="1">
+                <a:solidFill>
+                  <a:schemeClr val="bg1"/>
+                </a:solidFill>
+                <a:latin typeface="Nunito Sans" panose="020B0604020202020204" charset="0"/>
+              </a:rPr>
+              <a:t>giocare</a:t>
+            </a:r>
+            <a:endParaRPr lang="en-GB" sz="1600" dirty="0">
+              <a:solidFill>
+                <a:schemeClr val="bg1"/>
+              </a:solidFill>
+              <a:latin typeface="Nunito Sans" panose="020B0604020202020204" charset="0"/>
+            </a:endParaRPr>
+          </a:p>
+          <a:p>
+            <a:pPr marL="285750" lvl="0" indent="-285750">
+              <a:buClr>
+                <a:schemeClr val="bg1"/>
+              </a:buClr>
+              <a:buFont typeface="Arial" panose="020B0604020202020204" pitchFamily="34" charset="0"/>
+              <a:buChar char="•"/>
+            </a:pPr>
+            <a:r>
+              <a:rPr lang="en-GB" sz="1600" dirty="0" err="1">
+                <a:solidFill>
+                  <a:schemeClr val="bg1"/>
+                </a:solidFill>
+                <a:latin typeface="Nunito Sans" panose="020B0604020202020204" charset="0"/>
+              </a:rPr>
               <a:t>mulino</a:t>
             </a:r>
             <a:r>
@@ -12218,6 +12437,30 @@
               </a:rPr>
               <a:t>turno</a:t>
             </a:r>
+            <a:endParaRPr lang="en-GB" sz="1600" dirty="0">
+              <a:solidFill>
+                <a:schemeClr val="bg1"/>
+              </a:solidFill>
+              <a:latin typeface="Nunito Sans" panose="020B0604020202020204" charset="0"/>
+            </a:endParaRPr>
+          </a:p>
+          <a:p>
+            <a:pPr marL="285750" lvl="0" indent="-285750">
+              <a:buClr>
+                <a:schemeClr val="bg1"/>
+              </a:buClr>
+              <a:buFont typeface="Arial" panose="020B0604020202020204" pitchFamily="34" charset="0"/>
+              <a:buChar char="•"/>
+            </a:pPr>
+            <a:r>
+              <a:rPr lang="en-GB" sz="1600" dirty="0" err="1">
+                <a:solidFill>
+                  <a:schemeClr val="bg1"/>
+                </a:solidFill>
+                <a:latin typeface="Nunito Sans" panose="020B0604020202020204" charset="0"/>
+              </a:rPr>
+              <a:t>giocatore</a:t>
+            </a:r>
             <a:r>
               <a:rPr lang="en-GB" sz="1600" dirty="0">
                 <a:solidFill>
@@ -12225,7 +12468,7 @@
                 </a:solidFill>
                 <a:latin typeface="Nunito Sans" panose="020B0604020202020204" charset="0"/>
               </a:rPr>
-              <a:t> e </a:t>
+              <a:t> </a:t>
             </a:r>
             <a:r>
               <a:rPr lang="en-GB" sz="1600" dirty="0" err="1">
@@ -12234,35 +12477,14 @@
                 </a:solidFill>
                 <a:latin typeface="Nunito Sans" panose="020B0604020202020204" charset="0"/>
               </a:rPr>
-              <a:t>giocatore</a:t>
-            </a:r>
-            <a:r>
-              <a:rPr lang="en-GB" sz="1600" dirty="0">
-                <a:solidFill>
-                  <a:schemeClr val="bg1"/>
-                </a:solidFill>
-                <a:latin typeface="Nunito Sans" panose="020B0604020202020204" charset="0"/>
-              </a:rPr>
-              <a:t> </a:t>
-            </a:r>
-            <a:r>
-              <a:rPr lang="en-GB" sz="1600" dirty="0" err="1">
-                <a:solidFill>
-                  <a:schemeClr val="bg1"/>
-                </a:solidFill>
-                <a:latin typeface="Nunito Sans" panose="020B0604020202020204" charset="0"/>
-              </a:rPr>
               <a:t>corrente</a:t>
             </a:r>
-            <a:r>
-              <a:rPr lang="en-GB" sz="1600" dirty="0">
-                <a:solidFill>
-                  <a:schemeClr val="bg1"/>
-                </a:solidFill>
-                <a:latin typeface="Nunito Sans" panose="020B0604020202020204" charset="0"/>
-              </a:rPr>
-              <a:t>.</a:t>
-            </a:r>
+            <a:endParaRPr lang="en-GB" sz="1600" dirty="0">
+              <a:solidFill>
+                <a:schemeClr val="bg1"/>
+              </a:solidFill>
+              <a:latin typeface="Nunito Sans" panose="020B0604020202020204" charset="0"/>
+            </a:endParaRPr>
           </a:p>
           <a:p>
             <a:endParaRPr lang="en-GB" sz="1600" dirty="0">
@@ -12432,10 +12654,10 @@
       </p:pic>
       <p:sp>
         <p:nvSpPr>
-          <p:cNvPr id="7" name="TextBox 6">
+          <p:cNvPr id="8" name="TextBox 5">
             <a:extLst>
               <a:ext uri="{FF2B5EF4-FFF2-40B4-BE49-F238E27FC236}">
-                <a16:creationId xmlns:a16="http://schemas.microsoft.com/office/drawing/2014/main" id="{CC548CA9-EFE0-4FF9-BECF-65F418264083}"/>
+                <a16:creationId xmlns:a16="http://schemas.microsoft.com/office/drawing/2014/main" id="{B7E86539-3D13-419F-A176-04168D08B17A}"/>
               </a:ext>
             </a:extLst>
           </p:cNvPr>
@@ -12444,8 +12666,8 @@
         </p:nvSpPr>
         <p:spPr>
           <a:xfrm>
-            <a:off x="234450" y="1263291"/>
-            <a:ext cx="2153150" cy="3293209"/>
+            <a:off x="-1" y="1263291"/>
+            <a:ext cx="2573865" cy="2800767"/>
           </a:xfrm>
           <a:prstGeom prst="rect">
             <a:avLst/>
@@ -12458,82 +12680,6 @@
           </a:bodyPr>
           <a:lstStyle/>
           <a:p>
-            <a:pPr algn="ctr"/>
-            <a:r>
-              <a:rPr lang="en-GB" sz="1600" dirty="0" err="1">
-                <a:solidFill>
-                  <a:schemeClr val="bg1"/>
-                </a:solidFill>
-                <a:latin typeface="Nunito Sans" panose="020B0604020202020204" charset="0"/>
-              </a:rPr>
-              <a:t>Matrice</a:t>
-            </a:r>
-            <a:r>
-              <a:rPr lang="en-GB" sz="1600" dirty="0">
-                <a:solidFill>
-                  <a:schemeClr val="bg1"/>
-                </a:solidFill>
-                <a:latin typeface="Nunito Sans" panose="020B0604020202020204" charset="0"/>
-              </a:rPr>
-              <a:t> 3x3x3</a:t>
-            </a:r>
-          </a:p>
-          <a:p>
-            <a:endParaRPr lang="en-GB" sz="1600" dirty="0">
-              <a:solidFill>
-                <a:schemeClr val="bg1"/>
-              </a:solidFill>
-              <a:latin typeface="Nunito Sans" panose="020B0604020202020204" charset="0"/>
-            </a:endParaRPr>
-          </a:p>
-          <a:p>
-            <a:r>
-              <a:rPr lang="en-GB" sz="1600" dirty="0">
-                <a:solidFill>
-                  <a:schemeClr val="bg1"/>
-                </a:solidFill>
-                <a:latin typeface="Nunito Sans" panose="020B0604020202020204" charset="0"/>
-              </a:rPr>
-              <a:t>Nelle </a:t>
-            </a:r>
-            <a:r>
-              <a:rPr lang="en-GB" sz="1600" dirty="0" err="1">
-                <a:solidFill>
-                  <a:schemeClr val="bg1"/>
-                </a:solidFill>
-                <a:latin typeface="Nunito Sans" panose="020B0604020202020204" charset="0"/>
-              </a:rPr>
-              <a:t>posizioni</a:t>
-            </a:r>
-            <a:r>
-              <a:rPr lang="en-GB" sz="1600" dirty="0">
-                <a:solidFill>
-                  <a:schemeClr val="bg1"/>
-                </a:solidFill>
-                <a:latin typeface="Nunito Sans" panose="020B0604020202020204" charset="0"/>
-              </a:rPr>
-              <a:t> </a:t>
-            </a:r>
-            <a:r>
-              <a:rPr lang="en-GB" sz="1600" dirty="0" err="1">
-                <a:solidFill>
-                  <a:schemeClr val="bg1"/>
-                </a:solidFill>
-                <a:latin typeface="Nunito Sans" panose="020B0604020202020204" charset="0"/>
-              </a:rPr>
-              <a:t>libere</a:t>
-            </a:r>
-            <a:r>
-              <a:rPr lang="en-GB" sz="1600" dirty="0">
-                <a:solidFill>
-                  <a:schemeClr val="bg1"/>
-                </a:solidFill>
-                <a:latin typeface="Nunito Sans" panose="020B0604020202020204" charset="0"/>
-              </a:rPr>
-              <a:t>:</a:t>
-            </a:r>
-          </a:p>
-          <a:p>
             <a:pPr marL="285750" lvl="0" indent="-285750">
               <a:buClr>
                 <a:schemeClr val="bg1"/>
@@ -12548,7 +12694,7 @@
                 </a:solidFill>
                 <a:latin typeface="Nunito Sans" panose="020B0604020202020204" charset="0"/>
               </a:rPr>
-              <a:t>numero</a:t>
+              <a:t>Cubo</a:t>
             </a:r>
             <a:r>
               <a:rPr lang="en-GB" sz="1600" dirty="0">
@@ -12557,7 +12703,7 @@
                 </a:solidFill>
                 <a:latin typeface="Nunito Sans" panose="020B0604020202020204" charset="0"/>
               </a:rPr>
-              <a:t> </a:t>
+              <a:t> 3x3x3: 27 </a:t>
             </a:r>
             <a:r>
               <a:rPr lang="en-GB" sz="1600" dirty="0" err="1">
@@ -12566,25 +12712,43 @@
                 </a:solidFill>
                 <a:latin typeface="Nunito Sans" panose="020B0604020202020204" charset="0"/>
               </a:rPr>
+              <a:t>posizioni</a:t>
+            </a:r>
+            <a:r>
+              <a:rPr lang="en-GB" sz="1600" dirty="0">
+                <a:solidFill>
+                  <a:schemeClr val="bg1"/>
+                </a:solidFill>
+                <a:latin typeface="Nunito Sans" panose="020B0604020202020204" charset="0"/>
+              </a:rPr>
+              <a:t> di cui 24 </a:t>
+            </a:r>
+            <a:r>
+              <a:rPr lang="en-GB" sz="1600" dirty="0" err="1">
+                <a:solidFill>
+                  <a:schemeClr val="bg1"/>
+                </a:solidFill>
+                <a:latin typeface="Nunito Sans" panose="020B0604020202020204" charset="0"/>
+              </a:rPr>
+              <a:t>utilizzate</a:t>
+            </a:r>
+            <a:r>
+              <a:rPr lang="en-GB" sz="1600" dirty="0">
+                <a:solidFill>
+                  <a:schemeClr val="bg1"/>
+                </a:solidFill>
+                <a:latin typeface="Nunito Sans" panose="020B0604020202020204" charset="0"/>
+              </a:rPr>
+              <a:t> per le </a:t>
+            </a:r>
+            <a:r>
+              <a:rPr lang="en-GB" sz="1600" dirty="0" err="1">
+                <a:solidFill>
+                  <a:schemeClr val="bg1"/>
+                </a:solidFill>
+                <a:latin typeface="Nunito Sans" panose="020B0604020202020204" charset="0"/>
+              </a:rPr>
               <a:t>pedine</a:t>
-            </a:r>
-            <a:r>
-              <a:rPr lang="en-GB" sz="1600" dirty="0">
-                <a:solidFill>
-                  <a:schemeClr val="bg1"/>
-                </a:solidFill>
-                <a:latin typeface="Nunito Sans" panose="020B0604020202020204" charset="0"/>
-              </a:rPr>
-              <a:t> </a:t>
-            </a:r>
-            <a:r>
-              <a:rPr lang="en-GB" sz="1600" dirty="0" err="1">
-                <a:solidFill>
-                  <a:schemeClr val="bg1"/>
-                </a:solidFill>
-                <a:latin typeface="Nunito Sans" panose="020B0604020202020204" charset="0"/>
-              </a:rPr>
-              <a:t>giocate</a:t>
             </a:r>
             <a:endParaRPr lang="en-GB" sz="1600" dirty="0">
               <a:solidFill>
@@ -12635,7 +12799,7 @@
                 </a:solidFill>
                 <a:latin typeface="Nunito Sans" panose="020B0604020202020204" charset="0"/>
               </a:rPr>
-              <a:t> da </a:t>
+              <a:t> </a:t>
             </a:r>
             <a:r>
               <a:rPr lang="en-GB" sz="1600" dirty="0" err="1">
@@ -12644,7 +12808,7 @@
                 </a:solidFill>
                 <a:latin typeface="Nunito Sans" panose="020B0604020202020204" charset="0"/>
               </a:rPr>
-              <a:t>giocare</a:t>
+              <a:t>giocate</a:t>
             </a:r>
             <a:endParaRPr lang="en-GB" sz="1600" dirty="0">
               <a:solidFill>
@@ -12668,6 +12832,66 @@
                 </a:solidFill>
                 <a:latin typeface="Nunito Sans" panose="020B0604020202020204" charset="0"/>
               </a:rPr>
+              <a:t>numero</a:t>
+            </a:r>
+            <a:r>
+              <a:rPr lang="en-GB" sz="1600" dirty="0">
+                <a:solidFill>
+                  <a:schemeClr val="bg1"/>
+                </a:solidFill>
+                <a:latin typeface="Nunito Sans" panose="020B0604020202020204" charset="0"/>
+              </a:rPr>
+              <a:t> </a:t>
+            </a:r>
+            <a:r>
+              <a:rPr lang="en-GB" sz="1600" dirty="0" err="1">
+                <a:solidFill>
+                  <a:schemeClr val="bg1"/>
+                </a:solidFill>
+                <a:latin typeface="Nunito Sans" panose="020B0604020202020204" charset="0"/>
+              </a:rPr>
+              <a:t>pedine</a:t>
+            </a:r>
+            <a:r>
+              <a:rPr lang="en-GB" sz="1600" dirty="0">
+                <a:solidFill>
+                  <a:schemeClr val="bg1"/>
+                </a:solidFill>
+                <a:latin typeface="Nunito Sans" panose="020B0604020202020204" charset="0"/>
+              </a:rPr>
+              <a:t> da </a:t>
+            </a:r>
+            <a:r>
+              <a:rPr lang="en-GB" sz="1600" dirty="0" err="1">
+                <a:solidFill>
+                  <a:schemeClr val="bg1"/>
+                </a:solidFill>
+                <a:latin typeface="Nunito Sans" panose="020B0604020202020204" charset="0"/>
+              </a:rPr>
+              <a:t>giocare</a:t>
+            </a:r>
+            <a:endParaRPr lang="en-GB" sz="1600" dirty="0">
+              <a:solidFill>
+                <a:schemeClr val="bg1"/>
+              </a:solidFill>
+              <a:latin typeface="Nunito Sans" panose="020B0604020202020204" charset="0"/>
+            </a:endParaRPr>
+          </a:p>
+          <a:p>
+            <a:pPr marL="285750" lvl="0" indent="-285750">
+              <a:buClr>
+                <a:schemeClr val="bg1"/>
+              </a:buClr>
+              <a:buFont typeface="Arial" panose="020B0604020202020204" pitchFamily="34" charset="0"/>
+              <a:buChar char="•"/>
+            </a:pPr>
+            <a:r>
+              <a:rPr lang="en-GB" sz="1600" dirty="0" err="1">
+                <a:solidFill>
+                  <a:schemeClr val="bg1"/>
+                </a:solidFill>
+                <a:latin typeface="Nunito Sans" panose="020B0604020202020204" charset="0"/>
+              </a:rPr>
               <a:t>mulino</a:t>
             </a:r>
             <a:r>
@@ -12724,6 +12948,30 @@
               </a:rPr>
               <a:t>turno</a:t>
             </a:r>
+            <a:endParaRPr lang="en-GB" sz="1600" dirty="0">
+              <a:solidFill>
+                <a:schemeClr val="bg1"/>
+              </a:solidFill>
+              <a:latin typeface="Nunito Sans" panose="020B0604020202020204" charset="0"/>
+            </a:endParaRPr>
+          </a:p>
+          <a:p>
+            <a:pPr marL="285750" lvl="0" indent="-285750">
+              <a:buClr>
+                <a:schemeClr val="bg1"/>
+              </a:buClr>
+              <a:buFont typeface="Arial" panose="020B0604020202020204" pitchFamily="34" charset="0"/>
+              <a:buChar char="•"/>
+            </a:pPr>
+            <a:r>
+              <a:rPr lang="en-GB" sz="1600" dirty="0" err="1">
+                <a:solidFill>
+                  <a:schemeClr val="bg1"/>
+                </a:solidFill>
+                <a:latin typeface="Nunito Sans" panose="020B0604020202020204" charset="0"/>
+              </a:rPr>
+              <a:t>giocatore</a:t>
+            </a:r>
             <a:r>
               <a:rPr lang="en-GB" sz="1600" dirty="0">
                 <a:solidFill>
@@ -12731,7 +12979,7 @@
                 </a:solidFill>
                 <a:latin typeface="Nunito Sans" panose="020B0604020202020204" charset="0"/>
               </a:rPr>
-              <a:t> e </a:t>
+              <a:t> </a:t>
             </a:r>
             <a:r>
               <a:rPr lang="en-GB" sz="1600" dirty="0" err="1">
@@ -12740,35 +12988,14 @@
                 </a:solidFill>
                 <a:latin typeface="Nunito Sans" panose="020B0604020202020204" charset="0"/>
               </a:rPr>
-              <a:t>giocatore</a:t>
-            </a:r>
-            <a:r>
-              <a:rPr lang="en-GB" sz="1600" dirty="0">
-                <a:solidFill>
-                  <a:schemeClr val="bg1"/>
-                </a:solidFill>
-                <a:latin typeface="Nunito Sans" panose="020B0604020202020204" charset="0"/>
-              </a:rPr>
-              <a:t> </a:t>
-            </a:r>
-            <a:r>
-              <a:rPr lang="en-GB" sz="1600" dirty="0" err="1">
-                <a:solidFill>
-                  <a:schemeClr val="bg1"/>
-                </a:solidFill>
-                <a:latin typeface="Nunito Sans" panose="020B0604020202020204" charset="0"/>
-              </a:rPr>
               <a:t>corrente</a:t>
             </a:r>
-            <a:r>
-              <a:rPr lang="en-GB" sz="1600" dirty="0">
-                <a:solidFill>
-                  <a:schemeClr val="bg1"/>
-                </a:solidFill>
-                <a:latin typeface="Nunito Sans" panose="020B0604020202020204" charset="0"/>
-              </a:rPr>
-              <a:t>.</a:t>
-            </a:r>
+            <a:endParaRPr lang="en-GB" sz="1600" dirty="0">
+              <a:solidFill>
+                <a:schemeClr val="bg1"/>
+              </a:solidFill>
+              <a:latin typeface="Nunito Sans" panose="020B0604020202020204" charset="0"/>
+            </a:endParaRPr>
           </a:p>
           <a:p>
             <a:endParaRPr lang="en-GB" sz="1600" dirty="0">

--- a/Presentation/MillGates.pptx
+++ b/Presentation/MillGates.pptx
@@ -5,7 +5,7 @@
     <p:sldMasterId id="2147483661" r:id="rId1"/>
   </p:sldMasterIdLst>
   <p:notesMasterIdLst>
-    <p:notesMasterId r:id="rId14"/>
+    <p:notesMasterId r:id="rId18"/>
   </p:notesMasterIdLst>
   <p:sldIdLst>
     <p:sldId id="256" r:id="rId2"/>
@@ -15,35 +15,39 @@
     <p:sldId id="291" r:id="rId6"/>
     <p:sldId id="292" r:id="rId7"/>
     <p:sldId id="280" r:id="rId8"/>
-    <p:sldId id="286" r:id="rId9"/>
-    <p:sldId id="289" r:id="rId10"/>
-    <p:sldId id="288" r:id="rId11"/>
-    <p:sldId id="287" r:id="rId12"/>
-    <p:sldId id="293" r:id="rId13"/>
+    <p:sldId id="294" r:id="rId9"/>
+    <p:sldId id="286" r:id="rId10"/>
+    <p:sldId id="289" r:id="rId11"/>
+    <p:sldId id="288" r:id="rId12"/>
+    <p:sldId id="287" r:id="rId13"/>
+    <p:sldId id="295" r:id="rId14"/>
+    <p:sldId id="298" r:id="rId15"/>
+    <p:sldId id="299" r:id="rId16"/>
+    <p:sldId id="293" r:id="rId17"/>
   </p:sldIdLst>
   <p:sldSz cx="9144000" cy="5143500" type="screen16x9"/>
   <p:notesSz cx="6858000" cy="9144000"/>
   <p:embeddedFontLst>
     <p:embeddedFont>
       <p:font typeface="Calibri" panose="020F0502020204030204" pitchFamily="34" charset="0"/>
-      <p:regular r:id="rId15"/>
-      <p:bold r:id="rId16"/>
-      <p:italic r:id="rId17"/>
-      <p:boldItalic r:id="rId18"/>
-    </p:embeddedFont>
-    <p:embeddedFont>
-      <p:font typeface="Georgia" panose="02040502050405020303" pitchFamily="18" charset="0"/>
       <p:regular r:id="rId19"/>
       <p:bold r:id="rId20"/>
       <p:italic r:id="rId21"/>
       <p:boldItalic r:id="rId22"/>
     </p:embeddedFont>
     <p:embeddedFont>
-      <p:font typeface="Nunito Sans" panose="020B0604020202020204" charset="0"/>
+      <p:font typeface="Georgia" panose="02040502050405020303" pitchFamily="18" charset="0"/>
       <p:regular r:id="rId23"/>
       <p:bold r:id="rId24"/>
       <p:italic r:id="rId25"/>
       <p:boldItalic r:id="rId26"/>
+    </p:embeddedFont>
+    <p:embeddedFont>
+      <p:font typeface="Nunito Sans" panose="020B0604020202020204" charset="0"/>
+      <p:regular r:id="rId27"/>
+      <p:bold r:id="rId28"/>
+      <p:italic r:id="rId29"/>
+      <p:boldItalic r:id="rId30"/>
     </p:embeddedFont>
   </p:embeddedFontLst>
   <p:defaultTextStyle>
@@ -1005,7 +1009,7 @@
     </p:spTree>
     <p:extLst>
       <p:ext uri="{BB962C8B-B14F-4D97-AF65-F5344CB8AC3E}">
-        <p14:creationId xmlns:p14="http://schemas.microsoft.com/office/powerpoint/2010/main" val="3753467344"/>
+        <p14:creationId xmlns:p14="http://schemas.microsoft.com/office/powerpoint/2010/main" val="365453547"/>
       </p:ext>
     </p:extLst>
   </p:cSld>
@@ -1107,6 +1111,195 @@
               </a:spcAft>
               <a:buNone/>
             </a:pPr>
+            <a:r>
+              <a:rPr lang="en-GB" dirty="0" err="1"/>
+              <a:t>Usiamo</a:t>
+            </a:r>
+            <a:r>
+              <a:rPr lang="en-GB" dirty="0"/>
+              <a:t> lo stack per la </a:t>
+            </a:r>
+            <a:r>
+              <a:rPr lang="en-GB" dirty="0" err="1"/>
+              <a:t>ricorsione</a:t>
+            </a:r>
+            <a:endParaRPr lang="en-GB" dirty="0"/>
+          </a:p>
+          <a:p>
+            <a:pPr marL="0" lvl="0" indent="0">
+              <a:spcBef>
+                <a:spcPts val="0"/>
+              </a:spcBef>
+              <a:spcAft>
+                <a:spcPts val="0"/>
+              </a:spcAft>
+              <a:buNone/>
+            </a:pPr>
+            <a:r>
+              <a:rPr lang="en-GB" dirty="0" err="1"/>
+              <a:t>Diversi</a:t>
+            </a:r>
+            <a:r>
+              <a:rPr lang="en-GB" dirty="0"/>
+              <a:t> </a:t>
+            </a:r>
+            <a:r>
+              <a:rPr lang="en-GB" dirty="0" err="1"/>
+              <a:t>tentativi</a:t>
+            </a:r>
+            <a:r>
+              <a:rPr lang="en-GB" dirty="0"/>
+              <a:t>, </a:t>
+            </a:r>
+            <a:r>
+              <a:rPr lang="en-GB" dirty="0" err="1"/>
+              <a:t>alla</a:t>
+            </a:r>
+            <a:r>
+              <a:rPr lang="en-GB" dirty="0"/>
+              <a:t> fine </a:t>
+            </a:r>
+            <a:r>
+              <a:rPr lang="en-GB" dirty="0" err="1"/>
+              <a:t>abbiamo</a:t>
+            </a:r>
+            <a:r>
+              <a:rPr lang="en-GB" dirty="0"/>
+              <a:t> </a:t>
+            </a:r>
+            <a:r>
+              <a:rPr lang="en-GB" dirty="0" err="1"/>
+              <a:t>scelto</a:t>
+            </a:r>
+            <a:r>
+              <a:rPr lang="en-GB" dirty="0"/>
+              <a:t> </a:t>
+            </a:r>
+            <a:r>
+              <a:rPr lang="en-GB" dirty="0" err="1"/>
+              <a:t>quello</a:t>
+            </a:r>
+            <a:r>
+              <a:rPr lang="en-GB" dirty="0"/>
+              <a:t> </a:t>
+            </a:r>
+            <a:r>
+              <a:rPr lang="en-GB" dirty="0" err="1"/>
+              <a:t>più</a:t>
+            </a:r>
+            <a:r>
+              <a:rPr lang="en-GB" dirty="0"/>
+              <a:t> forte</a:t>
+            </a:r>
+            <a:endParaRPr dirty="0"/>
+          </a:p>
+        </p:txBody>
+      </p:sp>
+    </p:spTree>
+    <p:extLst>
+      <p:ext uri="{BB962C8B-B14F-4D97-AF65-F5344CB8AC3E}">
+        <p14:creationId xmlns:p14="http://schemas.microsoft.com/office/powerpoint/2010/main" val="3753467344"/>
+      </p:ext>
+    </p:extLst>
+  </p:cSld>
+  <p:clrMapOvr>
+    <a:masterClrMapping/>
+  </p:clrMapOvr>
+</p:notes>
+</file>
+
+<file path=ppt/notesSlides/notesSlide12.xml><?xml version="1.0" encoding="utf-8"?>
+<p:notes xmlns:a="http://schemas.openxmlformats.org/drawingml/2006/main" xmlns:r="http://schemas.openxmlformats.org/officeDocument/2006/relationships" xmlns:p="http://schemas.openxmlformats.org/presentationml/2006/main" showMasterSp="0" showMasterPhAnim="0">
+  <p:cSld>
+    <p:spTree>
+      <p:nvGrpSpPr>
+        <p:cNvPr id="1" name="Shape 109"/>
+        <p:cNvGrpSpPr/>
+        <p:nvPr/>
+      </p:nvGrpSpPr>
+      <p:grpSpPr>
+        <a:xfrm>
+          <a:off x="0" y="0"/>
+          <a:ext cx="0" cy="0"/>
+          <a:chOff x="0" y="0"/>
+          <a:chExt cx="0" cy="0"/>
+        </a:xfrm>
+      </p:grpSpPr>
+      <p:sp>
+        <p:nvSpPr>
+          <p:cNvPr id="110" name="Shape 110"/>
+          <p:cNvSpPr>
+            <a:spLocks noGrp="1" noRot="1" noChangeAspect="1"/>
+          </p:cNvSpPr>
+          <p:nvPr>
+            <p:ph type="sldImg" idx="2"/>
+          </p:nvPr>
+        </p:nvSpPr>
+        <p:spPr>
+          <a:xfrm>
+            <a:off x="381000" y="685800"/>
+            <a:ext cx="6096000" cy="3429000"/>
+          </a:xfrm>
+          <a:custGeom>
+            <a:avLst/>
+            <a:gdLst/>
+            <a:ahLst/>
+            <a:cxnLst/>
+            <a:rect l="0" t="0" r="0" b="0"/>
+            <a:pathLst>
+              <a:path w="120000" h="120000" extrusionOk="0">
+                <a:moveTo>
+                  <a:pt x="0" y="0"/>
+                </a:moveTo>
+                <a:lnTo>
+                  <a:pt x="120000" y="0"/>
+                </a:lnTo>
+                <a:lnTo>
+                  <a:pt x="120000" y="120000"/>
+                </a:lnTo>
+                <a:lnTo>
+                  <a:pt x="0" y="120000"/>
+                </a:lnTo>
+                <a:close/>
+              </a:path>
+            </a:pathLst>
+          </a:custGeom>
+        </p:spPr>
+      </p:sp>
+      <p:sp>
+        <p:nvSpPr>
+          <p:cNvPr id="111" name="Shape 111"/>
+          <p:cNvSpPr txBox="1">
+            <a:spLocks noGrp="1"/>
+          </p:cNvSpPr>
+          <p:nvPr>
+            <p:ph type="body" idx="1"/>
+          </p:nvPr>
+        </p:nvSpPr>
+        <p:spPr>
+          <a:xfrm>
+            <a:off x="685800" y="4343400"/>
+            <a:ext cx="5486400" cy="4114800"/>
+          </a:xfrm>
+          <a:prstGeom prst="rect">
+            <a:avLst/>
+          </a:prstGeom>
+        </p:spPr>
+        <p:txBody>
+          <a:bodyPr spcFirstLastPara="1" wrap="square" lIns="91425" tIns="91425" rIns="91425" bIns="91425" anchor="t" anchorCtr="0">
+            <a:noAutofit/>
+          </a:bodyPr>
+          <a:lstStyle/>
+          <a:p>
+            <a:pPr marL="0" lvl="0" indent="0">
+              <a:spcBef>
+                <a:spcPts val="0"/>
+              </a:spcBef>
+              <a:spcAft>
+                <a:spcPts val="0"/>
+              </a:spcAft>
+              <a:buNone/>
+            </a:pPr>
             <a:endParaRPr/>
           </a:p>
         </p:txBody>
@@ -1124,7 +1317,334 @@
 </p:notes>
 </file>
 
-<file path=ppt/notesSlides/notesSlide12.xml><?xml version="1.0" encoding="utf-8"?>
+<file path=ppt/notesSlides/notesSlide13.xml><?xml version="1.0" encoding="utf-8"?>
+<p:notes xmlns:a="http://schemas.openxmlformats.org/drawingml/2006/main" xmlns:r="http://schemas.openxmlformats.org/officeDocument/2006/relationships" xmlns:p="http://schemas.openxmlformats.org/presentationml/2006/main" showMasterSp="0" showMasterPhAnim="0">
+  <p:cSld>
+    <p:spTree>
+      <p:nvGrpSpPr>
+        <p:cNvPr id="1" name="Shape 109"/>
+        <p:cNvGrpSpPr/>
+        <p:nvPr/>
+      </p:nvGrpSpPr>
+      <p:grpSpPr>
+        <a:xfrm>
+          <a:off x="0" y="0"/>
+          <a:ext cx="0" cy="0"/>
+          <a:chOff x="0" y="0"/>
+          <a:chExt cx="0" cy="0"/>
+        </a:xfrm>
+      </p:grpSpPr>
+      <p:sp>
+        <p:nvSpPr>
+          <p:cNvPr id="110" name="Shape 110"/>
+          <p:cNvSpPr>
+            <a:spLocks noGrp="1" noRot="1" noChangeAspect="1"/>
+          </p:cNvSpPr>
+          <p:nvPr>
+            <p:ph type="sldImg" idx="2"/>
+          </p:nvPr>
+        </p:nvSpPr>
+        <p:spPr>
+          <a:xfrm>
+            <a:off x="381000" y="685800"/>
+            <a:ext cx="6096000" cy="3429000"/>
+          </a:xfrm>
+          <a:custGeom>
+            <a:avLst/>
+            <a:gdLst/>
+            <a:ahLst/>
+            <a:cxnLst/>
+            <a:rect l="0" t="0" r="0" b="0"/>
+            <a:pathLst>
+              <a:path w="120000" h="120000" extrusionOk="0">
+                <a:moveTo>
+                  <a:pt x="0" y="0"/>
+                </a:moveTo>
+                <a:lnTo>
+                  <a:pt x="120000" y="0"/>
+                </a:lnTo>
+                <a:lnTo>
+                  <a:pt x="120000" y="120000"/>
+                </a:lnTo>
+                <a:lnTo>
+                  <a:pt x="0" y="120000"/>
+                </a:lnTo>
+                <a:close/>
+              </a:path>
+            </a:pathLst>
+          </a:custGeom>
+        </p:spPr>
+      </p:sp>
+      <p:sp>
+        <p:nvSpPr>
+          <p:cNvPr id="111" name="Shape 111"/>
+          <p:cNvSpPr txBox="1">
+            <a:spLocks noGrp="1"/>
+          </p:cNvSpPr>
+          <p:nvPr>
+            <p:ph type="body" idx="1"/>
+          </p:nvPr>
+        </p:nvSpPr>
+        <p:spPr>
+          <a:xfrm>
+            <a:off x="685800" y="4343400"/>
+            <a:ext cx="5486400" cy="4114800"/>
+          </a:xfrm>
+          <a:prstGeom prst="rect">
+            <a:avLst/>
+          </a:prstGeom>
+        </p:spPr>
+        <p:txBody>
+          <a:bodyPr spcFirstLastPara="1" wrap="square" lIns="91425" tIns="91425" rIns="91425" bIns="91425" anchor="t" anchorCtr="0">
+            <a:noAutofit/>
+          </a:bodyPr>
+          <a:lstStyle/>
+          <a:p>
+            <a:pPr marL="0" lvl="0" indent="0">
+              <a:spcBef>
+                <a:spcPts val="0"/>
+              </a:spcBef>
+              <a:spcAft>
+                <a:spcPts val="0"/>
+              </a:spcAft>
+              <a:buNone/>
+            </a:pPr>
+            <a:endParaRPr dirty="0"/>
+          </a:p>
+        </p:txBody>
+      </p:sp>
+    </p:spTree>
+    <p:extLst>
+      <p:ext uri="{BB962C8B-B14F-4D97-AF65-F5344CB8AC3E}">
+        <p14:creationId xmlns:p14="http://schemas.microsoft.com/office/powerpoint/2010/main" val="1564968161"/>
+      </p:ext>
+    </p:extLst>
+  </p:cSld>
+  <p:clrMapOvr>
+    <a:masterClrMapping/>
+  </p:clrMapOvr>
+</p:notes>
+</file>
+
+<file path=ppt/notesSlides/notesSlide14.xml><?xml version="1.0" encoding="utf-8"?>
+<p:notes xmlns:a="http://schemas.openxmlformats.org/drawingml/2006/main" xmlns:r="http://schemas.openxmlformats.org/officeDocument/2006/relationships" xmlns:p="http://schemas.openxmlformats.org/presentationml/2006/main" showMasterSp="0" showMasterPhAnim="0">
+  <p:cSld>
+    <p:spTree>
+      <p:nvGrpSpPr>
+        <p:cNvPr id="1" name="Shape 109"/>
+        <p:cNvGrpSpPr/>
+        <p:nvPr/>
+      </p:nvGrpSpPr>
+      <p:grpSpPr>
+        <a:xfrm>
+          <a:off x="0" y="0"/>
+          <a:ext cx="0" cy="0"/>
+          <a:chOff x="0" y="0"/>
+          <a:chExt cx="0" cy="0"/>
+        </a:xfrm>
+      </p:grpSpPr>
+      <p:sp>
+        <p:nvSpPr>
+          <p:cNvPr id="110" name="Shape 110"/>
+          <p:cNvSpPr>
+            <a:spLocks noGrp="1" noRot="1" noChangeAspect="1"/>
+          </p:cNvSpPr>
+          <p:nvPr>
+            <p:ph type="sldImg" idx="2"/>
+          </p:nvPr>
+        </p:nvSpPr>
+        <p:spPr>
+          <a:xfrm>
+            <a:off x="381000" y="685800"/>
+            <a:ext cx="6096000" cy="3429000"/>
+          </a:xfrm>
+          <a:custGeom>
+            <a:avLst/>
+            <a:gdLst/>
+            <a:ahLst/>
+            <a:cxnLst/>
+            <a:rect l="0" t="0" r="0" b="0"/>
+            <a:pathLst>
+              <a:path w="120000" h="120000" extrusionOk="0">
+                <a:moveTo>
+                  <a:pt x="0" y="0"/>
+                </a:moveTo>
+                <a:lnTo>
+                  <a:pt x="120000" y="0"/>
+                </a:lnTo>
+                <a:lnTo>
+                  <a:pt x="120000" y="120000"/>
+                </a:lnTo>
+                <a:lnTo>
+                  <a:pt x="0" y="120000"/>
+                </a:lnTo>
+                <a:close/>
+              </a:path>
+            </a:pathLst>
+          </a:custGeom>
+        </p:spPr>
+      </p:sp>
+      <p:sp>
+        <p:nvSpPr>
+          <p:cNvPr id="111" name="Shape 111"/>
+          <p:cNvSpPr txBox="1">
+            <a:spLocks noGrp="1"/>
+          </p:cNvSpPr>
+          <p:nvPr>
+            <p:ph type="body" idx="1"/>
+          </p:nvPr>
+        </p:nvSpPr>
+        <p:spPr>
+          <a:xfrm>
+            <a:off x="685800" y="4343400"/>
+            <a:ext cx="5486400" cy="4114800"/>
+          </a:xfrm>
+          <a:prstGeom prst="rect">
+            <a:avLst/>
+          </a:prstGeom>
+        </p:spPr>
+        <p:txBody>
+          <a:bodyPr spcFirstLastPara="1" wrap="square" lIns="91425" tIns="91425" rIns="91425" bIns="91425" anchor="t" anchorCtr="0">
+            <a:noAutofit/>
+          </a:bodyPr>
+          <a:lstStyle/>
+          <a:p>
+            <a:pPr marL="0" lvl="0" indent="0">
+              <a:spcBef>
+                <a:spcPts val="0"/>
+              </a:spcBef>
+              <a:spcAft>
+                <a:spcPts val="0"/>
+              </a:spcAft>
+              <a:buNone/>
+            </a:pPr>
+            <a:endParaRPr/>
+          </a:p>
+        </p:txBody>
+      </p:sp>
+    </p:spTree>
+    <p:extLst>
+      <p:ext uri="{BB962C8B-B14F-4D97-AF65-F5344CB8AC3E}">
+        <p14:creationId xmlns:p14="http://schemas.microsoft.com/office/powerpoint/2010/main" val="23151239"/>
+      </p:ext>
+    </p:extLst>
+  </p:cSld>
+  <p:clrMapOvr>
+    <a:masterClrMapping/>
+  </p:clrMapOvr>
+</p:notes>
+</file>
+
+<file path=ppt/notesSlides/notesSlide15.xml><?xml version="1.0" encoding="utf-8"?>
+<p:notes xmlns:a="http://schemas.openxmlformats.org/drawingml/2006/main" xmlns:r="http://schemas.openxmlformats.org/officeDocument/2006/relationships" xmlns:p="http://schemas.openxmlformats.org/presentationml/2006/main" showMasterSp="0" showMasterPhAnim="0">
+  <p:cSld>
+    <p:spTree>
+      <p:nvGrpSpPr>
+        <p:cNvPr id="1" name="Shape 109"/>
+        <p:cNvGrpSpPr/>
+        <p:nvPr/>
+      </p:nvGrpSpPr>
+      <p:grpSpPr>
+        <a:xfrm>
+          <a:off x="0" y="0"/>
+          <a:ext cx="0" cy="0"/>
+          <a:chOff x="0" y="0"/>
+          <a:chExt cx="0" cy="0"/>
+        </a:xfrm>
+      </p:grpSpPr>
+      <p:sp>
+        <p:nvSpPr>
+          <p:cNvPr id="110" name="Shape 110"/>
+          <p:cNvSpPr>
+            <a:spLocks noGrp="1" noRot="1" noChangeAspect="1"/>
+          </p:cNvSpPr>
+          <p:nvPr>
+            <p:ph type="sldImg" idx="2"/>
+          </p:nvPr>
+        </p:nvSpPr>
+        <p:spPr>
+          <a:xfrm>
+            <a:off x="381000" y="685800"/>
+            <a:ext cx="6096000" cy="3429000"/>
+          </a:xfrm>
+          <a:custGeom>
+            <a:avLst/>
+            <a:gdLst/>
+            <a:ahLst/>
+            <a:cxnLst/>
+            <a:rect l="0" t="0" r="0" b="0"/>
+            <a:pathLst>
+              <a:path w="120000" h="120000" extrusionOk="0">
+                <a:moveTo>
+                  <a:pt x="0" y="0"/>
+                </a:moveTo>
+                <a:lnTo>
+                  <a:pt x="120000" y="0"/>
+                </a:lnTo>
+                <a:lnTo>
+                  <a:pt x="120000" y="120000"/>
+                </a:lnTo>
+                <a:lnTo>
+                  <a:pt x="0" y="120000"/>
+                </a:lnTo>
+                <a:close/>
+              </a:path>
+            </a:pathLst>
+          </a:custGeom>
+        </p:spPr>
+      </p:sp>
+      <p:sp>
+        <p:nvSpPr>
+          <p:cNvPr id="111" name="Shape 111"/>
+          <p:cNvSpPr txBox="1">
+            <a:spLocks noGrp="1"/>
+          </p:cNvSpPr>
+          <p:nvPr>
+            <p:ph type="body" idx="1"/>
+          </p:nvPr>
+        </p:nvSpPr>
+        <p:spPr>
+          <a:xfrm>
+            <a:off x="685800" y="4343400"/>
+            <a:ext cx="5486400" cy="4114800"/>
+          </a:xfrm>
+          <a:prstGeom prst="rect">
+            <a:avLst/>
+          </a:prstGeom>
+        </p:spPr>
+        <p:txBody>
+          <a:bodyPr spcFirstLastPara="1" wrap="square" lIns="91425" tIns="91425" rIns="91425" bIns="91425" anchor="t" anchorCtr="0">
+            <a:noAutofit/>
+          </a:bodyPr>
+          <a:lstStyle/>
+          <a:p>
+            <a:pPr marL="0" lvl="0" indent="0">
+              <a:spcBef>
+                <a:spcPts val="0"/>
+              </a:spcBef>
+              <a:spcAft>
+                <a:spcPts val="0"/>
+              </a:spcAft>
+              <a:buNone/>
+            </a:pPr>
+            <a:endParaRPr/>
+          </a:p>
+        </p:txBody>
+      </p:sp>
+    </p:spTree>
+    <p:extLst>
+      <p:ext uri="{BB962C8B-B14F-4D97-AF65-F5344CB8AC3E}">
+        <p14:creationId xmlns:p14="http://schemas.microsoft.com/office/powerpoint/2010/main" val="345342081"/>
+      </p:ext>
+    </p:extLst>
+  </p:cSld>
+  <p:clrMapOvr>
+    <a:masterClrMapping/>
+  </p:clrMapOvr>
+</p:notes>
+</file>
+
+<file path=ppt/notesSlides/notesSlide16.xml><?xml version="1.0" encoding="utf-8"?>
 <p:notes xmlns:a="http://schemas.openxmlformats.org/drawingml/2006/main" xmlns:r="http://schemas.openxmlformats.org/officeDocument/2006/relationships" xmlns:p="http://schemas.openxmlformats.org/presentationml/2006/main">
   <p:cSld>
     <p:spTree>
@@ -3131,7 +3651,7 @@
     </p:spTree>
     <p:extLst>
       <p:ext uri="{BB962C8B-B14F-4D97-AF65-F5344CB8AC3E}">
-        <p14:creationId xmlns:p14="http://schemas.microsoft.com/office/powerpoint/2010/main" val="4214284394"/>
+        <p14:creationId xmlns:p14="http://schemas.microsoft.com/office/powerpoint/2010/main" val="2474849281"/>
       </p:ext>
     </p:extLst>
   </p:cSld>
@@ -3320,7 +3840,7 @@
     </p:spTree>
     <p:extLst>
       <p:ext uri="{BB962C8B-B14F-4D97-AF65-F5344CB8AC3E}">
-        <p14:creationId xmlns:p14="http://schemas.microsoft.com/office/powerpoint/2010/main" val="365453547"/>
+        <p14:creationId xmlns:p14="http://schemas.microsoft.com/office/powerpoint/2010/main" val="4214284394"/>
       </p:ext>
     </p:extLst>
   </p:cSld>
@@ -4209,7 +4729,7 @@
             </a:pPr>
             <a:fld id="{00000000-1234-1234-1234-123412341234}" type="slidenum">
               <a:rPr lang="en"/>
-              <a:t>‹N›</a:t>
+              <a:t>‹#›</a:t>
             </a:fld>
             <a:endParaRPr/>
           </a:p>
@@ -4914,7 +5434,7 @@
             </a:pPr>
             <a:fld id="{00000000-1234-1234-1234-123412341234}" type="slidenum">
               <a:rPr lang="en"/>
-              <a:t>‹N›</a:t>
+              <a:t>‹#›</a:t>
             </a:fld>
             <a:endParaRPr/>
           </a:p>
@@ -5610,7 +6130,7 @@
             </a:pPr>
             <a:fld id="{00000000-1234-1234-1234-123412341234}" type="slidenum">
               <a:rPr lang="en"/>
-              <a:t>‹N›</a:t>
+              <a:t>‹#›</a:t>
             </a:fld>
             <a:endParaRPr/>
           </a:p>
@@ -6338,7 +6858,7 @@
             </a:pPr>
             <a:fld id="{00000000-1234-1234-1234-123412341234}" type="slidenum">
               <a:rPr lang="en"/>
-              <a:t>‹N›</a:t>
+              <a:t>‹#›</a:t>
             </a:fld>
             <a:endParaRPr/>
           </a:p>
@@ -7031,7 +7551,7 @@
             </a:pPr>
             <a:fld id="{00000000-1234-1234-1234-123412341234}" type="slidenum">
               <a:rPr lang="en"/>
-              <a:t>‹N›</a:t>
+              <a:t>‹#›</a:t>
             </a:fld>
             <a:endParaRPr/>
           </a:p>
@@ -7815,10 +8335,10 @@
                   </a:schemeClr>
                 </a:solidFill>
               </a:rPr>
-              <a:t>Agent C++ per </a:t>
-            </a:r>
-            <a:r>
-              <a:rPr lang="en-GB" sz="1600" dirty="0" err="1">
+              <a:t>Agent C++ per Nine Men’s Morris</a:t>
+            </a:r>
+            <a:br>
+              <a:rPr lang="en-GB" dirty="0">
                 <a:solidFill>
                   <a:schemeClr val="tx1">
                     <a:lumMod val="95000"/>
@@ -7826,10 +8346,9 @@
                   </a:schemeClr>
                 </a:solidFill>
               </a:rPr>
-              <a:t>il</a:t>
-            </a:r>
-            <a:r>
-              <a:rPr lang="en-GB" sz="1600" dirty="0">
+            </a:br>
+            <a:br>
+              <a:rPr lang="en-GB" dirty="0">
                 <a:solidFill>
                   <a:schemeClr val="tx1">
                     <a:lumMod val="95000"/>
@@ -7837,10 +8356,9 @@
                   </a:schemeClr>
                 </a:solidFill>
               </a:rPr>
-              <a:t> </a:t>
-            </a:r>
-            <a:r>
-              <a:rPr lang="en-GB" sz="1600" dirty="0" err="1">
+            </a:br>
+            <a:r>
+              <a:rPr lang="en-GB" sz="2000" dirty="0">
                 <a:solidFill>
                   <a:schemeClr val="tx1">
                     <a:lumMod val="95000"/>
@@ -7848,82 +8366,7 @@
                   </a:schemeClr>
                 </a:solidFill>
               </a:rPr>
-              <a:t>Gioco</a:t>
-            </a:r>
-            <a:r>
-              <a:rPr lang="en-GB" sz="1600" dirty="0">
-                <a:solidFill>
-                  <a:schemeClr val="tx1">
-                    <a:lumMod val="95000"/>
-                    <a:lumOff val="5000"/>
-                  </a:schemeClr>
-                </a:solidFill>
-              </a:rPr>
-              <a:t> del </a:t>
-            </a:r>
-            <a:r>
-              <a:rPr lang="en-GB" sz="1600" dirty="0" err="1">
-                <a:solidFill>
-                  <a:schemeClr val="tx1">
-                    <a:lumMod val="95000"/>
-                    <a:lumOff val="5000"/>
-                  </a:schemeClr>
-                </a:solidFill>
-              </a:rPr>
-              <a:t>Mulino</a:t>
-            </a:r>
-            <a:br>
-              <a:rPr lang="en-GB" dirty="0">
-                <a:solidFill>
-                  <a:schemeClr val="tx1">
-                    <a:lumMod val="95000"/>
-                    <a:lumOff val="5000"/>
-                  </a:schemeClr>
-                </a:solidFill>
-              </a:rPr>
-            </a:br>
-            <a:br>
-              <a:rPr lang="en-GB" dirty="0">
-                <a:solidFill>
-                  <a:schemeClr val="tx1">
-                    <a:lumMod val="95000"/>
-                    <a:lumOff val="5000"/>
-                  </a:schemeClr>
-                </a:solidFill>
-              </a:rPr>
-            </a:br>
-            <a:r>
-              <a:rPr lang="en-GB" sz="2000" dirty="0">
-                <a:solidFill>
-                  <a:schemeClr val="tx1">
-                    <a:lumMod val="95000"/>
-                    <a:lumOff val="5000"/>
-                  </a:schemeClr>
-                </a:solidFill>
-              </a:rPr>
-              <a:t>Luca </a:t>
-            </a:r>
-            <a:r>
-              <a:rPr lang="en-GB" sz="2000" dirty="0" err="1">
-                <a:solidFill>
-                  <a:schemeClr val="tx1">
-                    <a:lumMod val="95000"/>
-                    <a:lumOff val="5000"/>
-                  </a:schemeClr>
-                </a:solidFill>
-              </a:rPr>
-              <a:t>Bonfiglioli</a:t>
-            </a:r>
-            <a:r>
-              <a:rPr lang="en-GB" sz="2000" dirty="0">
-                <a:solidFill>
-                  <a:schemeClr val="tx1">
-                    <a:lumMod val="95000"/>
-                    <a:lumOff val="5000"/>
-                  </a:schemeClr>
-                </a:solidFill>
-              </a:rPr>
-              <a:t> </a:t>
+              <a:t>Luca Bonfiglioli </a:t>
             </a:r>
             <a:br>
               <a:rPr lang="en-GB" sz="2000" dirty="0">
@@ -8017,6 +8460,744 @@
 </file>
 
 <file path=ppt/slides/slide10.xml><?xml version="1.0" encoding="utf-8"?>
+<p:sld xmlns:a="http://schemas.openxmlformats.org/drawingml/2006/main" xmlns:r="http://schemas.openxmlformats.org/officeDocument/2006/relationships" xmlns:p="http://schemas.openxmlformats.org/presentationml/2006/main">
+  <p:cSld>
+    <p:spTree>
+      <p:nvGrpSpPr>
+        <p:cNvPr id="1" name="Shape 112"/>
+        <p:cNvGrpSpPr/>
+        <p:nvPr/>
+      </p:nvGrpSpPr>
+      <p:grpSpPr>
+        <a:xfrm>
+          <a:off x="0" y="0"/>
+          <a:ext cx="0" cy="0"/>
+          <a:chOff x="0" y="0"/>
+          <a:chExt cx="0" cy="0"/>
+        </a:xfrm>
+      </p:grpSpPr>
+      <p:sp>
+        <p:nvSpPr>
+          <p:cNvPr id="113" name="Shape 113"/>
+          <p:cNvSpPr txBox="1">
+            <a:spLocks noGrp="1"/>
+          </p:cNvSpPr>
+          <p:nvPr>
+            <p:ph type="title"/>
+          </p:nvPr>
+        </p:nvSpPr>
+        <p:spPr>
+          <a:xfrm>
+            <a:off x="0" y="575500"/>
+            <a:ext cx="2573867" cy="948500"/>
+          </a:xfrm>
+          <a:prstGeom prst="rect">
+            <a:avLst/>
+          </a:prstGeom>
+        </p:spPr>
+        <p:txBody>
+          <a:bodyPr spcFirstLastPara="1" wrap="square" lIns="91425" tIns="91425" rIns="91425" bIns="91425" anchor="t" anchorCtr="0">
+            <a:noAutofit/>
+          </a:bodyPr>
+          <a:lstStyle/>
+          <a:p>
+            <a:pPr marL="0" lvl="0" indent="0" algn="ctr">
+              <a:spcBef>
+                <a:spcPts val="0"/>
+              </a:spcBef>
+              <a:spcAft>
+                <a:spcPts val="0"/>
+              </a:spcAft>
+              <a:buNone/>
+            </a:pPr>
+            <a:r>
+              <a:rPr lang="en-GB" dirty="0" err="1"/>
+              <a:t>Riconoscimento</a:t>
+            </a:r>
+            <a:r>
+              <a:rPr lang="en-GB" dirty="0"/>
+              <a:t> </a:t>
+            </a:r>
+            <a:r>
+              <a:rPr lang="en-GB" dirty="0" err="1"/>
+              <a:t>dei</a:t>
+            </a:r>
+            <a:r>
+              <a:rPr lang="en-GB" dirty="0"/>
+              <a:t> </a:t>
+            </a:r>
+            <a:r>
+              <a:rPr lang="en-GB" dirty="0" err="1"/>
+              <a:t>cicli</a:t>
+            </a:r>
+            <a:endParaRPr dirty="0"/>
+          </a:p>
+        </p:txBody>
+      </p:sp>
+      <p:sp>
+        <p:nvSpPr>
+          <p:cNvPr id="115" name="Shape 115"/>
+          <p:cNvSpPr txBox="1">
+            <a:spLocks noGrp="1"/>
+          </p:cNvSpPr>
+          <p:nvPr>
+            <p:ph type="sldNum" idx="12"/>
+          </p:nvPr>
+        </p:nvSpPr>
+        <p:spPr>
+          <a:xfrm>
+            <a:off x="8556784" y="4749851"/>
+            <a:ext cx="548700" cy="393600"/>
+          </a:xfrm>
+          <a:prstGeom prst="rect">
+            <a:avLst/>
+          </a:prstGeom>
+        </p:spPr>
+        <p:txBody>
+          <a:bodyPr spcFirstLastPara="1" wrap="square" lIns="91425" tIns="91425" rIns="91425" bIns="91425" anchor="ctr" anchorCtr="0">
+            <a:noAutofit/>
+          </a:bodyPr>
+          <a:lstStyle/>
+          <a:p>
+            <a:pPr marL="0" lvl="0" indent="0">
+              <a:spcBef>
+                <a:spcPts val="0"/>
+              </a:spcBef>
+              <a:spcAft>
+                <a:spcPts val="0"/>
+              </a:spcAft>
+              <a:buNone/>
+            </a:pPr>
+            <a:fld id="{00000000-1234-1234-1234-123412341234}" type="slidenum">
+              <a:rPr lang="en"/>
+              <a:t>10</a:t>
+            </a:fld>
+            <a:endParaRPr/>
+          </a:p>
+        </p:txBody>
+      </p:sp>
+      <p:sp>
+        <p:nvSpPr>
+          <p:cNvPr id="20" name="TextBox 19">
+            <a:extLst>
+              <a:ext uri="{FF2B5EF4-FFF2-40B4-BE49-F238E27FC236}">
+                <a16:creationId xmlns:a16="http://schemas.microsoft.com/office/drawing/2014/main" id="{79025B3B-2191-4453-A34E-53C174CB93E0}"/>
+              </a:ext>
+            </a:extLst>
+          </p:cNvPr>
+          <p:cNvSpPr txBox="1"/>
+          <p:nvPr/>
+        </p:nvSpPr>
+        <p:spPr>
+          <a:xfrm>
+            <a:off x="2954868" y="575500"/>
+            <a:ext cx="5867400" cy="3908762"/>
+          </a:xfrm>
+          <a:prstGeom prst="rect">
+            <a:avLst/>
+          </a:prstGeom>
+          <a:noFill/>
+        </p:spPr>
+        <p:txBody>
+          <a:bodyPr wrap="square" rtlCol="0">
+            <a:spAutoFit/>
+          </a:bodyPr>
+          <a:lstStyle/>
+          <a:p>
+            <a:pPr algn="just">
+              <a:lnSpc>
+                <a:spcPct val="150000"/>
+              </a:lnSpc>
+            </a:pPr>
+            <a:r>
+              <a:rPr lang="en-GB" sz="1600" dirty="0" err="1">
+                <a:latin typeface="Nunito Sans" panose="020B0604020202020204" charset="0"/>
+              </a:rPr>
+              <a:t>Tutte</a:t>
+            </a:r>
+            <a:r>
+              <a:rPr lang="en-GB" sz="1600" dirty="0">
+                <a:latin typeface="Nunito Sans" panose="020B0604020202020204" charset="0"/>
+              </a:rPr>
+              <a:t> le </a:t>
+            </a:r>
+            <a:r>
+              <a:rPr lang="en-GB" sz="1600" dirty="0" err="1">
+                <a:latin typeface="Nunito Sans" panose="020B0604020202020204" charset="0"/>
+              </a:rPr>
+              <a:t>strategie</a:t>
+            </a:r>
+            <a:r>
+              <a:rPr lang="en-GB" sz="1600" dirty="0">
+                <a:latin typeface="Nunito Sans" panose="020B0604020202020204" charset="0"/>
+              </a:rPr>
+              <a:t> </a:t>
+            </a:r>
+            <a:r>
+              <a:rPr lang="en-GB" sz="1600" dirty="0" err="1">
+                <a:latin typeface="Nunito Sans" panose="020B0604020202020204" charset="0"/>
+              </a:rPr>
+              <a:t>usate</a:t>
+            </a:r>
+            <a:r>
+              <a:rPr lang="en-GB" sz="1600" dirty="0">
+                <a:latin typeface="Nunito Sans" panose="020B0604020202020204" charset="0"/>
+              </a:rPr>
+              <a:t> </a:t>
+            </a:r>
+            <a:r>
+              <a:rPr lang="en-GB" sz="1600" dirty="0" err="1">
+                <a:latin typeface="Nunito Sans" panose="020B0604020202020204" charset="0"/>
+              </a:rPr>
+              <a:t>si</a:t>
+            </a:r>
+            <a:r>
+              <a:rPr lang="en-GB" sz="1600" dirty="0">
+                <a:latin typeface="Nunito Sans" panose="020B0604020202020204" charset="0"/>
+              </a:rPr>
+              <a:t> </a:t>
+            </a:r>
+            <a:r>
+              <a:rPr lang="en-GB" sz="1600" dirty="0" err="1">
+                <a:latin typeface="Nunito Sans" panose="020B0604020202020204" charset="0"/>
+              </a:rPr>
+              <a:t>servono</a:t>
+            </a:r>
+            <a:r>
+              <a:rPr lang="en-GB" sz="1600" dirty="0">
+                <a:latin typeface="Nunito Sans" panose="020B0604020202020204" charset="0"/>
+              </a:rPr>
+              <a:t> di </a:t>
+            </a:r>
+            <a:r>
+              <a:rPr lang="en-GB" sz="1600" dirty="0" err="1">
+                <a:latin typeface="Nunito Sans" panose="020B0604020202020204" charset="0"/>
+              </a:rPr>
+              <a:t>una</a:t>
+            </a:r>
+            <a:r>
+              <a:rPr lang="en-GB" sz="1600" dirty="0">
+                <a:latin typeface="Nunito Sans" panose="020B0604020202020204" charset="0"/>
+              </a:rPr>
+              <a:t> </a:t>
+            </a:r>
+            <a:r>
+              <a:rPr lang="en-GB" sz="1600" dirty="0" err="1">
+                <a:latin typeface="Nunito Sans" panose="020B0604020202020204" charset="0"/>
+              </a:rPr>
+              <a:t>struttura</a:t>
+            </a:r>
+            <a:r>
+              <a:rPr lang="en-GB" sz="1600" dirty="0">
+                <a:latin typeface="Nunito Sans" panose="020B0604020202020204" charset="0"/>
+              </a:rPr>
+              <a:t> </a:t>
+            </a:r>
+            <a:r>
+              <a:rPr lang="en-GB" sz="1600" dirty="0" err="1">
+                <a:latin typeface="Nunito Sans" panose="020B0604020202020204" charset="0"/>
+              </a:rPr>
+              <a:t>dati</a:t>
+            </a:r>
+            <a:r>
+              <a:rPr lang="en-GB" sz="1600" dirty="0">
+                <a:latin typeface="Nunito Sans" panose="020B0604020202020204" charset="0"/>
+              </a:rPr>
+              <a:t> </a:t>
+            </a:r>
+            <a:r>
+              <a:rPr lang="en-GB" sz="1600" dirty="0" err="1">
+                <a:latin typeface="Nunito Sans" panose="020B0604020202020204" charset="0"/>
+              </a:rPr>
+              <a:t>che</a:t>
+            </a:r>
+            <a:r>
+              <a:rPr lang="en-GB" sz="1600" dirty="0">
+                <a:latin typeface="Nunito Sans" panose="020B0604020202020204" charset="0"/>
+              </a:rPr>
+              <a:t> </a:t>
+            </a:r>
+            <a:r>
+              <a:rPr lang="en-GB" sz="1600" dirty="0" err="1">
+                <a:latin typeface="Nunito Sans" panose="020B0604020202020204" charset="0"/>
+              </a:rPr>
+              <a:t>riconosce</a:t>
+            </a:r>
+            <a:r>
+              <a:rPr lang="en-GB" sz="1600" dirty="0">
+                <a:latin typeface="Nunito Sans" panose="020B0604020202020204" charset="0"/>
+              </a:rPr>
+              <a:t> se </a:t>
+            </a:r>
+            <a:r>
+              <a:rPr lang="en-GB" sz="1600" dirty="0" err="1">
+                <a:latin typeface="Nunito Sans" panose="020B0604020202020204" charset="0"/>
+              </a:rPr>
+              <a:t>si</a:t>
+            </a:r>
+            <a:r>
+              <a:rPr lang="en-GB" sz="1600" dirty="0">
+                <a:latin typeface="Nunito Sans" panose="020B0604020202020204" charset="0"/>
+              </a:rPr>
+              <a:t> è </a:t>
+            </a:r>
+            <a:r>
+              <a:rPr lang="en-GB" sz="1600" dirty="0" err="1">
+                <a:latin typeface="Nunito Sans" panose="020B0604020202020204" charset="0"/>
+              </a:rPr>
+              <a:t>già</a:t>
+            </a:r>
+            <a:r>
+              <a:rPr lang="en-GB" sz="1600" dirty="0">
+                <a:latin typeface="Nunito Sans" panose="020B0604020202020204" charset="0"/>
+              </a:rPr>
+              <a:t> </a:t>
+            </a:r>
+            <a:r>
+              <a:rPr lang="en-GB" sz="1600" dirty="0" err="1">
+                <a:latin typeface="Nunito Sans" panose="020B0604020202020204" charset="0"/>
+              </a:rPr>
+              <a:t>transitati</a:t>
+            </a:r>
+            <a:r>
+              <a:rPr lang="en-GB" sz="1600" dirty="0">
+                <a:latin typeface="Nunito Sans" panose="020B0604020202020204" charset="0"/>
+              </a:rPr>
+              <a:t> per un </a:t>
+            </a:r>
+            <a:r>
+              <a:rPr lang="en-GB" sz="1600" dirty="0" err="1">
+                <a:latin typeface="Nunito Sans" panose="020B0604020202020204" charset="0"/>
+              </a:rPr>
+              <a:t>certo</a:t>
+            </a:r>
+            <a:r>
+              <a:rPr lang="en-GB" sz="1600" dirty="0">
+                <a:latin typeface="Nunito Sans" panose="020B0604020202020204" charset="0"/>
+              </a:rPr>
+              <a:t> </a:t>
+            </a:r>
+            <a:r>
+              <a:rPr lang="en-GB" sz="1600" dirty="0" err="1">
+                <a:latin typeface="Nunito Sans" panose="020B0604020202020204" charset="0"/>
+              </a:rPr>
+              <a:t>stato</a:t>
+            </a:r>
+            <a:r>
+              <a:rPr lang="en-GB" sz="1600" dirty="0">
+                <a:latin typeface="Nunito Sans" panose="020B0604020202020204" charset="0"/>
+              </a:rPr>
+              <a:t>.</a:t>
+            </a:r>
+          </a:p>
+          <a:p>
+            <a:pPr algn="just">
+              <a:lnSpc>
+                <a:spcPct val="150000"/>
+              </a:lnSpc>
+            </a:pPr>
+            <a:endParaRPr lang="en-GB" sz="1600" dirty="0">
+              <a:latin typeface="Nunito Sans" panose="020B0604020202020204" charset="0"/>
+            </a:endParaRPr>
+          </a:p>
+          <a:p>
+            <a:pPr algn="just">
+              <a:lnSpc>
+                <a:spcPct val="150000"/>
+              </a:lnSpc>
+            </a:pPr>
+            <a:endParaRPr lang="en-GB" sz="1600" dirty="0">
+              <a:latin typeface="Nunito Sans" panose="020B0604020202020204" charset="0"/>
+            </a:endParaRPr>
+          </a:p>
+          <a:p>
+            <a:pPr algn="just">
+              <a:lnSpc>
+                <a:spcPct val="150000"/>
+              </a:lnSpc>
+            </a:pPr>
+            <a:endParaRPr lang="en-GB" sz="1600" dirty="0">
+              <a:latin typeface="Nunito Sans" panose="020B0604020202020204" charset="0"/>
+            </a:endParaRPr>
+          </a:p>
+          <a:p>
+            <a:pPr algn="just">
+              <a:lnSpc>
+                <a:spcPct val="150000"/>
+              </a:lnSpc>
+            </a:pPr>
+            <a:endParaRPr lang="en-GB" sz="1600" dirty="0">
+              <a:latin typeface="Nunito Sans" panose="020B0604020202020204" charset="0"/>
+            </a:endParaRPr>
+          </a:p>
+          <a:p>
+            <a:pPr algn="just">
+              <a:lnSpc>
+                <a:spcPct val="150000"/>
+              </a:lnSpc>
+            </a:pPr>
+            <a:r>
+              <a:rPr lang="en-GB" sz="1600" dirty="0" err="1">
+                <a:latin typeface="Nunito Sans" panose="020B0604020202020204" charset="0"/>
+              </a:rPr>
+              <a:t>Attraverso</a:t>
+            </a:r>
+            <a:r>
+              <a:rPr lang="en-GB" sz="1600" dirty="0">
+                <a:latin typeface="Nunito Sans" panose="020B0604020202020204" charset="0"/>
+              </a:rPr>
+              <a:t> </a:t>
+            </a:r>
+            <a:r>
+              <a:rPr lang="en-GB" sz="1600" dirty="0" err="1">
+                <a:latin typeface="Nunito Sans" panose="020B0604020202020204" charset="0"/>
+              </a:rPr>
+              <a:t>questa</a:t>
+            </a:r>
+            <a:r>
+              <a:rPr lang="en-GB" sz="1600" dirty="0">
+                <a:latin typeface="Nunito Sans" panose="020B0604020202020204" charset="0"/>
+              </a:rPr>
+              <a:t> </a:t>
+            </a:r>
+            <a:r>
+              <a:rPr lang="en-GB" sz="1600" dirty="0" err="1">
+                <a:latin typeface="Nunito Sans" panose="020B0604020202020204" charset="0"/>
+              </a:rPr>
+              <a:t>informazione</a:t>
+            </a:r>
+            <a:r>
+              <a:rPr lang="en-GB" sz="1600" dirty="0">
+                <a:latin typeface="Nunito Sans" panose="020B0604020202020204" charset="0"/>
+              </a:rPr>
+              <a:t>, se </a:t>
+            </a:r>
+            <a:r>
+              <a:rPr lang="en-GB" sz="1600" dirty="0" err="1">
+                <a:latin typeface="Nunito Sans" panose="020B0604020202020204" charset="0"/>
+              </a:rPr>
+              <a:t>l’agent</a:t>
+            </a:r>
+            <a:r>
+              <a:rPr lang="en-GB" sz="1600" dirty="0">
+                <a:latin typeface="Nunito Sans" panose="020B0604020202020204" charset="0"/>
+              </a:rPr>
+              <a:t> </a:t>
+            </a:r>
+            <a:r>
+              <a:rPr lang="en-GB" sz="1600" dirty="0" err="1">
+                <a:latin typeface="Nunito Sans" panose="020B0604020202020204" charset="0"/>
+              </a:rPr>
+              <a:t>si</a:t>
+            </a:r>
+            <a:r>
+              <a:rPr lang="en-GB" sz="1600" dirty="0">
+                <a:latin typeface="Nunito Sans" panose="020B0604020202020204" charset="0"/>
+              </a:rPr>
+              <a:t> </a:t>
+            </a:r>
+            <a:r>
+              <a:rPr lang="en-GB" sz="1600" dirty="0" err="1">
+                <a:latin typeface="Nunito Sans" panose="020B0604020202020204" charset="0"/>
+              </a:rPr>
+              <a:t>sta</a:t>
+            </a:r>
+            <a:r>
+              <a:rPr lang="en-GB" sz="1600" dirty="0">
+                <a:latin typeface="Nunito Sans" panose="020B0604020202020204" charset="0"/>
+              </a:rPr>
+              <a:t> </a:t>
+            </a:r>
+            <a:r>
+              <a:rPr lang="en-GB" sz="1600" dirty="0" err="1">
+                <a:latin typeface="Nunito Sans" panose="020B0604020202020204" charset="0"/>
+              </a:rPr>
+              <a:t>avviando</a:t>
+            </a:r>
+            <a:r>
+              <a:rPr lang="en-GB" sz="1600" dirty="0">
+                <a:latin typeface="Nunito Sans" panose="020B0604020202020204" charset="0"/>
+              </a:rPr>
+              <a:t> a una </a:t>
+            </a:r>
+            <a:r>
+              <a:rPr lang="en-GB" sz="1600" dirty="0" err="1">
+                <a:latin typeface="Nunito Sans" panose="020B0604020202020204" charset="0"/>
+              </a:rPr>
+              <a:t>sconfitta</a:t>
+            </a:r>
+            <a:r>
+              <a:rPr lang="en-GB" sz="1600" dirty="0">
+                <a:latin typeface="Nunito Sans" panose="020B0604020202020204" charset="0"/>
+              </a:rPr>
+              <a:t> </a:t>
+            </a:r>
+            <a:r>
+              <a:rPr lang="en-GB" sz="1600" dirty="0" err="1">
+                <a:latin typeface="Nunito Sans" panose="020B0604020202020204" charset="0"/>
+              </a:rPr>
+              <a:t>cercherà</a:t>
+            </a:r>
+            <a:r>
+              <a:rPr lang="en-GB" sz="1600" dirty="0">
+                <a:latin typeface="Nunito Sans" panose="020B0604020202020204" charset="0"/>
+              </a:rPr>
+              <a:t> di </a:t>
+            </a:r>
+            <a:r>
+              <a:rPr lang="en-GB" sz="1600" dirty="0" err="1">
+                <a:latin typeface="Nunito Sans" panose="020B0604020202020204" charset="0"/>
+              </a:rPr>
+              <a:t>pareggiare</a:t>
+            </a:r>
+            <a:r>
+              <a:rPr lang="en-GB" sz="1600" dirty="0">
+                <a:latin typeface="Nunito Sans" panose="020B0604020202020204" charset="0"/>
+              </a:rPr>
+              <a:t>, </a:t>
+            </a:r>
+            <a:r>
+              <a:rPr lang="en-GB" sz="1600" dirty="0" err="1">
+                <a:latin typeface="Nunito Sans" panose="020B0604020202020204" charset="0"/>
+              </a:rPr>
+              <a:t>altrimenti</a:t>
+            </a:r>
+            <a:r>
+              <a:rPr lang="en-GB" sz="1600" dirty="0">
+                <a:latin typeface="Nunito Sans" panose="020B0604020202020204" charset="0"/>
+              </a:rPr>
+              <a:t> </a:t>
+            </a:r>
+            <a:r>
+              <a:rPr lang="en-GB" sz="1600" dirty="0" err="1">
+                <a:latin typeface="Nunito Sans" panose="020B0604020202020204" charset="0"/>
+              </a:rPr>
+              <a:t>cercherà</a:t>
+            </a:r>
+            <a:r>
+              <a:rPr lang="en-GB" sz="1600" dirty="0">
+                <a:latin typeface="Nunito Sans" panose="020B0604020202020204" charset="0"/>
+              </a:rPr>
+              <a:t> di </a:t>
+            </a:r>
+            <a:r>
+              <a:rPr lang="en-GB" sz="1600" dirty="0" err="1">
+                <a:latin typeface="Nunito Sans" panose="020B0604020202020204" charset="0"/>
+              </a:rPr>
+              <a:t>vincere</a:t>
+            </a:r>
+            <a:r>
+              <a:rPr lang="en-GB" sz="1600" dirty="0">
+                <a:latin typeface="Nunito Sans" panose="020B0604020202020204" charset="0"/>
+              </a:rPr>
+              <a:t> </a:t>
+            </a:r>
+            <a:r>
+              <a:rPr lang="en-GB" sz="1600" dirty="0" err="1">
+                <a:latin typeface="Nunito Sans" panose="020B0604020202020204" charset="0"/>
+              </a:rPr>
+              <a:t>evitando</a:t>
+            </a:r>
+            <a:r>
+              <a:rPr lang="en-GB" sz="1600" dirty="0">
+                <a:latin typeface="Nunito Sans" panose="020B0604020202020204" charset="0"/>
+              </a:rPr>
+              <a:t> </a:t>
+            </a:r>
+            <a:r>
+              <a:rPr lang="en-GB" sz="1600" dirty="0" err="1">
+                <a:latin typeface="Nunito Sans" panose="020B0604020202020204" charset="0"/>
+              </a:rPr>
+              <a:t>il</a:t>
+            </a:r>
+            <a:r>
+              <a:rPr lang="en-GB" sz="1600" dirty="0">
+                <a:latin typeface="Nunito Sans" panose="020B0604020202020204" charset="0"/>
+              </a:rPr>
+              <a:t> </a:t>
+            </a:r>
+            <a:r>
+              <a:rPr lang="en-GB" sz="1600" dirty="0" err="1">
+                <a:latin typeface="Nunito Sans" panose="020B0604020202020204" charset="0"/>
+              </a:rPr>
+              <a:t>pareggio</a:t>
+            </a:r>
+            <a:r>
+              <a:rPr lang="en-GB" sz="1600" dirty="0">
+                <a:latin typeface="Nunito Sans" panose="020B0604020202020204" charset="0"/>
+              </a:rPr>
+              <a:t>.</a:t>
+            </a:r>
+          </a:p>
+          <a:p>
+            <a:pPr algn="just"/>
+            <a:endParaRPr lang="en-GB" sz="1600" dirty="0">
+              <a:latin typeface="Nunito Sans" panose="020B0604020202020204" charset="0"/>
+            </a:endParaRPr>
+          </a:p>
+          <a:p>
+            <a:pPr algn="just"/>
+            <a:endParaRPr lang="en-GB" sz="1600" dirty="0">
+              <a:latin typeface="Nunito Sans" panose="020B0604020202020204" charset="0"/>
+            </a:endParaRPr>
+          </a:p>
+        </p:txBody>
+      </p:sp>
+      <p:graphicFrame>
+        <p:nvGraphicFramePr>
+          <p:cNvPr id="3" name="Table 2">
+            <a:extLst>
+              <a:ext uri="{FF2B5EF4-FFF2-40B4-BE49-F238E27FC236}">
+                <a16:creationId xmlns:a16="http://schemas.microsoft.com/office/drawing/2014/main" id="{BAD77771-7C4D-4252-BE5A-3919D5B51861}"/>
+              </a:ext>
+            </a:extLst>
+          </p:cNvPr>
+          <p:cNvGraphicFramePr>
+            <a:graphicFrameLocks noGrp="1"/>
+          </p:cNvGraphicFramePr>
+          <p:nvPr>
+            <p:extLst>
+              <p:ext uri="{D42A27DB-BD31-4B8C-83A1-F6EECF244321}">
+                <p14:modId xmlns:p14="http://schemas.microsoft.com/office/powerpoint/2010/main" val="1876658352"/>
+              </p:ext>
+            </p:extLst>
+          </p:nvPr>
+        </p:nvGraphicFramePr>
+        <p:xfrm>
+          <a:off x="3994858" y="1950587"/>
+          <a:ext cx="3716940" cy="318997"/>
+        </p:xfrm>
+        <a:graphic>
+          <a:graphicData uri="http://schemas.openxmlformats.org/drawingml/2006/table">
+            <a:tbl>
+              <a:tblPr bandRow="1">
+                <a:tableStyleId>{284E427A-3D55-4303-BF80-6455036E1DE7}</a:tableStyleId>
+              </a:tblPr>
+              <a:tblGrid>
+                <a:gridCol w="1858470">
+                  <a:extLst>
+                    <a:ext uri="{9D8B030D-6E8A-4147-A177-3AD203B41FA5}">
+                      <a16:colId xmlns:a16="http://schemas.microsoft.com/office/drawing/2014/main" val="2407591331"/>
+                    </a:ext>
+                  </a:extLst>
+                </a:gridCol>
+                <a:gridCol w="1858470">
+                  <a:extLst>
+                    <a:ext uri="{9D8B030D-6E8A-4147-A177-3AD203B41FA5}">
+                      <a16:colId xmlns:a16="http://schemas.microsoft.com/office/drawing/2014/main" val="2074325951"/>
+                    </a:ext>
+                  </a:extLst>
+                </a:gridCol>
+              </a:tblGrid>
+              <a:tr h="318997">
+                <a:tc>
+                  <a:txBody>
+                    <a:bodyPr/>
+                    <a:lstStyle/>
+                    <a:p>
+                      <a:pPr algn="ctr"/>
+                      <a:r>
+                        <a:rPr lang="en-GB" dirty="0"/>
+                        <a:t>state hash</a:t>
+                      </a:r>
+                      <a:endParaRPr lang="it-IT" dirty="0"/>
+                    </a:p>
+                  </a:txBody>
+                  <a:tcPr>
+                    <a:gradFill flip="none" rotWithShape="1">
+                      <a:gsLst>
+                        <a:gs pos="0">
+                          <a:srgbClr val="F67031">
+                            <a:tint val="66000"/>
+                            <a:satMod val="160000"/>
+                          </a:srgbClr>
+                        </a:gs>
+                        <a:gs pos="50000">
+                          <a:srgbClr val="F67031">
+                            <a:tint val="44500"/>
+                            <a:satMod val="160000"/>
+                          </a:srgbClr>
+                        </a:gs>
+                        <a:gs pos="100000">
+                          <a:srgbClr val="F67031">
+                            <a:tint val="23500"/>
+                            <a:satMod val="160000"/>
+                          </a:srgbClr>
+                        </a:gs>
+                      </a:gsLst>
+                      <a:lin ang="13500000" scaled="1"/>
+                      <a:tileRect/>
+                    </a:gradFill>
+                  </a:tcPr>
+                </a:tc>
+                <a:tc>
+                  <a:txBody>
+                    <a:bodyPr/>
+                    <a:lstStyle/>
+                    <a:p>
+                      <a:pPr algn="ctr"/>
+                      <a:r>
+                        <a:rPr lang="en-GB" dirty="0">
+                          <a:latin typeface="Nunito Sans" panose="020B0604020202020204" charset="0"/>
+                        </a:rPr>
+                        <a:t>bool loop</a:t>
+                      </a:r>
+                      <a:endParaRPr lang="it-IT" dirty="0">
+                        <a:latin typeface="Nunito Sans" panose="020B0604020202020204" charset="0"/>
+                      </a:endParaRPr>
+                    </a:p>
+                  </a:txBody>
+                  <a:tcPr>
+                    <a:gradFill flip="none" rotWithShape="1">
+                      <a:gsLst>
+                        <a:gs pos="0">
+                          <a:srgbClr val="F67031">
+                            <a:tint val="66000"/>
+                            <a:satMod val="160000"/>
+                          </a:srgbClr>
+                        </a:gs>
+                        <a:gs pos="50000">
+                          <a:srgbClr val="F67031">
+                            <a:tint val="44500"/>
+                            <a:satMod val="160000"/>
+                          </a:srgbClr>
+                        </a:gs>
+                        <a:gs pos="100000">
+                          <a:srgbClr val="F67031">
+                            <a:tint val="23500"/>
+                            <a:satMod val="160000"/>
+                          </a:srgbClr>
+                        </a:gs>
+                      </a:gsLst>
+                      <a:lin ang="13500000" scaled="1"/>
+                      <a:tileRect/>
+                    </a:gradFill>
+                  </a:tcPr>
+                </a:tc>
+                <a:extLst>
+                  <a:ext uri="{0D108BD9-81ED-4DB2-BD59-A6C34878D82A}">
+                    <a16:rowId xmlns:a16="http://schemas.microsoft.com/office/drawing/2014/main" val="3441762957"/>
+                  </a:ext>
+                </a:extLst>
+              </a:tr>
+            </a:tbl>
+          </a:graphicData>
+        </a:graphic>
+      </p:graphicFrame>
+    </p:spTree>
+    <p:extLst>
+      <p:ext uri="{BB962C8B-B14F-4D97-AF65-F5344CB8AC3E}">
+        <p14:creationId xmlns:p14="http://schemas.microsoft.com/office/powerpoint/2010/main" val="107153426"/>
+      </p:ext>
+    </p:extLst>
+  </p:cSld>
+  <p:clrMapOvr>
+    <a:masterClrMapping/>
+  </p:clrMapOvr>
+</p:sld>
+</file>
+
+<file path=ppt/slides/slide11.xml><?xml version="1.0" encoding="utf-8"?>
 <p:sld xmlns:a="http://schemas.openxmlformats.org/drawingml/2006/main" xmlns:r="http://schemas.openxmlformats.org/officeDocument/2006/relationships" xmlns:p="http://schemas.openxmlformats.org/presentationml/2006/main">
   <p:cSld>
     <p:spTree>
@@ -8127,7 +9308,7 @@
             </a:pPr>
             <a:fld id="{00000000-1234-1234-1234-123412341234}" type="slidenum">
               <a:rPr lang="en"/>
-              <a:t>10</a:t>
+              <a:t>11</a:t>
             </a:fld>
             <a:endParaRPr/>
           </a:p>
@@ -8886,7 +10067,7 @@
 </p:sld>
 </file>
 
-<file path=ppt/slides/slide11.xml><?xml version="1.0" encoding="utf-8"?>
+<file path=ppt/slides/slide12.xml><?xml version="1.0" encoding="utf-8"?>
 <p:sld xmlns:a="http://schemas.openxmlformats.org/drawingml/2006/main" xmlns:r="http://schemas.openxmlformats.org/officeDocument/2006/relationships" xmlns:p="http://schemas.openxmlformats.org/presentationml/2006/main">
   <p:cSld>
     <p:spTree>
@@ -8981,504 +10162,511 @@
             </a:pPr>
             <a:fld id="{00000000-1234-1234-1234-123412341234}" type="slidenum">
               <a:rPr lang="en"/>
-              <a:t>11</a:t>
+              <a:t>12</a:t>
             </a:fld>
             <a:endParaRPr/>
           </a:p>
         </p:txBody>
       </p:sp>
-      <p:grpSp>
-        <p:nvGrpSpPr>
-          <p:cNvPr id="23" name="Group 22">
+      <p:sp>
+        <p:nvSpPr>
+          <p:cNvPr id="8" name="Rectangle 7">
             <a:extLst>
               <a:ext uri="{FF2B5EF4-FFF2-40B4-BE49-F238E27FC236}">
-                <a16:creationId xmlns:a16="http://schemas.microsoft.com/office/drawing/2014/main" id="{5192A4AD-7D93-4D7F-AEEC-3573646FF3EB}"/>
+                <a16:creationId xmlns:a16="http://schemas.microsoft.com/office/drawing/2014/main" id="{D639FEB3-A93C-4DE0-8B1A-6D375E49BB18}"/>
               </a:ext>
             </a:extLst>
           </p:cNvPr>
-          <p:cNvGrpSpPr/>
+          <p:cNvSpPr/>
           <p:nvPr/>
-        </p:nvGrpSpPr>
-        <p:grpSpPr>
+        </p:nvSpPr>
+        <p:spPr>
           <a:xfrm>
-            <a:off x="2928403" y="356842"/>
-            <a:ext cx="5628381" cy="2423105"/>
-            <a:chOff x="2907043" y="1223143"/>
-            <a:chExt cx="5628381" cy="2423105"/>
+            <a:off x="4938570" y="356842"/>
+            <a:ext cx="1778000" cy="400050"/>
           </a:xfrm>
-        </p:grpSpPr>
-        <p:grpSp>
-          <p:nvGrpSpPr>
-            <p:cNvPr id="7" name="Group 6">
-              <a:extLst>
-                <a:ext uri="{FF2B5EF4-FFF2-40B4-BE49-F238E27FC236}">
-                  <a16:creationId xmlns:a16="http://schemas.microsoft.com/office/drawing/2014/main" id="{9FA37A47-96FB-48B1-9BFD-B3FAE24AF26F}"/>
-                </a:ext>
-              </a:extLst>
-            </p:cNvPr>
-            <p:cNvGrpSpPr/>
-            <p:nvPr/>
-          </p:nvGrpSpPr>
-          <p:grpSpPr>
-            <a:xfrm>
-              <a:off x="2907043" y="1223143"/>
-              <a:ext cx="5628381" cy="2008673"/>
-              <a:chOff x="2759693" y="575499"/>
-              <a:chExt cx="5628381" cy="2008673"/>
-            </a:xfrm>
-          </p:grpSpPr>
-          <p:sp>
-            <p:nvSpPr>
-              <p:cNvPr id="8" name="Rectangle 7">
-                <a:extLst>
-                  <a:ext uri="{FF2B5EF4-FFF2-40B4-BE49-F238E27FC236}">
-                    <a16:creationId xmlns:a16="http://schemas.microsoft.com/office/drawing/2014/main" id="{D639FEB3-A93C-4DE0-8B1A-6D375E49BB18}"/>
-                  </a:ext>
-                </a:extLst>
-              </p:cNvPr>
-              <p:cNvSpPr/>
-              <p:nvPr/>
-            </p:nvSpPr>
-            <p:spPr>
-              <a:xfrm>
-                <a:off x="4769860" y="575499"/>
-                <a:ext cx="1778000" cy="400050"/>
-              </a:xfrm>
-              <a:prstGeom prst="rect">
-                <a:avLst/>
-              </a:prstGeom>
+          <a:prstGeom prst="rect">
+            <a:avLst/>
+          </a:prstGeom>
+          <a:solidFill>
+            <a:schemeClr val="bg1"/>
+          </a:solidFill>
+          <a:ln>
+            <a:solidFill>
+              <a:schemeClr val="tx1">
+                <a:lumMod val="65000"/>
+                <a:lumOff val="35000"/>
+              </a:schemeClr>
+            </a:solidFill>
+          </a:ln>
+        </p:spPr>
+        <p:style>
+          <a:lnRef idx="2">
+            <a:schemeClr val="accent1">
+              <a:shade val="50000"/>
+            </a:schemeClr>
+          </a:lnRef>
+          <a:fillRef idx="1">
+            <a:schemeClr val="accent1"/>
+          </a:fillRef>
+          <a:effectRef idx="0">
+            <a:schemeClr val="accent1"/>
+          </a:effectRef>
+          <a:fontRef idx="minor">
+            <a:schemeClr val="lt1"/>
+          </a:fontRef>
+        </p:style>
+        <p:txBody>
+          <a:bodyPr rtlCol="0" anchor="ctr"/>
+          <a:lstStyle/>
+          <a:p>
+            <a:pPr algn="ctr"/>
+            <a:r>
+              <a:rPr lang="en-GB" i="1" dirty="0" err="1">
+                <a:solidFill>
+                  <a:schemeClr val="tx1">
+                    <a:lumMod val="65000"/>
+                    <a:lumOff val="35000"/>
+                  </a:schemeClr>
+                </a:solidFill>
+              </a:rPr>
+              <a:t>HeuristicFunction</a:t>
+            </a:r>
+            <a:endParaRPr lang="it-IT" i="1" dirty="0">
               <a:solidFill>
-                <a:schemeClr val="bg1"/>
+                <a:schemeClr val="tx1">
+                  <a:lumMod val="65000"/>
+                  <a:lumOff val="35000"/>
+                </a:schemeClr>
               </a:solidFill>
-              <a:ln>
-                <a:solidFill>
-                  <a:srgbClr val="F67031"/>
-                </a:solidFill>
-              </a:ln>
-            </p:spPr>
-            <p:style>
-              <a:lnRef idx="2">
-                <a:schemeClr val="accent1">
-                  <a:shade val="50000"/>
+            </a:endParaRPr>
+          </a:p>
+        </p:txBody>
+      </p:sp>
+      <p:sp>
+        <p:nvSpPr>
+          <p:cNvPr id="9" name="Rectangle 8">
+            <a:extLst>
+              <a:ext uri="{FF2B5EF4-FFF2-40B4-BE49-F238E27FC236}">
+                <a16:creationId xmlns:a16="http://schemas.microsoft.com/office/drawing/2014/main" id="{E806B1A4-50AC-4F67-AF54-B3B9797739F1}"/>
+              </a:ext>
+            </a:extLst>
+          </p:cNvPr>
+          <p:cNvSpPr/>
+          <p:nvPr/>
+        </p:nvSpPr>
+        <p:spPr>
+          <a:xfrm>
+            <a:off x="6309493" y="1710524"/>
+            <a:ext cx="2247291" cy="400050"/>
+          </a:xfrm>
+          <a:prstGeom prst="rect">
+            <a:avLst/>
+          </a:prstGeom>
+          <a:solidFill>
+            <a:schemeClr val="bg1"/>
+          </a:solidFill>
+          <a:ln>
+            <a:solidFill>
+              <a:schemeClr val="tx1">
+                <a:lumMod val="65000"/>
+                <a:lumOff val="35000"/>
+              </a:schemeClr>
+            </a:solidFill>
+          </a:ln>
+        </p:spPr>
+        <p:style>
+          <a:lnRef idx="2">
+            <a:schemeClr val="accent1">
+              <a:shade val="50000"/>
+            </a:schemeClr>
+          </a:lnRef>
+          <a:fillRef idx="1">
+            <a:schemeClr val="accent1"/>
+          </a:fillRef>
+          <a:effectRef idx="0">
+            <a:schemeClr val="accent1"/>
+          </a:effectRef>
+          <a:fontRef idx="minor">
+            <a:schemeClr val="lt1"/>
+          </a:fontRef>
+        </p:style>
+        <p:txBody>
+          <a:bodyPr rtlCol="0" anchor="ctr"/>
+          <a:lstStyle/>
+          <a:p>
+            <a:pPr algn="ctr"/>
+            <a:r>
+              <a:rPr lang="en-GB" dirty="0" err="1">
+                <a:solidFill>
+                  <a:schemeClr val="tx1">
+                    <a:lumMod val="65000"/>
+                    <a:lumOff val="35000"/>
+                  </a:schemeClr>
+                </a:solidFill>
+              </a:rPr>
+              <a:t>PawnCountHeuristic</a:t>
+            </a:r>
+            <a:endParaRPr lang="it-IT" dirty="0">
+              <a:solidFill>
+                <a:schemeClr val="tx1">
+                  <a:lumMod val="65000"/>
+                  <a:lumOff val="35000"/>
                 </a:schemeClr>
-              </a:lnRef>
-              <a:fillRef idx="1">
-                <a:schemeClr val="accent1"/>
-              </a:fillRef>
-              <a:effectRef idx="0">
-                <a:schemeClr val="accent1"/>
-              </a:effectRef>
-              <a:fontRef idx="minor">
-                <a:schemeClr val="lt1"/>
-              </a:fontRef>
-            </p:style>
-            <p:txBody>
-              <a:bodyPr rtlCol="0" anchor="ctr"/>
-              <a:lstStyle/>
-              <a:p>
-                <a:pPr algn="ctr"/>
-                <a:r>
-                  <a:rPr lang="en-GB" dirty="0" err="1">
-                    <a:solidFill>
-                      <a:srgbClr val="F67031"/>
-                    </a:solidFill>
-                  </a:rPr>
-                  <a:t>HeuristicFunction</a:t>
-                </a:r>
-                <a:endParaRPr lang="it-IT" dirty="0">
-                  <a:solidFill>
-                    <a:srgbClr val="F67031"/>
-                  </a:solidFill>
-                </a:endParaRPr>
-              </a:p>
-            </p:txBody>
-          </p:sp>
-          <p:sp>
-            <p:nvSpPr>
-              <p:cNvPr id="9" name="Rectangle 8">
-                <a:extLst>
-                  <a:ext uri="{FF2B5EF4-FFF2-40B4-BE49-F238E27FC236}">
-                    <a16:creationId xmlns:a16="http://schemas.microsoft.com/office/drawing/2014/main" id="{E806B1A4-50AC-4F67-AF54-B3B9797739F1}"/>
-                  </a:ext>
-                </a:extLst>
-              </p:cNvPr>
-              <p:cNvSpPr/>
-              <p:nvPr/>
-            </p:nvSpPr>
-            <p:spPr>
-              <a:xfrm>
-                <a:off x="6140783" y="1929181"/>
-                <a:ext cx="2247291" cy="400050"/>
-              </a:xfrm>
-              <a:prstGeom prst="rect">
-                <a:avLst/>
-              </a:prstGeom>
+              </a:solidFill>
+            </a:endParaRPr>
+          </a:p>
+        </p:txBody>
+      </p:sp>
+      <p:sp>
+        <p:nvSpPr>
+          <p:cNvPr id="11" name="Rectangle 10">
+            <a:extLst>
+              <a:ext uri="{FF2B5EF4-FFF2-40B4-BE49-F238E27FC236}">
+                <a16:creationId xmlns:a16="http://schemas.microsoft.com/office/drawing/2014/main" id="{A56E989F-D4A1-4583-BBE7-F60DD6B73B27}"/>
+              </a:ext>
+            </a:extLst>
+          </p:cNvPr>
+          <p:cNvSpPr/>
+          <p:nvPr/>
+        </p:nvSpPr>
+        <p:spPr>
+          <a:xfrm>
+            <a:off x="2928403" y="1710524"/>
+            <a:ext cx="2008925" cy="400050"/>
+          </a:xfrm>
+          <a:prstGeom prst="rect">
+            <a:avLst/>
+          </a:prstGeom>
+          <a:noFill/>
+          <a:ln>
+            <a:solidFill>
+              <a:schemeClr val="tx1">
+                <a:lumMod val="65000"/>
+                <a:lumOff val="35000"/>
+              </a:schemeClr>
+            </a:solidFill>
+          </a:ln>
+        </p:spPr>
+        <p:style>
+          <a:lnRef idx="2">
+            <a:schemeClr val="accent1">
+              <a:shade val="50000"/>
+            </a:schemeClr>
+          </a:lnRef>
+          <a:fillRef idx="1">
+            <a:schemeClr val="accent1"/>
+          </a:fillRef>
+          <a:effectRef idx="0">
+            <a:schemeClr val="accent1"/>
+          </a:effectRef>
+          <a:fontRef idx="minor">
+            <a:schemeClr val="lt1"/>
+          </a:fontRef>
+        </p:style>
+        <p:txBody>
+          <a:bodyPr rtlCol="0" anchor="ctr"/>
+          <a:lstStyle/>
+          <a:p>
+            <a:pPr algn="ctr"/>
+            <a:r>
+              <a:rPr lang="en-GB" dirty="0" err="1">
+                <a:solidFill>
+                  <a:schemeClr val="tx1">
+                    <a:lumMod val="65000"/>
+                    <a:lumOff val="35000"/>
+                  </a:schemeClr>
+                </a:solidFill>
+              </a:rPr>
+              <a:t>PetcuHolbanHeuristic</a:t>
+            </a:r>
+            <a:endParaRPr lang="it-IT" dirty="0">
               <a:solidFill>
-                <a:schemeClr val="bg1"/>
+                <a:schemeClr val="tx1">
+                  <a:lumMod val="65000"/>
+                  <a:lumOff val="35000"/>
+                </a:schemeClr>
               </a:solidFill>
-              <a:ln>
-                <a:solidFill>
-                  <a:srgbClr val="F67031"/>
-                </a:solidFill>
-              </a:ln>
-            </p:spPr>
-            <p:style>
-              <a:lnRef idx="2">
-                <a:schemeClr val="accent1">
-                  <a:shade val="50000"/>
+            </a:endParaRPr>
+          </a:p>
+        </p:txBody>
+      </p:sp>
+      <p:cxnSp>
+        <p:nvCxnSpPr>
+          <p:cNvPr id="12" name="Straight Connector 11">
+            <a:extLst>
+              <a:ext uri="{FF2B5EF4-FFF2-40B4-BE49-F238E27FC236}">
+                <a16:creationId xmlns:a16="http://schemas.microsoft.com/office/drawing/2014/main" id="{F37D64EF-0DC1-44D2-8D32-816ABC59ACE2}"/>
+              </a:ext>
+            </a:extLst>
+          </p:cNvPr>
+          <p:cNvCxnSpPr>
+            <a:cxnSpLocks/>
+            <a:stCxn id="8" idx="2"/>
+          </p:cNvCxnSpPr>
+          <p:nvPr/>
+        </p:nvCxnSpPr>
+        <p:spPr>
+          <a:xfrm>
+            <a:off x="5827570" y="756892"/>
+            <a:ext cx="10820" cy="1608623"/>
+          </a:xfrm>
+          <a:prstGeom prst="line">
+            <a:avLst/>
+          </a:prstGeom>
+          <a:ln w="28575">
+            <a:solidFill>
+              <a:schemeClr val="tx1">
+                <a:lumMod val="65000"/>
+                <a:lumOff val="35000"/>
+              </a:schemeClr>
+            </a:solidFill>
+          </a:ln>
+        </p:spPr>
+        <p:style>
+          <a:lnRef idx="1">
+            <a:schemeClr val="accent1"/>
+          </a:lnRef>
+          <a:fillRef idx="0">
+            <a:schemeClr val="accent1"/>
+          </a:fillRef>
+          <a:effectRef idx="0">
+            <a:schemeClr val="accent1"/>
+          </a:effectRef>
+          <a:fontRef idx="minor">
+            <a:schemeClr val="tx1"/>
+          </a:fontRef>
+        </p:style>
+      </p:cxnSp>
+      <p:cxnSp>
+        <p:nvCxnSpPr>
+          <p:cNvPr id="13" name="Connector: Elbow 12">
+            <a:extLst>
+              <a:ext uri="{FF2B5EF4-FFF2-40B4-BE49-F238E27FC236}">
+                <a16:creationId xmlns:a16="http://schemas.microsoft.com/office/drawing/2014/main" id="{C3E8E900-11D7-4FC0-BB4B-CC8895FA18A8}"/>
+              </a:ext>
+            </a:extLst>
+          </p:cNvPr>
+          <p:cNvCxnSpPr>
+            <a:cxnSpLocks/>
+            <a:stCxn id="11" idx="0"/>
+          </p:cNvCxnSpPr>
+          <p:nvPr/>
+        </p:nvCxnSpPr>
+        <p:spPr>
+          <a:xfrm rot="5400000" flipH="1" flipV="1">
+            <a:off x="4595336" y="478292"/>
+            <a:ext cx="569763" cy="1894703"/>
+          </a:xfrm>
+          <a:prstGeom prst="bentConnector2">
+            <a:avLst/>
+          </a:prstGeom>
+          <a:ln w="28575">
+            <a:solidFill>
+              <a:schemeClr val="tx1">
+                <a:lumMod val="65000"/>
+                <a:lumOff val="35000"/>
+              </a:schemeClr>
+            </a:solidFill>
+          </a:ln>
+        </p:spPr>
+        <p:style>
+          <a:lnRef idx="1">
+            <a:schemeClr val="accent1"/>
+          </a:lnRef>
+          <a:fillRef idx="0">
+            <a:schemeClr val="accent1"/>
+          </a:fillRef>
+          <a:effectRef idx="0">
+            <a:schemeClr val="accent1"/>
+          </a:effectRef>
+          <a:fontRef idx="minor">
+            <a:schemeClr val="tx1"/>
+          </a:fontRef>
+        </p:style>
+      </p:cxnSp>
+      <p:cxnSp>
+        <p:nvCxnSpPr>
+          <p:cNvPr id="14" name="Connector: Elbow 13">
+            <a:extLst>
+              <a:ext uri="{FF2B5EF4-FFF2-40B4-BE49-F238E27FC236}">
+                <a16:creationId xmlns:a16="http://schemas.microsoft.com/office/drawing/2014/main" id="{835E74E4-F15C-4060-A076-2B8CC162DFAD}"/>
+              </a:ext>
+            </a:extLst>
+          </p:cNvPr>
+          <p:cNvCxnSpPr>
+            <a:cxnSpLocks/>
+          </p:cNvCxnSpPr>
+          <p:nvPr/>
+        </p:nvCxnSpPr>
+        <p:spPr>
+          <a:xfrm rot="16200000" flipV="1">
+            <a:off x="6367914" y="600542"/>
+            <a:ext cx="553055" cy="1633746"/>
+          </a:xfrm>
+          <a:prstGeom prst="bentConnector2">
+            <a:avLst/>
+          </a:prstGeom>
+          <a:ln w="28575">
+            <a:solidFill>
+              <a:schemeClr val="tx1">
+                <a:lumMod val="65000"/>
+                <a:lumOff val="35000"/>
+              </a:schemeClr>
+            </a:solidFill>
+          </a:ln>
+        </p:spPr>
+        <p:style>
+          <a:lnRef idx="1">
+            <a:schemeClr val="accent1"/>
+          </a:lnRef>
+          <a:fillRef idx="0">
+            <a:schemeClr val="accent1"/>
+          </a:fillRef>
+          <a:effectRef idx="0">
+            <a:schemeClr val="accent1"/>
+          </a:effectRef>
+          <a:fontRef idx="minor">
+            <a:schemeClr val="tx1"/>
+          </a:fontRef>
+        </p:style>
+      </p:cxnSp>
+      <p:sp>
+        <p:nvSpPr>
+          <p:cNvPr id="15" name="Isosceles Triangle 14">
+            <a:extLst>
+              <a:ext uri="{FF2B5EF4-FFF2-40B4-BE49-F238E27FC236}">
+                <a16:creationId xmlns:a16="http://schemas.microsoft.com/office/drawing/2014/main" id="{060B4B03-1EEF-42AC-A8A8-CF6CC3A8B66F}"/>
+              </a:ext>
+            </a:extLst>
+          </p:cNvPr>
+          <p:cNvSpPr/>
+          <p:nvPr/>
+        </p:nvSpPr>
+        <p:spPr>
+          <a:xfrm>
+            <a:off x="5704250" y="756892"/>
+            <a:ext cx="246640" cy="243650"/>
+          </a:xfrm>
+          <a:prstGeom prst="triangle">
+            <a:avLst/>
+          </a:prstGeom>
+          <a:solidFill>
+            <a:schemeClr val="bg1"/>
+          </a:solidFill>
+          <a:ln>
+            <a:solidFill>
+              <a:schemeClr val="tx1">
+                <a:lumMod val="65000"/>
+                <a:lumOff val="35000"/>
+              </a:schemeClr>
+            </a:solidFill>
+          </a:ln>
+        </p:spPr>
+        <p:style>
+          <a:lnRef idx="2">
+            <a:schemeClr val="accent1">
+              <a:shade val="50000"/>
+            </a:schemeClr>
+          </a:lnRef>
+          <a:fillRef idx="1">
+            <a:schemeClr val="accent1"/>
+          </a:fillRef>
+          <a:effectRef idx="0">
+            <a:schemeClr val="accent1"/>
+          </a:effectRef>
+          <a:fontRef idx="minor">
+            <a:schemeClr val="lt1"/>
+          </a:fontRef>
+        </p:style>
+        <p:txBody>
+          <a:bodyPr rtlCol="0" anchor="ctr"/>
+          <a:lstStyle/>
+          <a:p>
+            <a:pPr algn="ctr"/>
+            <a:endParaRPr lang="it-IT"/>
+          </a:p>
+        </p:txBody>
+      </p:sp>
+      <p:sp>
+        <p:nvSpPr>
+          <p:cNvPr id="22" name="Rectangle 21">
+            <a:extLst>
+              <a:ext uri="{FF2B5EF4-FFF2-40B4-BE49-F238E27FC236}">
+                <a16:creationId xmlns:a16="http://schemas.microsoft.com/office/drawing/2014/main" id="{D4CB9541-FFA9-4EBA-8081-92FAE0F57A96}"/>
+              </a:ext>
+            </a:extLst>
+          </p:cNvPr>
+          <p:cNvSpPr/>
+          <p:nvPr/>
+        </p:nvSpPr>
+        <p:spPr>
+          <a:xfrm>
+            <a:off x="4526714" y="2379897"/>
+            <a:ext cx="2623352" cy="400050"/>
+          </a:xfrm>
+          <a:prstGeom prst="rect">
+            <a:avLst/>
+          </a:prstGeom>
+          <a:solidFill>
+            <a:schemeClr val="bg2">
+              <a:lumMod val="60000"/>
+              <a:lumOff val="40000"/>
+              <a:alpha val="26000"/>
+            </a:schemeClr>
+          </a:solidFill>
+          <a:ln>
+            <a:solidFill>
+              <a:schemeClr val="tx1">
+                <a:lumMod val="65000"/>
+                <a:lumOff val="35000"/>
+              </a:schemeClr>
+            </a:solidFill>
+          </a:ln>
+        </p:spPr>
+        <p:style>
+          <a:lnRef idx="2">
+            <a:schemeClr val="accent1">
+              <a:shade val="50000"/>
+            </a:schemeClr>
+          </a:lnRef>
+          <a:fillRef idx="1">
+            <a:schemeClr val="accent1"/>
+          </a:fillRef>
+          <a:effectRef idx="0">
+            <a:schemeClr val="accent1"/>
+          </a:effectRef>
+          <a:fontRef idx="minor">
+            <a:schemeClr val="lt1"/>
+          </a:fontRef>
+        </p:style>
+        <p:txBody>
+          <a:bodyPr rtlCol="0" anchor="ctr"/>
+          <a:lstStyle/>
+          <a:p>
+            <a:pPr algn="ctr"/>
+            <a:r>
+              <a:rPr lang="en-GB" dirty="0" err="1">
+                <a:solidFill>
+                  <a:schemeClr val="tx1">
+                    <a:lumMod val="65000"/>
+                    <a:lumOff val="35000"/>
+                  </a:schemeClr>
+                </a:solidFill>
+              </a:rPr>
+              <a:t>PetcuHolbanModifiedHeuristic</a:t>
+            </a:r>
+            <a:endParaRPr lang="it-IT" dirty="0">
+              <a:solidFill>
+                <a:schemeClr val="tx1">
+                  <a:lumMod val="65000"/>
+                  <a:lumOff val="35000"/>
                 </a:schemeClr>
-              </a:lnRef>
-              <a:fillRef idx="1">
-                <a:schemeClr val="accent1"/>
-              </a:fillRef>
-              <a:effectRef idx="0">
-                <a:schemeClr val="accent1"/>
-              </a:effectRef>
-              <a:fontRef idx="minor">
-                <a:schemeClr val="lt1"/>
-              </a:fontRef>
-            </p:style>
-            <p:txBody>
-              <a:bodyPr rtlCol="0" anchor="ctr"/>
-              <a:lstStyle/>
-              <a:p>
-                <a:pPr algn="ctr"/>
-                <a:r>
-                  <a:rPr lang="en-GB" dirty="0" err="1">
-                    <a:solidFill>
-                      <a:srgbClr val="F67031"/>
-                    </a:solidFill>
-                  </a:rPr>
-                  <a:t>PawnCountHeuristic</a:t>
-                </a:r>
-                <a:endParaRPr lang="it-IT" dirty="0">
-                  <a:solidFill>
-                    <a:srgbClr val="F67031"/>
-                  </a:solidFill>
-                </a:endParaRPr>
-              </a:p>
-            </p:txBody>
-          </p:sp>
-          <p:sp>
-            <p:nvSpPr>
-              <p:cNvPr id="11" name="Rectangle 10">
-                <a:extLst>
-                  <a:ext uri="{FF2B5EF4-FFF2-40B4-BE49-F238E27FC236}">
-                    <a16:creationId xmlns:a16="http://schemas.microsoft.com/office/drawing/2014/main" id="{A56E989F-D4A1-4583-BBE7-F60DD6B73B27}"/>
-                  </a:ext>
-                </a:extLst>
-              </p:cNvPr>
-              <p:cNvSpPr/>
-              <p:nvPr/>
-            </p:nvSpPr>
-            <p:spPr>
-              <a:xfrm>
-                <a:off x="2759693" y="1929181"/>
-                <a:ext cx="2008925" cy="400050"/>
-              </a:xfrm>
-              <a:prstGeom prst="rect">
-                <a:avLst/>
-              </a:prstGeom>
-              <a:noFill/>
-              <a:ln>
-                <a:solidFill>
-                  <a:srgbClr val="F67031"/>
-                </a:solidFill>
-              </a:ln>
-            </p:spPr>
-            <p:style>
-              <a:lnRef idx="2">
-                <a:schemeClr val="accent1">
-                  <a:shade val="50000"/>
-                </a:schemeClr>
-              </a:lnRef>
-              <a:fillRef idx="1">
-                <a:schemeClr val="accent1"/>
-              </a:fillRef>
-              <a:effectRef idx="0">
-                <a:schemeClr val="accent1"/>
-              </a:effectRef>
-              <a:fontRef idx="minor">
-                <a:schemeClr val="lt1"/>
-              </a:fontRef>
-            </p:style>
-            <p:txBody>
-              <a:bodyPr rtlCol="0" anchor="ctr"/>
-              <a:lstStyle/>
-              <a:p>
-                <a:pPr algn="ctr"/>
-                <a:r>
-                  <a:rPr lang="en-GB" dirty="0" err="1">
-                    <a:solidFill>
-                      <a:srgbClr val="F67031"/>
-                    </a:solidFill>
-                  </a:rPr>
-                  <a:t>PetcuHolbanHeuristic</a:t>
-                </a:r>
-                <a:endParaRPr lang="it-IT" dirty="0">
-                  <a:solidFill>
-                    <a:srgbClr val="F67031"/>
-                  </a:solidFill>
-                </a:endParaRPr>
-              </a:p>
-            </p:txBody>
-          </p:sp>
-          <p:cxnSp>
-            <p:nvCxnSpPr>
-              <p:cNvPr id="12" name="Straight Connector 11">
-                <a:extLst>
-                  <a:ext uri="{FF2B5EF4-FFF2-40B4-BE49-F238E27FC236}">
-                    <a16:creationId xmlns:a16="http://schemas.microsoft.com/office/drawing/2014/main" id="{F37D64EF-0DC1-44D2-8D32-816ABC59ACE2}"/>
-                  </a:ext>
-                </a:extLst>
-              </p:cNvPr>
-              <p:cNvCxnSpPr>
-                <a:cxnSpLocks/>
-                <a:stCxn id="8" idx="2"/>
-              </p:cNvCxnSpPr>
-              <p:nvPr/>
-            </p:nvCxnSpPr>
-            <p:spPr>
-              <a:xfrm>
-                <a:off x="5658860" y="975549"/>
-                <a:ext cx="10820" cy="1608623"/>
-              </a:xfrm>
-              <a:prstGeom prst="line">
-                <a:avLst/>
-              </a:prstGeom>
-              <a:ln w="28575">
-                <a:solidFill>
-                  <a:srgbClr val="F67031"/>
-                </a:solidFill>
-              </a:ln>
-            </p:spPr>
-            <p:style>
-              <a:lnRef idx="1">
-                <a:schemeClr val="accent1"/>
-              </a:lnRef>
-              <a:fillRef idx="0">
-                <a:schemeClr val="accent1"/>
-              </a:fillRef>
-              <a:effectRef idx="0">
-                <a:schemeClr val="accent1"/>
-              </a:effectRef>
-              <a:fontRef idx="minor">
-                <a:schemeClr val="tx1"/>
-              </a:fontRef>
-            </p:style>
-          </p:cxnSp>
-          <p:cxnSp>
-            <p:nvCxnSpPr>
-              <p:cNvPr id="13" name="Connector: Elbow 12">
-                <a:extLst>
-                  <a:ext uri="{FF2B5EF4-FFF2-40B4-BE49-F238E27FC236}">
-                    <a16:creationId xmlns:a16="http://schemas.microsoft.com/office/drawing/2014/main" id="{C3E8E900-11D7-4FC0-BB4B-CC8895FA18A8}"/>
-                  </a:ext>
-                </a:extLst>
-              </p:cNvPr>
-              <p:cNvCxnSpPr>
-                <a:cxnSpLocks/>
-              </p:cNvCxnSpPr>
-              <p:nvPr/>
-            </p:nvCxnSpPr>
-            <p:spPr>
-              <a:xfrm flipV="1">
-                <a:off x="3756606" y="1375599"/>
-                <a:ext cx="1902253" cy="533239"/>
-              </a:xfrm>
-              <a:prstGeom prst="bentConnector3">
-                <a:avLst>
-                  <a:gd name="adj1" fmla="val -682"/>
-                </a:avLst>
-              </a:prstGeom>
-              <a:ln w="28575">
-                <a:solidFill>
-                  <a:srgbClr val="F67031"/>
-                </a:solidFill>
-              </a:ln>
-            </p:spPr>
-            <p:style>
-              <a:lnRef idx="1">
-                <a:schemeClr val="accent1"/>
-              </a:lnRef>
-              <a:fillRef idx="0">
-                <a:schemeClr val="accent1"/>
-              </a:fillRef>
-              <a:effectRef idx="0">
-                <a:schemeClr val="accent1"/>
-              </a:effectRef>
-              <a:fontRef idx="minor">
-                <a:schemeClr val="tx1"/>
-              </a:fontRef>
-            </p:style>
-          </p:cxnSp>
-          <p:cxnSp>
-            <p:nvCxnSpPr>
-              <p:cNvPr id="14" name="Connector: Elbow 13">
-                <a:extLst>
-                  <a:ext uri="{FF2B5EF4-FFF2-40B4-BE49-F238E27FC236}">
-                    <a16:creationId xmlns:a16="http://schemas.microsoft.com/office/drawing/2014/main" id="{835E74E4-F15C-4060-A076-2B8CC162DFAD}"/>
-                  </a:ext>
-                </a:extLst>
-              </p:cNvPr>
-              <p:cNvCxnSpPr>
-                <a:cxnSpLocks/>
-              </p:cNvCxnSpPr>
-              <p:nvPr/>
-            </p:nvCxnSpPr>
-            <p:spPr>
-              <a:xfrm rot="16200000" flipV="1">
-                <a:off x="6171028" y="825926"/>
-                <a:ext cx="553055" cy="1633746"/>
-              </a:xfrm>
-              <a:prstGeom prst="bentConnector2">
-                <a:avLst/>
-              </a:prstGeom>
-              <a:ln w="28575">
-                <a:solidFill>
-                  <a:srgbClr val="F67031"/>
-                </a:solidFill>
-              </a:ln>
-            </p:spPr>
-            <p:style>
-              <a:lnRef idx="1">
-                <a:schemeClr val="accent1"/>
-              </a:lnRef>
-              <a:fillRef idx="0">
-                <a:schemeClr val="accent1"/>
-              </a:fillRef>
-              <a:effectRef idx="0">
-                <a:schemeClr val="accent1"/>
-              </a:effectRef>
-              <a:fontRef idx="minor">
-                <a:schemeClr val="tx1"/>
-              </a:fontRef>
-            </p:style>
-          </p:cxnSp>
-          <p:sp>
-            <p:nvSpPr>
-              <p:cNvPr id="15" name="Isosceles Triangle 14">
-                <a:extLst>
-                  <a:ext uri="{FF2B5EF4-FFF2-40B4-BE49-F238E27FC236}">
-                    <a16:creationId xmlns:a16="http://schemas.microsoft.com/office/drawing/2014/main" id="{060B4B03-1EEF-42AC-A8A8-CF6CC3A8B66F}"/>
-                  </a:ext>
-                </a:extLst>
-              </p:cNvPr>
-              <p:cNvSpPr/>
-              <p:nvPr/>
-            </p:nvSpPr>
-            <p:spPr>
-              <a:xfrm>
-                <a:off x="5535540" y="975549"/>
-                <a:ext cx="246640" cy="243650"/>
-              </a:xfrm>
-              <a:prstGeom prst="triangle">
-                <a:avLst/>
-              </a:prstGeom>
-              <a:solidFill>
-                <a:schemeClr val="bg1"/>
               </a:solidFill>
-              <a:ln>
-                <a:solidFill>
-                  <a:srgbClr val="F67031"/>
-                </a:solidFill>
-              </a:ln>
-            </p:spPr>
-            <p:style>
-              <a:lnRef idx="2">
-                <a:schemeClr val="accent1">
-                  <a:shade val="50000"/>
-                </a:schemeClr>
-              </a:lnRef>
-              <a:fillRef idx="1">
-                <a:schemeClr val="accent1"/>
-              </a:fillRef>
-              <a:effectRef idx="0">
-                <a:schemeClr val="accent1"/>
-              </a:effectRef>
-              <a:fontRef idx="minor">
-                <a:schemeClr val="lt1"/>
-              </a:fontRef>
-            </p:style>
-            <p:txBody>
-              <a:bodyPr rtlCol="0" anchor="ctr"/>
-              <a:lstStyle/>
-              <a:p>
-                <a:pPr algn="ctr"/>
-                <a:endParaRPr lang="it-IT"/>
-              </a:p>
-            </p:txBody>
-          </p:sp>
-        </p:grpSp>
-        <p:sp>
-          <p:nvSpPr>
-            <p:cNvPr id="22" name="Rectangle 21">
-              <a:extLst>
-                <a:ext uri="{FF2B5EF4-FFF2-40B4-BE49-F238E27FC236}">
-                  <a16:creationId xmlns:a16="http://schemas.microsoft.com/office/drawing/2014/main" id="{D4CB9541-FFA9-4EBA-8081-92FAE0F57A96}"/>
-                </a:ext>
-              </a:extLst>
-            </p:cNvPr>
-            <p:cNvSpPr/>
-            <p:nvPr/>
-          </p:nvSpPr>
-          <p:spPr>
-            <a:xfrm>
-              <a:off x="4505354" y="3246198"/>
-              <a:ext cx="2623352" cy="400050"/>
-            </a:xfrm>
-            <a:prstGeom prst="rect">
-              <a:avLst/>
-            </a:prstGeom>
-            <a:solidFill>
-              <a:srgbClr val="F67031">
-                <a:alpha val="26000"/>
-              </a:srgbClr>
-            </a:solidFill>
-            <a:ln>
-              <a:solidFill>
-                <a:srgbClr val="F67031"/>
-              </a:solidFill>
-            </a:ln>
-          </p:spPr>
-          <p:style>
-            <a:lnRef idx="2">
-              <a:schemeClr val="accent1">
-                <a:shade val="50000"/>
-              </a:schemeClr>
-            </a:lnRef>
-            <a:fillRef idx="1">
-              <a:schemeClr val="accent1"/>
-            </a:fillRef>
-            <a:effectRef idx="0">
-              <a:schemeClr val="accent1"/>
-            </a:effectRef>
-            <a:fontRef idx="minor">
-              <a:schemeClr val="lt1"/>
-            </a:fontRef>
-          </p:style>
-          <p:txBody>
-            <a:bodyPr rtlCol="0" anchor="ctr"/>
-            <a:lstStyle/>
-            <a:p>
-              <a:pPr algn="ctr"/>
-              <a:r>
-                <a:rPr lang="en-GB" dirty="0" err="1">
-                  <a:solidFill>
-                    <a:srgbClr val="F67031"/>
-                  </a:solidFill>
-                </a:rPr>
-                <a:t>PetcuHolbanModifiedHeuristic</a:t>
-              </a:r>
-              <a:endParaRPr lang="it-IT" dirty="0">
-                <a:solidFill>
-                  <a:srgbClr val="F67031"/>
-                </a:solidFill>
-              </a:endParaRPr>
-            </a:p>
-          </p:txBody>
-        </p:sp>
-      </p:grpSp>
+            </a:endParaRPr>
+          </a:p>
+        </p:txBody>
+      </p:sp>
       <p:sp>
         <p:nvSpPr>
           <p:cNvPr id="32" name="TextBox 31">
@@ -9825,7 +11013,1309 @@
 </p:sld>
 </file>
 
-<file path=ppt/slides/slide12.xml><?xml version="1.0" encoding="utf-8"?>
+<file path=ppt/slides/slide13.xml><?xml version="1.0" encoding="utf-8"?>
+<p:sld xmlns:a="http://schemas.openxmlformats.org/drawingml/2006/main" xmlns:r="http://schemas.openxmlformats.org/officeDocument/2006/relationships" xmlns:p="http://schemas.openxmlformats.org/presentationml/2006/main">
+  <p:cSld>
+    <p:spTree>
+      <p:nvGrpSpPr>
+        <p:cNvPr id="1" name="Shape 112"/>
+        <p:cNvGrpSpPr/>
+        <p:nvPr/>
+      </p:nvGrpSpPr>
+      <p:grpSpPr>
+        <a:xfrm>
+          <a:off x="0" y="0"/>
+          <a:ext cx="0" cy="0"/>
+          <a:chOff x="0" y="0"/>
+          <a:chExt cx="0" cy="0"/>
+        </a:xfrm>
+      </p:grpSpPr>
+      <p:sp>
+        <p:nvSpPr>
+          <p:cNvPr id="113" name="Shape 113"/>
+          <p:cNvSpPr txBox="1">
+            <a:spLocks noGrp="1"/>
+          </p:cNvSpPr>
+          <p:nvPr>
+            <p:ph type="title"/>
+          </p:nvPr>
+        </p:nvSpPr>
+        <p:spPr>
+          <a:xfrm>
+            <a:off x="-1" y="575500"/>
+            <a:ext cx="2571295" cy="553056"/>
+          </a:xfrm>
+          <a:prstGeom prst="rect">
+            <a:avLst/>
+          </a:prstGeom>
+        </p:spPr>
+        <p:txBody>
+          <a:bodyPr spcFirstLastPara="1" wrap="square" lIns="91425" tIns="91425" rIns="91425" bIns="91425" anchor="t" anchorCtr="0">
+            <a:noAutofit/>
+          </a:bodyPr>
+          <a:lstStyle/>
+          <a:p>
+            <a:pPr marL="0" lvl="0" indent="0" algn="ctr">
+              <a:spcBef>
+                <a:spcPts val="0"/>
+              </a:spcBef>
+              <a:spcAft>
+                <a:spcPts val="0"/>
+              </a:spcAft>
+              <a:buNone/>
+            </a:pPr>
+            <a:r>
+              <a:rPr lang="it-IT" dirty="0"/>
+              <a:t>Petcu Holban</a:t>
+            </a:r>
+            <a:endParaRPr dirty="0"/>
+          </a:p>
+        </p:txBody>
+      </p:sp>
+      <p:sp>
+        <p:nvSpPr>
+          <p:cNvPr id="115" name="Shape 115"/>
+          <p:cNvSpPr txBox="1">
+            <a:spLocks noGrp="1"/>
+          </p:cNvSpPr>
+          <p:nvPr>
+            <p:ph type="sldNum" idx="12"/>
+          </p:nvPr>
+        </p:nvSpPr>
+        <p:spPr>
+          <a:xfrm>
+            <a:off x="8556784" y="4749851"/>
+            <a:ext cx="548700" cy="393600"/>
+          </a:xfrm>
+          <a:prstGeom prst="rect">
+            <a:avLst/>
+          </a:prstGeom>
+        </p:spPr>
+        <p:txBody>
+          <a:bodyPr spcFirstLastPara="1" wrap="square" lIns="91425" tIns="91425" rIns="91425" bIns="91425" anchor="ctr" anchorCtr="0">
+            <a:noAutofit/>
+          </a:bodyPr>
+          <a:lstStyle/>
+          <a:p>
+            <a:pPr marL="0" lvl="0" indent="0">
+              <a:spcBef>
+                <a:spcPts val="0"/>
+              </a:spcBef>
+              <a:spcAft>
+                <a:spcPts val="0"/>
+              </a:spcAft>
+              <a:buNone/>
+            </a:pPr>
+            <a:fld id="{00000000-1234-1234-1234-123412341234}" type="slidenum">
+              <a:rPr lang="en"/>
+              <a:t>13</a:t>
+            </a:fld>
+            <a:endParaRPr/>
+          </a:p>
+        </p:txBody>
+      </p:sp>
+      <p:sp>
+        <p:nvSpPr>
+          <p:cNvPr id="16" name="TextBox 15">
+            <a:extLst>
+              <a:ext uri="{FF2B5EF4-FFF2-40B4-BE49-F238E27FC236}">
+                <a16:creationId xmlns:a16="http://schemas.microsoft.com/office/drawing/2014/main" id="{DB941FD7-1EFB-491E-8A40-135AD8790F61}"/>
+              </a:ext>
+            </a:extLst>
+          </p:cNvPr>
+          <p:cNvSpPr txBox="1"/>
+          <p:nvPr/>
+        </p:nvSpPr>
+        <p:spPr>
+          <a:xfrm>
+            <a:off x="3005667" y="284188"/>
+            <a:ext cx="5765801" cy="4493538"/>
+          </a:xfrm>
+          <a:prstGeom prst="rect">
+            <a:avLst/>
+          </a:prstGeom>
+          <a:noFill/>
+        </p:spPr>
+        <p:txBody>
+          <a:bodyPr wrap="square" rtlCol="0">
+            <a:spAutoFit/>
+          </a:bodyPr>
+          <a:lstStyle/>
+          <a:p>
+            <a:pPr algn="just">
+              <a:lnSpc>
+                <a:spcPct val="150000"/>
+              </a:lnSpc>
+            </a:pPr>
+            <a:r>
+              <a:rPr lang="en-GB" sz="1600" dirty="0">
+                <a:latin typeface="Nunito Sans" panose="020B0604020202020204" charset="0"/>
+              </a:rPr>
+              <a:t>L</a:t>
+            </a:r>
+            <a:r>
+              <a:rPr lang="en-US" sz="1600" dirty="0">
+                <a:latin typeface="Nunito Sans" panose="020B0604020202020204" charset="0"/>
+              </a:rPr>
+              <a:t>’</a:t>
+            </a:r>
+            <a:r>
+              <a:rPr lang="en-US" sz="1600" dirty="0" err="1">
+                <a:latin typeface="Nunito Sans" panose="020B0604020202020204" charset="0"/>
+              </a:rPr>
+              <a:t>euristica</a:t>
+            </a:r>
+            <a:r>
+              <a:rPr lang="en-US" sz="1600" dirty="0">
+                <a:latin typeface="Nunito Sans" panose="020B0604020202020204" charset="0"/>
+              </a:rPr>
+              <a:t> </a:t>
+            </a:r>
+            <a:r>
+              <a:rPr lang="en-US" sz="1600" dirty="0" err="1">
+                <a:latin typeface="Nunito Sans" panose="020B0604020202020204" charset="0"/>
+              </a:rPr>
+              <a:t>Petcu</a:t>
+            </a:r>
+            <a:r>
+              <a:rPr lang="en-US" sz="1600" dirty="0">
+                <a:latin typeface="Nunito Sans" panose="020B0604020202020204" charset="0"/>
+              </a:rPr>
+              <a:t> </a:t>
+            </a:r>
+            <a:r>
+              <a:rPr lang="en-US" sz="1600" dirty="0" err="1">
+                <a:latin typeface="Nunito Sans" panose="020B0604020202020204" charset="0"/>
+              </a:rPr>
+              <a:t>Holban</a:t>
+            </a:r>
+            <a:r>
+              <a:rPr lang="en-US" sz="1600" dirty="0">
+                <a:latin typeface="Nunito Sans" panose="020B0604020202020204" charset="0"/>
+              </a:rPr>
+              <a:t> </a:t>
+            </a:r>
+            <a:r>
+              <a:rPr lang="en-US" sz="1600" dirty="0" err="1">
+                <a:latin typeface="Nunito Sans" panose="020B0604020202020204" charset="0"/>
+              </a:rPr>
+              <a:t>tiene</a:t>
+            </a:r>
+            <a:r>
+              <a:rPr lang="en-US" sz="1600" dirty="0">
+                <a:latin typeface="Nunito Sans" panose="020B0604020202020204" charset="0"/>
+              </a:rPr>
+              <a:t> in </a:t>
+            </a:r>
+            <a:r>
+              <a:rPr lang="en-US" sz="1600" dirty="0" err="1">
+                <a:latin typeface="Nunito Sans" panose="020B0604020202020204" charset="0"/>
+              </a:rPr>
+              <a:t>considerazione</a:t>
+            </a:r>
+            <a:r>
+              <a:rPr lang="en-US" sz="1600" dirty="0">
+                <a:latin typeface="Nunito Sans" panose="020B0604020202020204" charset="0"/>
+              </a:rPr>
+              <a:t> </a:t>
+            </a:r>
+            <a:r>
+              <a:rPr lang="en-US" sz="1600" dirty="0" err="1">
+                <a:latin typeface="Nunito Sans" panose="020B0604020202020204" charset="0"/>
+              </a:rPr>
+              <a:t>i</a:t>
+            </a:r>
+            <a:r>
+              <a:rPr lang="en-US" sz="1600" dirty="0">
+                <a:latin typeface="Nunito Sans" panose="020B0604020202020204" charset="0"/>
+              </a:rPr>
+              <a:t> </a:t>
+            </a:r>
+            <a:r>
+              <a:rPr lang="en-US" sz="1600" dirty="0" err="1">
+                <a:latin typeface="Nunito Sans" panose="020B0604020202020204" charset="0"/>
+              </a:rPr>
+              <a:t>seguenti</a:t>
+            </a:r>
+            <a:r>
+              <a:rPr lang="en-US" sz="1600" dirty="0">
+                <a:latin typeface="Nunito Sans" panose="020B0604020202020204" charset="0"/>
+              </a:rPr>
+              <a:t> </a:t>
+            </a:r>
+            <a:r>
+              <a:rPr lang="en-US" sz="1600" dirty="0" err="1">
+                <a:latin typeface="Nunito Sans" panose="020B0604020202020204" charset="0"/>
+              </a:rPr>
+              <a:t>parametri</a:t>
+            </a:r>
+            <a:r>
+              <a:rPr lang="en-US" sz="1600" dirty="0">
+                <a:latin typeface="Nunito Sans" panose="020B0604020202020204" charset="0"/>
+              </a:rPr>
+              <a:t>: </a:t>
+            </a:r>
+          </a:p>
+          <a:p>
+            <a:pPr marL="285750" indent="-285750" algn="just">
+              <a:lnSpc>
+                <a:spcPct val="150000"/>
+              </a:lnSpc>
+              <a:buFont typeface="Arial" panose="020B0604020202020204" pitchFamily="34" charset="0"/>
+              <a:buChar char="•"/>
+            </a:pPr>
+            <a:r>
+              <a:rPr lang="en-GB" sz="1600" dirty="0">
+                <a:latin typeface="Nunito Sans" panose="020B0604020202020204" charset="0"/>
+              </a:rPr>
+              <a:t>Se </a:t>
+            </a:r>
+            <a:r>
+              <a:rPr lang="en-GB" sz="1600" dirty="0" err="1">
+                <a:latin typeface="Nunito Sans" panose="020B0604020202020204" charset="0"/>
+              </a:rPr>
+              <a:t>nell’ultimo</a:t>
+            </a:r>
+            <a:r>
+              <a:rPr lang="en-GB" sz="1600" dirty="0">
+                <a:latin typeface="Nunito Sans" panose="020B0604020202020204" charset="0"/>
+              </a:rPr>
+              <a:t> </a:t>
+            </a:r>
+            <a:r>
+              <a:rPr lang="en-GB" sz="1600" dirty="0" err="1">
+                <a:latin typeface="Nunito Sans" panose="020B0604020202020204" charset="0"/>
+              </a:rPr>
+              <a:t>turno</a:t>
+            </a:r>
+            <a:r>
+              <a:rPr lang="en-GB" sz="1600" dirty="0">
+                <a:latin typeface="Nunito Sans" panose="020B0604020202020204" charset="0"/>
+              </a:rPr>
+              <a:t> è </a:t>
+            </a:r>
+            <a:r>
+              <a:rPr lang="en-GB" sz="1600" dirty="0" err="1">
+                <a:latin typeface="Nunito Sans" panose="020B0604020202020204" charset="0"/>
+              </a:rPr>
+              <a:t>stato</a:t>
+            </a:r>
+            <a:r>
+              <a:rPr lang="en-GB" sz="1600" dirty="0">
+                <a:latin typeface="Nunito Sans" panose="020B0604020202020204" charset="0"/>
+              </a:rPr>
+              <a:t> </a:t>
+            </a:r>
+            <a:r>
+              <a:rPr lang="en-GB" sz="1600" dirty="0" err="1">
+                <a:latin typeface="Nunito Sans" panose="020B0604020202020204" charset="0"/>
+              </a:rPr>
+              <a:t>chiuso</a:t>
+            </a:r>
+            <a:r>
+              <a:rPr lang="en-GB" sz="1600" dirty="0">
+                <a:latin typeface="Nunito Sans" panose="020B0604020202020204" charset="0"/>
+              </a:rPr>
+              <a:t> un </a:t>
+            </a:r>
+            <a:r>
+              <a:rPr lang="en-GB" sz="1600" dirty="0" err="1">
+                <a:latin typeface="Nunito Sans" panose="020B0604020202020204" charset="0"/>
+              </a:rPr>
+              <a:t>mulino</a:t>
+            </a:r>
+            <a:endParaRPr lang="en-GB" sz="1600" dirty="0">
+              <a:latin typeface="Nunito Sans" panose="020B0604020202020204" charset="0"/>
+            </a:endParaRPr>
+          </a:p>
+          <a:p>
+            <a:pPr marL="285750" indent="-285750" algn="just">
+              <a:lnSpc>
+                <a:spcPct val="150000"/>
+              </a:lnSpc>
+              <a:buFont typeface="Arial" panose="020B0604020202020204" pitchFamily="34" charset="0"/>
+              <a:buChar char="•"/>
+            </a:pPr>
+            <a:r>
+              <a:rPr lang="en-GB" sz="1600" dirty="0" err="1">
+                <a:latin typeface="Nunito Sans" panose="020B0604020202020204" charset="0"/>
+              </a:rPr>
+              <a:t>Numero</a:t>
+            </a:r>
+            <a:r>
+              <a:rPr lang="en-GB" sz="1600" dirty="0">
+                <a:latin typeface="Nunito Sans" panose="020B0604020202020204" charset="0"/>
+              </a:rPr>
+              <a:t> di </a:t>
+            </a:r>
+            <a:r>
+              <a:rPr lang="en-GB" sz="1600" dirty="0" err="1">
+                <a:latin typeface="Nunito Sans" panose="020B0604020202020204" charset="0"/>
+              </a:rPr>
+              <a:t>pedine</a:t>
+            </a:r>
+            <a:endParaRPr lang="en-GB" sz="1600" dirty="0">
+              <a:latin typeface="Nunito Sans" panose="020B0604020202020204" charset="0"/>
+            </a:endParaRPr>
+          </a:p>
+          <a:p>
+            <a:pPr marL="285750" indent="-285750" algn="just">
+              <a:lnSpc>
+                <a:spcPct val="150000"/>
+              </a:lnSpc>
+              <a:buFont typeface="Arial" panose="020B0604020202020204" pitchFamily="34" charset="0"/>
+              <a:buChar char="•"/>
+            </a:pPr>
+            <a:r>
+              <a:rPr lang="en-GB" sz="1600" dirty="0" err="1">
+                <a:latin typeface="Nunito Sans" panose="020B0604020202020204" charset="0"/>
+              </a:rPr>
+              <a:t>Numero</a:t>
+            </a:r>
+            <a:r>
+              <a:rPr lang="en-GB" sz="1600" dirty="0">
+                <a:latin typeface="Nunito Sans" panose="020B0604020202020204" charset="0"/>
+              </a:rPr>
+              <a:t> di </a:t>
+            </a:r>
+            <a:r>
+              <a:rPr lang="en-GB" sz="1600" dirty="0" err="1">
+                <a:latin typeface="Nunito Sans" panose="020B0604020202020204" charset="0"/>
+              </a:rPr>
+              <a:t>pedine</a:t>
+            </a:r>
+            <a:r>
+              <a:rPr lang="en-GB" sz="1600" dirty="0">
+                <a:latin typeface="Nunito Sans" panose="020B0604020202020204" charset="0"/>
+              </a:rPr>
+              <a:t> </a:t>
+            </a:r>
+            <a:r>
+              <a:rPr lang="en-GB" sz="1600" dirty="0" err="1">
+                <a:latin typeface="Nunito Sans" panose="020B0604020202020204" charset="0"/>
+              </a:rPr>
+              <a:t>bloccate</a:t>
+            </a:r>
+            <a:endParaRPr lang="en-GB" sz="1600" dirty="0">
+              <a:latin typeface="Nunito Sans" panose="020B0604020202020204" charset="0"/>
+            </a:endParaRPr>
+          </a:p>
+          <a:p>
+            <a:pPr marL="285750" indent="-285750" algn="just">
+              <a:lnSpc>
+                <a:spcPct val="150000"/>
+              </a:lnSpc>
+              <a:buFont typeface="Arial" panose="020B0604020202020204" pitchFamily="34" charset="0"/>
+              <a:buChar char="•"/>
+            </a:pPr>
+            <a:endParaRPr lang="en-GB" sz="1600" dirty="0">
+              <a:latin typeface="Nunito Sans" panose="020B0604020202020204" charset="0"/>
+            </a:endParaRPr>
+          </a:p>
+          <a:p>
+            <a:pPr algn="just">
+              <a:lnSpc>
+                <a:spcPct val="150000"/>
+              </a:lnSpc>
+            </a:pPr>
+            <a:endParaRPr lang="en-GB" sz="1600" dirty="0">
+              <a:latin typeface="Nunito Sans" panose="020B0604020202020204" charset="0"/>
+            </a:endParaRPr>
+          </a:p>
+          <a:p>
+            <a:pPr algn="just">
+              <a:lnSpc>
+                <a:spcPct val="150000"/>
+              </a:lnSpc>
+            </a:pPr>
+            <a:endParaRPr lang="en-GB" sz="1600" dirty="0">
+              <a:latin typeface="Nunito Sans" panose="020B0604020202020204" charset="0"/>
+            </a:endParaRPr>
+          </a:p>
+          <a:p>
+            <a:pPr algn="just">
+              <a:lnSpc>
+                <a:spcPct val="150000"/>
+              </a:lnSpc>
+            </a:pPr>
+            <a:endParaRPr lang="en-GB" sz="1600" dirty="0">
+              <a:latin typeface="Nunito Sans" panose="020B0604020202020204" charset="0"/>
+            </a:endParaRPr>
+          </a:p>
+          <a:p>
+            <a:pPr algn="just">
+              <a:lnSpc>
+                <a:spcPct val="150000"/>
+              </a:lnSpc>
+            </a:pPr>
+            <a:endParaRPr lang="en-GB" sz="1600" dirty="0">
+              <a:latin typeface="Nunito Sans" panose="020B0604020202020204" charset="0"/>
+            </a:endParaRPr>
+          </a:p>
+          <a:p>
+            <a:pPr algn="just">
+              <a:lnSpc>
+                <a:spcPct val="150000"/>
+              </a:lnSpc>
+            </a:pPr>
+            <a:endParaRPr lang="en-GB" sz="1600" dirty="0">
+              <a:latin typeface="Nunito Sans" panose="020B0604020202020204" charset="0"/>
+            </a:endParaRPr>
+          </a:p>
+          <a:p>
+            <a:pPr algn="just">
+              <a:lnSpc>
+                <a:spcPct val="150000"/>
+              </a:lnSpc>
+            </a:pPr>
+            <a:endParaRPr lang="en-GB" sz="1600" dirty="0">
+              <a:latin typeface="Nunito Sans" panose="020B0604020202020204" charset="0"/>
+            </a:endParaRPr>
+          </a:p>
+        </p:txBody>
+      </p:sp>
+      <p:pic>
+        <p:nvPicPr>
+          <p:cNvPr id="3" name="Picture 2">
+            <a:extLst>
+              <a:ext uri="{FF2B5EF4-FFF2-40B4-BE49-F238E27FC236}">
+                <a16:creationId xmlns:a16="http://schemas.microsoft.com/office/drawing/2014/main" id="{C9F71473-E318-4C80-9A4B-36CF8E2D53FE}"/>
+              </a:ext>
+            </a:extLst>
+          </p:cNvPr>
+          <p:cNvPicPr>
+            <a:picLocks noChangeAspect="1"/>
+          </p:cNvPicPr>
+          <p:nvPr/>
+        </p:nvPicPr>
+        <p:blipFill>
+          <a:blip r:embed="rId3"/>
+          <a:stretch>
+            <a:fillRect/>
+          </a:stretch>
+        </p:blipFill>
+        <p:spPr>
+          <a:xfrm>
+            <a:off x="4388026" y="2160251"/>
+            <a:ext cx="2786400" cy="2786400"/>
+          </a:xfrm>
+          <a:prstGeom prst="rect">
+            <a:avLst/>
+          </a:prstGeom>
+        </p:spPr>
+      </p:pic>
+    </p:spTree>
+    <p:extLst>
+      <p:ext uri="{BB962C8B-B14F-4D97-AF65-F5344CB8AC3E}">
+        <p14:creationId xmlns:p14="http://schemas.microsoft.com/office/powerpoint/2010/main" val="2041732517"/>
+      </p:ext>
+    </p:extLst>
+  </p:cSld>
+  <p:clrMapOvr>
+    <a:masterClrMapping/>
+  </p:clrMapOvr>
+</p:sld>
+</file>
+
+<file path=ppt/slides/slide14.xml><?xml version="1.0" encoding="utf-8"?>
+<p:sld xmlns:a="http://schemas.openxmlformats.org/drawingml/2006/main" xmlns:r="http://schemas.openxmlformats.org/officeDocument/2006/relationships" xmlns:p="http://schemas.openxmlformats.org/presentationml/2006/main">
+  <p:cSld>
+    <p:spTree>
+      <p:nvGrpSpPr>
+        <p:cNvPr id="1" name="Shape 112"/>
+        <p:cNvGrpSpPr/>
+        <p:nvPr/>
+      </p:nvGrpSpPr>
+      <p:grpSpPr>
+        <a:xfrm>
+          <a:off x="0" y="0"/>
+          <a:ext cx="0" cy="0"/>
+          <a:chOff x="0" y="0"/>
+          <a:chExt cx="0" cy="0"/>
+        </a:xfrm>
+      </p:grpSpPr>
+      <p:sp>
+        <p:nvSpPr>
+          <p:cNvPr id="113" name="Shape 113"/>
+          <p:cNvSpPr txBox="1">
+            <a:spLocks noGrp="1"/>
+          </p:cNvSpPr>
+          <p:nvPr>
+            <p:ph type="title"/>
+          </p:nvPr>
+        </p:nvSpPr>
+        <p:spPr>
+          <a:xfrm>
+            <a:off x="-1" y="575500"/>
+            <a:ext cx="2571295" cy="553056"/>
+          </a:xfrm>
+          <a:prstGeom prst="rect">
+            <a:avLst/>
+          </a:prstGeom>
+        </p:spPr>
+        <p:txBody>
+          <a:bodyPr spcFirstLastPara="1" wrap="square" lIns="91425" tIns="91425" rIns="91425" bIns="91425" anchor="t" anchorCtr="0">
+            <a:noAutofit/>
+          </a:bodyPr>
+          <a:lstStyle/>
+          <a:p>
+            <a:pPr marL="0" lvl="0" indent="0" algn="ctr">
+              <a:spcBef>
+                <a:spcPts val="0"/>
+              </a:spcBef>
+              <a:spcAft>
+                <a:spcPts val="0"/>
+              </a:spcAft>
+              <a:buNone/>
+            </a:pPr>
+            <a:r>
+              <a:rPr lang="it-IT" dirty="0"/>
+              <a:t>Petcu Holban</a:t>
+            </a:r>
+            <a:endParaRPr dirty="0"/>
+          </a:p>
+        </p:txBody>
+      </p:sp>
+      <p:sp>
+        <p:nvSpPr>
+          <p:cNvPr id="115" name="Shape 115"/>
+          <p:cNvSpPr txBox="1">
+            <a:spLocks noGrp="1"/>
+          </p:cNvSpPr>
+          <p:nvPr>
+            <p:ph type="sldNum" idx="12"/>
+          </p:nvPr>
+        </p:nvSpPr>
+        <p:spPr>
+          <a:xfrm>
+            <a:off x="8556784" y="4749851"/>
+            <a:ext cx="548700" cy="393600"/>
+          </a:xfrm>
+          <a:prstGeom prst="rect">
+            <a:avLst/>
+          </a:prstGeom>
+        </p:spPr>
+        <p:txBody>
+          <a:bodyPr spcFirstLastPara="1" wrap="square" lIns="91425" tIns="91425" rIns="91425" bIns="91425" anchor="ctr" anchorCtr="0">
+            <a:noAutofit/>
+          </a:bodyPr>
+          <a:lstStyle/>
+          <a:p>
+            <a:pPr marL="0" lvl="0" indent="0">
+              <a:spcBef>
+                <a:spcPts val="0"/>
+              </a:spcBef>
+              <a:spcAft>
+                <a:spcPts val="0"/>
+              </a:spcAft>
+              <a:buNone/>
+            </a:pPr>
+            <a:fld id="{00000000-1234-1234-1234-123412341234}" type="slidenum">
+              <a:rPr lang="en"/>
+              <a:t>14</a:t>
+            </a:fld>
+            <a:endParaRPr/>
+          </a:p>
+        </p:txBody>
+      </p:sp>
+      <p:sp>
+        <p:nvSpPr>
+          <p:cNvPr id="16" name="TextBox 15">
+            <a:extLst>
+              <a:ext uri="{FF2B5EF4-FFF2-40B4-BE49-F238E27FC236}">
+                <a16:creationId xmlns:a16="http://schemas.microsoft.com/office/drawing/2014/main" id="{DB941FD7-1EFB-491E-8A40-135AD8790F61}"/>
+              </a:ext>
+            </a:extLst>
+          </p:cNvPr>
+          <p:cNvSpPr txBox="1"/>
+          <p:nvPr/>
+        </p:nvSpPr>
+        <p:spPr>
+          <a:xfrm>
+            <a:off x="3005667" y="575500"/>
+            <a:ext cx="5765801" cy="3016210"/>
+          </a:xfrm>
+          <a:prstGeom prst="rect">
+            <a:avLst/>
+          </a:prstGeom>
+          <a:noFill/>
+        </p:spPr>
+        <p:txBody>
+          <a:bodyPr wrap="square" rtlCol="0">
+            <a:spAutoFit/>
+          </a:bodyPr>
+          <a:lstStyle/>
+          <a:p>
+            <a:pPr marL="285750" indent="-285750" algn="just">
+              <a:lnSpc>
+                <a:spcPct val="150000"/>
+              </a:lnSpc>
+              <a:buFont typeface="Arial" panose="020B0604020202020204" pitchFamily="34" charset="0"/>
+              <a:buChar char="•"/>
+            </a:pPr>
+            <a:r>
+              <a:rPr lang="en-GB" sz="1600" dirty="0" err="1">
+                <a:latin typeface="Nunito Sans" panose="020B0604020202020204" charset="0"/>
+              </a:rPr>
+              <a:t>Numero</a:t>
+            </a:r>
+            <a:r>
+              <a:rPr lang="en-GB" sz="1600" dirty="0">
+                <a:latin typeface="Nunito Sans" panose="020B0604020202020204" charset="0"/>
+              </a:rPr>
+              <a:t> di </a:t>
+            </a:r>
+            <a:r>
+              <a:rPr lang="en-GB" sz="1600" dirty="0" err="1">
+                <a:latin typeface="Nunito Sans" panose="020B0604020202020204" charset="0"/>
+              </a:rPr>
+              <a:t>mulini</a:t>
+            </a:r>
+            <a:endParaRPr lang="en-GB" sz="1600" dirty="0">
+              <a:latin typeface="Nunito Sans" panose="020B0604020202020204" charset="0"/>
+            </a:endParaRPr>
+          </a:p>
+          <a:p>
+            <a:pPr marL="285750" indent="-285750" algn="just">
+              <a:lnSpc>
+                <a:spcPct val="150000"/>
+              </a:lnSpc>
+              <a:buFont typeface="Arial" panose="020B0604020202020204" pitchFamily="34" charset="0"/>
+              <a:buChar char="•"/>
+            </a:pPr>
+            <a:r>
+              <a:rPr lang="en-GB" sz="1600" dirty="0" err="1">
+                <a:latin typeface="Nunito Sans" panose="020B0604020202020204" charset="0"/>
+              </a:rPr>
+              <a:t>Numero</a:t>
+            </a:r>
+            <a:r>
+              <a:rPr lang="en-GB" sz="1600" dirty="0">
+                <a:latin typeface="Nunito Sans" panose="020B0604020202020204" charset="0"/>
+              </a:rPr>
+              <a:t> di </a:t>
+            </a:r>
+            <a:r>
+              <a:rPr lang="en-GB" sz="1600" dirty="0" err="1">
+                <a:latin typeface="Nunito Sans" panose="020B0604020202020204" charset="0"/>
+              </a:rPr>
+              <a:t>potenziali</a:t>
+            </a:r>
+            <a:r>
+              <a:rPr lang="en-GB" sz="1600" dirty="0">
+                <a:latin typeface="Nunito Sans" panose="020B0604020202020204" charset="0"/>
+              </a:rPr>
+              <a:t> </a:t>
+            </a:r>
+            <a:r>
+              <a:rPr lang="en-GB" sz="1600" dirty="0" err="1">
+                <a:latin typeface="Nunito Sans" panose="020B0604020202020204" charset="0"/>
+              </a:rPr>
+              <a:t>mulini</a:t>
+            </a:r>
+            <a:r>
+              <a:rPr lang="en-GB" sz="1600" dirty="0">
+                <a:latin typeface="Nunito Sans" panose="020B0604020202020204" charset="0"/>
+              </a:rPr>
+              <a:t> </a:t>
+            </a:r>
+            <a:r>
+              <a:rPr lang="en-GB" sz="1600" dirty="0" err="1">
+                <a:latin typeface="Nunito Sans" panose="020B0604020202020204" charset="0"/>
+              </a:rPr>
+              <a:t>singoli</a:t>
+            </a:r>
+            <a:r>
+              <a:rPr lang="en-GB" sz="1600" dirty="0">
+                <a:latin typeface="Nunito Sans" panose="020B0604020202020204" charset="0"/>
+              </a:rPr>
+              <a:t> </a:t>
+            </a:r>
+          </a:p>
+          <a:p>
+            <a:pPr marL="285750" indent="-285750" algn="just">
+              <a:lnSpc>
+                <a:spcPct val="150000"/>
+              </a:lnSpc>
+              <a:buFont typeface="Arial" panose="020B0604020202020204" pitchFamily="34" charset="0"/>
+              <a:buChar char="•"/>
+            </a:pPr>
+            <a:r>
+              <a:rPr lang="en-GB" sz="1600" dirty="0" err="1">
+                <a:latin typeface="Nunito Sans" panose="020B0604020202020204" charset="0"/>
+              </a:rPr>
+              <a:t>Numero</a:t>
+            </a:r>
+            <a:r>
+              <a:rPr lang="en-GB" sz="1600" dirty="0">
+                <a:latin typeface="Nunito Sans" panose="020B0604020202020204" charset="0"/>
+              </a:rPr>
+              <a:t> di </a:t>
+            </a:r>
+            <a:r>
+              <a:rPr lang="en-GB" sz="1600" dirty="0" err="1">
+                <a:latin typeface="Nunito Sans" panose="020B0604020202020204" charset="0"/>
+              </a:rPr>
+              <a:t>potenziali</a:t>
+            </a:r>
+            <a:r>
+              <a:rPr lang="en-GB" sz="1600" dirty="0">
+                <a:latin typeface="Nunito Sans" panose="020B0604020202020204" charset="0"/>
+              </a:rPr>
+              <a:t> </a:t>
+            </a:r>
+            <a:r>
+              <a:rPr lang="en-GB" sz="1600" dirty="0" err="1">
+                <a:latin typeface="Nunito Sans" panose="020B0604020202020204" charset="0"/>
+              </a:rPr>
+              <a:t>mulini</a:t>
+            </a:r>
+            <a:r>
+              <a:rPr lang="en-GB" sz="1600" dirty="0">
+                <a:latin typeface="Nunito Sans" panose="020B0604020202020204" charset="0"/>
+              </a:rPr>
+              <a:t> </a:t>
+            </a:r>
+            <a:r>
+              <a:rPr lang="en-GB" sz="1600" dirty="0" err="1">
+                <a:latin typeface="Nunito Sans" panose="020B0604020202020204" charset="0"/>
+              </a:rPr>
+              <a:t>doppi</a:t>
+            </a:r>
+            <a:endParaRPr lang="en-GB" sz="1600" dirty="0">
+              <a:latin typeface="Nunito Sans" panose="020B0604020202020204" charset="0"/>
+            </a:endParaRPr>
+          </a:p>
+          <a:p>
+            <a:pPr marL="285750" indent="-285750" algn="just">
+              <a:lnSpc>
+                <a:spcPct val="150000"/>
+              </a:lnSpc>
+              <a:buFont typeface="Arial" panose="020B0604020202020204" pitchFamily="34" charset="0"/>
+              <a:buChar char="•"/>
+            </a:pPr>
+            <a:endParaRPr lang="en-GB" sz="1600" dirty="0">
+              <a:latin typeface="Nunito Sans" panose="020B0604020202020204" charset="0"/>
+            </a:endParaRPr>
+          </a:p>
+          <a:p>
+            <a:pPr marL="285750" indent="-285750" algn="just">
+              <a:lnSpc>
+                <a:spcPct val="150000"/>
+              </a:lnSpc>
+              <a:buFont typeface="Arial" panose="020B0604020202020204" pitchFamily="34" charset="0"/>
+              <a:buChar char="•"/>
+            </a:pPr>
+            <a:endParaRPr lang="en-GB" sz="1600" dirty="0">
+              <a:latin typeface="Nunito Sans" panose="020B0604020202020204" charset="0"/>
+            </a:endParaRPr>
+          </a:p>
+          <a:p>
+            <a:pPr marL="285750" indent="-285750" algn="just">
+              <a:lnSpc>
+                <a:spcPct val="150000"/>
+              </a:lnSpc>
+              <a:buFont typeface="Arial" panose="020B0604020202020204" pitchFamily="34" charset="0"/>
+              <a:buChar char="•"/>
+            </a:pPr>
+            <a:endParaRPr lang="en-GB" sz="1600" dirty="0">
+              <a:latin typeface="Nunito Sans" panose="020B0604020202020204" charset="0"/>
+            </a:endParaRPr>
+          </a:p>
+          <a:p>
+            <a:pPr marL="285750" indent="-285750" algn="just">
+              <a:lnSpc>
+                <a:spcPct val="150000"/>
+              </a:lnSpc>
+              <a:buFont typeface="Arial" panose="020B0604020202020204" pitchFamily="34" charset="0"/>
+              <a:buChar char="•"/>
+            </a:pPr>
+            <a:endParaRPr lang="en-GB" sz="1600" dirty="0">
+              <a:latin typeface="Nunito Sans" panose="020B0604020202020204" charset="0"/>
+            </a:endParaRPr>
+          </a:p>
+          <a:p>
+            <a:pPr algn="just">
+              <a:lnSpc>
+                <a:spcPct val="150000"/>
+              </a:lnSpc>
+            </a:pPr>
+            <a:endParaRPr lang="en-GB" sz="1600" dirty="0">
+              <a:latin typeface="Nunito Sans" panose="020B0604020202020204" charset="0"/>
+            </a:endParaRPr>
+          </a:p>
+        </p:txBody>
+      </p:sp>
+      <p:grpSp>
+        <p:nvGrpSpPr>
+          <p:cNvPr id="5" name="Group 4">
+            <a:extLst>
+              <a:ext uri="{FF2B5EF4-FFF2-40B4-BE49-F238E27FC236}">
+                <a16:creationId xmlns:a16="http://schemas.microsoft.com/office/drawing/2014/main" id="{AA354E1D-B77D-4715-A747-58B63D36D91D}"/>
+              </a:ext>
+            </a:extLst>
+          </p:cNvPr>
+          <p:cNvGrpSpPr/>
+          <p:nvPr/>
+        </p:nvGrpSpPr>
+        <p:grpSpPr>
+          <a:xfrm>
+            <a:off x="3005666" y="1740535"/>
+            <a:ext cx="2786400" cy="2786400"/>
+            <a:chOff x="4309257" y="1125541"/>
+            <a:chExt cx="2649893" cy="2652908"/>
+          </a:xfrm>
+        </p:grpSpPr>
+        <p:pic>
+          <p:nvPicPr>
+            <p:cNvPr id="3" name="Picture 2">
+              <a:extLst>
+                <a:ext uri="{FF2B5EF4-FFF2-40B4-BE49-F238E27FC236}">
+                  <a16:creationId xmlns:a16="http://schemas.microsoft.com/office/drawing/2014/main" id="{C9F71473-E318-4C80-9A4B-36CF8E2D53FE}"/>
+                </a:ext>
+              </a:extLst>
+            </p:cNvPr>
+            <p:cNvPicPr>
+              <a:picLocks noChangeAspect="1"/>
+            </p:cNvPicPr>
+            <p:nvPr/>
+          </p:nvPicPr>
+          <p:blipFill>
+            <a:blip r:embed="rId3"/>
+            <a:stretch>
+              <a:fillRect/>
+            </a:stretch>
+          </p:blipFill>
+          <p:spPr>
+            <a:xfrm>
+              <a:off x="4309257" y="1128556"/>
+              <a:ext cx="2649893" cy="2649893"/>
+            </a:xfrm>
+            <a:prstGeom prst="rect">
+              <a:avLst/>
+            </a:prstGeom>
+          </p:spPr>
+        </p:pic>
+        <p:pic>
+          <p:nvPicPr>
+            <p:cNvPr id="4" name="Picture 3">
+              <a:extLst>
+                <a:ext uri="{FF2B5EF4-FFF2-40B4-BE49-F238E27FC236}">
+                  <a16:creationId xmlns:a16="http://schemas.microsoft.com/office/drawing/2014/main" id="{070F112B-5EB3-48AF-AEC1-912B8628F41E}"/>
+                </a:ext>
+              </a:extLst>
+            </p:cNvPr>
+            <p:cNvPicPr>
+              <a:picLocks noChangeAspect="1"/>
+            </p:cNvPicPr>
+            <p:nvPr/>
+          </p:nvPicPr>
+          <p:blipFill>
+            <a:blip r:embed="rId4"/>
+            <a:stretch>
+              <a:fillRect/>
+            </a:stretch>
+          </p:blipFill>
+          <p:spPr>
+            <a:xfrm>
+              <a:off x="4309257" y="1125541"/>
+              <a:ext cx="2649893" cy="2649893"/>
+            </a:xfrm>
+            <a:prstGeom prst="rect">
+              <a:avLst/>
+            </a:prstGeom>
+          </p:spPr>
+        </p:pic>
+      </p:grpSp>
+      <p:pic>
+        <p:nvPicPr>
+          <p:cNvPr id="7" name="Picture 6">
+            <a:extLst>
+              <a:ext uri="{FF2B5EF4-FFF2-40B4-BE49-F238E27FC236}">
+                <a16:creationId xmlns:a16="http://schemas.microsoft.com/office/drawing/2014/main" id="{04988204-ED84-4A30-BD15-0FD2AD5DD3A3}"/>
+              </a:ext>
+            </a:extLst>
+          </p:cNvPr>
+          <p:cNvPicPr>
+            <a:picLocks noChangeAspect="1"/>
+          </p:cNvPicPr>
+          <p:nvPr/>
+        </p:nvPicPr>
+        <p:blipFill>
+          <a:blip r:embed="rId5"/>
+          <a:stretch>
+            <a:fillRect/>
+          </a:stretch>
+        </p:blipFill>
+        <p:spPr>
+          <a:xfrm>
+            <a:off x="5887782" y="1735798"/>
+            <a:ext cx="2787970" cy="2787970"/>
+          </a:xfrm>
+          <a:prstGeom prst="rect">
+            <a:avLst/>
+          </a:prstGeom>
+        </p:spPr>
+      </p:pic>
+    </p:spTree>
+    <p:extLst>
+      <p:ext uri="{BB962C8B-B14F-4D97-AF65-F5344CB8AC3E}">
+        <p14:creationId xmlns:p14="http://schemas.microsoft.com/office/powerpoint/2010/main" val="3217092911"/>
+      </p:ext>
+    </p:extLst>
+  </p:cSld>
+  <p:clrMapOvr>
+    <a:masterClrMapping/>
+  </p:clrMapOvr>
+</p:sld>
+</file>
+
+<file path=ppt/slides/slide15.xml><?xml version="1.0" encoding="utf-8"?>
+<p:sld xmlns:a="http://schemas.openxmlformats.org/drawingml/2006/main" xmlns:r="http://schemas.openxmlformats.org/officeDocument/2006/relationships" xmlns:p="http://schemas.openxmlformats.org/presentationml/2006/main">
+  <p:cSld>
+    <p:spTree>
+      <p:nvGrpSpPr>
+        <p:cNvPr id="1" name="Shape 112"/>
+        <p:cNvGrpSpPr/>
+        <p:nvPr/>
+      </p:nvGrpSpPr>
+      <p:grpSpPr>
+        <a:xfrm>
+          <a:off x="0" y="0"/>
+          <a:ext cx="0" cy="0"/>
+          <a:chOff x="0" y="0"/>
+          <a:chExt cx="0" cy="0"/>
+        </a:xfrm>
+      </p:grpSpPr>
+      <p:sp>
+        <p:nvSpPr>
+          <p:cNvPr id="113" name="Shape 113"/>
+          <p:cNvSpPr txBox="1">
+            <a:spLocks noGrp="1"/>
+          </p:cNvSpPr>
+          <p:nvPr>
+            <p:ph type="title"/>
+          </p:nvPr>
+        </p:nvSpPr>
+        <p:spPr>
+          <a:xfrm>
+            <a:off x="-1" y="575500"/>
+            <a:ext cx="2571295" cy="553056"/>
+          </a:xfrm>
+          <a:prstGeom prst="rect">
+            <a:avLst/>
+          </a:prstGeom>
+        </p:spPr>
+        <p:txBody>
+          <a:bodyPr spcFirstLastPara="1" wrap="square" lIns="91425" tIns="91425" rIns="91425" bIns="91425" anchor="t" anchorCtr="0">
+            <a:noAutofit/>
+          </a:bodyPr>
+          <a:lstStyle/>
+          <a:p>
+            <a:pPr marL="0" lvl="0" indent="0" algn="ctr">
+              <a:spcBef>
+                <a:spcPts val="0"/>
+              </a:spcBef>
+              <a:spcAft>
+                <a:spcPts val="0"/>
+              </a:spcAft>
+              <a:buNone/>
+            </a:pPr>
+            <a:r>
+              <a:rPr lang="it-IT" dirty="0"/>
+              <a:t>Petcu Holban</a:t>
+            </a:r>
+            <a:endParaRPr dirty="0"/>
+          </a:p>
+        </p:txBody>
+      </p:sp>
+      <p:sp>
+        <p:nvSpPr>
+          <p:cNvPr id="115" name="Shape 115"/>
+          <p:cNvSpPr txBox="1">
+            <a:spLocks noGrp="1"/>
+          </p:cNvSpPr>
+          <p:nvPr>
+            <p:ph type="sldNum" idx="12"/>
+          </p:nvPr>
+        </p:nvSpPr>
+        <p:spPr>
+          <a:xfrm>
+            <a:off x="8556784" y="4749851"/>
+            <a:ext cx="548700" cy="393600"/>
+          </a:xfrm>
+          <a:prstGeom prst="rect">
+            <a:avLst/>
+          </a:prstGeom>
+        </p:spPr>
+        <p:txBody>
+          <a:bodyPr spcFirstLastPara="1" wrap="square" lIns="91425" tIns="91425" rIns="91425" bIns="91425" anchor="ctr" anchorCtr="0">
+            <a:noAutofit/>
+          </a:bodyPr>
+          <a:lstStyle/>
+          <a:p>
+            <a:pPr marL="0" lvl="0" indent="0">
+              <a:spcBef>
+                <a:spcPts val="0"/>
+              </a:spcBef>
+              <a:spcAft>
+                <a:spcPts val="0"/>
+              </a:spcAft>
+              <a:buNone/>
+            </a:pPr>
+            <a:fld id="{00000000-1234-1234-1234-123412341234}" type="slidenum">
+              <a:rPr lang="en"/>
+              <a:t>15</a:t>
+            </a:fld>
+            <a:endParaRPr/>
+          </a:p>
+        </p:txBody>
+      </p:sp>
+      <p:sp>
+        <p:nvSpPr>
+          <p:cNvPr id="16" name="TextBox 15">
+            <a:extLst>
+              <a:ext uri="{FF2B5EF4-FFF2-40B4-BE49-F238E27FC236}">
+                <a16:creationId xmlns:a16="http://schemas.microsoft.com/office/drawing/2014/main" id="{DB941FD7-1EFB-491E-8A40-135AD8790F61}"/>
+              </a:ext>
+            </a:extLst>
+          </p:cNvPr>
+          <p:cNvSpPr txBox="1"/>
+          <p:nvPr/>
+        </p:nvSpPr>
+        <p:spPr>
+          <a:xfrm>
+            <a:off x="3005667" y="575500"/>
+            <a:ext cx="5765801" cy="2646878"/>
+          </a:xfrm>
+          <a:prstGeom prst="rect">
+            <a:avLst/>
+          </a:prstGeom>
+          <a:noFill/>
+        </p:spPr>
+        <p:txBody>
+          <a:bodyPr wrap="square" rtlCol="0">
+            <a:spAutoFit/>
+          </a:bodyPr>
+          <a:lstStyle/>
+          <a:p>
+            <a:pPr marL="285750" indent="-285750" algn="just">
+              <a:lnSpc>
+                <a:spcPct val="150000"/>
+              </a:lnSpc>
+              <a:buFont typeface="Arial" panose="020B0604020202020204" pitchFamily="34" charset="0"/>
+              <a:buChar char="•"/>
+            </a:pPr>
+            <a:r>
+              <a:rPr lang="en-GB" sz="1600" dirty="0" err="1">
+                <a:latin typeface="Nunito Sans" panose="020B0604020202020204" charset="0"/>
+              </a:rPr>
+              <a:t>Numero</a:t>
+            </a:r>
+            <a:r>
+              <a:rPr lang="en-GB" sz="1600" dirty="0">
+                <a:latin typeface="Nunito Sans" panose="020B0604020202020204" charset="0"/>
+              </a:rPr>
+              <a:t> di </a:t>
+            </a:r>
+            <a:r>
+              <a:rPr lang="en-GB" sz="1600" dirty="0" err="1">
+                <a:latin typeface="Nunito Sans" panose="020B0604020202020204" charset="0"/>
+              </a:rPr>
+              <a:t>mulini</a:t>
+            </a:r>
+            <a:r>
+              <a:rPr lang="en-GB" sz="1600" dirty="0">
+                <a:latin typeface="Nunito Sans" panose="020B0604020202020204" charset="0"/>
+              </a:rPr>
+              <a:t> </a:t>
+            </a:r>
+            <a:r>
+              <a:rPr lang="en-GB" sz="1600" dirty="0" err="1">
+                <a:latin typeface="Nunito Sans" panose="020B0604020202020204" charset="0"/>
+              </a:rPr>
+              <a:t>doppi</a:t>
+            </a:r>
+            <a:endParaRPr lang="en-GB" sz="1600" dirty="0">
+              <a:latin typeface="Nunito Sans" panose="020B0604020202020204" charset="0"/>
+            </a:endParaRPr>
+          </a:p>
+          <a:p>
+            <a:pPr marL="285750" indent="-285750" algn="just">
+              <a:lnSpc>
+                <a:spcPct val="150000"/>
+              </a:lnSpc>
+              <a:buFont typeface="Arial" panose="020B0604020202020204" pitchFamily="34" charset="0"/>
+              <a:buChar char="•"/>
+            </a:pPr>
+            <a:r>
+              <a:rPr lang="en-GB" sz="1600" dirty="0" err="1">
+                <a:latin typeface="Nunito Sans" panose="020B0604020202020204" charset="0"/>
+              </a:rPr>
+              <a:t>Numero</a:t>
+            </a:r>
+            <a:r>
+              <a:rPr lang="en-GB" sz="1600" dirty="0">
+                <a:latin typeface="Nunito Sans" panose="020B0604020202020204" charset="0"/>
+              </a:rPr>
+              <a:t> di </a:t>
+            </a:r>
+            <a:r>
+              <a:rPr lang="en-GB" sz="1600" dirty="0" err="1">
+                <a:latin typeface="Nunito Sans" panose="020B0604020202020204" charset="0"/>
+              </a:rPr>
+              <a:t>mulini</a:t>
+            </a:r>
+            <a:r>
+              <a:rPr lang="en-GB" sz="1600" dirty="0">
+                <a:latin typeface="Nunito Sans" panose="020B0604020202020204" charset="0"/>
+              </a:rPr>
+              <a:t> </a:t>
+            </a:r>
+            <a:r>
+              <a:rPr lang="en-GB" sz="1600" dirty="0" err="1">
+                <a:latin typeface="Nunito Sans" panose="020B0604020202020204" charset="0"/>
+              </a:rPr>
+              <a:t>aperti</a:t>
+            </a:r>
+            <a:endParaRPr lang="en-GB" sz="1600" dirty="0">
+              <a:latin typeface="Nunito Sans" panose="020B0604020202020204" charset="0"/>
+            </a:endParaRPr>
+          </a:p>
+          <a:p>
+            <a:pPr marL="285750" indent="-285750" algn="just">
+              <a:lnSpc>
+                <a:spcPct val="150000"/>
+              </a:lnSpc>
+              <a:buFont typeface="Arial" panose="020B0604020202020204" pitchFamily="34" charset="0"/>
+              <a:buChar char="•"/>
+            </a:pPr>
+            <a:endParaRPr lang="en-GB" sz="1600" dirty="0">
+              <a:latin typeface="Nunito Sans" panose="020B0604020202020204" charset="0"/>
+            </a:endParaRPr>
+          </a:p>
+          <a:p>
+            <a:pPr marL="285750" indent="-285750" algn="just">
+              <a:lnSpc>
+                <a:spcPct val="150000"/>
+              </a:lnSpc>
+              <a:buFont typeface="Arial" panose="020B0604020202020204" pitchFamily="34" charset="0"/>
+              <a:buChar char="•"/>
+            </a:pPr>
+            <a:endParaRPr lang="en-GB" sz="1600" dirty="0">
+              <a:latin typeface="Nunito Sans" panose="020B0604020202020204" charset="0"/>
+            </a:endParaRPr>
+          </a:p>
+          <a:p>
+            <a:pPr marL="285750" indent="-285750" algn="just">
+              <a:lnSpc>
+                <a:spcPct val="150000"/>
+              </a:lnSpc>
+              <a:buFont typeface="Arial" panose="020B0604020202020204" pitchFamily="34" charset="0"/>
+              <a:buChar char="•"/>
+            </a:pPr>
+            <a:endParaRPr lang="en-GB" sz="1600" dirty="0">
+              <a:latin typeface="Nunito Sans" panose="020B0604020202020204" charset="0"/>
+            </a:endParaRPr>
+          </a:p>
+          <a:p>
+            <a:pPr marL="285750" indent="-285750" algn="just">
+              <a:lnSpc>
+                <a:spcPct val="150000"/>
+              </a:lnSpc>
+              <a:buFont typeface="Arial" panose="020B0604020202020204" pitchFamily="34" charset="0"/>
+              <a:buChar char="•"/>
+            </a:pPr>
+            <a:endParaRPr lang="en-GB" sz="1600" dirty="0">
+              <a:latin typeface="Nunito Sans" panose="020B0604020202020204" charset="0"/>
+            </a:endParaRPr>
+          </a:p>
+          <a:p>
+            <a:pPr algn="just">
+              <a:lnSpc>
+                <a:spcPct val="150000"/>
+              </a:lnSpc>
+            </a:pPr>
+            <a:endParaRPr lang="en-GB" sz="1600" dirty="0">
+              <a:latin typeface="Nunito Sans" panose="020B0604020202020204" charset="0"/>
+            </a:endParaRPr>
+          </a:p>
+        </p:txBody>
+      </p:sp>
+      <p:pic>
+        <p:nvPicPr>
+          <p:cNvPr id="7" name="Picture 6">
+            <a:extLst>
+              <a:ext uri="{FF2B5EF4-FFF2-40B4-BE49-F238E27FC236}">
+                <a16:creationId xmlns:a16="http://schemas.microsoft.com/office/drawing/2014/main" id="{04988204-ED84-4A30-BD15-0FD2AD5DD3A3}"/>
+              </a:ext>
+            </a:extLst>
+          </p:cNvPr>
+          <p:cNvPicPr>
+            <a:picLocks noChangeAspect="1"/>
+          </p:cNvPicPr>
+          <p:nvPr/>
+        </p:nvPicPr>
+        <p:blipFill>
+          <a:blip r:embed="rId3"/>
+          <a:stretch>
+            <a:fillRect/>
+          </a:stretch>
+        </p:blipFill>
+        <p:spPr>
+          <a:xfrm>
+            <a:off x="5819529" y="1671496"/>
+            <a:ext cx="2787970" cy="2787970"/>
+          </a:xfrm>
+          <a:prstGeom prst="rect">
+            <a:avLst/>
+          </a:prstGeom>
+        </p:spPr>
+      </p:pic>
+      <p:pic>
+        <p:nvPicPr>
+          <p:cNvPr id="6" name="Picture 5">
+            <a:extLst>
+              <a:ext uri="{FF2B5EF4-FFF2-40B4-BE49-F238E27FC236}">
+                <a16:creationId xmlns:a16="http://schemas.microsoft.com/office/drawing/2014/main" id="{D33D4997-802E-44C9-BABD-48D7977055FE}"/>
+              </a:ext>
+            </a:extLst>
+          </p:cNvPr>
+          <p:cNvPicPr>
+            <a:picLocks noChangeAspect="1"/>
+          </p:cNvPicPr>
+          <p:nvPr/>
+        </p:nvPicPr>
+        <p:blipFill>
+          <a:blip r:embed="rId4"/>
+          <a:stretch>
+            <a:fillRect/>
+          </a:stretch>
+        </p:blipFill>
+        <p:spPr>
+          <a:xfrm>
+            <a:off x="3005667" y="1671495"/>
+            <a:ext cx="2787970" cy="2784797"/>
+          </a:xfrm>
+          <a:prstGeom prst="rect">
+            <a:avLst/>
+          </a:prstGeom>
+        </p:spPr>
+      </p:pic>
+    </p:spTree>
+    <p:extLst>
+      <p:ext uri="{BB962C8B-B14F-4D97-AF65-F5344CB8AC3E}">
+        <p14:creationId xmlns:p14="http://schemas.microsoft.com/office/powerpoint/2010/main" val="1649671252"/>
+      </p:ext>
+    </p:extLst>
+  </p:cSld>
+  <p:clrMapOvr>
+    <a:masterClrMapping/>
+  </p:clrMapOvr>
+</p:sld>
+</file>
+
+<file path=ppt/slides/slide16.xml><?xml version="1.0" encoding="utf-8"?>
 <p:sld xmlns:a="http://schemas.openxmlformats.org/drawingml/2006/main" xmlns:r="http://schemas.openxmlformats.org/officeDocument/2006/relationships" xmlns:p="http://schemas.openxmlformats.org/presentationml/2006/main" showMasterSp="0">
   <p:cSld>
     <p:bg>
@@ -9920,7 +12410,7 @@
             </a:pPr>
             <a:fld id="{00000000-1234-1234-1234-123412341234}" type="slidenum">
               <a:rPr lang="it-IT" smtClean="0"/>
-              <a:t>12</a:t>
+              <a:t>16</a:t>
             </a:fld>
             <a:endParaRPr lang="it-IT"/>
           </a:p>
@@ -13812,16 +16302,8 @@
               <a:buNone/>
             </a:pPr>
             <a:r>
-              <a:rPr lang="en-GB" dirty="0" err="1"/>
-              <a:t>Strategia</a:t>
-            </a:r>
-            <a:r>
-              <a:rPr lang="en-GB" dirty="0"/>
-              <a:t> di </a:t>
-            </a:r>
-            <a:r>
-              <a:rPr lang="en-GB" dirty="0" err="1"/>
-              <a:t>ricerca</a:t>
+              <a:rPr lang="en-US" dirty="0"/>
+              <a:t>Iterative Deepening</a:t>
             </a:r>
             <a:endParaRPr dirty="0"/>
           </a:p>
@@ -13864,6 +16346,1156 @@
             <a:fld id="{00000000-1234-1234-1234-123412341234}" type="slidenum">
               <a:rPr lang="en"/>
               <a:t>8</a:t>
+            </a:fld>
+            <a:endParaRPr/>
+          </a:p>
+        </p:txBody>
+      </p:sp>
+      <p:sp>
+        <p:nvSpPr>
+          <p:cNvPr id="2" name="Rectangle 1">
+            <a:extLst>
+              <a:ext uri="{FF2B5EF4-FFF2-40B4-BE49-F238E27FC236}">
+                <a16:creationId xmlns:a16="http://schemas.microsoft.com/office/drawing/2014/main" id="{2E0ADD75-638F-4C0D-8203-03A5B2520A97}"/>
+              </a:ext>
+            </a:extLst>
+          </p:cNvPr>
+          <p:cNvSpPr/>
+          <p:nvPr/>
+        </p:nvSpPr>
+        <p:spPr>
+          <a:xfrm>
+            <a:off x="4884448" y="375475"/>
+            <a:ext cx="1778000" cy="400050"/>
+          </a:xfrm>
+          <a:prstGeom prst="rect">
+            <a:avLst/>
+          </a:prstGeom>
+          <a:solidFill>
+            <a:schemeClr val="bg1"/>
+          </a:solidFill>
+          <a:ln>
+            <a:solidFill>
+              <a:schemeClr val="tx1">
+                <a:lumMod val="65000"/>
+                <a:lumOff val="35000"/>
+              </a:schemeClr>
+            </a:solidFill>
+          </a:ln>
+        </p:spPr>
+        <p:style>
+          <a:lnRef idx="2">
+            <a:schemeClr val="accent1">
+              <a:shade val="50000"/>
+            </a:schemeClr>
+          </a:lnRef>
+          <a:fillRef idx="1">
+            <a:schemeClr val="accent1"/>
+          </a:fillRef>
+          <a:effectRef idx="0">
+            <a:schemeClr val="accent1"/>
+          </a:effectRef>
+          <a:fontRef idx="minor">
+            <a:schemeClr val="lt1"/>
+          </a:fontRef>
+        </p:style>
+        <p:txBody>
+          <a:bodyPr rtlCol="0" anchor="ctr"/>
+          <a:lstStyle/>
+          <a:p>
+            <a:pPr algn="ctr"/>
+            <a:r>
+              <a:rPr lang="en-GB" i="1" dirty="0">
+                <a:solidFill>
+                  <a:schemeClr val="tx1">
+                    <a:lumMod val="65000"/>
+                    <a:lumOff val="35000"/>
+                  </a:schemeClr>
+                </a:solidFill>
+              </a:rPr>
+              <a:t>AI</a:t>
+            </a:r>
+            <a:endParaRPr lang="it-IT" i="1" dirty="0">
+              <a:solidFill>
+                <a:schemeClr val="tx1">
+                  <a:lumMod val="65000"/>
+                  <a:lumOff val="35000"/>
+                </a:schemeClr>
+              </a:solidFill>
+            </a:endParaRPr>
+          </a:p>
+        </p:txBody>
+      </p:sp>
+      <p:sp>
+        <p:nvSpPr>
+          <p:cNvPr id="9" name="Rectangle 8">
+            <a:extLst>
+              <a:ext uri="{FF2B5EF4-FFF2-40B4-BE49-F238E27FC236}">
+                <a16:creationId xmlns:a16="http://schemas.microsoft.com/office/drawing/2014/main" id="{6DA2C50E-F15C-4A31-A18E-84E2B484E452}"/>
+              </a:ext>
+            </a:extLst>
+          </p:cNvPr>
+          <p:cNvSpPr/>
+          <p:nvPr/>
+        </p:nvSpPr>
+        <p:spPr>
+          <a:xfrm>
+            <a:off x="6122935" y="2167466"/>
+            <a:ext cx="1981200" cy="400050"/>
+          </a:xfrm>
+          <a:prstGeom prst="rect">
+            <a:avLst/>
+          </a:prstGeom>
+          <a:solidFill>
+            <a:schemeClr val="bg1"/>
+          </a:solidFill>
+          <a:ln>
+            <a:solidFill>
+              <a:schemeClr val="tx1">
+                <a:lumMod val="65000"/>
+                <a:lumOff val="35000"/>
+              </a:schemeClr>
+            </a:solidFill>
+          </a:ln>
+        </p:spPr>
+        <p:style>
+          <a:lnRef idx="2">
+            <a:schemeClr val="accent1">
+              <a:shade val="50000"/>
+            </a:schemeClr>
+          </a:lnRef>
+          <a:fillRef idx="1">
+            <a:schemeClr val="accent1"/>
+          </a:fillRef>
+          <a:effectRef idx="0">
+            <a:schemeClr val="accent1"/>
+          </a:effectRef>
+          <a:fontRef idx="minor">
+            <a:schemeClr val="lt1"/>
+          </a:fontRef>
+        </p:style>
+        <p:txBody>
+          <a:bodyPr rtlCol="0" anchor="ctr"/>
+          <a:lstStyle/>
+          <a:p>
+            <a:pPr algn="ctr"/>
+            <a:r>
+              <a:rPr lang="en-GB" dirty="0" err="1">
+                <a:solidFill>
+                  <a:srgbClr val="F67031"/>
+                </a:solidFill>
+              </a:rPr>
+              <a:t>ParallelNegaScoutAI</a:t>
+            </a:r>
+            <a:endParaRPr lang="it-IT" dirty="0">
+              <a:solidFill>
+                <a:srgbClr val="F67031"/>
+              </a:solidFill>
+            </a:endParaRPr>
+          </a:p>
+        </p:txBody>
+      </p:sp>
+      <p:cxnSp>
+        <p:nvCxnSpPr>
+          <p:cNvPr id="4" name="Straight Connector 3">
+            <a:extLst>
+              <a:ext uri="{FF2B5EF4-FFF2-40B4-BE49-F238E27FC236}">
+                <a16:creationId xmlns:a16="http://schemas.microsoft.com/office/drawing/2014/main" id="{67290834-6EC2-4CE3-B8AF-1C15C9918716}"/>
+              </a:ext>
+            </a:extLst>
+          </p:cNvPr>
+          <p:cNvCxnSpPr>
+            <a:cxnSpLocks/>
+          </p:cNvCxnSpPr>
+          <p:nvPr/>
+        </p:nvCxnSpPr>
+        <p:spPr>
+          <a:xfrm>
+            <a:off x="5768748" y="775524"/>
+            <a:ext cx="0" cy="510351"/>
+          </a:xfrm>
+          <a:prstGeom prst="line">
+            <a:avLst/>
+          </a:prstGeom>
+          <a:ln w="28575">
+            <a:solidFill>
+              <a:schemeClr val="tx1">
+                <a:lumMod val="65000"/>
+                <a:lumOff val="35000"/>
+              </a:schemeClr>
+            </a:solidFill>
+          </a:ln>
+        </p:spPr>
+        <p:style>
+          <a:lnRef idx="1">
+            <a:schemeClr val="accent1"/>
+          </a:lnRef>
+          <a:fillRef idx="0">
+            <a:schemeClr val="accent1"/>
+          </a:fillRef>
+          <a:effectRef idx="0">
+            <a:schemeClr val="accent1"/>
+          </a:effectRef>
+          <a:fontRef idx="minor">
+            <a:schemeClr val="tx1"/>
+          </a:fontRef>
+        </p:style>
+      </p:cxnSp>
+      <p:cxnSp>
+        <p:nvCxnSpPr>
+          <p:cNvPr id="13" name="Connector: Elbow 12">
+            <a:extLst>
+              <a:ext uri="{FF2B5EF4-FFF2-40B4-BE49-F238E27FC236}">
+                <a16:creationId xmlns:a16="http://schemas.microsoft.com/office/drawing/2014/main" id="{64099223-B870-4651-A02A-523E6449928A}"/>
+              </a:ext>
+            </a:extLst>
+          </p:cNvPr>
+          <p:cNvCxnSpPr>
+            <a:cxnSpLocks/>
+          </p:cNvCxnSpPr>
+          <p:nvPr/>
+        </p:nvCxnSpPr>
+        <p:spPr>
+          <a:xfrm rot="5400000" flipH="1" flipV="1">
+            <a:off x="5333411" y="721451"/>
+            <a:ext cx="880075" cy="2008924"/>
+          </a:xfrm>
+          <a:prstGeom prst="bentConnector2">
+            <a:avLst/>
+          </a:prstGeom>
+          <a:ln w="28575">
+            <a:solidFill>
+              <a:schemeClr val="tx1">
+                <a:lumMod val="65000"/>
+                <a:lumOff val="35000"/>
+              </a:schemeClr>
+            </a:solidFill>
+          </a:ln>
+        </p:spPr>
+        <p:style>
+          <a:lnRef idx="1">
+            <a:schemeClr val="accent1"/>
+          </a:lnRef>
+          <a:fillRef idx="0">
+            <a:schemeClr val="accent1"/>
+          </a:fillRef>
+          <a:effectRef idx="0">
+            <a:schemeClr val="accent1"/>
+          </a:effectRef>
+          <a:fontRef idx="minor">
+            <a:schemeClr val="tx1"/>
+          </a:fontRef>
+        </p:style>
+      </p:cxnSp>
+      <p:cxnSp>
+        <p:nvCxnSpPr>
+          <p:cNvPr id="17" name="Connector: Elbow 16">
+            <a:extLst>
+              <a:ext uri="{FF2B5EF4-FFF2-40B4-BE49-F238E27FC236}">
+                <a16:creationId xmlns:a16="http://schemas.microsoft.com/office/drawing/2014/main" id="{9FA59A04-FE5A-4AAB-88AE-CD6C1DD63FB9}"/>
+              </a:ext>
+            </a:extLst>
+          </p:cNvPr>
+          <p:cNvCxnSpPr>
+            <a:cxnSpLocks/>
+            <a:stCxn id="9" idx="0"/>
+          </p:cNvCxnSpPr>
+          <p:nvPr/>
+        </p:nvCxnSpPr>
+        <p:spPr>
+          <a:xfrm rot="16200000" flipV="1">
+            <a:off x="5618238" y="672168"/>
+            <a:ext cx="880074" cy="2110521"/>
+          </a:xfrm>
+          <a:prstGeom prst="bentConnector2">
+            <a:avLst/>
+          </a:prstGeom>
+          <a:ln w="28575">
+            <a:solidFill>
+              <a:schemeClr val="tx1">
+                <a:lumMod val="65000"/>
+                <a:lumOff val="35000"/>
+              </a:schemeClr>
+            </a:solidFill>
+          </a:ln>
+        </p:spPr>
+        <p:style>
+          <a:lnRef idx="1">
+            <a:schemeClr val="accent1"/>
+          </a:lnRef>
+          <a:fillRef idx="0">
+            <a:schemeClr val="accent1"/>
+          </a:fillRef>
+          <a:effectRef idx="0">
+            <a:schemeClr val="accent1"/>
+          </a:effectRef>
+          <a:fontRef idx="minor">
+            <a:schemeClr val="tx1"/>
+          </a:fontRef>
+        </p:style>
+      </p:cxnSp>
+      <p:sp>
+        <p:nvSpPr>
+          <p:cNvPr id="18" name="Isosceles Triangle 17">
+            <a:extLst>
+              <a:ext uri="{FF2B5EF4-FFF2-40B4-BE49-F238E27FC236}">
+                <a16:creationId xmlns:a16="http://schemas.microsoft.com/office/drawing/2014/main" id="{B93AFBD9-FD4C-4D89-AF41-EA307E3512E1}"/>
+              </a:ext>
+            </a:extLst>
+          </p:cNvPr>
+          <p:cNvSpPr/>
+          <p:nvPr/>
+        </p:nvSpPr>
+        <p:spPr>
+          <a:xfrm>
+            <a:off x="5650128" y="775524"/>
+            <a:ext cx="246640" cy="243650"/>
+          </a:xfrm>
+          <a:prstGeom prst="triangle">
+            <a:avLst/>
+          </a:prstGeom>
+          <a:solidFill>
+            <a:schemeClr val="bg1"/>
+          </a:solidFill>
+          <a:ln>
+            <a:solidFill>
+              <a:schemeClr val="tx1">
+                <a:lumMod val="65000"/>
+                <a:lumOff val="35000"/>
+              </a:schemeClr>
+            </a:solidFill>
+          </a:ln>
+        </p:spPr>
+        <p:style>
+          <a:lnRef idx="2">
+            <a:schemeClr val="accent1">
+              <a:shade val="50000"/>
+            </a:schemeClr>
+          </a:lnRef>
+          <a:fillRef idx="1">
+            <a:schemeClr val="accent1"/>
+          </a:fillRef>
+          <a:effectRef idx="0">
+            <a:schemeClr val="accent1"/>
+          </a:effectRef>
+          <a:fontRef idx="minor">
+            <a:schemeClr val="lt1"/>
+          </a:fontRef>
+        </p:style>
+        <p:txBody>
+          <a:bodyPr rtlCol="0" anchor="ctr"/>
+          <a:lstStyle/>
+          <a:p>
+            <a:pPr algn="ctr"/>
+            <a:endParaRPr lang="it-IT"/>
+          </a:p>
+        </p:txBody>
+      </p:sp>
+      <p:sp>
+        <p:nvSpPr>
+          <p:cNvPr id="20" name="TextBox 19">
+            <a:extLst>
+              <a:ext uri="{FF2B5EF4-FFF2-40B4-BE49-F238E27FC236}">
+                <a16:creationId xmlns:a16="http://schemas.microsoft.com/office/drawing/2014/main" id="{79025B3B-2191-4453-A34E-53C174CB93E0}"/>
+              </a:ext>
+            </a:extLst>
+          </p:cNvPr>
+          <p:cNvSpPr txBox="1"/>
+          <p:nvPr/>
+        </p:nvSpPr>
+        <p:spPr>
+          <a:xfrm>
+            <a:off x="2781276" y="2676300"/>
+            <a:ext cx="6230983" cy="2277547"/>
+          </a:xfrm>
+          <a:prstGeom prst="rect">
+            <a:avLst/>
+          </a:prstGeom>
+          <a:noFill/>
+        </p:spPr>
+        <p:txBody>
+          <a:bodyPr wrap="square" rtlCol="0">
+            <a:spAutoFit/>
+          </a:bodyPr>
+          <a:lstStyle/>
+          <a:p>
+            <a:pPr marL="285750" indent="-285750" algn="just">
+              <a:lnSpc>
+                <a:spcPct val="150000"/>
+              </a:lnSpc>
+              <a:buFont typeface="Arial" panose="020B0604020202020204" pitchFamily="34" charset="0"/>
+              <a:buChar char="•"/>
+            </a:pPr>
+            <a:endParaRPr lang="en-US" sz="1600" dirty="0">
+              <a:latin typeface="Nunito Sans" panose="020B0604020202020204" charset="0"/>
+            </a:endParaRPr>
+          </a:p>
+          <a:p>
+            <a:pPr marL="285750" indent="-285750" algn="just">
+              <a:lnSpc>
+                <a:spcPct val="150000"/>
+              </a:lnSpc>
+              <a:buFont typeface="Arial" panose="020B0604020202020204" pitchFamily="34" charset="0"/>
+              <a:buChar char="•"/>
+            </a:pPr>
+            <a:r>
+              <a:rPr lang="en-US" sz="1600" dirty="0">
+                <a:latin typeface="Nunito Sans" panose="020B0604020202020204" charset="0"/>
+              </a:rPr>
+              <a:t>La </a:t>
+            </a:r>
+            <a:r>
+              <a:rPr lang="en-US" sz="1600" dirty="0" err="1">
+                <a:latin typeface="Nunito Sans" panose="020B0604020202020204" charset="0"/>
+              </a:rPr>
+              <a:t>classe</a:t>
+            </a:r>
+            <a:r>
+              <a:rPr lang="en-US" sz="1600" dirty="0">
+                <a:latin typeface="Nunito Sans" panose="020B0604020202020204" charset="0"/>
+              </a:rPr>
+              <a:t> </a:t>
+            </a:r>
+            <a:r>
+              <a:rPr lang="en-US" sz="1600" dirty="0" err="1">
+                <a:latin typeface="Nunito Sans" panose="020B0604020202020204" charset="0"/>
+              </a:rPr>
+              <a:t>IterativeDeepeningAI</a:t>
+            </a:r>
+            <a:r>
+              <a:rPr lang="en-US" sz="1600" dirty="0">
+                <a:latin typeface="Nunito Sans" panose="020B0604020202020204" charset="0"/>
+              </a:rPr>
+              <a:t> </a:t>
+            </a:r>
+            <a:r>
+              <a:rPr lang="en-US" sz="1600" dirty="0" err="1">
+                <a:latin typeface="Nunito Sans" panose="020B0604020202020204" charset="0"/>
+              </a:rPr>
+              <a:t>si</a:t>
+            </a:r>
+            <a:r>
+              <a:rPr lang="en-US" sz="1600" dirty="0">
+                <a:latin typeface="Nunito Sans" panose="020B0604020202020204" charset="0"/>
+              </a:rPr>
+              <a:t> </a:t>
+            </a:r>
+            <a:r>
+              <a:rPr lang="en-US" sz="1600" dirty="0" err="1">
+                <a:latin typeface="Nunito Sans" panose="020B0604020202020204" charset="0"/>
+              </a:rPr>
+              <a:t>compone</a:t>
+            </a:r>
+            <a:r>
+              <a:rPr lang="en-US" sz="1600" dirty="0">
+                <a:latin typeface="Nunito Sans" panose="020B0604020202020204" charset="0"/>
+              </a:rPr>
+              <a:t> di una AI, per </a:t>
+            </a:r>
+            <a:r>
+              <a:rPr lang="en-US" sz="1600" dirty="0" err="1">
+                <a:latin typeface="Nunito Sans" panose="020B0604020202020204" charset="0"/>
+              </a:rPr>
+              <a:t>esempio</a:t>
+            </a:r>
+            <a:r>
+              <a:rPr lang="en-US" sz="1600" dirty="0">
+                <a:latin typeface="Nunito Sans" panose="020B0604020202020204" charset="0"/>
+              </a:rPr>
+              <a:t> </a:t>
+            </a:r>
+            <a:r>
+              <a:rPr lang="en-US" sz="1600" dirty="0" err="1">
+                <a:latin typeface="Nunito Sans" panose="020B0604020202020204" charset="0"/>
+              </a:rPr>
+              <a:t>AlphaBetaAI</a:t>
+            </a:r>
+            <a:r>
+              <a:rPr lang="en-US" sz="1600" dirty="0">
+                <a:latin typeface="Nunito Sans" panose="020B0604020202020204" charset="0"/>
+              </a:rPr>
+              <a:t>, di cui </a:t>
+            </a:r>
+            <a:r>
+              <a:rPr lang="en-US" sz="1600" dirty="0" err="1">
+                <a:latin typeface="Nunito Sans" panose="020B0604020202020204" charset="0"/>
+              </a:rPr>
+              <a:t>chiama</a:t>
+            </a:r>
+            <a:r>
+              <a:rPr lang="en-US" sz="1600" dirty="0">
+                <a:latin typeface="Nunito Sans" panose="020B0604020202020204" charset="0"/>
+              </a:rPr>
+              <a:t> </a:t>
+            </a:r>
+            <a:r>
+              <a:rPr lang="en-US" sz="1600" dirty="0" err="1">
+                <a:latin typeface="Nunito Sans" panose="020B0604020202020204" charset="0"/>
+              </a:rPr>
+              <a:t>iterativamente</a:t>
+            </a:r>
+            <a:r>
+              <a:rPr lang="en-US" sz="1600" dirty="0">
+                <a:latin typeface="Nunito Sans" panose="020B0604020202020204" charset="0"/>
+              </a:rPr>
+              <a:t> </a:t>
+            </a:r>
+            <a:r>
+              <a:rPr lang="en-US" sz="1600" dirty="0" err="1">
+                <a:latin typeface="Nunito Sans" panose="020B0604020202020204" charset="0"/>
+              </a:rPr>
+              <a:t>il</a:t>
+            </a:r>
+            <a:r>
+              <a:rPr lang="en-US" sz="1600" dirty="0">
+                <a:latin typeface="Nunito Sans" panose="020B0604020202020204" charset="0"/>
+              </a:rPr>
+              <a:t> </a:t>
+            </a:r>
+            <a:r>
+              <a:rPr lang="en-US" sz="1600" dirty="0" err="1">
+                <a:latin typeface="Nunito Sans" panose="020B0604020202020204" charset="0"/>
+              </a:rPr>
+              <a:t>metodo</a:t>
+            </a:r>
+            <a:r>
+              <a:rPr lang="en-US" sz="1600" dirty="0">
+                <a:latin typeface="Nunito Sans" panose="020B0604020202020204" charset="0"/>
+              </a:rPr>
+              <a:t> di </a:t>
+            </a:r>
+            <a:r>
+              <a:rPr lang="en-US" sz="1600" dirty="0" err="1">
+                <a:latin typeface="Nunito Sans" panose="020B0604020202020204" charset="0"/>
+              </a:rPr>
+              <a:t>ricerca</a:t>
+            </a:r>
+            <a:r>
+              <a:rPr lang="en-US" sz="1600" dirty="0">
+                <a:latin typeface="Nunito Sans" panose="020B0604020202020204" charset="0"/>
+              </a:rPr>
+              <a:t> </a:t>
+            </a:r>
+            <a:r>
+              <a:rPr lang="en-US" sz="1600" dirty="0" err="1">
+                <a:latin typeface="Nunito Sans" panose="020B0604020202020204" charset="0"/>
+              </a:rPr>
+              <a:t>nello</a:t>
+            </a:r>
+            <a:r>
+              <a:rPr lang="en-US" sz="1600" dirty="0">
+                <a:latin typeface="Nunito Sans" panose="020B0604020202020204" charset="0"/>
+              </a:rPr>
+              <a:t> </a:t>
+            </a:r>
+            <a:r>
+              <a:rPr lang="en-US" sz="1600" dirty="0" err="1">
+                <a:latin typeface="Nunito Sans" panose="020B0604020202020204" charset="0"/>
+              </a:rPr>
+              <a:t>spazio</a:t>
+            </a:r>
+            <a:r>
+              <a:rPr lang="en-US" sz="1600" dirty="0">
+                <a:latin typeface="Nunito Sans" panose="020B0604020202020204" charset="0"/>
+              </a:rPr>
+              <a:t> </a:t>
+            </a:r>
+            <a:r>
+              <a:rPr lang="en-US" sz="1600" dirty="0" err="1">
+                <a:latin typeface="Nunito Sans" panose="020B0604020202020204" charset="0"/>
+              </a:rPr>
+              <a:t>degli</a:t>
+            </a:r>
+            <a:r>
+              <a:rPr lang="en-US" sz="1600" dirty="0">
+                <a:latin typeface="Nunito Sans" panose="020B0604020202020204" charset="0"/>
+              </a:rPr>
+              <a:t> </a:t>
+            </a:r>
+            <a:r>
+              <a:rPr lang="en-US" sz="1600" dirty="0" err="1">
+                <a:latin typeface="Nunito Sans" panose="020B0604020202020204" charset="0"/>
+              </a:rPr>
+              <a:t>stati</a:t>
+            </a:r>
+            <a:r>
+              <a:rPr lang="en-US" sz="1600" dirty="0">
+                <a:latin typeface="Nunito Sans" panose="020B0604020202020204" charset="0"/>
+              </a:rPr>
+              <a:t>, </a:t>
+            </a:r>
+            <a:r>
+              <a:rPr lang="en-US" sz="1600" dirty="0" err="1">
+                <a:latin typeface="Nunito Sans" panose="020B0604020202020204" charset="0"/>
+              </a:rPr>
+              <a:t>aumentando</a:t>
+            </a:r>
+            <a:r>
+              <a:rPr lang="en-US" sz="1600" dirty="0">
+                <a:latin typeface="Nunito Sans" panose="020B0604020202020204" charset="0"/>
+              </a:rPr>
+              <a:t> di </a:t>
+            </a:r>
+            <a:r>
+              <a:rPr lang="en-US" sz="1600" dirty="0" err="1">
+                <a:latin typeface="Nunito Sans" panose="020B0604020202020204" charset="0"/>
+              </a:rPr>
+              <a:t>volta</a:t>
+            </a:r>
+            <a:r>
+              <a:rPr lang="en-US" sz="1600" dirty="0">
+                <a:latin typeface="Nunito Sans" panose="020B0604020202020204" charset="0"/>
+              </a:rPr>
+              <a:t> in </a:t>
+            </a:r>
+            <a:r>
+              <a:rPr lang="en-US" sz="1600" dirty="0" err="1">
+                <a:latin typeface="Nunito Sans" panose="020B0604020202020204" charset="0"/>
+              </a:rPr>
+              <a:t>volta</a:t>
+            </a:r>
+            <a:r>
+              <a:rPr lang="en-US" sz="1600" dirty="0">
+                <a:latin typeface="Nunito Sans" panose="020B0604020202020204" charset="0"/>
+              </a:rPr>
+              <a:t> la </a:t>
+            </a:r>
+            <a:r>
+              <a:rPr lang="en-US" sz="1600" dirty="0" err="1">
+                <a:latin typeface="Nunito Sans" panose="020B0604020202020204" charset="0"/>
+              </a:rPr>
+              <a:t>profondità</a:t>
+            </a:r>
+            <a:r>
+              <a:rPr lang="en-US" sz="1600" dirty="0">
+                <a:latin typeface="Nunito Sans" panose="020B0604020202020204" charset="0"/>
+              </a:rPr>
+              <a:t> di </a:t>
+            </a:r>
+            <a:r>
+              <a:rPr lang="en-US" sz="1600" dirty="0" err="1">
+                <a:latin typeface="Nunito Sans" panose="020B0604020202020204" charset="0"/>
+              </a:rPr>
+              <a:t>ricerca</a:t>
+            </a:r>
+            <a:r>
+              <a:rPr lang="en-US" sz="1600" dirty="0">
+                <a:latin typeface="Nunito Sans" panose="020B0604020202020204" charset="0"/>
+              </a:rPr>
+              <a:t>. </a:t>
+            </a:r>
+          </a:p>
+          <a:p>
+            <a:pPr marL="285750" indent="-285750" algn="just">
+              <a:lnSpc>
+                <a:spcPct val="150000"/>
+              </a:lnSpc>
+              <a:buFont typeface="Arial" panose="020B0604020202020204" pitchFamily="34" charset="0"/>
+              <a:buChar char="•"/>
+            </a:pPr>
+            <a:r>
+              <a:rPr lang="en-US" sz="1600" dirty="0">
+                <a:latin typeface="Nunito Sans" panose="020B0604020202020204" charset="0"/>
+              </a:rPr>
+              <a:t>Il </a:t>
+            </a:r>
+            <a:r>
+              <a:rPr lang="en-US" sz="1600" dirty="0" err="1">
+                <a:latin typeface="Nunito Sans" panose="020B0604020202020204" charset="0"/>
+              </a:rPr>
+              <a:t>ciclo</a:t>
+            </a:r>
+            <a:r>
+              <a:rPr lang="en-US" sz="1600" dirty="0">
+                <a:latin typeface="Nunito Sans" panose="020B0604020202020204" charset="0"/>
+              </a:rPr>
+              <a:t> </a:t>
+            </a:r>
+            <a:r>
+              <a:rPr lang="en-US" sz="1600" dirty="0" err="1">
+                <a:latin typeface="Nunito Sans" panose="020B0604020202020204" charset="0"/>
+              </a:rPr>
+              <a:t>termina</a:t>
+            </a:r>
+            <a:r>
+              <a:rPr lang="en-US" sz="1600" dirty="0">
+                <a:latin typeface="Nunito Sans" panose="020B0604020202020204" charset="0"/>
+              </a:rPr>
+              <a:t> </a:t>
+            </a:r>
+            <a:r>
+              <a:rPr lang="en-US" sz="1600" dirty="0" err="1">
+                <a:latin typeface="Nunito Sans" panose="020B0604020202020204" charset="0"/>
+              </a:rPr>
+              <a:t>allo</a:t>
+            </a:r>
+            <a:r>
+              <a:rPr lang="en-US" sz="1600" dirty="0">
+                <a:latin typeface="Nunito Sans" panose="020B0604020202020204" charset="0"/>
+              </a:rPr>
+              <a:t> </a:t>
+            </a:r>
+            <a:r>
+              <a:rPr lang="en-US" sz="1600" dirty="0" err="1">
+                <a:latin typeface="Nunito Sans" panose="020B0604020202020204" charset="0"/>
+              </a:rPr>
+              <a:t>scadere</a:t>
+            </a:r>
+            <a:r>
+              <a:rPr lang="en-US" sz="1600" dirty="0">
+                <a:latin typeface="Nunito Sans" panose="020B0604020202020204" charset="0"/>
+              </a:rPr>
+              <a:t> di un timeout.</a:t>
+            </a:r>
+            <a:endParaRPr lang="it-IT" sz="1600" dirty="0">
+              <a:latin typeface="Nunito Sans" panose="020B0604020202020204" charset="0"/>
+            </a:endParaRPr>
+          </a:p>
+        </p:txBody>
+      </p:sp>
+      <p:sp>
+        <p:nvSpPr>
+          <p:cNvPr id="14" name="Rectangle 13">
+            <a:extLst>
+              <a:ext uri="{FF2B5EF4-FFF2-40B4-BE49-F238E27FC236}">
+                <a16:creationId xmlns:a16="http://schemas.microsoft.com/office/drawing/2014/main" id="{2FF34C5C-81B8-43E7-8D0D-DA6574AC9E57}"/>
+              </a:ext>
+            </a:extLst>
+          </p:cNvPr>
+          <p:cNvSpPr/>
+          <p:nvPr/>
+        </p:nvSpPr>
+        <p:spPr>
+          <a:xfrm>
+            <a:off x="6275335" y="2286294"/>
+            <a:ext cx="1981200" cy="400050"/>
+          </a:xfrm>
+          <a:prstGeom prst="rect">
+            <a:avLst/>
+          </a:prstGeom>
+          <a:solidFill>
+            <a:schemeClr val="bg1"/>
+          </a:solidFill>
+          <a:ln>
+            <a:solidFill>
+              <a:schemeClr val="tx1">
+                <a:lumMod val="65000"/>
+                <a:lumOff val="35000"/>
+              </a:schemeClr>
+            </a:solidFill>
+          </a:ln>
+        </p:spPr>
+        <p:style>
+          <a:lnRef idx="2">
+            <a:schemeClr val="accent1">
+              <a:shade val="50000"/>
+            </a:schemeClr>
+          </a:lnRef>
+          <a:fillRef idx="1">
+            <a:schemeClr val="accent1"/>
+          </a:fillRef>
+          <a:effectRef idx="0">
+            <a:schemeClr val="accent1"/>
+          </a:effectRef>
+          <a:fontRef idx="minor">
+            <a:schemeClr val="lt1"/>
+          </a:fontRef>
+        </p:style>
+        <p:txBody>
+          <a:bodyPr rtlCol="0" anchor="ctr"/>
+          <a:lstStyle/>
+          <a:p>
+            <a:pPr algn="ctr"/>
+            <a:r>
+              <a:rPr lang="en-GB" dirty="0" err="1">
+                <a:solidFill>
+                  <a:srgbClr val="F67031"/>
+                </a:solidFill>
+              </a:rPr>
+              <a:t>ParallelNegaScoutAI</a:t>
+            </a:r>
+            <a:endParaRPr lang="it-IT" dirty="0">
+              <a:solidFill>
+                <a:srgbClr val="F67031"/>
+              </a:solidFill>
+            </a:endParaRPr>
+          </a:p>
+        </p:txBody>
+      </p:sp>
+      <p:sp>
+        <p:nvSpPr>
+          <p:cNvPr id="15" name="Rectangle 14">
+            <a:extLst>
+              <a:ext uri="{FF2B5EF4-FFF2-40B4-BE49-F238E27FC236}">
+                <a16:creationId xmlns:a16="http://schemas.microsoft.com/office/drawing/2014/main" id="{403EB46B-3B8F-43F1-AF86-702EE7DF81E2}"/>
+              </a:ext>
+            </a:extLst>
+          </p:cNvPr>
+          <p:cNvSpPr/>
+          <p:nvPr/>
+        </p:nvSpPr>
+        <p:spPr>
+          <a:xfrm>
+            <a:off x="6427735" y="2396594"/>
+            <a:ext cx="1981200" cy="400050"/>
+          </a:xfrm>
+          <a:prstGeom prst="rect">
+            <a:avLst/>
+          </a:prstGeom>
+          <a:solidFill>
+            <a:schemeClr val="bg1"/>
+          </a:solidFill>
+          <a:ln>
+            <a:solidFill>
+              <a:schemeClr val="tx1">
+                <a:lumMod val="65000"/>
+                <a:lumOff val="35000"/>
+              </a:schemeClr>
+            </a:solidFill>
+          </a:ln>
+        </p:spPr>
+        <p:style>
+          <a:lnRef idx="2">
+            <a:schemeClr val="accent1">
+              <a:shade val="50000"/>
+            </a:schemeClr>
+          </a:lnRef>
+          <a:fillRef idx="1">
+            <a:schemeClr val="accent1"/>
+          </a:fillRef>
+          <a:effectRef idx="0">
+            <a:schemeClr val="accent1"/>
+          </a:effectRef>
+          <a:fontRef idx="minor">
+            <a:schemeClr val="lt1"/>
+          </a:fontRef>
+        </p:style>
+        <p:txBody>
+          <a:bodyPr rtlCol="0" anchor="ctr"/>
+          <a:lstStyle/>
+          <a:p>
+            <a:pPr algn="ctr"/>
+            <a:r>
+              <a:rPr lang="en-GB" dirty="0" err="1">
+                <a:solidFill>
+                  <a:schemeClr val="tx1">
+                    <a:lumMod val="65000"/>
+                    <a:lumOff val="35000"/>
+                  </a:schemeClr>
+                </a:solidFill>
+              </a:rPr>
+              <a:t>AlphaBetaAI</a:t>
+            </a:r>
+            <a:endParaRPr lang="it-IT" dirty="0">
+              <a:solidFill>
+                <a:schemeClr val="tx1">
+                  <a:lumMod val="65000"/>
+                  <a:lumOff val="35000"/>
+                </a:schemeClr>
+              </a:solidFill>
+            </a:endParaRPr>
+          </a:p>
+        </p:txBody>
+      </p:sp>
+      <p:sp>
+        <p:nvSpPr>
+          <p:cNvPr id="16" name="Rectangle 15">
+            <a:extLst>
+              <a:ext uri="{FF2B5EF4-FFF2-40B4-BE49-F238E27FC236}">
+                <a16:creationId xmlns:a16="http://schemas.microsoft.com/office/drawing/2014/main" id="{A4C8324F-BD8D-4357-8671-E3502C2E6130}"/>
+              </a:ext>
+            </a:extLst>
+          </p:cNvPr>
+          <p:cNvSpPr/>
+          <p:nvPr/>
+        </p:nvSpPr>
+        <p:spPr>
+          <a:xfrm>
+            <a:off x="3791813" y="2163016"/>
+            <a:ext cx="1981200" cy="400050"/>
+          </a:xfrm>
+          <a:prstGeom prst="rect">
+            <a:avLst/>
+          </a:prstGeom>
+          <a:solidFill>
+            <a:schemeClr val="bg1"/>
+          </a:solidFill>
+          <a:ln>
+            <a:solidFill>
+              <a:schemeClr val="tx1">
+                <a:lumMod val="65000"/>
+                <a:lumOff val="35000"/>
+              </a:schemeClr>
+            </a:solidFill>
+          </a:ln>
+        </p:spPr>
+        <p:style>
+          <a:lnRef idx="2">
+            <a:schemeClr val="accent1">
+              <a:shade val="50000"/>
+            </a:schemeClr>
+          </a:lnRef>
+          <a:fillRef idx="1">
+            <a:schemeClr val="accent1"/>
+          </a:fillRef>
+          <a:effectRef idx="0">
+            <a:schemeClr val="accent1"/>
+          </a:effectRef>
+          <a:fontRef idx="minor">
+            <a:schemeClr val="lt1"/>
+          </a:fontRef>
+        </p:style>
+        <p:txBody>
+          <a:bodyPr rtlCol="0" anchor="ctr"/>
+          <a:lstStyle/>
+          <a:p>
+            <a:pPr algn="ctr"/>
+            <a:r>
+              <a:rPr lang="en-GB" dirty="0" err="1">
+                <a:solidFill>
+                  <a:schemeClr val="tx1">
+                    <a:lumMod val="65000"/>
+                    <a:lumOff val="35000"/>
+                  </a:schemeClr>
+                </a:solidFill>
+              </a:rPr>
+              <a:t>IterativeDeepeningAI</a:t>
+            </a:r>
+            <a:endParaRPr lang="it-IT" dirty="0">
+              <a:solidFill>
+                <a:schemeClr val="tx1">
+                  <a:lumMod val="65000"/>
+                  <a:lumOff val="35000"/>
+                </a:schemeClr>
+              </a:solidFill>
+            </a:endParaRPr>
+          </a:p>
+        </p:txBody>
+      </p:sp>
+      <p:cxnSp>
+        <p:nvCxnSpPr>
+          <p:cNvPr id="21" name="Connector: Elbow 20">
+            <a:extLst>
+              <a:ext uri="{FF2B5EF4-FFF2-40B4-BE49-F238E27FC236}">
+                <a16:creationId xmlns:a16="http://schemas.microsoft.com/office/drawing/2014/main" id="{D7D172A0-20F3-4FCD-8797-3822A6E5E7D3}"/>
+              </a:ext>
+            </a:extLst>
+          </p:cNvPr>
+          <p:cNvCxnSpPr>
+            <a:cxnSpLocks/>
+            <a:endCxn id="2" idx="1"/>
+          </p:cNvCxnSpPr>
+          <p:nvPr/>
+        </p:nvCxnSpPr>
+        <p:spPr>
+          <a:xfrm rot="5400000" flipH="1" flipV="1">
+            <a:off x="3722647" y="1004150"/>
+            <a:ext cx="1590450" cy="733151"/>
+          </a:xfrm>
+          <a:prstGeom prst="bentConnector2">
+            <a:avLst/>
+          </a:prstGeom>
+          <a:ln w="28575">
+            <a:solidFill>
+              <a:schemeClr val="tx1">
+                <a:lumMod val="65000"/>
+                <a:lumOff val="35000"/>
+              </a:schemeClr>
+            </a:solidFill>
+          </a:ln>
+        </p:spPr>
+        <p:style>
+          <a:lnRef idx="1">
+            <a:schemeClr val="accent1"/>
+          </a:lnRef>
+          <a:fillRef idx="0">
+            <a:schemeClr val="accent1"/>
+          </a:fillRef>
+          <a:effectRef idx="0">
+            <a:schemeClr val="accent1"/>
+          </a:effectRef>
+          <a:fontRef idx="minor">
+            <a:schemeClr val="tx1"/>
+          </a:fontRef>
+        </p:style>
+      </p:cxnSp>
+      <p:sp>
+        <p:nvSpPr>
+          <p:cNvPr id="6" name="Diamond 5">
+            <a:extLst>
+              <a:ext uri="{FF2B5EF4-FFF2-40B4-BE49-F238E27FC236}">
+                <a16:creationId xmlns:a16="http://schemas.microsoft.com/office/drawing/2014/main" id="{D66B4EA5-E863-41BC-ADE8-C92E8A34393B}"/>
+              </a:ext>
+            </a:extLst>
+          </p:cNvPr>
+          <p:cNvSpPr/>
+          <p:nvPr/>
+        </p:nvSpPr>
+        <p:spPr>
+          <a:xfrm>
+            <a:off x="4050476" y="1894070"/>
+            <a:ext cx="185455" cy="244670"/>
+          </a:xfrm>
+          <a:prstGeom prst="diamond">
+            <a:avLst/>
+          </a:prstGeom>
+          <a:solidFill>
+            <a:schemeClr val="tx1">
+              <a:lumMod val="65000"/>
+              <a:lumOff val="35000"/>
+            </a:schemeClr>
+          </a:solidFill>
+          <a:ln>
+            <a:solidFill>
+              <a:schemeClr val="tx1">
+                <a:lumMod val="65000"/>
+                <a:lumOff val="35000"/>
+              </a:schemeClr>
+            </a:solidFill>
+          </a:ln>
+        </p:spPr>
+        <p:style>
+          <a:lnRef idx="2">
+            <a:schemeClr val="accent1">
+              <a:shade val="50000"/>
+            </a:schemeClr>
+          </a:lnRef>
+          <a:fillRef idx="1">
+            <a:schemeClr val="accent1"/>
+          </a:fillRef>
+          <a:effectRef idx="0">
+            <a:schemeClr val="accent1"/>
+          </a:effectRef>
+          <a:fontRef idx="minor">
+            <a:schemeClr val="lt1"/>
+          </a:fontRef>
+        </p:style>
+        <p:txBody>
+          <a:bodyPr rtlCol="0" anchor="ctr"/>
+          <a:lstStyle/>
+          <a:p>
+            <a:pPr algn="ctr"/>
+            <a:endParaRPr lang="it-IT" dirty="0"/>
+          </a:p>
+        </p:txBody>
+      </p:sp>
+    </p:spTree>
+    <p:extLst>
+      <p:ext uri="{BB962C8B-B14F-4D97-AF65-F5344CB8AC3E}">
+        <p14:creationId xmlns:p14="http://schemas.microsoft.com/office/powerpoint/2010/main" val="384906977"/>
+      </p:ext>
+    </p:extLst>
+  </p:cSld>
+  <p:clrMapOvr>
+    <a:masterClrMapping/>
+  </p:clrMapOvr>
+</p:sld>
+</file>
+
+<file path=ppt/slides/slide9.xml><?xml version="1.0" encoding="utf-8"?>
+<p:sld xmlns:a="http://schemas.openxmlformats.org/drawingml/2006/main" xmlns:r="http://schemas.openxmlformats.org/officeDocument/2006/relationships" xmlns:p="http://schemas.openxmlformats.org/presentationml/2006/main">
+  <p:cSld>
+    <p:spTree>
+      <p:nvGrpSpPr>
+        <p:cNvPr id="1" name="Shape 112"/>
+        <p:cNvGrpSpPr/>
+        <p:nvPr/>
+      </p:nvGrpSpPr>
+      <p:grpSpPr>
+        <a:xfrm>
+          <a:off x="0" y="0"/>
+          <a:ext cx="0" cy="0"/>
+          <a:chOff x="0" y="0"/>
+          <a:chExt cx="0" cy="0"/>
+        </a:xfrm>
+      </p:grpSpPr>
+      <p:sp>
+        <p:nvSpPr>
+          <p:cNvPr id="113" name="Shape 113"/>
+          <p:cNvSpPr txBox="1">
+            <a:spLocks noGrp="1"/>
+          </p:cNvSpPr>
+          <p:nvPr>
+            <p:ph type="title"/>
+          </p:nvPr>
+        </p:nvSpPr>
+        <p:spPr>
+          <a:xfrm>
+            <a:off x="-1" y="575500"/>
+            <a:ext cx="2550347" cy="880076"/>
+          </a:xfrm>
+          <a:prstGeom prst="rect">
+            <a:avLst/>
+          </a:prstGeom>
+        </p:spPr>
+        <p:txBody>
+          <a:bodyPr spcFirstLastPara="1" wrap="square" lIns="91425" tIns="91425" rIns="91425" bIns="91425" anchor="t" anchorCtr="0">
+            <a:noAutofit/>
+          </a:bodyPr>
+          <a:lstStyle/>
+          <a:p>
+            <a:pPr marL="0" lvl="0" indent="0" algn="ctr">
+              <a:spcBef>
+                <a:spcPts val="0"/>
+              </a:spcBef>
+              <a:spcAft>
+                <a:spcPts val="0"/>
+              </a:spcAft>
+              <a:buNone/>
+            </a:pPr>
+            <a:r>
+              <a:rPr lang="en-GB" dirty="0" err="1"/>
+              <a:t>Strategia</a:t>
+            </a:r>
+            <a:r>
+              <a:rPr lang="en-GB" dirty="0"/>
+              <a:t> di </a:t>
+            </a:r>
+            <a:r>
+              <a:rPr lang="en-GB" dirty="0" err="1"/>
+              <a:t>ricerca</a:t>
+            </a:r>
+            <a:endParaRPr dirty="0"/>
+          </a:p>
+        </p:txBody>
+      </p:sp>
+      <p:sp>
+        <p:nvSpPr>
+          <p:cNvPr id="115" name="Shape 115"/>
+          <p:cNvSpPr txBox="1">
+            <a:spLocks noGrp="1"/>
+          </p:cNvSpPr>
+          <p:nvPr>
+            <p:ph type="sldNum" idx="12"/>
+          </p:nvPr>
+        </p:nvSpPr>
+        <p:spPr>
+          <a:xfrm>
+            <a:off x="8556784" y="4749851"/>
+            <a:ext cx="548700" cy="393600"/>
+          </a:xfrm>
+          <a:prstGeom prst="rect">
+            <a:avLst/>
+          </a:prstGeom>
+        </p:spPr>
+        <p:txBody>
+          <a:bodyPr spcFirstLastPara="1" wrap="square" lIns="91425" tIns="91425" rIns="91425" bIns="91425" anchor="ctr" anchorCtr="0">
+            <a:noAutofit/>
+          </a:bodyPr>
+          <a:lstStyle/>
+          <a:p>
+            <a:pPr marL="0" lvl="0" indent="0">
+              <a:spcBef>
+                <a:spcPts val="0"/>
+              </a:spcBef>
+              <a:spcAft>
+                <a:spcPts val="0"/>
+              </a:spcAft>
+              <a:buNone/>
+            </a:pPr>
+            <a:fld id="{00000000-1234-1234-1234-123412341234}" type="slidenum">
+              <a:rPr lang="en"/>
+              <a:t>9</a:t>
             </a:fld>
             <a:endParaRPr/>
           </a:p>
@@ -13914,7 +17546,10 @@
             </a:solidFill>
             <a:ln>
               <a:solidFill>
-                <a:srgbClr val="F67031"/>
+                <a:schemeClr val="tx1">
+                  <a:lumMod val="65000"/>
+                  <a:lumOff val="35000"/>
+                </a:schemeClr>
               </a:solidFill>
             </a:ln>
           </p:spPr>
@@ -13942,14 +17577,20 @@
               <a:r>
                 <a:rPr lang="en-GB" i="1" dirty="0">
                   <a:solidFill>
-                    <a:srgbClr val="F67031"/>
+                    <a:schemeClr val="tx1">
+                      <a:lumMod val="65000"/>
+                      <a:lumOff val="35000"/>
+                    </a:schemeClr>
                   </a:solidFill>
                 </a:rPr>
                 <a:t>AI</a:t>
               </a:r>
               <a:endParaRPr lang="it-IT" i="1" dirty="0">
                 <a:solidFill>
-                  <a:srgbClr val="F67031"/>
+                  <a:schemeClr val="tx1">
+                    <a:lumMod val="65000"/>
+                    <a:lumOff val="35000"/>
+                  </a:schemeClr>
                 </a:solidFill>
               </a:endParaRPr>
             </a:p>
@@ -13980,7 +17621,10 @@
             </a:solidFill>
             <a:ln>
               <a:solidFill>
-                <a:srgbClr val="F67031"/>
+                <a:schemeClr val="tx1">
+                  <a:lumMod val="65000"/>
+                  <a:lumOff val="35000"/>
+                </a:schemeClr>
               </a:solidFill>
             </a:ln>
           </p:spPr>
@@ -14008,14 +17652,20 @@
               <a:r>
                 <a:rPr lang="en-GB" dirty="0" err="1">
                   <a:solidFill>
-                    <a:srgbClr val="F67031"/>
+                    <a:schemeClr val="tx1">
+                      <a:lumMod val="65000"/>
+                      <a:lumOff val="35000"/>
+                    </a:schemeClr>
                   </a:solidFill>
                 </a:rPr>
                 <a:t>ParallelNegaScoutAI</a:t>
               </a:r>
               <a:endParaRPr lang="it-IT" dirty="0">
                 <a:solidFill>
-                  <a:srgbClr val="F67031"/>
+                  <a:schemeClr val="tx1">
+                    <a:lumMod val="65000"/>
+                    <a:lumOff val="35000"/>
+                  </a:schemeClr>
                 </a:solidFill>
               </a:endParaRPr>
             </a:p>
@@ -14046,7 +17696,10 @@
             </a:solidFill>
             <a:ln>
               <a:solidFill>
-                <a:srgbClr val="F67031"/>
+                <a:schemeClr val="tx1">
+                  <a:lumMod val="65000"/>
+                  <a:lumOff val="35000"/>
+                </a:schemeClr>
               </a:solidFill>
             </a:ln>
           </p:spPr>
@@ -14074,14 +17727,20 @@
               <a:r>
                 <a:rPr lang="en-GB" dirty="0" err="1">
                   <a:solidFill>
-                    <a:srgbClr val="F67031"/>
+                    <a:schemeClr val="tx1">
+                      <a:lumMod val="65000"/>
+                      <a:lumOff val="35000"/>
+                    </a:schemeClr>
                   </a:solidFill>
                 </a:rPr>
                 <a:t>NegaScoutAI</a:t>
               </a:r>
               <a:endParaRPr lang="it-IT" dirty="0">
                 <a:solidFill>
-                  <a:srgbClr val="F67031"/>
+                  <a:schemeClr val="tx1">
+                    <a:lumMod val="65000"/>
+                    <a:lumOff val="35000"/>
+                  </a:schemeClr>
                 </a:solidFill>
               </a:endParaRPr>
             </a:p>
@@ -14108,13 +17767,18 @@
               <a:avLst/>
             </a:prstGeom>
             <a:solidFill>
-              <a:srgbClr val="F67031">
+              <a:schemeClr val="bg2">
+                <a:lumMod val="60000"/>
+                <a:lumOff val="40000"/>
                 <a:alpha val="26000"/>
-              </a:srgbClr>
+              </a:schemeClr>
             </a:solidFill>
             <a:ln>
               <a:solidFill>
-                <a:srgbClr val="F67031"/>
+                <a:schemeClr val="tx1">
+                  <a:lumMod val="65000"/>
+                  <a:lumOff val="35000"/>
+                </a:schemeClr>
               </a:solidFill>
             </a:ln>
           </p:spPr>
@@ -14142,14 +17806,20 @@
               <a:r>
                 <a:rPr lang="en-GB" dirty="0" err="1">
                   <a:solidFill>
-                    <a:srgbClr val="F67031"/>
+                    <a:schemeClr val="tx1">
+                      <a:lumMod val="65000"/>
+                      <a:lumOff val="35000"/>
+                    </a:schemeClr>
                   </a:solidFill>
                 </a:rPr>
                 <a:t>AlphaBetaAI</a:t>
               </a:r>
               <a:endParaRPr lang="it-IT" dirty="0">
                 <a:solidFill>
-                  <a:srgbClr val="F67031"/>
+                  <a:schemeClr val="tx1">
+                    <a:lumMod val="65000"/>
+                    <a:lumOff val="35000"/>
+                  </a:schemeClr>
                 </a:solidFill>
               </a:endParaRPr>
             </a:p>
@@ -14180,7 +17850,10 @@
             </a:prstGeom>
             <a:ln w="28575">
               <a:solidFill>
-                <a:srgbClr val="F67031"/>
+                <a:schemeClr val="tx1">
+                  <a:lumMod val="65000"/>
+                  <a:lumOff val="35000"/>
+                </a:schemeClr>
               </a:solidFill>
             </a:ln>
           </p:spPr>
@@ -14223,7 +17896,10 @@
             </a:prstGeom>
             <a:ln w="28575">
               <a:solidFill>
-                <a:srgbClr val="F67031"/>
+                <a:schemeClr val="tx1">
+                  <a:lumMod val="65000"/>
+                  <a:lumOff val="35000"/>
+                </a:schemeClr>
               </a:solidFill>
             </a:ln>
           </p:spPr>
@@ -14267,7 +17943,10 @@
             </a:prstGeom>
             <a:ln w="28575">
               <a:solidFill>
-                <a:srgbClr val="F67031"/>
+                <a:schemeClr val="tx1">
+                  <a:lumMod val="65000"/>
+                  <a:lumOff val="35000"/>
+                </a:schemeClr>
               </a:solidFill>
             </a:ln>
           </p:spPr>
@@ -14311,7 +17990,10 @@
             </a:solidFill>
             <a:ln>
               <a:solidFill>
-                <a:srgbClr val="F67031"/>
+                <a:schemeClr val="tx1">
+                  <a:lumMod val="65000"/>
+                  <a:lumOff val="35000"/>
+                </a:schemeClr>
               </a:solidFill>
             </a:ln>
           </p:spPr>
@@ -14356,7 +18038,7 @@
         <p:spPr>
           <a:xfrm>
             <a:off x="2781276" y="2676300"/>
-            <a:ext cx="6230983" cy="2308324"/>
+            <a:ext cx="6230983" cy="1538883"/>
           </a:xfrm>
           <a:prstGeom prst="rect">
             <a:avLst/>
@@ -14369,474 +18051,6 @@
           </a:bodyPr>
           <a:lstStyle/>
           <a:p>
-            <a:pPr marL="285750" indent="-285750" algn="just">
-              <a:lnSpc>
-                <a:spcPct val="150000"/>
-              </a:lnSpc>
-              <a:buFont typeface="Arial" panose="020B0604020202020204" pitchFamily="34" charset="0"/>
-              <a:buChar char="•"/>
-            </a:pPr>
-            <a:endParaRPr lang="en-US" sz="1600" dirty="0">
-              <a:latin typeface="Nunito Sans" panose="020B0604020202020204" charset="0"/>
-            </a:endParaRPr>
-          </a:p>
-          <a:p>
-            <a:pPr marL="285750" indent="-285750" algn="just">
-              <a:lnSpc>
-                <a:spcPct val="150000"/>
-              </a:lnSpc>
-              <a:buFont typeface="Arial" panose="020B0604020202020204" pitchFamily="34" charset="0"/>
-              <a:buChar char="•"/>
-            </a:pPr>
-            <a:r>
-              <a:rPr lang="en-US" sz="1600" dirty="0" err="1">
-                <a:latin typeface="Nunito Sans" panose="020B0604020202020204" charset="0"/>
-              </a:rPr>
-              <a:t>Gli</a:t>
-            </a:r>
-            <a:r>
-              <a:rPr lang="en-US" sz="1600" dirty="0">
-                <a:latin typeface="Nunito Sans" panose="020B0604020202020204" charset="0"/>
-              </a:rPr>
-              <a:t> </a:t>
-            </a:r>
-            <a:r>
-              <a:rPr lang="en-US" sz="1600" dirty="0" err="1">
-                <a:latin typeface="Nunito Sans" panose="020B0604020202020204" charset="0"/>
-              </a:rPr>
-              <a:t>algoritmi</a:t>
-            </a:r>
-            <a:r>
-              <a:rPr lang="en-US" sz="1600" dirty="0">
-                <a:latin typeface="Nunito Sans" panose="020B0604020202020204" charset="0"/>
-              </a:rPr>
-              <a:t> </a:t>
-            </a:r>
-            <a:r>
-              <a:rPr lang="en-US" sz="1600" dirty="0" err="1">
-                <a:latin typeface="Nunito Sans" panose="020B0604020202020204" charset="0"/>
-              </a:rPr>
-              <a:t>vengono</a:t>
-            </a:r>
-            <a:r>
-              <a:rPr lang="en-US" sz="1600" dirty="0">
-                <a:latin typeface="Nunito Sans" panose="020B0604020202020204" charset="0"/>
-              </a:rPr>
-              <a:t> </a:t>
-            </a:r>
-            <a:r>
-              <a:rPr lang="en-US" sz="1600" dirty="0" err="1">
-                <a:latin typeface="Nunito Sans" panose="020B0604020202020204" charset="0"/>
-              </a:rPr>
-              <a:t>utilizzati</a:t>
-            </a:r>
-            <a:r>
-              <a:rPr lang="en-US" sz="1600" dirty="0">
-                <a:latin typeface="Nunito Sans" panose="020B0604020202020204" charset="0"/>
-              </a:rPr>
-              <a:t> </a:t>
-            </a:r>
-            <a:r>
-              <a:rPr lang="en-US" sz="1600" dirty="0" err="1">
-                <a:latin typeface="Nunito Sans" panose="020B0604020202020204" charset="0"/>
-              </a:rPr>
-              <a:t>all’interno</a:t>
-            </a:r>
-            <a:r>
-              <a:rPr lang="en-US" sz="1600" dirty="0">
-                <a:latin typeface="Nunito Sans" panose="020B0604020202020204" charset="0"/>
-              </a:rPr>
-              <a:t> di un framework </a:t>
-            </a:r>
-            <a:r>
-              <a:rPr lang="en-US" sz="1600" i="1" dirty="0">
-                <a:latin typeface="Nunito Sans" panose="020B0604020202020204" charset="0"/>
-              </a:rPr>
-              <a:t>iterative deepening</a:t>
-            </a:r>
-            <a:r>
-              <a:rPr lang="en-US" sz="1600" dirty="0">
-                <a:latin typeface="Nunito Sans" panose="020B0604020202020204" charset="0"/>
-              </a:rPr>
-              <a:t>, </a:t>
-            </a:r>
-            <a:r>
-              <a:rPr lang="en-US" sz="1600" dirty="0" err="1">
-                <a:latin typeface="Nunito Sans" panose="020B0604020202020204" charset="0"/>
-              </a:rPr>
-              <a:t>così</a:t>
-            </a:r>
-            <a:r>
-              <a:rPr lang="en-US" sz="1600" dirty="0">
-                <a:latin typeface="Nunito Sans" panose="020B0604020202020204" charset="0"/>
-              </a:rPr>
-              <a:t> da </a:t>
-            </a:r>
-            <a:r>
-              <a:rPr lang="en-US" sz="1600" dirty="0" err="1">
-                <a:latin typeface="Nunito Sans" panose="020B0604020202020204" charset="0"/>
-              </a:rPr>
-              <a:t>scegliere</a:t>
-            </a:r>
-            <a:r>
-              <a:rPr lang="en-US" sz="1600" dirty="0">
-                <a:latin typeface="Nunito Sans" panose="020B0604020202020204" charset="0"/>
-              </a:rPr>
-              <a:t> la </a:t>
-            </a:r>
-            <a:r>
-              <a:rPr lang="en-US" sz="1600" dirty="0" err="1">
-                <a:latin typeface="Nunito Sans" panose="020B0604020202020204" charset="0"/>
-              </a:rPr>
-              <a:t>mossa</a:t>
-            </a:r>
-            <a:r>
-              <a:rPr lang="en-US" sz="1600" dirty="0">
-                <a:latin typeface="Nunito Sans" panose="020B0604020202020204" charset="0"/>
-              </a:rPr>
-              <a:t> </a:t>
-            </a:r>
-            <a:r>
-              <a:rPr lang="en-US" sz="1600" dirty="0" err="1">
-                <a:latin typeface="Nunito Sans" panose="020B0604020202020204" charset="0"/>
-              </a:rPr>
-              <a:t>entro</a:t>
-            </a:r>
-            <a:r>
-              <a:rPr lang="en-US" sz="1600" dirty="0">
-                <a:latin typeface="Nunito Sans" panose="020B0604020202020204" charset="0"/>
-              </a:rPr>
-              <a:t> </a:t>
-            </a:r>
-            <a:r>
-              <a:rPr lang="en-US" sz="1600" dirty="0" err="1">
-                <a:latin typeface="Nunito Sans" panose="020B0604020202020204" charset="0"/>
-              </a:rPr>
-              <a:t>il</a:t>
-            </a:r>
-            <a:r>
-              <a:rPr lang="en-US" sz="1600" dirty="0">
-                <a:latin typeface="Nunito Sans" panose="020B0604020202020204" charset="0"/>
-              </a:rPr>
-              <a:t> tempo </a:t>
-            </a:r>
-            <a:r>
-              <a:rPr lang="en-US" sz="1600" dirty="0" err="1">
-                <a:latin typeface="Nunito Sans" panose="020B0604020202020204" charset="0"/>
-              </a:rPr>
-              <a:t>prestabilito</a:t>
-            </a:r>
-            <a:r>
-              <a:rPr lang="en-US" sz="1600" dirty="0">
-                <a:latin typeface="Nunito Sans" panose="020B0604020202020204" charset="0"/>
-              </a:rPr>
-              <a:t>.</a:t>
-            </a:r>
-          </a:p>
-          <a:p>
-            <a:pPr marL="285750" indent="-285750" algn="just">
-              <a:lnSpc>
-                <a:spcPct val="150000"/>
-              </a:lnSpc>
-              <a:buFont typeface="Arial" panose="020B0604020202020204" pitchFamily="34" charset="0"/>
-              <a:buChar char="•"/>
-            </a:pPr>
-            <a:r>
-              <a:rPr lang="en-GB" sz="1600" dirty="0" err="1">
-                <a:latin typeface="Nunito Sans" panose="020B0604020202020204" charset="0"/>
-              </a:rPr>
-              <a:t>Facendo</a:t>
-            </a:r>
-            <a:r>
-              <a:rPr lang="en-GB" sz="1600" dirty="0">
-                <a:latin typeface="Nunito Sans" panose="020B0604020202020204" charset="0"/>
-              </a:rPr>
-              <a:t> </a:t>
-            </a:r>
-            <a:r>
-              <a:rPr lang="en-GB" sz="1600" dirty="0" err="1">
-                <a:latin typeface="Nunito Sans" panose="020B0604020202020204" charset="0"/>
-              </a:rPr>
-              <a:t>scontrare</a:t>
-            </a:r>
-            <a:r>
-              <a:rPr lang="en-GB" sz="1600" dirty="0">
-                <a:latin typeface="Nunito Sans" panose="020B0604020202020204" charset="0"/>
-              </a:rPr>
-              <a:t> </a:t>
-            </a:r>
-            <a:r>
-              <a:rPr lang="en-GB" sz="1600" dirty="0" err="1">
-                <a:latin typeface="Nunito Sans" panose="020B0604020202020204" charset="0"/>
-              </a:rPr>
-              <a:t>tra</a:t>
-            </a:r>
-            <a:r>
-              <a:rPr lang="en-GB" sz="1600" dirty="0">
-                <a:latin typeface="Nunito Sans" panose="020B0604020202020204" charset="0"/>
-              </a:rPr>
-              <a:t> </a:t>
-            </a:r>
-            <a:r>
-              <a:rPr lang="en-GB" sz="1600" dirty="0" err="1">
-                <a:latin typeface="Nunito Sans" panose="020B0604020202020204" charset="0"/>
-              </a:rPr>
-              <a:t>loro</a:t>
-            </a:r>
-            <a:r>
-              <a:rPr lang="en-GB" sz="1600" dirty="0">
-                <a:latin typeface="Nunito Sans" panose="020B0604020202020204" charset="0"/>
-              </a:rPr>
-              <a:t> </a:t>
-            </a:r>
-            <a:r>
-              <a:rPr lang="en-GB" sz="1600" dirty="0" err="1">
-                <a:latin typeface="Nunito Sans" panose="020B0604020202020204" charset="0"/>
-              </a:rPr>
-              <a:t>queste</a:t>
-            </a:r>
-            <a:r>
-              <a:rPr lang="en-GB" sz="1600" dirty="0">
-                <a:latin typeface="Nunito Sans" panose="020B0604020202020204" charset="0"/>
-              </a:rPr>
-              <a:t> </a:t>
-            </a:r>
-            <a:r>
-              <a:rPr lang="en-GB" sz="1600" dirty="0" err="1">
-                <a:latin typeface="Nunito Sans" panose="020B0604020202020204" charset="0"/>
-              </a:rPr>
-              <a:t>strategie</a:t>
-            </a:r>
-            <a:r>
-              <a:rPr lang="en-GB" sz="1600" dirty="0">
-                <a:latin typeface="Nunito Sans" panose="020B0604020202020204" charset="0"/>
-              </a:rPr>
-              <a:t>, </a:t>
-            </a:r>
-            <a:r>
-              <a:rPr lang="en-GB" sz="1600" dirty="0" err="1">
-                <a:latin typeface="Nunito Sans" panose="020B0604020202020204" charset="0"/>
-              </a:rPr>
-              <a:t>quella</a:t>
-            </a:r>
-            <a:r>
-              <a:rPr lang="en-GB" sz="1600" dirty="0">
-                <a:latin typeface="Nunito Sans" panose="020B0604020202020204" charset="0"/>
-              </a:rPr>
-              <a:t> </a:t>
-            </a:r>
-            <a:r>
-              <a:rPr lang="en-GB" sz="1600" dirty="0" err="1">
-                <a:latin typeface="Nunito Sans" panose="020B0604020202020204" charset="0"/>
-              </a:rPr>
-              <a:t>migliore</a:t>
-            </a:r>
-            <a:r>
-              <a:rPr lang="en-GB" sz="1600" dirty="0">
-                <a:latin typeface="Nunito Sans" panose="020B0604020202020204" charset="0"/>
-              </a:rPr>
-              <a:t> è </a:t>
-            </a:r>
-            <a:r>
-              <a:rPr lang="en-GB" sz="1600" dirty="0" err="1">
-                <a:latin typeface="Nunito Sans" panose="020B0604020202020204" charset="0"/>
-              </a:rPr>
-              <a:t>risultata</a:t>
-            </a:r>
-            <a:r>
-              <a:rPr lang="en-GB" sz="1600" dirty="0">
-                <a:latin typeface="Nunito Sans" panose="020B0604020202020204" charset="0"/>
-              </a:rPr>
-              <a:t> </a:t>
-            </a:r>
-            <a:r>
-              <a:rPr lang="en-GB" sz="1600" dirty="0" err="1">
-                <a:latin typeface="Nunito Sans" panose="020B0604020202020204" charset="0"/>
-              </a:rPr>
-              <a:t>essere</a:t>
-            </a:r>
-            <a:r>
-              <a:rPr lang="en-GB" sz="1600" dirty="0">
-                <a:latin typeface="Nunito Sans" panose="020B0604020202020204" charset="0"/>
-              </a:rPr>
-              <a:t> </a:t>
-            </a:r>
-            <a:r>
-              <a:rPr lang="en-GB" sz="1600" dirty="0" err="1">
-                <a:latin typeface="Nunito Sans" panose="020B0604020202020204" charset="0"/>
-              </a:rPr>
-              <a:t>AlphaBeta</a:t>
-            </a:r>
-            <a:r>
-              <a:rPr lang="en-GB" sz="1600" dirty="0">
-                <a:latin typeface="Nunito Sans" panose="020B0604020202020204" charset="0"/>
-              </a:rPr>
-              <a:t>.</a:t>
-            </a:r>
-            <a:endParaRPr lang="it-IT" sz="1600" dirty="0">
-              <a:latin typeface="Nunito Sans" panose="020B0604020202020204" charset="0"/>
-            </a:endParaRPr>
-          </a:p>
-        </p:txBody>
-      </p:sp>
-    </p:spTree>
-    <p:extLst>
-      <p:ext uri="{BB962C8B-B14F-4D97-AF65-F5344CB8AC3E}">
-        <p14:creationId xmlns:p14="http://schemas.microsoft.com/office/powerpoint/2010/main" val="4022789591"/>
-      </p:ext>
-    </p:extLst>
-  </p:cSld>
-  <p:clrMapOvr>
-    <a:masterClrMapping/>
-  </p:clrMapOvr>
-</p:sld>
-</file>
-
-<file path=ppt/slides/slide9.xml><?xml version="1.0" encoding="utf-8"?>
-<p:sld xmlns:a="http://schemas.openxmlformats.org/drawingml/2006/main" xmlns:r="http://schemas.openxmlformats.org/officeDocument/2006/relationships" xmlns:p="http://schemas.openxmlformats.org/presentationml/2006/main">
-  <p:cSld>
-    <p:spTree>
-      <p:nvGrpSpPr>
-        <p:cNvPr id="1" name="Shape 112"/>
-        <p:cNvGrpSpPr/>
-        <p:nvPr/>
-      </p:nvGrpSpPr>
-      <p:grpSpPr>
-        <a:xfrm>
-          <a:off x="0" y="0"/>
-          <a:ext cx="0" cy="0"/>
-          <a:chOff x="0" y="0"/>
-          <a:chExt cx="0" cy="0"/>
-        </a:xfrm>
-      </p:grpSpPr>
-      <p:sp>
-        <p:nvSpPr>
-          <p:cNvPr id="113" name="Shape 113"/>
-          <p:cNvSpPr txBox="1">
-            <a:spLocks noGrp="1"/>
-          </p:cNvSpPr>
-          <p:nvPr>
-            <p:ph type="title"/>
-          </p:nvPr>
-        </p:nvSpPr>
-        <p:spPr>
-          <a:xfrm>
-            <a:off x="0" y="575500"/>
-            <a:ext cx="2573867" cy="948500"/>
-          </a:xfrm>
-          <a:prstGeom prst="rect">
-            <a:avLst/>
-          </a:prstGeom>
-        </p:spPr>
-        <p:txBody>
-          <a:bodyPr spcFirstLastPara="1" wrap="square" lIns="91425" tIns="91425" rIns="91425" bIns="91425" anchor="t" anchorCtr="0">
-            <a:noAutofit/>
-          </a:bodyPr>
-          <a:lstStyle/>
-          <a:p>
-            <a:pPr marL="0" lvl="0" indent="0" algn="ctr">
-              <a:spcBef>
-                <a:spcPts val="0"/>
-              </a:spcBef>
-              <a:spcAft>
-                <a:spcPts val="0"/>
-              </a:spcAft>
-              <a:buNone/>
-            </a:pPr>
-            <a:r>
-              <a:rPr lang="en-GB" dirty="0" err="1"/>
-              <a:t>Riconoscimento</a:t>
-            </a:r>
-            <a:r>
-              <a:rPr lang="en-GB" dirty="0"/>
-              <a:t> </a:t>
-            </a:r>
-            <a:r>
-              <a:rPr lang="en-GB" dirty="0" err="1"/>
-              <a:t>dei</a:t>
-            </a:r>
-            <a:r>
-              <a:rPr lang="en-GB" dirty="0"/>
-              <a:t> </a:t>
-            </a:r>
-            <a:r>
-              <a:rPr lang="en-GB" dirty="0" err="1"/>
-              <a:t>cicli</a:t>
-            </a:r>
-            <a:endParaRPr dirty="0"/>
-          </a:p>
-        </p:txBody>
-      </p:sp>
-      <p:sp>
-        <p:nvSpPr>
-          <p:cNvPr id="115" name="Shape 115"/>
-          <p:cNvSpPr txBox="1">
-            <a:spLocks noGrp="1"/>
-          </p:cNvSpPr>
-          <p:nvPr>
-            <p:ph type="sldNum" idx="12"/>
-          </p:nvPr>
-        </p:nvSpPr>
-        <p:spPr>
-          <a:xfrm>
-            <a:off x="8556784" y="4749851"/>
-            <a:ext cx="548700" cy="393600"/>
-          </a:xfrm>
-          <a:prstGeom prst="rect">
-            <a:avLst/>
-          </a:prstGeom>
-        </p:spPr>
-        <p:txBody>
-          <a:bodyPr spcFirstLastPara="1" wrap="square" lIns="91425" tIns="91425" rIns="91425" bIns="91425" anchor="ctr" anchorCtr="0">
-            <a:noAutofit/>
-          </a:bodyPr>
-          <a:lstStyle/>
-          <a:p>
-            <a:pPr marL="0" lvl="0" indent="0">
-              <a:spcBef>
-                <a:spcPts val="0"/>
-              </a:spcBef>
-              <a:spcAft>
-                <a:spcPts val="0"/>
-              </a:spcAft>
-              <a:buNone/>
-            </a:pPr>
-            <a:fld id="{00000000-1234-1234-1234-123412341234}" type="slidenum">
-              <a:rPr lang="en"/>
-              <a:t>9</a:t>
-            </a:fld>
-            <a:endParaRPr/>
-          </a:p>
-        </p:txBody>
-      </p:sp>
-      <p:sp>
-        <p:nvSpPr>
-          <p:cNvPr id="20" name="TextBox 19">
-            <a:extLst>
-              <a:ext uri="{FF2B5EF4-FFF2-40B4-BE49-F238E27FC236}">
-                <a16:creationId xmlns:a16="http://schemas.microsoft.com/office/drawing/2014/main" id="{79025B3B-2191-4453-A34E-53C174CB93E0}"/>
-              </a:ext>
-            </a:extLst>
-          </p:cNvPr>
-          <p:cNvSpPr txBox="1"/>
-          <p:nvPr/>
-        </p:nvSpPr>
-        <p:spPr>
-          <a:xfrm>
-            <a:off x="2954868" y="575500"/>
-            <a:ext cx="5867400" cy="3908762"/>
-          </a:xfrm>
-          <a:prstGeom prst="rect">
-            <a:avLst/>
-          </a:prstGeom>
-          <a:noFill/>
-        </p:spPr>
-        <p:txBody>
-          <a:bodyPr wrap="square" rtlCol="0">
-            <a:spAutoFit/>
-          </a:bodyPr>
-          <a:lstStyle/>
-          <a:p>
             <a:pPr algn="just">
               <a:lnSpc>
                 <a:spcPct val="150000"/>
@@ -14846,181 +18060,61 @@
               <a:rPr lang="en-GB" sz="1600" dirty="0" err="1">
                 <a:latin typeface="Nunito Sans" panose="020B0604020202020204" charset="0"/>
               </a:rPr>
-              <a:t>Tutte</a:t>
+              <a:t>Abbiamo</a:t>
             </a:r>
             <a:r>
               <a:rPr lang="en-GB" sz="1600" dirty="0">
                 <a:latin typeface="Nunito Sans" panose="020B0604020202020204" charset="0"/>
               </a:rPr>
-              <a:t> le </a:t>
+              <a:t> </a:t>
             </a:r>
             <a:r>
               <a:rPr lang="en-GB" sz="1600" dirty="0" err="1">
                 <a:latin typeface="Nunito Sans" panose="020B0604020202020204" charset="0"/>
               </a:rPr>
+              <a:t>implementato</a:t>
+            </a:r>
+            <a:r>
+              <a:rPr lang="en-GB" sz="1600" dirty="0">
+                <a:latin typeface="Nunito Sans" panose="020B0604020202020204" charset="0"/>
+              </a:rPr>
+              <a:t> </a:t>
+            </a:r>
+            <a:r>
+              <a:rPr lang="en-GB" sz="1600" dirty="0" err="1">
+                <a:latin typeface="Nunito Sans" panose="020B0604020202020204" charset="0"/>
+              </a:rPr>
+              <a:t>tre</a:t>
+            </a:r>
+            <a:r>
+              <a:rPr lang="en-GB" sz="1600" dirty="0">
+                <a:latin typeface="Nunito Sans" panose="020B0604020202020204" charset="0"/>
+              </a:rPr>
+              <a:t> </a:t>
+            </a:r>
+            <a:r>
+              <a:rPr lang="en-GB" sz="1600" dirty="0" err="1">
+                <a:latin typeface="Nunito Sans" panose="020B0604020202020204" charset="0"/>
+              </a:rPr>
               <a:t>strategie</a:t>
             </a:r>
             <a:r>
               <a:rPr lang="en-GB" sz="1600" dirty="0">
                 <a:latin typeface="Nunito Sans" panose="020B0604020202020204" charset="0"/>
               </a:rPr>
-              <a:t> </a:t>
+              <a:t> di </a:t>
             </a:r>
             <a:r>
               <a:rPr lang="en-GB" sz="1600" dirty="0" err="1">
                 <a:latin typeface="Nunito Sans" panose="020B0604020202020204" charset="0"/>
               </a:rPr>
-              <a:t>usate</a:t>
+              <a:t>ricerca</a:t>
             </a:r>
             <a:r>
               <a:rPr lang="en-GB" sz="1600" dirty="0">
                 <a:latin typeface="Nunito Sans" panose="020B0604020202020204" charset="0"/>
               </a:rPr>
-              <a:t> </a:t>
-            </a:r>
-            <a:r>
-              <a:rPr lang="en-GB" sz="1600" dirty="0" err="1">
-                <a:latin typeface="Nunito Sans" panose="020B0604020202020204" charset="0"/>
-              </a:rPr>
-              <a:t>si</a:t>
-            </a:r>
-            <a:r>
-              <a:rPr lang="en-GB" sz="1600" dirty="0">
-                <a:latin typeface="Nunito Sans" panose="020B0604020202020204" charset="0"/>
-              </a:rPr>
-              <a:t> </a:t>
-            </a:r>
-            <a:r>
-              <a:rPr lang="en-GB" sz="1600" dirty="0" err="1">
-                <a:latin typeface="Nunito Sans" panose="020B0604020202020204" charset="0"/>
-              </a:rPr>
-              <a:t>servono</a:t>
-            </a:r>
-            <a:r>
-              <a:rPr lang="en-GB" sz="1600" dirty="0">
-                <a:latin typeface="Nunito Sans" panose="020B0604020202020204" charset="0"/>
-              </a:rPr>
-              <a:t> di </a:t>
-            </a:r>
-            <a:r>
-              <a:rPr lang="en-GB" sz="1600" dirty="0" err="1">
-                <a:latin typeface="Nunito Sans" panose="020B0604020202020204" charset="0"/>
-              </a:rPr>
-              <a:t>una</a:t>
-            </a:r>
-            <a:r>
-              <a:rPr lang="en-GB" sz="1600" dirty="0">
-                <a:latin typeface="Nunito Sans" panose="020B0604020202020204" charset="0"/>
-              </a:rPr>
-              <a:t> </a:t>
-            </a:r>
-            <a:r>
-              <a:rPr lang="en-GB" sz="1600" dirty="0" err="1">
-                <a:latin typeface="Nunito Sans" panose="020B0604020202020204" charset="0"/>
-              </a:rPr>
-              <a:t>struttura</a:t>
-            </a:r>
-            <a:r>
-              <a:rPr lang="en-GB" sz="1600" dirty="0">
-                <a:latin typeface="Nunito Sans" panose="020B0604020202020204" charset="0"/>
-              </a:rPr>
-              <a:t> </a:t>
-            </a:r>
-            <a:r>
-              <a:rPr lang="en-GB" sz="1600" dirty="0" err="1">
-                <a:latin typeface="Nunito Sans" panose="020B0604020202020204" charset="0"/>
-              </a:rPr>
-              <a:t>dati</a:t>
-            </a:r>
-            <a:r>
-              <a:rPr lang="en-GB" sz="1600" dirty="0">
-                <a:latin typeface="Nunito Sans" panose="020B0604020202020204" charset="0"/>
-              </a:rPr>
-              <a:t> </a:t>
-            </a:r>
-            <a:r>
-              <a:rPr lang="en-GB" sz="1600" dirty="0" err="1">
-                <a:latin typeface="Nunito Sans" panose="020B0604020202020204" charset="0"/>
-              </a:rPr>
-              <a:t>che</a:t>
-            </a:r>
-            <a:r>
-              <a:rPr lang="en-GB" sz="1600" dirty="0">
-                <a:latin typeface="Nunito Sans" panose="020B0604020202020204" charset="0"/>
-              </a:rPr>
-              <a:t> </a:t>
-            </a:r>
-            <a:r>
-              <a:rPr lang="en-GB" sz="1600" dirty="0" err="1">
-                <a:latin typeface="Nunito Sans" panose="020B0604020202020204" charset="0"/>
-              </a:rPr>
-              <a:t>riconosce</a:t>
-            </a:r>
-            <a:r>
-              <a:rPr lang="en-GB" sz="1600" dirty="0">
-                <a:latin typeface="Nunito Sans" panose="020B0604020202020204" charset="0"/>
-              </a:rPr>
-              <a:t> se </a:t>
-            </a:r>
-            <a:r>
-              <a:rPr lang="en-GB" sz="1600" dirty="0" err="1">
-                <a:latin typeface="Nunito Sans" panose="020B0604020202020204" charset="0"/>
-              </a:rPr>
-              <a:t>si</a:t>
-            </a:r>
-            <a:r>
-              <a:rPr lang="en-GB" sz="1600" dirty="0">
-                <a:latin typeface="Nunito Sans" panose="020B0604020202020204" charset="0"/>
-              </a:rPr>
-              <a:t> è </a:t>
-            </a:r>
-            <a:r>
-              <a:rPr lang="en-GB" sz="1600" dirty="0" err="1">
-                <a:latin typeface="Nunito Sans" panose="020B0604020202020204" charset="0"/>
-              </a:rPr>
-              <a:t>già</a:t>
-            </a:r>
-            <a:r>
-              <a:rPr lang="en-GB" sz="1600" dirty="0">
-                <a:latin typeface="Nunito Sans" panose="020B0604020202020204" charset="0"/>
-              </a:rPr>
-              <a:t> </a:t>
-            </a:r>
-            <a:r>
-              <a:rPr lang="en-GB" sz="1600" dirty="0" err="1">
-                <a:latin typeface="Nunito Sans" panose="020B0604020202020204" charset="0"/>
-              </a:rPr>
-              <a:t>transitati</a:t>
-            </a:r>
-            <a:r>
-              <a:rPr lang="en-GB" sz="1600" dirty="0">
-                <a:latin typeface="Nunito Sans" panose="020B0604020202020204" charset="0"/>
-              </a:rPr>
-              <a:t> per un </a:t>
-            </a:r>
-            <a:r>
-              <a:rPr lang="en-GB" sz="1600" dirty="0" err="1">
-                <a:latin typeface="Nunito Sans" panose="020B0604020202020204" charset="0"/>
-              </a:rPr>
-              <a:t>certo</a:t>
-            </a:r>
-            <a:r>
-              <a:rPr lang="en-GB" sz="1600" dirty="0">
-                <a:latin typeface="Nunito Sans" panose="020B0604020202020204" charset="0"/>
-              </a:rPr>
-              <a:t> </a:t>
-            </a:r>
-            <a:r>
-              <a:rPr lang="en-GB" sz="1600" dirty="0" err="1">
-                <a:latin typeface="Nunito Sans" panose="020B0604020202020204" charset="0"/>
-              </a:rPr>
-              <a:t>stato</a:t>
-            </a:r>
-            <a:r>
-              <a:rPr lang="en-GB" sz="1600" dirty="0">
-                <a:latin typeface="Nunito Sans" panose="020B0604020202020204" charset="0"/>
-              </a:rPr>
-              <a:t>.</a:t>
+              <a:t>. </a:t>
             </a:r>
           </a:p>
           <a:p>
@@ -15039,388 +18133,148 @@
                 <a:spcPct val="150000"/>
               </a:lnSpc>
             </a:pPr>
-            <a:endParaRPr lang="en-GB" sz="1600" dirty="0">
+            <a:r>
+              <a:rPr lang="en-GB" sz="1600" dirty="0" err="1">
+                <a:latin typeface="Nunito Sans" panose="020B0604020202020204" charset="0"/>
+              </a:rPr>
+              <a:t>Facendo</a:t>
+            </a:r>
+            <a:r>
+              <a:rPr lang="en-GB" sz="1600" dirty="0">
+                <a:latin typeface="Nunito Sans" panose="020B0604020202020204" charset="0"/>
+              </a:rPr>
+              <a:t> </a:t>
+            </a:r>
+            <a:r>
+              <a:rPr lang="en-GB" sz="1600" dirty="0" err="1">
+                <a:latin typeface="Nunito Sans" panose="020B0604020202020204" charset="0"/>
+              </a:rPr>
+              <a:t>scontrare</a:t>
+            </a:r>
+            <a:r>
+              <a:rPr lang="en-GB" sz="1600" dirty="0">
+                <a:latin typeface="Nunito Sans" panose="020B0604020202020204" charset="0"/>
+              </a:rPr>
+              <a:t> </a:t>
+            </a:r>
+            <a:r>
+              <a:rPr lang="en-GB" sz="1600" dirty="0" err="1">
+                <a:latin typeface="Nunito Sans" panose="020B0604020202020204" charset="0"/>
+              </a:rPr>
+              <a:t>tra</a:t>
+            </a:r>
+            <a:r>
+              <a:rPr lang="en-GB" sz="1600" dirty="0">
+                <a:latin typeface="Nunito Sans" panose="020B0604020202020204" charset="0"/>
+              </a:rPr>
+              <a:t> </a:t>
+            </a:r>
+            <a:r>
+              <a:rPr lang="en-GB" sz="1600" dirty="0" err="1">
+                <a:latin typeface="Nunito Sans" panose="020B0604020202020204" charset="0"/>
+              </a:rPr>
+              <a:t>loro</a:t>
+            </a:r>
+            <a:r>
+              <a:rPr lang="en-GB" sz="1600" dirty="0">
+                <a:latin typeface="Nunito Sans" panose="020B0604020202020204" charset="0"/>
+              </a:rPr>
+              <a:t> </a:t>
+            </a:r>
+            <a:r>
+              <a:rPr lang="en-GB" sz="1600" dirty="0" err="1">
+                <a:latin typeface="Nunito Sans" panose="020B0604020202020204" charset="0"/>
+              </a:rPr>
+              <a:t>queste</a:t>
+            </a:r>
+            <a:r>
+              <a:rPr lang="en-GB" sz="1600" dirty="0">
+                <a:latin typeface="Nunito Sans" panose="020B0604020202020204" charset="0"/>
+              </a:rPr>
+              <a:t> </a:t>
+            </a:r>
+            <a:r>
+              <a:rPr lang="en-GB" sz="1600" dirty="0" err="1">
+                <a:latin typeface="Nunito Sans" panose="020B0604020202020204" charset="0"/>
+              </a:rPr>
+              <a:t>strategie</a:t>
+            </a:r>
+            <a:r>
+              <a:rPr lang="en-GB" sz="1600" dirty="0">
+                <a:latin typeface="Nunito Sans" panose="020B0604020202020204" charset="0"/>
+              </a:rPr>
+              <a:t>, </a:t>
+            </a:r>
+            <a:r>
+              <a:rPr lang="en-GB" sz="1600" dirty="0" err="1">
+                <a:latin typeface="Nunito Sans" panose="020B0604020202020204" charset="0"/>
+              </a:rPr>
+              <a:t>quella</a:t>
+            </a:r>
+            <a:r>
+              <a:rPr lang="en-GB" sz="1600" dirty="0">
+                <a:latin typeface="Nunito Sans" panose="020B0604020202020204" charset="0"/>
+              </a:rPr>
+              <a:t> </a:t>
+            </a:r>
+            <a:r>
+              <a:rPr lang="en-GB" sz="1600" dirty="0" err="1">
+                <a:latin typeface="Nunito Sans" panose="020B0604020202020204" charset="0"/>
+              </a:rPr>
+              <a:t>migliore</a:t>
+            </a:r>
+            <a:r>
+              <a:rPr lang="en-GB" sz="1600" dirty="0">
+                <a:latin typeface="Nunito Sans" panose="020B0604020202020204" charset="0"/>
+              </a:rPr>
+              <a:t> è </a:t>
+            </a:r>
+            <a:r>
+              <a:rPr lang="en-GB" sz="1600" dirty="0" err="1">
+                <a:latin typeface="Nunito Sans" panose="020B0604020202020204" charset="0"/>
+              </a:rPr>
+              <a:t>risultata</a:t>
+            </a:r>
+            <a:r>
+              <a:rPr lang="en-GB" sz="1600" dirty="0">
+                <a:latin typeface="Nunito Sans" panose="020B0604020202020204" charset="0"/>
+              </a:rPr>
+              <a:t> </a:t>
+            </a:r>
+            <a:r>
+              <a:rPr lang="en-GB" sz="1600" dirty="0" err="1">
+                <a:latin typeface="Nunito Sans" panose="020B0604020202020204" charset="0"/>
+              </a:rPr>
+              <a:t>essere</a:t>
+            </a:r>
+            <a:r>
+              <a:rPr lang="en-GB" sz="1600" dirty="0">
+                <a:latin typeface="Nunito Sans" panose="020B0604020202020204" charset="0"/>
+              </a:rPr>
+              <a:t> </a:t>
+            </a:r>
+            <a:r>
+              <a:rPr lang="en-GB" sz="1600" dirty="0" err="1">
+                <a:latin typeface="Nunito Sans" panose="020B0604020202020204" charset="0"/>
+              </a:rPr>
+              <a:t>AlphaBeta</a:t>
+            </a:r>
+            <a:r>
+              <a:rPr lang="en-GB" sz="1600" dirty="0">
+                <a:latin typeface="Nunito Sans" panose="020B0604020202020204" charset="0"/>
+              </a:rPr>
+              <a:t>.</a:t>
+            </a:r>
+            <a:endParaRPr lang="it-IT" sz="1600" dirty="0">
               <a:latin typeface="Nunito Sans" panose="020B0604020202020204" charset="0"/>
             </a:endParaRPr>
           </a:p>
-          <a:p>
-            <a:pPr algn="just">
-              <a:lnSpc>
-                <a:spcPct val="150000"/>
-              </a:lnSpc>
-            </a:pPr>
-            <a:endParaRPr lang="en-GB" sz="1600" dirty="0">
-              <a:latin typeface="Nunito Sans" panose="020B0604020202020204" charset="0"/>
-            </a:endParaRPr>
-          </a:p>
-          <a:p>
-            <a:pPr algn="just">
-              <a:lnSpc>
-                <a:spcPct val="150000"/>
-              </a:lnSpc>
-            </a:pPr>
-            <a:endParaRPr lang="en-GB" sz="1600" dirty="0">
-              <a:latin typeface="Nunito Sans" panose="020B0604020202020204" charset="0"/>
-            </a:endParaRPr>
-          </a:p>
-          <a:p>
-            <a:pPr algn="just">
-              <a:lnSpc>
-                <a:spcPct val="150000"/>
-              </a:lnSpc>
-            </a:pPr>
-            <a:r>
-              <a:rPr lang="en-GB" sz="1600" dirty="0" err="1">
-                <a:latin typeface="Nunito Sans" panose="020B0604020202020204" charset="0"/>
-              </a:rPr>
-              <a:t>Attraverso</a:t>
-            </a:r>
-            <a:r>
-              <a:rPr lang="en-GB" sz="1600" dirty="0">
-                <a:latin typeface="Nunito Sans" panose="020B0604020202020204" charset="0"/>
-              </a:rPr>
-              <a:t> </a:t>
-            </a:r>
-            <a:r>
-              <a:rPr lang="en-GB" sz="1600" dirty="0" err="1">
-                <a:latin typeface="Nunito Sans" panose="020B0604020202020204" charset="0"/>
-              </a:rPr>
-              <a:t>questa</a:t>
-            </a:r>
-            <a:r>
-              <a:rPr lang="en-GB" sz="1600" dirty="0">
-                <a:latin typeface="Nunito Sans" panose="020B0604020202020204" charset="0"/>
-              </a:rPr>
-              <a:t> </a:t>
-            </a:r>
-            <a:r>
-              <a:rPr lang="en-GB" sz="1600" dirty="0" err="1">
-                <a:latin typeface="Nunito Sans" panose="020B0604020202020204" charset="0"/>
-              </a:rPr>
-              <a:t>informazione</a:t>
-            </a:r>
-            <a:r>
-              <a:rPr lang="en-GB" sz="1600" dirty="0">
-                <a:latin typeface="Nunito Sans" panose="020B0604020202020204" charset="0"/>
-              </a:rPr>
-              <a:t>, se </a:t>
-            </a:r>
-            <a:r>
-              <a:rPr lang="en-GB" sz="1600" dirty="0" err="1">
-                <a:latin typeface="Nunito Sans" panose="020B0604020202020204" charset="0"/>
-              </a:rPr>
-              <a:t>l’agent</a:t>
-            </a:r>
-            <a:r>
-              <a:rPr lang="en-GB" sz="1600" dirty="0">
-                <a:latin typeface="Nunito Sans" panose="020B0604020202020204" charset="0"/>
-              </a:rPr>
-              <a:t> </a:t>
-            </a:r>
-            <a:r>
-              <a:rPr lang="en-GB" sz="1600" dirty="0" err="1">
-                <a:latin typeface="Nunito Sans" panose="020B0604020202020204" charset="0"/>
-              </a:rPr>
-              <a:t>si</a:t>
-            </a:r>
-            <a:r>
-              <a:rPr lang="en-GB" sz="1600" dirty="0">
-                <a:latin typeface="Nunito Sans" panose="020B0604020202020204" charset="0"/>
-              </a:rPr>
-              <a:t> </a:t>
-            </a:r>
-            <a:r>
-              <a:rPr lang="en-GB" sz="1600" dirty="0" err="1">
-                <a:latin typeface="Nunito Sans" panose="020B0604020202020204" charset="0"/>
-              </a:rPr>
-              <a:t>sta</a:t>
-            </a:r>
-            <a:r>
-              <a:rPr lang="en-GB" sz="1600" dirty="0">
-                <a:latin typeface="Nunito Sans" panose="020B0604020202020204" charset="0"/>
-              </a:rPr>
-              <a:t> </a:t>
-            </a:r>
-            <a:r>
-              <a:rPr lang="en-GB" sz="1600" dirty="0" err="1">
-                <a:latin typeface="Nunito Sans" panose="020B0604020202020204" charset="0"/>
-              </a:rPr>
-              <a:t>avviando</a:t>
-            </a:r>
-            <a:r>
-              <a:rPr lang="en-GB" sz="1600" dirty="0">
-                <a:latin typeface="Nunito Sans" panose="020B0604020202020204" charset="0"/>
-              </a:rPr>
-              <a:t> a una </a:t>
-            </a:r>
-            <a:r>
-              <a:rPr lang="en-GB" sz="1600" dirty="0" err="1">
-                <a:latin typeface="Nunito Sans" panose="020B0604020202020204" charset="0"/>
-              </a:rPr>
-              <a:t>sconfitta</a:t>
-            </a:r>
-            <a:r>
-              <a:rPr lang="en-GB" sz="1600" dirty="0">
-                <a:latin typeface="Nunito Sans" panose="020B0604020202020204" charset="0"/>
-              </a:rPr>
-              <a:t> </a:t>
-            </a:r>
-            <a:r>
-              <a:rPr lang="en-GB" sz="1600" dirty="0" err="1">
-                <a:latin typeface="Nunito Sans" panose="020B0604020202020204" charset="0"/>
-              </a:rPr>
-              <a:t>cercherà</a:t>
-            </a:r>
-            <a:r>
-              <a:rPr lang="en-GB" sz="1600" dirty="0">
-                <a:latin typeface="Nunito Sans" panose="020B0604020202020204" charset="0"/>
-              </a:rPr>
-              <a:t> di </a:t>
-            </a:r>
-            <a:r>
-              <a:rPr lang="en-GB" sz="1600" dirty="0" err="1">
-                <a:latin typeface="Nunito Sans" panose="020B0604020202020204" charset="0"/>
-              </a:rPr>
-              <a:t>pareggiare</a:t>
-            </a:r>
-            <a:r>
-              <a:rPr lang="en-GB" sz="1600" dirty="0">
-                <a:latin typeface="Nunito Sans" panose="020B0604020202020204" charset="0"/>
-              </a:rPr>
-              <a:t>, </a:t>
-            </a:r>
-            <a:r>
-              <a:rPr lang="en-GB" sz="1600" dirty="0" err="1">
-                <a:latin typeface="Nunito Sans" panose="020B0604020202020204" charset="0"/>
-              </a:rPr>
-              <a:t>altrimenti</a:t>
-            </a:r>
-            <a:r>
-              <a:rPr lang="en-GB" sz="1600" dirty="0">
-                <a:latin typeface="Nunito Sans" panose="020B0604020202020204" charset="0"/>
-              </a:rPr>
-              <a:t> </a:t>
-            </a:r>
-            <a:r>
-              <a:rPr lang="en-GB" sz="1600" dirty="0" err="1">
-                <a:latin typeface="Nunito Sans" panose="020B0604020202020204" charset="0"/>
-              </a:rPr>
-              <a:t>cercherà</a:t>
-            </a:r>
-            <a:r>
-              <a:rPr lang="en-GB" sz="1600" dirty="0">
-                <a:latin typeface="Nunito Sans" panose="020B0604020202020204" charset="0"/>
-              </a:rPr>
-              <a:t> di </a:t>
-            </a:r>
-            <a:r>
-              <a:rPr lang="en-GB" sz="1600" dirty="0" err="1">
-                <a:latin typeface="Nunito Sans" panose="020B0604020202020204" charset="0"/>
-              </a:rPr>
-              <a:t>vincere</a:t>
-            </a:r>
-            <a:r>
-              <a:rPr lang="en-GB" sz="1600" dirty="0">
-                <a:latin typeface="Nunito Sans" panose="020B0604020202020204" charset="0"/>
-              </a:rPr>
-              <a:t> </a:t>
-            </a:r>
-            <a:r>
-              <a:rPr lang="en-GB" sz="1600" dirty="0" err="1">
-                <a:latin typeface="Nunito Sans" panose="020B0604020202020204" charset="0"/>
-              </a:rPr>
-              <a:t>evitando</a:t>
-            </a:r>
-            <a:r>
-              <a:rPr lang="en-GB" sz="1600" dirty="0">
-                <a:latin typeface="Nunito Sans" panose="020B0604020202020204" charset="0"/>
-              </a:rPr>
-              <a:t> </a:t>
-            </a:r>
-            <a:r>
-              <a:rPr lang="en-GB" sz="1600" dirty="0" err="1">
-                <a:latin typeface="Nunito Sans" panose="020B0604020202020204" charset="0"/>
-              </a:rPr>
-              <a:t>il</a:t>
-            </a:r>
-            <a:r>
-              <a:rPr lang="en-GB" sz="1600" dirty="0">
-                <a:latin typeface="Nunito Sans" panose="020B0604020202020204" charset="0"/>
-              </a:rPr>
-              <a:t> </a:t>
-            </a:r>
-            <a:r>
-              <a:rPr lang="en-GB" sz="1600" dirty="0" err="1">
-                <a:latin typeface="Nunito Sans" panose="020B0604020202020204" charset="0"/>
-              </a:rPr>
-              <a:t>pareggio</a:t>
-            </a:r>
-            <a:r>
-              <a:rPr lang="en-GB" sz="1600" dirty="0">
-                <a:latin typeface="Nunito Sans" panose="020B0604020202020204" charset="0"/>
-              </a:rPr>
-              <a:t>.</a:t>
-            </a:r>
-          </a:p>
-          <a:p>
-            <a:pPr algn="just"/>
-            <a:endParaRPr lang="en-GB" sz="1600" dirty="0">
-              <a:latin typeface="Nunito Sans" panose="020B0604020202020204" charset="0"/>
-            </a:endParaRPr>
-          </a:p>
-          <a:p>
-            <a:pPr algn="just"/>
-            <a:endParaRPr lang="en-GB" sz="1600" dirty="0">
-              <a:latin typeface="Nunito Sans" panose="020B0604020202020204" charset="0"/>
-            </a:endParaRPr>
-          </a:p>
         </p:txBody>
       </p:sp>
-      <p:graphicFrame>
-        <p:nvGraphicFramePr>
-          <p:cNvPr id="3" name="Table 2">
-            <a:extLst>
-              <a:ext uri="{FF2B5EF4-FFF2-40B4-BE49-F238E27FC236}">
-                <a16:creationId xmlns:a16="http://schemas.microsoft.com/office/drawing/2014/main" id="{BAD77771-7C4D-4252-BE5A-3919D5B51861}"/>
-              </a:ext>
-            </a:extLst>
-          </p:cNvPr>
-          <p:cNvGraphicFramePr>
-            <a:graphicFrameLocks noGrp="1"/>
-          </p:cNvGraphicFramePr>
-          <p:nvPr>
-            <p:extLst>
-              <p:ext uri="{D42A27DB-BD31-4B8C-83A1-F6EECF244321}">
-                <p14:modId xmlns:p14="http://schemas.microsoft.com/office/powerpoint/2010/main" val="1876658352"/>
-              </p:ext>
-            </p:extLst>
-          </p:nvPr>
-        </p:nvGraphicFramePr>
-        <p:xfrm>
-          <a:off x="3994858" y="1950587"/>
-          <a:ext cx="3716940" cy="318997"/>
-        </p:xfrm>
-        <a:graphic>
-          <a:graphicData uri="http://schemas.openxmlformats.org/drawingml/2006/table">
-            <a:tbl>
-              <a:tblPr bandRow="1">
-                <a:tableStyleId>{284E427A-3D55-4303-BF80-6455036E1DE7}</a:tableStyleId>
-              </a:tblPr>
-              <a:tblGrid>
-                <a:gridCol w="1858470">
-                  <a:extLst>
-                    <a:ext uri="{9D8B030D-6E8A-4147-A177-3AD203B41FA5}">
-                      <a16:colId xmlns:a16="http://schemas.microsoft.com/office/drawing/2014/main" val="2407591331"/>
-                    </a:ext>
-                  </a:extLst>
-                </a:gridCol>
-                <a:gridCol w="1858470">
-                  <a:extLst>
-                    <a:ext uri="{9D8B030D-6E8A-4147-A177-3AD203B41FA5}">
-                      <a16:colId xmlns:a16="http://schemas.microsoft.com/office/drawing/2014/main" val="2074325951"/>
-                    </a:ext>
-                  </a:extLst>
-                </a:gridCol>
-              </a:tblGrid>
-              <a:tr h="318997">
-                <a:tc>
-                  <a:txBody>
-                    <a:bodyPr/>
-                    <a:lstStyle/>
-                    <a:p>
-                      <a:pPr algn="ctr"/>
-                      <a:r>
-                        <a:rPr lang="en-GB" dirty="0"/>
-                        <a:t>state hash</a:t>
-                      </a:r>
-                      <a:endParaRPr lang="it-IT" dirty="0"/>
-                    </a:p>
-                  </a:txBody>
-                  <a:tcPr>
-                    <a:gradFill flip="none" rotWithShape="1">
-                      <a:gsLst>
-                        <a:gs pos="0">
-                          <a:srgbClr val="F67031">
-                            <a:tint val="66000"/>
-                            <a:satMod val="160000"/>
-                          </a:srgbClr>
-                        </a:gs>
-                        <a:gs pos="50000">
-                          <a:srgbClr val="F67031">
-                            <a:tint val="44500"/>
-                            <a:satMod val="160000"/>
-                          </a:srgbClr>
-                        </a:gs>
-                        <a:gs pos="100000">
-                          <a:srgbClr val="F67031">
-                            <a:tint val="23500"/>
-                            <a:satMod val="160000"/>
-                          </a:srgbClr>
-                        </a:gs>
-                      </a:gsLst>
-                      <a:lin ang="13500000" scaled="1"/>
-                      <a:tileRect/>
-                    </a:gradFill>
-                  </a:tcPr>
-                </a:tc>
-                <a:tc>
-                  <a:txBody>
-                    <a:bodyPr/>
-                    <a:lstStyle/>
-                    <a:p>
-                      <a:pPr algn="ctr"/>
-                      <a:r>
-                        <a:rPr lang="en-GB" dirty="0">
-                          <a:latin typeface="Nunito Sans" panose="020B0604020202020204" charset="0"/>
-                        </a:rPr>
-                        <a:t>bool loop</a:t>
-                      </a:r>
-                      <a:endParaRPr lang="it-IT" dirty="0">
-                        <a:latin typeface="Nunito Sans" panose="020B0604020202020204" charset="0"/>
-                      </a:endParaRPr>
-                    </a:p>
-                  </a:txBody>
-                  <a:tcPr>
-                    <a:gradFill flip="none" rotWithShape="1">
-                      <a:gsLst>
-                        <a:gs pos="0">
-                          <a:srgbClr val="F67031">
-                            <a:tint val="66000"/>
-                            <a:satMod val="160000"/>
-                          </a:srgbClr>
-                        </a:gs>
-                        <a:gs pos="50000">
-                          <a:srgbClr val="F67031">
-                            <a:tint val="44500"/>
-                            <a:satMod val="160000"/>
-                          </a:srgbClr>
-                        </a:gs>
-                        <a:gs pos="100000">
-                          <a:srgbClr val="F67031">
-                            <a:tint val="23500"/>
-                            <a:satMod val="160000"/>
-                          </a:srgbClr>
-                        </a:gs>
-                      </a:gsLst>
-                      <a:lin ang="13500000" scaled="1"/>
-                      <a:tileRect/>
-                    </a:gradFill>
-                  </a:tcPr>
-                </a:tc>
-                <a:extLst>
-                  <a:ext uri="{0D108BD9-81ED-4DB2-BD59-A6C34878D82A}">
-                    <a16:rowId xmlns:a16="http://schemas.microsoft.com/office/drawing/2014/main" val="3441762957"/>
-                  </a:ext>
-                </a:extLst>
-              </a:tr>
-            </a:tbl>
-          </a:graphicData>
-        </a:graphic>
-      </p:graphicFrame>
     </p:spTree>
     <p:extLst>
       <p:ext uri="{BB962C8B-B14F-4D97-AF65-F5344CB8AC3E}">
-        <p14:creationId xmlns:p14="http://schemas.microsoft.com/office/powerpoint/2010/main" val="107153426"/>
+        <p14:creationId xmlns:p14="http://schemas.microsoft.com/office/powerpoint/2010/main" val="4022789591"/>
       </p:ext>
     </p:extLst>
   </p:cSld>
